--- a/Presentazione ML.pptx
+++ b/Presentazione ML.pptx
@@ -1,23 +1,25 @@
 
 <file path=ppt/presentation.xml><?xml version="1.0" encoding="utf-8"?>
-<p:presentation xmlns:a="http://schemas.openxmlformats.org/drawingml/2006/main" xmlns:r="http://schemas.openxmlformats.org/officeDocument/2006/relationships" xmlns:p="http://schemas.openxmlformats.org/presentationml/2006/main" xmlns:m="http://schemas.openxmlformats.org/officeDocument/2006/math" xmlns:a14="http://schemas.microsoft.com/office/drawing/2010/main">
+<p:presentation xmlns:a="http://schemas.openxmlformats.org/drawingml/2006/main" xmlns:r="http://schemas.openxmlformats.org/officeDocument/2006/relationships" xmlns:p="http://schemas.openxmlformats.org/presentationml/2006/main">
   <p:sldMasterIdLst>
-    <p:sldMasterId id="2147483648" r:id="rId5"/>
+    <p:sldMasterId id="2147483648" r:id="rId1"/>
   </p:sldMasterIdLst>
   <p:notesMasterIdLst>
-    <p:notesMasterId r:id="rId7"/>
+    <p:notesMasterId r:id="rId14"/>
   </p:notesMasterIdLst>
   <p:sldIdLst>
-    <p:sldId id="256" r:id="rId8"/>
-    <p:sldId id="257" r:id="rId9"/>
-    <p:sldId id="258" r:id="rId10"/>
-    <p:sldId id="259" r:id="rId11"/>
-    <p:sldId id="260" r:id="rId12"/>
-    <p:sldId id="261" r:id="rId13"/>
-    <p:sldId id="262" r:id="rId14"/>
-    <p:sldId id="263" r:id="rId15"/>
-    <p:sldId id="264" r:id="rId16"/>
-    <p:sldId id="265" r:id="rId17"/>
+    <p:sldId id="256" r:id="rId2"/>
+    <p:sldId id="257" r:id="rId3"/>
+    <p:sldId id="258" r:id="rId4"/>
+    <p:sldId id="259" r:id="rId5"/>
+    <p:sldId id="260" r:id="rId6"/>
+    <p:sldId id="261" r:id="rId7"/>
+    <p:sldId id="262" r:id="rId8"/>
+    <p:sldId id="266" r:id="rId9"/>
+    <p:sldId id="263" r:id="rId10"/>
+    <p:sldId id="267" r:id="rId11"/>
+    <p:sldId id="264" r:id="rId12"/>
+    <p:sldId id="265" r:id="rId13"/>
   </p:sldIdLst>
   <p:sldSz cx="24384000" cy="13716000"/>
   <p:notesSz cx="6858000" cy="9144000"/>
@@ -37,7 +39,7 @@
       <a:buFontTx/>
       <a:buNone/>
       <a:tabLst/>
-      <a:defRPr b="0" baseline="0" cap="none" i="0" spc="0" strike="noStrike" sz="1800" u="none" kumimoji="0" normalizeH="0">
+      <a:defRPr kumimoji="0" sz="1800" b="0" i="0" u="none" strike="noStrike" cap="none" spc="0" normalizeH="0" baseline="0">
         <a:ln>
           <a:noFill/>
         </a:ln>
@@ -63,7 +65,7 @@
       <a:buFontTx/>
       <a:buNone/>
       <a:tabLst/>
-      <a:defRPr b="0" baseline="0" cap="none" i="0" spc="0" strike="noStrike" sz="2400" u="none" kumimoji="0" normalizeH="0">
+      <a:defRPr kumimoji="0" sz="2400" b="0" i="0" u="none" strike="noStrike" cap="none" spc="0" normalizeH="0" baseline="0">
         <a:ln>
           <a:noFill/>
         </a:ln>
@@ -93,7 +95,7 @@
       <a:buFontTx/>
       <a:buNone/>
       <a:tabLst/>
-      <a:defRPr b="0" baseline="0" cap="none" i="0" spc="0" strike="noStrike" sz="2400" u="none" kumimoji="0" normalizeH="0">
+      <a:defRPr kumimoji="0" sz="2400" b="0" i="0" u="none" strike="noStrike" cap="none" spc="0" normalizeH="0" baseline="0">
         <a:ln>
           <a:noFill/>
         </a:ln>
@@ -123,7 +125,7 @@
       <a:buFontTx/>
       <a:buNone/>
       <a:tabLst/>
-      <a:defRPr b="0" baseline="0" cap="none" i="0" spc="0" strike="noStrike" sz="2400" u="none" kumimoji="0" normalizeH="0">
+      <a:defRPr kumimoji="0" sz="2400" b="0" i="0" u="none" strike="noStrike" cap="none" spc="0" normalizeH="0" baseline="0">
         <a:ln>
           <a:noFill/>
         </a:ln>
@@ -153,7 +155,7 @@
       <a:buFontTx/>
       <a:buNone/>
       <a:tabLst/>
-      <a:defRPr b="0" baseline="0" cap="none" i="0" spc="0" strike="noStrike" sz="2400" u="none" kumimoji="0" normalizeH="0">
+      <a:defRPr kumimoji="0" sz="2400" b="0" i="0" u="none" strike="noStrike" cap="none" spc="0" normalizeH="0" baseline="0">
         <a:ln>
           <a:noFill/>
         </a:ln>
@@ -183,7 +185,7 @@
       <a:buFontTx/>
       <a:buNone/>
       <a:tabLst/>
-      <a:defRPr b="0" baseline="0" cap="none" i="0" spc="0" strike="noStrike" sz="2400" u="none" kumimoji="0" normalizeH="0">
+      <a:defRPr kumimoji="0" sz="2400" b="0" i="0" u="none" strike="noStrike" cap="none" spc="0" normalizeH="0" baseline="0">
         <a:ln>
           <a:noFill/>
         </a:ln>
@@ -213,7 +215,7 @@
       <a:buFontTx/>
       <a:buNone/>
       <a:tabLst/>
-      <a:defRPr b="0" baseline="0" cap="none" i="0" spc="0" strike="noStrike" sz="2400" u="none" kumimoji="0" normalizeH="0">
+      <a:defRPr kumimoji="0" sz="2400" b="0" i="0" u="none" strike="noStrike" cap="none" spc="0" normalizeH="0" baseline="0">
         <a:ln>
           <a:noFill/>
         </a:ln>
@@ -243,7 +245,7 @@
       <a:buFontTx/>
       <a:buNone/>
       <a:tabLst/>
-      <a:defRPr b="0" baseline="0" cap="none" i="0" spc="0" strike="noStrike" sz="2400" u="none" kumimoji="0" normalizeH="0">
+      <a:defRPr kumimoji="0" sz="2400" b="0" i="0" u="none" strike="noStrike" cap="none" spc="0" normalizeH="0" baseline="0">
         <a:ln>
           <a:noFill/>
         </a:ln>
@@ -273,7 +275,7 @@
       <a:buFontTx/>
       <a:buNone/>
       <a:tabLst/>
-      <a:defRPr b="0" baseline="0" cap="none" i="0" spc="0" strike="noStrike" sz="2400" u="none" kumimoji="0" normalizeH="0">
+      <a:defRPr kumimoji="0" sz="2400" b="0" i="0" u="none" strike="noStrike" cap="none" spc="0" normalizeH="0" baseline="0">
         <a:ln>
           <a:noFill/>
         </a:ln>
@@ -303,7 +305,7 @@
       <a:buFontTx/>
       <a:buNone/>
       <a:tabLst/>
-      <a:defRPr b="0" baseline="0" cap="none" i="0" spc="0" strike="noStrike" sz="2400" u="none" kumimoji="0" normalizeH="0">
+      <a:defRPr kumimoji="0" sz="2400" b="0" i="0" u="none" strike="noStrike" cap="none" spc="0" normalizeH="0" baseline="0">
         <a:ln>
           <a:noFill/>
         </a:ln>
@@ -322,13 +324,14 @@
 </p:presentation>
 </file>
 
-<file path=ppt/commentAuthors.xml><?xml version="1.0" encoding="utf-8"?>
-<p:cmAuthorLst xmlns:a="http://schemas.openxmlformats.org/drawingml/2006/main" xmlns:r="http://schemas.openxmlformats.org/officeDocument/2006/relationships" xmlns:p="http://schemas.openxmlformats.org/presentationml/2006/main" xmlns:m="http://schemas.openxmlformats.org/officeDocument/2006/math" xmlns:a14="http://schemas.microsoft.com/office/drawing/2010/main"/>
-</file>
-
 <file path=ppt/notesMasters/notesMaster1.xml><?xml version="1.0" encoding="utf-8"?>
-<p:notesMaster xmlns:a="http://schemas.openxmlformats.org/drawingml/2006/main" xmlns:r="http://schemas.openxmlformats.org/officeDocument/2006/relationships" xmlns:p="http://schemas.openxmlformats.org/presentationml/2006/main" xmlns:m="http://schemas.openxmlformats.org/officeDocument/2006/math" xmlns:a14="http://schemas.microsoft.com/office/drawing/2010/main">
+<p:notesMaster xmlns:a="http://schemas.openxmlformats.org/drawingml/2006/main" xmlns:r="http://schemas.openxmlformats.org/officeDocument/2006/relationships" xmlns:p="http://schemas.openxmlformats.org/presentationml/2006/main">
   <p:cSld>
+    <p:bg>
+      <p:bgRef idx="1001">
+        <a:schemeClr val="bg1"/>
+      </p:bgRef>
+    </p:bg>
     <p:spTree>
       <p:nvGrpSpPr>
         <p:cNvPr id="1" name=""/>
@@ -346,7 +349,9 @@
       <p:sp>
         <p:nvSpPr>
           <p:cNvPr id="148" name="Shape 148"/>
-          <p:cNvSpPr/>
+          <p:cNvSpPr>
+            <a:spLocks noGrp="1" noRot="1" noChangeAspect="1"/>
+          </p:cNvSpPr>
           <p:nvPr>
             <p:ph type="sldImg"/>
           </p:nvPr>
@@ -364,14 +369,16 @@
           <a:bodyPr/>
           <a:lstStyle/>
           <a:p>
-            <a:pPr/>
+            <a:endParaRPr/>
           </a:p>
         </p:txBody>
       </p:sp>
       <p:sp>
         <p:nvSpPr>
           <p:cNvPr id="149" name="Shape 149"/>
-          <p:cNvSpPr/>
+          <p:cNvSpPr>
+            <a:spLocks noGrp="1"/>
+          </p:cNvSpPr>
           <p:nvPr>
             <p:ph type="body" sz="quarter" idx="1"/>
           </p:nvPr>
@@ -389,7 +396,7 @@
           <a:bodyPr/>
           <a:lstStyle/>
           <a:p>
-            <a:pPr/>
+            <a:endParaRPr/>
           </a:p>
         </p:txBody>
       </p:sp>
@@ -501,7 +508,7 @@
 </file>
 
 <file path=ppt/slideLayouts/slideLayout1.xml><?xml version="1.0" encoding="utf-8"?>
-<p:sldLayout xmlns:a="http://schemas.openxmlformats.org/drawingml/2006/main" xmlns:r="http://schemas.openxmlformats.org/officeDocument/2006/relationships" xmlns:p="http://schemas.openxmlformats.org/presentationml/2006/main" xmlns:m="http://schemas.openxmlformats.org/officeDocument/2006/math" xmlns:a14="http://schemas.microsoft.com/office/drawing/2010/main" type="title" showMasterSp="1" showMasterPhAnim="1">
+<p:sldLayout xmlns:a="http://schemas.openxmlformats.org/drawingml/2006/main" xmlns:r="http://schemas.openxmlformats.org/officeDocument/2006/relationships" xmlns:p="http://schemas.openxmlformats.org/presentationml/2006/main" type="title">
   <p:cSld name="Titolo">
     <p:spTree>
       <p:nvGrpSpPr>
@@ -520,7 +527,9 @@
       <p:sp>
         <p:nvSpPr>
           <p:cNvPr id="11" name="Autore e data"/>
-          <p:cNvSpPr txBox="1"/>
+          <p:cNvSpPr txBox="1">
+            <a:spLocks noGrp="1"/>
+          </p:cNvSpPr>
           <p:nvPr>
             <p:ph type="body" sz="quarter" idx="21" hasCustomPrompt="1"/>
           </p:nvPr>
@@ -546,11 +555,10 @@
               </a:spcBef>
               <a:buSzTx/>
               <a:buNone/>
-              <a:defRPr b="1" sz="3600"/>
+              <a:defRPr sz="3600" b="1"/>
             </a:lvl1pPr>
           </a:lstStyle>
           <a:p>
-            <a:pPr/>
             <a:r>
               <a:t>Autore e data</a:t>
             </a:r>
@@ -560,7 +568,9 @@
       <p:sp>
         <p:nvSpPr>
           <p:cNvPr id="12" name="Titolo presentazione"/>
-          <p:cNvSpPr txBox="1"/>
+          <p:cNvSpPr txBox="1">
+            <a:spLocks noGrp="1"/>
+          </p:cNvSpPr>
           <p:nvPr>
             <p:ph type="title" hasCustomPrompt="1"/>
           </p:nvPr>
@@ -578,11 +588,10 @@
           <a:bodyPr anchor="b"/>
           <a:lstStyle>
             <a:lvl1pPr>
-              <a:defRPr spc="-232" sz="11600"/>
+              <a:defRPr sz="11600" spc="-232"/>
             </a:lvl1pPr>
           </a:lstStyle>
           <a:p>
-            <a:pPr/>
             <a:r>
               <a:t>Titolo presentazione</a:t>
             </a:r>
@@ -592,7 +601,9 @@
       <p:sp>
         <p:nvSpPr>
           <p:cNvPr id="13" name="Corpo livello uno…"/>
-          <p:cNvSpPr txBox="1"/>
+          <p:cNvSpPr txBox="1">
+            <a:spLocks noGrp="1"/>
+          </p:cNvSpPr>
           <p:nvPr>
             <p:ph type="body" sz="quarter" idx="1" hasCustomPrompt="1"/>
           </p:nvPr>
@@ -618,7 +629,7 @@
               </a:spcBef>
               <a:buSzTx/>
               <a:buNone/>
-              <a:defRPr b="1" sz="5500"/>
+              <a:defRPr sz="5500" b="1"/>
             </a:lvl1pPr>
             <a:lvl2pPr marL="0" indent="457200" defTabSz="825500">
               <a:lnSpc>
@@ -629,7 +640,7 @@
               </a:spcBef>
               <a:buSzTx/>
               <a:buNone/>
-              <a:defRPr b="1" sz="5500"/>
+              <a:defRPr sz="5500" b="1"/>
             </a:lvl2pPr>
             <a:lvl3pPr marL="0" indent="914400" defTabSz="825500">
               <a:lnSpc>
@@ -640,7 +651,7 @@
               </a:spcBef>
               <a:buSzTx/>
               <a:buNone/>
-              <a:defRPr b="1" sz="5500"/>
+              <a:defRPr sz="5500" b="1"/>
             </a:lvl3pPr>
             <a:lvl4pPr marL="0" indent="1371600" defTabSz="825500">
               <a:lnSpc>
@@ -651,7 +662,7 @@
               </a:spcBef>
               <a:buSzTx/>
               <a:buNone/>
-              <a:defRPr b="1" sz="5500"/>
+              <a:defRPr sz="5500" b="1"/>
             </a:lvl4pPr>
             <a:lvl5pPr marL="0" indent="1828800" defTabSz="825500">
               <a:lnSpc>
@@ -662,45 +673,38 @@
               </a:spcBef>
               <a:buSzTx/>
               <a:buNone/>
-              <a:defRPr b="1" sz="5500"/>
+              <a:defRPr sz="5500" b="1"/>
             </a:lvl5pPr>
           </a:lstStyle>
           <a:p>
-            <a:pPr/>
             <a:r>
               <a:t>Sottotitolo presentazione</a:t>
             </a:r>
           </a:p>
           <a:p>
             <a:pPr lvl="1"/>
-            <a:r>
-              <a:t/>
-            </a:r>
+            <a:endParaRPr/>
           </a:p>
           <a:p>
             <a:pPr lvl="2"/>
-            <a:r>
-              <a:t/>
-            </a:r>
+            <a:endParaRPr/>
           </a:p>
           <a:p>
             <a:pPr lvl="3"/>
-            <a:r>
-              <a:t/>
-            </a:r>
+            <a:endParaRPr/>
           </a:p>
           <a:p>
             <a:pPr lvl="4"/>
-            <a:r>
-              <a:t/>
-            </a:r>
+            <a:endParaRPr/>
           </a:p>
         </p:txBody>
       </p:sp>
       <p:sp>
         <p:nvSpPr>
           <p:cNvPr id="14" name="Numero diapositiva"/>
-          <p:cNvSpPr txBox="1"/>
+          <p:cNvSpPr txBox="1">
+            <a:spLocks noGrp="1"/>
+          </p:cNvSpPr>
           <p:nvPr>
             <p:ph type="sldNum" sz="quarter" idx="2"/>
           </p:nvPr>
@@ -714,8 +718,10 @@
           <a:bodyPr/>
           <a:lstStyle/>
           <a:p>
-            <a:pPr/>
-            <a:fld id="{86CB4B4D-7CA3-9044-876B-883B54F8677D}" type="slidenum"/>
+            <a:fld id="{86CB4B4D-7CA3-9044-876B-883B54F8677D}" type="slidenum">
+              <a:t>‹N›</a:t>
+            </a:fld>
+            <a:endParaRPr/>
           </a:p>
         </p:txBody>
       </p:sp>
@@ -724,12 +730,12 @@
   <p:clrMapOvr>
     <a:masterClrMapping/>
   </p:clrMapOvr>
-  <p:transition xmlns:p14="http://schemas.microsoft.com/office/powerpoint/2010/main" spd="med" advClick="1"/>
+  <p:transition spd="med"/>
 </p:sldLayout>
 </file>
 
 <file path=ppt/slideLayouts/slideLayout10.xml><?xml version="1.0" encoding="utf-8"?>
-<p:sldLayout xmlns:a="http://schemas.openxmlformats.org/drawingml/2006/main" xmlns:r="http://schemas.openxmlformats.org/officeDocument/2006/relationships" xmlns:p="http://schemas.openxmlformats.org/presentationml/2006/main" xmlns:m="http://schemas.openxmlformats.org/officeDocument/2006/math" xmlns:a14="http://schemas.microsoft.com/office/drawing/2010/main" type="tx" showMasterSp="1" showMasterPhAnim="1">
+<p:sldLayout xmlns:a="http://schemas.openxmlformats.org/drawingml/2006/main" xmlns:r="http://schemas.openxmlformats.org/officeDocument/2006/relationships" xmlns:p="http://schemas.openxmlformats.org/presentationml/2006/main" type="tx">
   <p:cSld name="Dichiarazione">
     <p:spTree>
       <p:nvGrpSpPr>
@@ -748,7 +754,9 @@
       <p:sp>
         <p:nvSpPr>
           <p:cNvPr id="98" name="Corpo livello uno…"/>
-          <p:cNvSpPr txBox="1"/>
+          <p:cNvSpPr txBox="1">
+            <a:spLocks noGrp="1"/>
+          </p:cNvSpPr>
           <p:nvPr>
             <p:ph type="body" sz="half" idx="1" hasCustomPrompt="1"/>
           </p:nvPr>
@@ -774,7 +782,7 @@
               </a:spcBef>
               <a:buSzTx/>
               <a:buNone/>
-              <a:defRPr spc="-232" sz="11600">
+              <a:defRPr sz="11600" spc="-232">
                 <a:latin typeface="Helvetica Neue Medium"/>
                 <a:ea typeface="Helvetica Neue Medium"/>
                 <a:cs typeface="Helvetica Neue Medium"/>
@@ -790,7 +798,7 @@
               </a:spcBef>
               <a:buSzTx/>
               <a:buNone/>
-              <a:defRPr spc="-232" sz="11600">
+              <a:defRPr sz="11600" spc="-232">
                 <a:latin typeface="Helvetica Neue Medium"/>
                 <a:ea typeface="Helvetica Neue Medium"/>
                 <a:cs typeface="Helvetica Neue Medium"/>
@@ -806,7 +814,7 @@
               </a:spcBef>
               <a:buSzTx/>
               <a:buNone/>
-              <a:defRPr spc="-232" sz="11600">
+              <a:defRPr sz="11600" spc="-232">
                 <a:latin typeface="Helvetica Neue Medium"/>
                 <a:ea typeface="Helvetica Neue Medium"/>
                 <a:cs typeface="Helvetica Neue Medium"/>
@@ -822,7 +830,7 @@
               </a:spcBef>
               <a:buSzTx/>
               <a:buNone/>
-              <a:defRPr spc="-232" sz="11600">
+              <a:defRPr sz="11600" spc="-232">
                 <a:latin typeface="Helvetica Neue Medium"/>
                 <a:ea typeface="Helvetica Neue Medium"/>
                 <a:cs typeface="Helvetica Neue Medium"/>
@@ -838,7 +846,7 @@
               </a:spcBef>
               <a:buSzTx/>
               <a:buNone/>
-              <a:defRPr spc="-232" sz="11600">
+              <a:defRPr sz="11600" spc="-232">
                 <a:latin typeface="Helvetica Neue Medium"/>
                 <a:ea typeface="Helvetica Neue Medium"/>
                 <a:cs typeface="Helvetica Neue Medium"/>
@@ -847,41 +855,34 @@
             </a:lvl5pPr>
           </a:lstStyle>
           <a:p>
-            <a:pPr/>
             <a:r>
               <a:t>Dichiarazione</a:t>
             </a:r>
           </a:p>
           <a:p>
             <a:pPr lvl="1"/>
-            <a:r>
-              <a:t/>
-            </a:r>
+            <a:endParaRPr/>
           </a:p>
           <a:p>
             <a:pPr lvl="2"/>
-            <a:r>
-              <a:t/>
-            </a:r>
+            <a:endParaRPr/>
           </a:p>
           <a:p>
             <a:pPr lvl="3"/>
-            <a:r>
-              <a:t/>
-            </a:r>
+            <a:endParaRPr/>
           </a:p>
           <a:p>
             <a:pPr lvl="4"/>
-            <a:r>
-              <a:t/>
-            </a:r>
+            <a:endParaRPr/>
           </a:p>
         </p:txBody>
       </p:sp>
       <p:sp>
         <p:nvSpPr>
           <p:cNvPr id="99" name="Numero diapositiva"/>
-          <p:cNvSpPr txBox="1"/>
+          <p:cNvSpPr txBox="1">
+            <a:spLocks noGrp="1"/>
+          </p:cNvSpPr>
           <p:nvPr>
             <p:ph type="sldNum" sz="quarter" idx="2"/>
           </p:nvPr>
@@ -895,8 +896,10 @@
           <a:bodyPr/>
           <a:lstStyle/>
           <a:p>
-            <a:pPr/>
-            <a:fld id="{86CB4B4D-7CA3-9044-876B-883B54F8677D}" type="slidenum"/>
+            <a:fld id="{86CB4B4D-7CA3-9044-876B-883B54F8677D}" type="slidenum">
+              <a:t>‹N›</a:t>
+            </a:fld>
+            <a:endParaRPr/>
           </a:p>
         </p:txBody>
       </p:sp>
@@ -905,12 +908,12 @@
   <p:clrMapOvr>
     <a:masterClrMapping/>
   </p:clrMapOvr>
-  <p:transition xmlns:p14="http://schemas.microsoft.com/office/powerpoint/2010/main" spd="med" advClick="1"/>
+  <p:transition spd="med"/>
 </p:sldLayout>
 </file>
 
 <file path=ppt/slideLayouts/slideLayout11.xml><?xml version="1.0" encoding="utf-8"?>
-<p:sldLayout xmlns:a="http://schemas.openxmlformats.org/drawingml/2006/main" xmlns:r="http://schemas.openxmlformats.org/officeDocument/2006/relationships" xmlns:p="http://schemas.openxmlformats.org/presentationml/2006/main" xmlns:m="http://schemas.openxmlformats.org/officeDocument/2006/math" xmlns:a14="http://schemas.microsoft.com/office/drawing/2010/main" type="tx" showMasterSp="1" showMasterPhAnim="1">
+<p:sldLayout xmlns:a="http://schemas.openxmlformats.org/drawingml/2006/main" xmlns:r="http://schemas.openxmlformats.org/officeDocument/2006/relationships" xmlns:p="http://schemas.openxmlformats.org/presentationml/2006/main" type="tx">
   <p:cSld name="Informazione importante">
     <p:spTree>
       <p:nvGrpSpPr>
@@ -929,7 +932,9 @@
       <p:sp>
         <p:nvSpPr>
           <p:cNvPr id="106" name="Corpo livello uno…"/>
-          <p:cNvSpPr txBox="1"/>
+          <p:cNvSpPr txBox="1">
+            <a:spLocks noGrp="1"/>
+          </p:cNvSpPr>
           <p:nvPr>
             <p:ph type="body" idx="1" hasCustomPrompt="1"/>
           </p:nvPr>
@@ -955,7 +960,7 @@
               </a:spcBef>
               <a:buSzTx/>
               <a:buNone/>
-              <a:defRPr b="1" spc="-250" sz="25000"/>
+              <a:defRPr sz="25000" b="1" spc="-250"/>
             </a:lvl1pPr>
             <a:lvl2pPr marL="0" indent="457200" algn="ctr">
               <a:lnSpc>
@@ -966,7 +971,7 @@
               </a:spcBef>
               <a:buSzTx/>
               <a:buNone/>
-              <a:defRPr b="1" spc="-250" sz="25000"/>
+              <a:defRPr sz="25000" b="1" spc="-250"/>
             </a:lvl2pPr>
             <a:lvl3pPr marL="0" indent="914400" algn="ctr">
               <a:lnSpc>
@@ -977,7 +982,7 @@
               </a:spcBef>
               <a:buSzTx/>
               <a:buNone/>
-              <a:defRPr b="1" spc="-250" sz="25000"/>
+              <a:defRPr sz="25000" b="1" spc="-250"/>
             </a:lvl3pPr>
             <a:lvl4pPr marL="0" indent="1371600" algn="ctr">
               <a:lnSpc>
@@ -988,7 +993,7 @@
               </a:spcBef>
               <a:buSzTx/>
               <a:buNone/>
-              <a:defRPr b="1" spc="-250" sz="25000"/>
+              <a:defRPr sz="25000" b="1" spc="-250"/>
             </a:lvl4pPr>
             <a:lvl5pPr marL="0" indent="1828800" algn="ctr">
               <a:lnSpc>
@@ -999,45 +1004,38 @@
               </a:spcBef>
               <a:buSzTx/>
               <a:buNone/>
-              <a:defRPr b="1" spc="-250" sz="25000"/>
+              <a:defRPr sz="25000" b="1" spc="-250"/>
             </a:lvl5pPr>
           </a:lstStyle>
           <a:p>
-            <a:pPr/>
             <a:r>
               <a:t>100%</a:t>
             </a:r>
           </a:p>
           <a:p>
             <a:pPr lvl="1"/>
-            <a:r>
-              <a:t/>
-            </a:r>
+            <a:endParaRPr/>
           </a:p>
           <a:p>
             <a:pPr lvl="2"/>
-            <a:r>
-              <a:t/>
-            </a:r>
+            <a:endParaRPr/>
           </a:p>
           <a:p>
             <a:pPr lvl="3"/>
-            <a:r>
-              <a:t/>
-            </a:r>
+            <a:endParaRPr/>
           </a:p>
           <a:p>
             <a:pPr lvl="4"/>
-            <a:r>
-              <a:t/>
-            </a:r>
+            <a:endParaRPr/>
           </a:p>
         </p:txBody>
       </p:sp>
       <p:sp>
         <p:nvSpPr>
           <p:cNvPr id="107" name="Dettagli informazione"/>
-          <p:cNvSpPr txBox="1"/>
+          <p:cNvSpPr txBox="1">
+            <a:spLocks noGrp="1"/>
+          </p:cNvSpPr>
           <p:nvPr>
             <p:ph type="body" sz="quarter" idx="21" hasCustomPrompt="1"/>
           </p:nvPr>
@@ -1063,11 +1061,10 @@
               </a:spcBef>
               <a:buSzTx/>
               <a:buNone/>
-              <a:defRPr b="1" sz="5500"/>
+              <a:defRPr sz="5500" b="1"/>
             </a:lvl1pPr>
           </a:lstStyle>
           <a:p>
-            <a:pPr/>
             <a:r>
               <a:t>Dettagli informazione</a:t>
             </a:r>
@@ -1077,7 +1074,9 @@
       <p:sp>
         <p:nvSpPr>
           <p:cNvPr id="108" name="Numero diapositiva"/>
-          <p:cNvSpPr txBox="1"/>
+          <p:cNvSpPr txBox="1">
+            <a:spLocks noGrp="1"/>
+          </p:cNvSpPr>
           <p:nvPr>
             <p:ph type="sldNum" sz="quarter" idx="2"/>
           </p:nvPr>
@@ -1091,8 +1090,10 @@
           <a:bodyPr/>
           <a:lstStyle/>
           <a:p>
-            <a:pPr/>
-            <a:fld id="{86CB4B4D-7CA3-9044-876B-883B54F8677D}" type="slidenum"/>
+            <a:fld id="{86CB4B4D-7CA3-9044-876B-883B54F8677D}" type="slidenum">
+              <a:t>‹N›</a:t>
+            </a:fld>
+            <a:endParaRPr/>
           </a:p>
         </p:txBody>
       </p:sp>
@@ -1101,12 +1102,12 @@
   <p:clrMapOvr>
     <a:masterClrMapping/>
   </p:clrMapOvr>
-  <p:transition xmlns:p14="http://schemas.microsoft.com/office/powerpoint/2010/main" spd="med" advClick="1"/>
+  <p:transition spd="med"/>
 </p:sldLayout>
 </file>
 
 <file path=ppt/slideLayouts/slideLayout12.xml><?xml version="1.0" encoding="utf-8"?>
-<p:sldLayout xmlns:a="http://schemas.openxmlformats.org/drawingml/2006/main" xmlns:r="http://schemas.openxmlformats.org/officeDocument/2006/relationships" xmlns:p="http://schemas.openxmlformats.org/presentationml/2006/main" xmlns:m="http://schemas.openxmlformats.org/officeDocument/2006/math" xmlns:a14="http://schemas.microsoft.com/office/drawing/2010/main" type="tx" showMasterSp="1" showMasterPhAnim="1">
+<p:sldLayout xmlns:a="http://schemas.openxmlformats.org/drawingml/2006/main" xmlns:r="http://schemas.openxmlformats.org/officeDocument/2006/relationships" xmlns:p="http://schemas.openxmlformats.org/presentationml/2006/main" type="tx">
   <p:cSld name="Citazione">
     <p:spTree>
       <p:nvGrpSpPr>
@@ -1125,7 +1126,9 @@
       <p:sp>
         <p:nvSpPr>
           <p:cNvPr id="115" name="Attribuzione"/>
-          <p:cNvSpPr txBox="1"/>
+          <p:cNvSpPr txBox="1">
+            <a:spLocks noGrp="1"/>
+          </p:cNvSpPr>
           <p:nvPr>
             <p:ph type="body" sz="quarter" idx="21" hasCustomPrompt="1"/>
           </p:nvPr>
@@ -1151,11 +1154,10 @@
               </a:spcBef>
               <a:buSzTx/>
               <a:buNone/>
-              <a:defRPr b="1" sz="3600"/>
+              <a:defRPr sz="3600" b="1"/>
             </a:lvl1pPr>
           </a:lstStyle>
           <a:p>
-            <a:pPr/>
             <a:r>
               <a:t>Attribuzione</a:t>
             </a:r>
@@ -1165,7 +1167,9 @@
       <p:sp>
         <p:nvSpPr>
           <p:cNvPr id="116" name="Corpo livello uno…"/>
-          <p:cNvSpPr txBox="1"/>
+          <p:cNvSpPr txBox="1">
+            <a:spLocks noGrp="1"/>
+          </p:cNvSpPr>
           <p:nvPr>
             <p:ph type="body" sz="half" idx="1" hasCustomPrompt="1"/>
           </p:nvPr>
@@ -1188,7 +1192,7 @@
               </a:spcBef>
               <a:buSzTx/>
               <a:buNone/>
-              <a:defRPr spc="-170" sz="8500">
+              <a:defRPr sz="8500" spc="-170">
                 <a:latin typeface="Helvetica Neue Medium"/>
                 <a:ea typeface="Helvetica Neue Medium"/>
                 <a:cs typeface="Helvetica Neue Medium"/>
@@ -1201,7 +1205,7 @@
               </a:spcBef>
               <a:buSzTx/>
               <a:buNone/>
-              <a:defRPr spc="-170" sz="8500">
+              <a:defRPr sz="8500" spc="-170">
                 <a:latin typeface="Helvetica Neue Medium"/>
                 <a:ea typeface="Helvetica Neue Medium"/>
                 <a:cs typeface="Helvetica Neue Medium"/>
@@ -1214,7 +1218,7 @@
               </a:spcBef>
               <a:buSzTx/>
               <a:buNone/>
-              <a:defRPr spc="-170" sz="8500">
+              <a:defRPr sz="8500" spc="-170">
                 <a:latin typeface="Helvetica Neue Medium"/>
                 <a:ea typeface="Helvetica Neue Medium"/>
                 <a:cs typeface="Helvetica Neue Medium"/>
@@ -1227,7 +1231,7 @@
               </a:spcBef>
               <a:buSzTx/>
               <a:buNone/>
-              <a:defRPr spc="-170" sz="8500">
+              <a:defRPr sz="8500" spc="-170">
                 <a:latin typeface="Helvetica Neue Medium"/>
                 <a:ea typeface="Helvetica Neue Medium"/>
                 <a:cs typeface="Helvetica Neue Medium"/>
@@ -1240,7 +1244,7 @@
               </a:spcBef>
               <a:buSzTx/>
               <a:buNone/>
-              <a:defRPr spc="-170" sz="8500">
+              <a:defRPr sz="8500" spc="-170">
                 <a:latin typeface="Helvetica Neue Medium"/>
                 <a:ea typeface="Helvetica Neue Medium"/>
                 <a:cs typeface="Helvetica Neue Medium"/>
@@ -1249,41 +1253,34 @@
             </a:lvl5pPr>
           </a:lstStyle>
           <a:p>
-            <a:pPr/>
             <a:r>
               <a:t>“Citazione degna di nota”</a:t>
             </a:r>
           </a:p>
           <a:p>
             <a:pPr lvl="1"/>
-            <a:r>
-              <a:t/>
-            </a:r>
+            <a:endParaRPr/>
           </a:p>
           <a:p>
             <a:pPr lvl="2"/>
-            <a:r>
-              <a:t/>
-            </a:r>
+            <a:endParaRPr/>
           </a:p>
           <a:p>
             <a:pPr lvl="3"/>
-            <a:r>
-              <a:t/>
-            </a:r>
+            <a:endParaRPr/>
           </a:p>
           <a:p>
             <a:pPr lvl="4"/>
-            <a:r>
-              <a:t/>
-            </a:r>
+            <a:endParaRPr/>
           </a:p>
         </p:txBody>
       </p:sp>
       <p:sp>
         <p:nvSpPr>
           <p:cNvPr id="117" name="Numero diapositiva"/>
-          <p:cNvSpPr txBox="1"/>
+          <p:cNvSpPr txBox="1">
+            <a:spLocks noGrp="1"/>
+          </p:cNvSpPr>
           <p:nvPr>
             <p:ph type="sldNum" sz="quarter" idx="2"/>
           </p:nvPr>
@@ -1297,8 +1294,10 @@
           <a:bodyPr/>
           <a:lstStyle/>
           <a:p>
-            <a:pPr/>
-            <a:fld id="{86CB4B4D-7CA3-9044-876B-883B54F8677D}" type="slidenum"/>
+            <a:fld id="{86CB4B4D-7CA3-9044-876B-883B54F8677D}" type="slidenum">
+              <a:t>‹N›</a:t>
+            </a:fld>
+            <a:endParaRPr/>
           </a:p>
         </p:txBody>
       </p:sp>
@@ -1307,12 +1306,12 @@
   <p:clrMapOvr>
     <a:masterClrMapping/>
   </p:clrMapOvr>
-  <p:transition xmlns:p14="http://schemas.microsoft.com/office/powerpoint/2010/main" spd="med" advClick="1"/>
+  <p:transition spd="med"/>
 </p:sldLayout>
 </file>
 
 <file path=ppt/slideLayouts/slideLayout13.xml><?xml version="1.0" encoding="utf-8"?>
-<p:sldLayout xmlns:a="http://schemas.openxmlformats.org/drawingml/2006/main" xmlns:r="http://schemas.openxmlformats.org/officeDocument/2006/relationships" xmlns:p="http://schemas.openxmlformats.org/presentationml/2006/main" xmlns:m="http://schemas.openxmlformats.org/officeDocument/2006/math" xmlns:a14="http://schemas.microsoft.com/office/drawing/2010/main" type="tx" showMasterSp="1" showMasterPhAnim="1">
+<p:sldLayout xmlns:a="http://schemas.openxmlformats.org/drawingml/2006/main" xmlns:r="http://schemas.openxmlformats.org/officeDocument/2006/relationships" xmlns:p="http://schemas.openxmlformats.org/presentationml/2006/main" type="tx">
   <p:cSld name="Foto - 3 per pagina">
     <p:spTree>
       <p:nvGrpSpPr>
@@ -1331,7 +1330,9 @@
       <p:sp>
         <p:nvSpPr>
           <p:cNvPr id="124" name="Ciotola di insalata con riso saltato, uova sode e bacchette"/>
-          <p:cNvSpPr/>
+          <p:cNvSpPr>
+            <a:spLocks noGrp="1"/>
+          </p:cNvSpPr>
           <p:nvPr>
             <p:ph type="pic" sz="quarter" idx="21"/>
           </p:nvPr>
@@ -1351,14 +1352,16 @@
           </a:bodyPr>
           <a:lstStyle/>
           <a:p>
-            <a:pPr/>
+            <a:endParaRPr/>
           </a:p>
         </p:txBody>
       </p:sp>
       <p:sp>
         <p:nvSpPr>
           <p:cNvPr id="125" name="Ciotola con frittelle al salmone, insalata e hummus "/>
-          <p:cNvSpPr/>
+          <p:cNvSpPr>
+            <a:spLocks noGrp="1"/>
+          </p:cNvSpPr>
           <p:nvPr>
             <p:ph type="pic" sz="half" idx="22"/>
           </p:nvPr>
@@ -1378,14 +1381,16 @@
           </a:bodyPr>
           <a:lstStyle/>
           <a:p>
-            <a:pPr/>
+            <a:endParaRPr/>
           </a:p>
         </p:txBody>
       </p:sp>
       <p:sp>
         <p:nvSpPr>
           <p:cNvPr id="126" name="Pappardelle con burro al prezzemolo, nocciole tostate e scaglie di parmigiano"/>
-          <p:cNvSpPr/>
+          <p:cNvSpPr>
+            <a:spLocks noGrp="1"/>
+          </p:cNvSpPr>
           <p:nvPr>
             <p:ph type="pic" idx="23"/>
           </p:nvPr>
@@ -1405,14 +1410,16 @@
           </a:bodyPr>
           <a:lstStyle/>
           <a:p>
-            <a:pPr/>
+            <a:endParaRPr/>
           </a:p>
         </p:txBody>
       </p:sp>
       <p:sp>
         <p:nvSpPr>
           <p:cNvPr id="127" name="Numero diapositiva"/>
-          <p:cNvSpPr txBox="1"/>
+          <p:cNvSpPr txBox="1">
+            <a:spLocks noGrp="1"/>
+          </p:cNvSpPr>
           <p:nvPr>
             <p:ph type="sldNum" sz="quarter" idx="2"/>
           </p:nvPr>
@@ -1426,8 +1433,10 @@
           <a:bodyPr/>
           <a:lstStyle/>
           <a:p>
-            <a:pPr/>
-            <a:fld id="{86CB4B4D-7CA3-9044-876B-883B54F8677D}" type="slidenum"/>
+            <a:fld id="{86CB4B4D-7CA3-9044-876B-883B54F8677D}" type="slidenum">
+              <a:t>‹N›</a:t>
+            </a:fld>
+            <a:endParaRPr/>
           </a:p>
         </p:txBody>
       </p:sp>
@@ -1436,12 +1445,12 @@
   <p:clrMapOvr>
     <a:masterClrMapping/>
   </p:clrMapOvr>
-  <p:transition xmlns:p14="http://schemas.microsoft.com/office/powerpoint/2010/main" spd="med" advClick="1"/>
+  <p:transition spd="med"/>
 </p:sldLayout>
 </file>
 
 <file path=ppt/slideLayouts/slideLayout14.xml><?xml version="1.0" encoding="utf-8"?>
-<p:sldLayout xmlns:a="http://schemas.openxmlformats.org/drawingml/2006/main" xmlns:r="http://schemas.openxmlformats.org/officeDocument/2006/relationships" xmlns:p="http://schemas.openxmlformats.org/presentationml/2006/main" xmlns:m="http://schemas.openxmlformats.org/officeDocument/2006/math" xmlns:a14="http://schemas.microsoft.com/office/drawing/2010/main" type="tx" showMasterSp="1" showMasterPhAnim="1">
+<p:sldLayout xmlns:a="http://schemas.openxmlformats.org/drawingml/2006/main" xmlns:r="http://schemas.openxmlformats.org/officeDocument/2006/relationships" xmlns:p="http://schemas.openxmlformats.org/presentationml/2006/main" type="tx">
   <p:cSld name="Foto">
     <p:spTree>
       <p:nvGrpSpPr>
@@ -1460,7 +1469,9 @@
       <p:sp>
         <p:nvSpPr>
           <p:cNvPr id="134" name="ciotola di insalata con riso saltato, uova sode e bacchette"/>
-          <p:cNvSpPr/>
+          <p:cNvSpPr>
+            <a:spLocks noGrp="1"/>
+          </p:cNvSpPr>
           <p:nvPr>
             <p:ph type="pic" idx="21"/>
           </p:nvPr>
@@ -1480,14 +1491,16 @@
           </a:bodyPr>
           <a:lstStyle/>
           <a:p>
-            <a:pPr/>
+            <a:endParaRPr/>
           </a:p>
         </p:txBody>
       </p:sp>
       <p:sp>
         <p:nvSpPr>
           <p:cNvPr id="135" name="Numero diapositiva"/>
-          <p:cNvSpPr txBox="1"/>
+          <p:cNvSpPr txBox="1">
+            <a:spLocks noGrp="1"/>
+          </p:cNvSpPr>
           <p:nvPr>
             <p:ph type="sldNum" sz="quarter" idx="2"/>
           </p:nvPr>
@@ -1509,8 +1522,10 @@
             </a:lvl1pPr>
           </a:lstStyle>
           <a:p>
-            <a:pPr/>
-            <a:fld id="{86CB4B4D-7CA3-9044-876B-883B54F8677D}" type="slidenum"/>
+            <a:fld id="{86CB4B4D-7CA3-9044-876B-883B54F8677D}" type="slidenum">
+              <a:t>‹N›</a:t>
+            </a:fld>
+            <a:endParaRPr/>
           </a:p>
         </p:txBody>
       </p:sp>
@@ -1519,12 +1534,12 @@
   <p:clrMapOvr>
     <a:masterClrMapping/>
   </p:clrMapOvr>
-  <p:transition xmlns:p14="http://schemas.microsoft.com/office/powerpoint/2010/main" spd="med" advClick="1"/>
+  <p:transition spd="med"/>
 </p:sldLayout>
 </file>
 
 <file path=ppt/slideLayouts/slideLayout15.xml><?xml version="1.0" encoding="utf-8"?>
-<p:sldLayout xmlns:a="http://schemas.openxmlformats.org/drawingml/2006/main" xmlns:r="http://schemas.openxmlformats.org/officeDocument/2006/relationships" xmlns:p="http://schemas.openxmlformats.org/presentationml/2006/main" xmlns:m="http://schemas.openxmlformats.org/officeDocument/2006/math" xmlns:a14="http://schemas.microsoft.com/office/drawing/2010/main" type="tx" showMasterSp="1" showMasterPhAnim="1">
+<p:sldLayout xmlns:a="http://schemas.openxmlformats.org/drawingml/2006/main" xmlns:r="http://schemas.openxmlformats.org/officeDocument/2006/relationships" xmlns:p="http://schemas.openxmlformats.org/presentationml/2006/main" type="tx">
   <p:cSld name="Vuota">
     <p:spTree>
       <p:nvGrpSpPr>
@@ -1543,7 +1558,9 @@
       <p:sp>
         <p:nvSpPr>
           <p:cNvPr id="142" name="Numero diapositiva"/>
-          <p:cNvSpPr txBox="1"/>
+          <p:cNvSpPr txBox="1">
+            <a:spLocks noGrp="1"/>
+          </p:cNvSpPr>
           <p:nvPr>
             <p:ph type="sldNum" sz="quarter" idx="2"/>
           </p:nvPr>
@@ -1557,8 +1574,10 @@
           <a:bodyPr/>
           <a:lstStyle/>
           <a:p>
-            <a:pPr/>
-            <a:fld id="{86CB4B4D-7CA3-9044-876B-883B54F8677D}" type="slidenum"/>
+            <a:fld id="{86CB4B4D-7CA3-9044-876B-883B54F8677D}" type="slidenum">
+              <a:t>‹N›</a:t>
+            </a:fld>
+            <a:endParaRPr/>
           </a:p>
         </p:txBody>
       </p:sp>
@@ -1567,12 +1586,12 @@
   <p:clrMapOvr>
     <a:masterClrMapping/>
   </p:clrMapOvr>
-  <p:transition xmlns:p14="http://schemas.microsoft.com/office/powerpoint/2010/main" spd="med" advClick="1"/>
+  <p:transition spd="med"/>
 </p:sldLayout>
 </file>
 
 <file path=ppt/slideLayouts/slideLayout2.xml><?xml version="1.0" encoding="utf-8"?>
-<p:sldLayout xmlns:a="http://schemas.openxmlformats.org/drawingml/2006/main" xmlns:r="http://schemas.openxmlformats.org/officeDocument/2006/relationships" xmlns:p="http://schemas.openxmlformats.org/presentationml/2006/main" xmlns:m="http://schemas.openxmlformats.org/officeDocument/2006/math" xmlns:a14="http://schemas.microsoft.com/office/drawing/2010/main" type="tx" showMasterSp="1" showMasterPhAnim="1">
+<p:sldLayout xmlns:a="http://schemas.openxmlformats.org/drawingml/2006/main" xmlns:r="http://schemas.openxmlformats.org/officeDocument/2006/relationships" xmlns:p="http://schemas.openxmlformats.org/presentationml/2006/main" type="tx">
   <p:cSld name="Titolo e foto">
     <p:spTree>
       <p:nvGrpSpPr>
@@ -1591,7 +1610,9 @@
       <p:sp>
         <p:nvSpPr>
           <p:cNvPr id="21" name="Avocado e lime"/>
-          <p:cNvSpPr/>
+          <p:cNvSpPr>
+            <a:spLocks noGrp="1"/>
+          </p:cNvSpPr>
           <p:nvPr>
             <p:ph type="pic" idx="21"/>
           </p:nvPr>
@@ -1611,14 +1632,16 @@
           </a:bodyPr>
           <a:lstStyle/>
           <a:p>
-            <a:pPr/>
+            <a:endParaRPr/>
           </a:p>
         </p:txBody>
       </p:sp>
       <p:sp>
         <p:nvSpPr>
           <p:cNvPr id="22" name="Titolo presentazione"/>
-          <p:cNvSpPr txBox="1"/>
+          <p:cNvSpPr txBox="1">
+            <a:spLocks noGrp="1"/>
+          </p:cNvSpPr>
           <p:nvPr>
             <p:ph type="title" hasCustomPrompt="1"/>
           </p:nvPr>
@@ -1636,11 +1659,10 @@
           <a:bodyPr anchor="b"/>
           <a:lstStyle>
             <a:lvl1pPr>
-              <a:defRPr spc="-232" sz="11600"/>
+              <a:defRPr sz="11600" spc="-232"/>
             </a:lvl1pPr>
           </a:lstStyle>
           <a:p>
-            <a:pPr/>
             <a:r>
               <a:t>Titolo presentazione</a:t>
             </a:r>
@@ -1650,7 +1672,9 @@
       <p:sp>
         <p:nvSpPr>
           <p:cNvPr id="23" name="Autore e data"/>
-          <p:cNvSpPr txBox="1"/>
+          <p:cNvSpPr txBox="1">
+            <a:spLocks noGrp="1"/>
+          </p:cNvSpPr>
           <p:nvPr>
             <p:ph type="body" sz="quarter" idx="22" hasCustomPrompt="1"/>
           </p:nvPr>
@@ -1676,11 +1700,10 @@
               </a:spcBef>
               <a:buSzTx/>
               <a:buNone/>
-              <a:defRPr b="1" sz="3600"/>
+              <a:defRPr sz="3600" b="1"/>
             </a:lvl1pPr>
           </a:lstStyle>
           <a:p>
-            <a:pPr/>
             <a:r>
               <a:t>Autore e data</a:t>
             </a:r>
@@ -1690,7 +1713,9 @@
       <p:sp>
         <p:nvSpPr>
           <p:cNvPr id="24" name="Corpo livello uno…"/>
-          <p:cNvSpPr txBox="1"/>
+          <p:cNvSpPr txBox="1">
+            <a:spLocks noGrp="1"/>
+          </p:cNvSpPr>
           <p:nvPr>
             <p:ph type="body" sz="quarter" idx="1" hasCustomPrompt="1"/>
           </p:nvPr>
@@ -1716,7 +1741,7 @@
               </a:spcBef>
               <a:buSzTx/>
               <a:buNone/>
-              <a:defRPr b="1" sz="5500"/>
+              <a:defRPr sz="5500" b="1"/>
             </a:lvl1pPr>
             <a:lvl2pPr marL="0" indent="457200" defTabSz="825500">
               <a:lnSpc>
@@ -1727,7 +1752,7 @@
               </a:spcBef>
               <a:buSzTx/>
               <a:buNone/>
-              <a:defRPr b="1" sz="5500"/>
+              <a:defRPr sz="5500" b="1"/>
             </a:lvl2pPr>
             <a:lvl3pPr marL="0" indent="914400" defTabSz="825500">
               <a:lnSpc>
@@ -1738,7 +1763,7 @@
               </a:spcBef>
               <a:buSzTx/>
               <a:buNone/>
-              <a:defRPr b="1" sz="5500"/>
+              <a:defRPr sz="5500" b="1"/>
             </a:lvl3pPr>
             <a:lvl4pPr marL="0" indent="1371600" defTabSz="825500">
               <a:lnSpc>
@@ -1749,7 +1774,7 @@
               </a:spcBef>
               <a:buSzTx/>
               <a:buNone/>
-              <a:defRPr b="1" sz="5500"/>
+              <a:defRPr sz="5500" b="1"/>
             </a:lvl4pPr>
             <a:lvl5pPr marL="0" indent="1828800" defTabSz="825500">
               <a:lnSpc>
@@ -1760,45 +1785,38 @@
               </a:spcBef>
               <a:buSzTx/>
               <a:buNone/>
-              <a:defRPr b="1" sz="5500"/>
+              <a:defRPr sz="5500" b="1"/>
             </a:lvl5pPr>
           </a:lstStyle>
           <a:p>
-            <a:pPr/>
             <a:r>
               <a:t>Sottotitolo presentazione</a:t>
             </a:r>
           </a:p>
           <a:p>
             <a:pPr lvl="1"/>
-            <a:r>
-              <a:t/>
-            </a:r>
+            <a:endParaRPr/>
           </a:p>
           <a:p>
             <a:pPr lvl="2"/>
-            <a:r>
-              <a:t/>
-            </a:r>
+            <a:endParaRPr/>
           </a:p>
           <a:p>
             <a:pPr lvl="3"/>
-            <a:r>
-              <a:t/>
-            </a:r>
+            <a:endParaRPr/>
           </a:p>
           <a:p>
             <a:pPr lvl="4"/>
-            <a:r>
-              <a:t/>
-            </a:r>
+            <a:endParaRPr/>
           </a:p>
         </p:txBody>
       </p:sp>
       <p:sp>
         <p:nvSpPr>
           <p:cNvPr id="25" name="Numero diapositiva"/>
-          <p:cNvSpPr txBox="1"/>
+          <p:cNvSpPr txBox="1">
+            <a:spLocks noGrp="1"/>
+          </p:cNvSpPr>
           <p:nvPr>
             <p:ph type="sldNum" sz="quarter" idx="2"/>
           </p:nvPr>
@@ -1812,8 +1830,10 @@
           <a:bodyPr/>
           <a:lstStyle/>
           <a:p>
-            <a:pPr/>
-            <a:fld id="{86CB4B4D-7CA3-9044-876B-883B54F8677D}" type="slidenum"/>
+            <a:fld id="{86CB4B4D-7CA3-9044-876B-883B54F8677D}" type="slidenum">
+              <a:t>‹N›</a:t>
+            </a:fld>
+            <a:endParaRPr/>
           </a:p>
         </p:txBody>
       </p:sp>
@@ -1822,12 +1842,12 @@
   <p:clrMapOvr>
     <a:masterClrMapping/>
   </p:clrMapOvr>
-  <p:transition xmlns:p14="http://schemas.microsoft.com/office/powerpoint/2010/main" spd="med" advClick="1"/>
+  <p:transition spd="med"/>
 </p:sldLayout>
 </file>
 
 <file path=ppt/slideLayouts/slideLayout3.xml><?xml version="1.0" encoding="utf-8"?>
-<p:sldLayout xmlns:a="http://schemas.openxmlformats.org/drawingml/2006/main" xmlns:r="http://schemas.openxmlformats.org/officeDocument/2006/relationships" xmlns:p="http://schemas.openxmlformats.org/presentationml/2006/main" xmlns:m="http://schemas.openxmlformats.org/officeDocument/2006/math" xmlns:a14="http://schemas.microsoft.com/office/drawing/2010/main" type="tx" showMasterSp="1" showMasterPhAnim="1">
+<p:sldLayout xmlns:a="http://schemas.openxmlformats.org/drawingml/2006/main" xmlns:r="http://schemas.openxmlformats.org/officeDocument/2006/relationships" xmlns:p="http://schemas.openxmlformats.org/presentationml/2006/main" type="tx">
   <p:cSld name="Titolo e foto 2">
     <p:spTree>
       <p:nvGrpSpPr>
@@ -1846,7 +1866,9 @@
       <p:sp>
         <p:nvSpPr>
           <p:cNvPr id="32" name="Ciotola con frittelle al salmone, insalata e hummus"/>
-          <p:cNvSpPr/>
+          <p:cNvSpPr>
+            <a:spLocks noGrp="1"/>
+          </p:cNvSpPr>
           <p:nvPr>
             <p:ph type="pic" idx="21"/>
           </p:nvPr>
@@ -1866,14 +1888,16 @@
           </a:bodyPr>
           <a:lstStyle/>
           <a:p>
-            <a:pPr/>
+            <a:endParaRPr/>
           </a:p>
         </p:txBody>
       </p:sp>
       <p:sp>
         <p:nvSpPr>
           <p:cNvPr id="33" name="Titolo"/>
-          <p:cNvSpPr txBox="1"/>
+          <p:cNvSpPr txBox="1">
+            <a:spLocks noGrp="1"/>
+          </p:cNvSpPr>
           <p:nvPr>
             <p:ph type="title" hasCustomPrompt="1"/>
           </p:nvPr>
@@ -1891,7 +1915,6 @@
           <a:bodyPr anchor="b"/>
           <a:lstStyle/>
           <a:p>
-            <a:pPr/>
             <a:r>
               <a:t>Titolo</a:t>
             </a:r>
@@ -1901,7 +1924,9 @@
       <p:sp>
         <p:nvSpPr>
           <p:cNvPr id="34" name="Corpo livello uno…"/>
-          <p:cNvSpPr txBox="1"/>
+          <p:cNvSpPr txBox="1">
+            <a:spLocks noGrp="1"/>
+          </p:cNvSpPr>
           <p:nvPr>
             <p:ph type="body" sz="quarter" idx="1" hasCustomPrompt="1"/>
           </p:nvPr>
@@ -1927,7 +1952,7 @@
               </a:spcBef>
               <a:buSzTx/>
               <a:buNone/>
-              <a:defRPr b="1" sz="5500"/>
+              <a:defRPr sz="5500" b="1"/>
             </a:lvl1pPr>
             <a:lvl2pPr marL="0" indent="457200" defTabSz="825500">
               <a:lnSpc>
@@ -1938,7 +1963,7 @@
               </a:spcBef>
               <a:buSzTx/>
               <a:buNone/>
-              <a:defRPr b="1" sz="5500"/>
+              <a:defRPr sz="5500" b="1"/>
             </a:lvl2pPr>
             <a:lvl3pPr marL="0" indent="914400" defTabSz="825500">
               <a:lnSpc>
@@ -1949,7 +1974,7 @@
               </a:spcBef>
               <a:buSzTx/>
               <a:buNone/>
-              <a:defRPr b="1" sz="5500"/>
+              <a:defRPr sz="5500" b="1"/>
             </a:lvl3pPr>
             <a:lvl4pPr marL="0" indent="1371600" defTabSz="825500">
               <a:lnSpc>
@@ -1960,7 +1985,7 @@
               </a:spcBef>
               <a:buSzTx/>
               <a:buNone/>
-              <a:defRPr b="1" sz="5500"/>
+              <a:defRPr sz="5500" b="1"/>
             </a:lvl4pPr>
             <a:lvl5pPr marL="0" indent="1828800" defTabSz="825500">
               <a:lnSpc>
@@ -1971,45 +1996,38 @@
               </a:spcBef>
               <a:buSzTx/>
               <a:buNone/>
-              <a:defRPr b="1" sz="5500"/>
+              <a:defRPr sz="5500" b="1"/>
             </a:lvl5pPr>
           </a:lstStyle>
           <a:p>
-            <a:pPr/>
             <a:r>
               <a:t>Sottotitolo diapositiva</a:t>
             </a:r>
           </a:p>
           <a:p>
             <a:pPr lvl="1"/>
-            <a:r>
-              <a:t/>
-            </a:r>
+            <a:endParaRPr/>
           </a:p>
           <a:p>
             <a:pPr lvl="2"/>
-            <a:r>
-              <a:t/>
-            </a:r>
+            <a:endParaRPr/>
           </a:p>
           <a:p>
             <a:pPr lvl="3"/>
-            <a:r>
-              <a:t/>
-            </a:r>
+            <a:endParaRPr/>
           </a:p>
           <a:p>
             <a:pPr lvl="4"/>
-            <a:r>
-              <a:t/>
-            </a:r>
+            <a:endParaRPr/>
           </a:p>
         </p:txBody>
       </p:sp>
       <p:sp>
         <p:nvSpPr>
           <p:cNvPr id="35" name="Numero diapositiva"/>
-          <p:cNvSpPr txBox="1"/>
+          <p:cNvSpPr txBox="1">
+            <a:spLocks noGrp="1"/>
+          </p:cNvSpPr>
           <p:nvPr>
             <p:ph type="sldNum" sz="quarter" idx="2"/>
           </p:nvPr>
@@ -2027,8 +2045,10 @@
           <a:bodyPr/>
           <a:lstStyle/>
           <a:p>
-            <a:pPr/>
-            <a:fld id="{86CB4B4D-7CA3-9044-876B-883B54F8677D}" type="slidenum"/>
+            <a:fld id="{86CB4B4D-7CA3-9044-876B-883B54F8677D}" type="slidenum">
+              <a:t>‹N›</a:t>
+            </a:fld>
+            <a:endParaRPr/>
           </a:p>
         </p:txBody>
       </p:sp>
@@ -2037,12 +2057,12 @@
   <p:clrMapOvr>
     <a:masterClrMapping/>
   </p:clrMapOvr>
-  <p:transition xmlns:p14="http://schemas.microsoft.com/office/powerpoint/2010/main" spd="med" advClick="1"/>
+  <p:transition spd="med"/>
 </p:sldLayout>
 </file>
 
 <file path=ppt/slideLayouts/slideLayout4.xml><?xml version="1.0" encoding="utf-8"?>
-<p:sldLayout xmlns:a="http://schemas.openxmlformats.org/drawingml/2006/main" xmlns:r="http://schemas.openxmlformats.org/officeDocument/2006/relationships" xmlns:p="http://schemas.openxmlformats.org/presentationml/2006/main" xmlns:m="http://schemas.openxmlformats.org/officeDocument/2006/math" xmlns:a14="http://schemas.microsoft.com/office/drawing/2010/main" type="tx" showMasterSp="1" showMasterPhAnim="1">
+<p:sldLayout xmlns:a="http://schemas.openxmlformats.org/drawingml/2006/main" xmlns:r="http://schemas.openxmlformats.org/officeDocument/2006/relationships" xmlns:p="http://schemas.openxmlformats.org/presentationml/2006/main" type="tx">
   <p:cSld name="Titolo e punti elenco">
     <p:spTree>
       <p:nvGrpSpPr>
@@ -2061,7 +2081,9 @@
       <p:sp>
         <p:nvSpPr>
           <p:cNvPr id="42" name="Titolo"/>
-          <p:cNvSpPr txBox="1"/>
+          <p:cNvSpPr txBox="1">
+            <a:spLocks noGrp="1"/>
+          </p:cNvSpPr>
           <p:nvPr>
             <p:ph type="title" hasCustomPrompt="1"/>
           </p:nvPr>
@@ -2075,7 +2097,6 @@
           <a:bodyPr/>
           <a:lstStyle/>
           <a:p>
-            <a:pPr/>
             <a:r>
               <a:t>Titolo</a:t>
             </a:r>
@@ -2085,7 +2106,9 @@
       <p:sp>
         <p:nvSpPr>
           <p:cNvPr id="43" name="Sottotitolo diapositiva"/>
-          <p:cNvSpPr txBox="1"/>
+          <p:cNvSpPr txBox="1">
+            <a:spLocks noGrp="1"/>
+          </p:cNvSpPr>
           <p:nvPr>
             <p:ph type="body" sz="quarter" idx="21" hasCustomPrompt="1"/>
           </p:nvPr>
@@ -2111,11 +2134,10 @@
               </a:spcBef>
               <a:buSzTx/>
               <a:buNone/>
-              <a:defRPr b="1" sz="5500"/>
+              <a:defRPr sz="5500" b="1"/>
             </a:lvl1pPr>
           </a:lstStyle>
           <a:p>
-            <a:pPr/>
             <a:r>
               <a:t>Sottotitolo diapositiva</a:t>
             </a:r>
@@ -2125,7 +2147,9 @@
       <p:sp>
         <p:nvSpPr>
           <p:cNvPr id="44" name="Corpo livello uno…"/>
-          <p:cNvSpPr txBox="1"/>
+          <p:cNvSpPr txBox="1">
+            <a:spLocks noGrp="1"/>
+          </p:cNvSpPr>
           <p:nvPr>
             <p:ph type="body" idx="1" hasCustomPrompt="1"/>
           </p:nvPr>
@@ -2139,41 +2163,34 @@
           <a:bodyPr/>
           <a:lstStyle/>
           <a:p>
-            <a:pPr/>
             <a:r>
               <a:t>Testo elenco puntato diapositiva</a:t>
             </a:r>
           </a:p>
           <a:p>
             <a:pPr lvl="1"/>
-            <a:r>
-              <a:t/>
-            </a:r>
+            <a:endParaRPr/>
           </a:p>
           <a:p>
             <a:pPr lvl="2"/>
-            <a:r>
-              <a:t/>
-            </a:r>
+            <a:endParaRPr/>
           </a:p>
           <a:p>
             <a:pPr lvl="3"/>
-            <a:r>
-              <a:t/>
-            </a:r>
+            <a:endParaRPr/>
           </a:p>
           <a:p>
             <a:pPr lvl="4"/>
-            <a:r>
-              <a:t/>
-            </a:r>
+            <a:endParaRPr/>
           </a:p>
         </p:txBody>
       </p:sp>
       <p:sp>
         <p:nvSpPr>
           <p:cNvPr id="45" name="Numero diapositiva"/>
-          <p:cNvSpPr txBox="1"/>
+          <p:cNvSpPr txBox="1">
+            <a:spLocks noGrp="1"/>
+          </p:cNvSpPr>
           <p:nvPr>
             <p:ph type="sldNum" sz="quarter" idx="2"/>
           </p:nvPr>
@@ -2187,8 +2204,10 @@
           <a:bodyPr/>
           <a:lstStyle/>
           <a:p>
-            <a:pPr/>
-            <a:fld id="{86CB4B4D-7CA3-9044-876B-883B54F8677D}" type="slidenum"/>
+            <a:fld id="{86CB4B4D-7CA3-9044-876B-883B54F8677D}" type="slidenum">
+              <a:t>‹N›</a:t>
+            </a:fld>
+            <a:endParaRPr/>
           </a:p>
         </p:txBody>
       </p:sp>
@@ -2197,12 +2216,12 @@
   <p:clrMapOvr>
     <a:masterClrMapping/>
   </p:clrMapOvr>
-  <p:transition xmlns:p14="http://schemas.microsoft.com/office/powerpoint/2010/main" spd="med" advClick="1"/>
+  <p:transition spd="med"/>
 </p:sldLayout>
 </file>
 
 <file path=ppt/slideLayouts/slideLayout5.xml><?xml version="1.0" encoding="utf-8"?>
-<p:sldLayout xmlns:a="http://schemas.openxmlformats.org/drawingml/2006/main" xmlns:r="http://schemas.openxmlformats.org/officeDocument/2006/relationships" xmlns:p="http://schemas.openxmlformats.org/presentationml/2006/main" xmlns:m="http://schemas.openxmlformats.org/officeDocument/2006/math" xmlns:a14="http://schemas.microsoft.com/office/drawing/2010/main" type="tx" showMasterSp="1" showMasterPhAnim="1">
+<p:sldLayout xmlns:a="http://schemas.openxmlformats.org/drawingml/2006/main" xmlns:r="http://schemas.openxmlformats.org/officeDocument/2006/relationships" xmlns:p="http://schemas.openxmlformats.org/presentationml/2006/main" type="tx">
   <p:cSld name="Punti elenco">
     <p:spTree>
       <p:nvGrpSpPr>
@@ -2221,7 +2240,9 @@
       <p:sp>
         <p:nvSpPr>
           <p:cNvPr id="52" name="Corpo livello uno…"/>
-          <p:cNvSpPr txBox="1"/>
+          <p:cNvSpPr txBox="1">
+            <a:spLocks noGrp="1"/>
+          </p:cNvSpPr>
           <p:nvPr>
             <p:ph type="body" idx="1" hasCustomPrompt="1"/>
           </p:nvPr>
@@ -2235,41 +2256,34 @@
           <a:bodyPr numCol="2" spcCol="1098550"/>
           <a:lstStyle/>
           <a:p>
-            <a:pPr/>
             <a:r>
               <a:t>Testo elenco puntato diapositiva</a:t>
             </a:r>
           </a:p>
           <a:p>
             <a:pPr lvl="1"/>
-            <a:r>
-              <a:t/>
-            </a:r>
+            <a:endParaRPr/>
           </a:p>
           <a:p>
             <a:pPr lvl="2"/>
-            <a:r>
-              <a:t/>
-            </a:r>
+            <a:endParaRPr/>
           </a:p>
           <a:p>
             <a:pPr lvl="3"/>
-            <a:r>
-              <a:t/>
-            </a:r>
+            <a:endParaRPr/>
           </a:p>
           <a:p>
             <a:pPr lvl="4"/>
-            <a:r>
-              <a:t/>
-            </a:r>
+            <a:endParaRPr/>
           </a:p>
         </p:txBody>
       </p:sp>
       <p:sp>
         <p:nvSpPr>
           <p:cNvPr id="53" name="Numero diapositiva"/>
-          <p:cNvSpPr txBox="1"/>
+          <p:cNvSpPr txBox="1">
+            <a:spLocks noGrp="1"/>
+          </p:cNvSpPr>
           <p:nvPr>
             <p:ph type="sldNum" sz="quarter" idx="2"/>
           </p:nvPr>
@@ -2283,8 +2297,10 @@
           <a:bodyPr/>
           <a:lstStyle/>
           <a:p>
-            <a:pPr/>
-            <a:fld id="{86CB4B4D-7CA3-9044-876B-883B54F8677D}" type="slidenum"/>
+            <a:fld id="{86CB4B4D-7CA3-9044-876B-883B54F8677D}" type="slidenum">
+              <a:t>‹N›</a:t>
+            </a:fld>
+            <a:endParaRPr/>
           </a:p>
         </p:txBody>
       </p:sp>
@@ -2293,12 +2309,12 @@
   <p:clrMapOvr>
     <a:masterClrMapping/>
   </p:clrMapOvr>
-  <p:transition xmlns:p14="http://schemas.microsoft.com/office/powerpoint/2010/main" spd="med" advClick="1"/>
+  <p:transition spd="med"/>
 </p:sldLayout>
 </file>
 
 <file path=ppt/slideLayouts/slideLayout6.xml><?xml version="1.0" encoding="utf-8"?>
-<p:sldLayout xmlns:a="http://schemas.openxmlformats.org/drawingml/2006/main" xmlns:r="http://schemas.openxmlformats.org/officeDocument/2006/relationships" xmlns:p="http://schemas.openxmlformats.org/presentationml/2006/main" xmlns:m="http://schemas.openxmlformats.org/officeDocument/2006/math" xmlns:a14="http://schemas.microsoft.com/office/drawing/2010/main" type="tx" showMasterSp="1" showMasterPhAnim="1">
+<p:sldLayout xmlns:a="http://schemas.openxmlformats.org/drawingml/2006/main" xmlns:r="http://schemas.openxmlformats.org/officeDocument/2006/relationships" xmlns:p="http://schemas.openxmlformats.org/presentationml/2006/main" type="tx">
   <p:cSld name="Titolo, punti elenco e foto">
     <p:spTree>
       <p:nvGrpSpPr>
@@ -2317,7 +2333,9 @@
       <p:sp>
         <p:nvSpPr>
           <p:cNvPr id="60" name="Sottotitolo diapositiva"/>
-          <p:cNvSpPr txBox="1"/>
+          <p:cNvSpPr txBox="1">
+            <a:spLocks noGrp="1"/>
+          </p:cNvSpPr>
           <p:nvPr>
             <p:ph type="body" sz="quarter" idx="21" hasCustomPrompt="1"/>
           </p:nvPr>
@@ -2343,11 +2361,10 @@
               </a:spcBef>
               <a:buSzTx/>
               <a:buNone/>
-              <a:defRPr b="1" sz="5500"/>
+              <a:defRPr sz="5500" b="1"/>
             </a:lvl1pPr>
           </a:lstStyle>
           <a:p>
-            <a:pPr/>
             <a:r>
               <a:t>Sottotitolo diapositiva</a:t>
             </a:r>
@@ -2357,7 +2374,9 @@
       <p:sp>
         <p:nvSpPr>
           <p:cNvPr id="61" name="Corpo livello uno…"/>
-          <p:cNvSpPr txBox="1"/>
+          <p:cNvSpPr txBox="1">
+            <a:spLocks noGrp="1"/>
+          </p:cNvSpPr>
           <p:nvPr>
             <p:ph type="body" sz="half" idx="1" hasCustomPrompt="1"/>
           </p:nvPr>
@@ -2375,41 +2394,34 @@
           <a:bodyPr/>
           <a:lstStyle/>
           <a:p>
-            <a:pPr/>
             <a:r>
               <a:t>Testo elenco puntato diapositiva</a:t>
             </a:r>
           </a:p>
           <a:p>
             <a:pPr lvl="1"/>
-            <a:r>
-              <a:t/>
-            </a:r>
+            <a:endParaRPr/>
           </a:p>
           <a:p>
             <a:pPr lvl="2"/>
-            <a:r>
-              <a:t/>
-            </a:r>
+            <a:endParaRPr/>
           </a:p>
           <a:p>
             <a:pPr lvl="3"/>
-            <a:r>
-              <a:t/>
-            </a:r>
+            <a:endParaRPr/>
           </a:p>
           <a:p>
             <a:pPr lvl="4"/>
-            <a:r>
-              <a:t/>
-            </a:r>
+            <a:endParaRPr/>
           </a:p>
         </p:txBody>
       </p:sp>
       <p:sp>
         <p:nvSpPr>
           <p:cNvPr id="62" name="Pappardelle con burro al prezzemolo, nocciole tostate e scaglie di parmigiano"/>
-          <p:cNvSpPr/>
+          <p:cNvSpPr>
+            <a:spLocks noGrp="1"/>
+          </p:cNvSpPr>
           <p:nvPr>
             <p:ph type="pic" idx="22"/>
           </p:nvPr>
@@ -2429,14 +2441,16 @@
           </a:bodyPr>
           <a:lstStyle/>
           <a:p>
-            <a:pPr/>
+            <a:endParaRPr/>
           </a:p>
         </p:txBody>
       </p:sp>
       <p:sp>
         <p:nvSpPr>
           <p:cNvPr id="63" name="Titolo"/>
-          <p:cNvSpPr txBox="1"/>
+          <p:cNvSpPr txBox="1">
+            <a:spLocks noGrp="1"/>
+          </p:cNvSpPr>
           <p:nvPr>
             <p:ph type="title" hasCustomPrompt="1"/>
           </p:nvPr>
@@ -2454,7 +2468,6 @@
           <a:bodyPr/>
           <a:lstStyle/>
           <a:p>
-            <a:pPr/>
             <a:r>
               <a:t>Titolo</a:t>
             </a:r>
@@ -2464,7 +2477,9 @@
       <p:sp>
         <p:nvSpPr>
           <p:cNvPr id="64" name="Numero diapositiva"/>
-          <p:cNvSpPr txBox="1"/>
+          <p:cNvSpPr txBox="1">
+            <a:spLocks noGrp="1"/>
+          </p:cNvSpPr>
           <p:nvPr>
             <p:ph type="sldNum" sz="quarter" idx="2"/>
           </p:nvPr>
@@ -2478,8 +2493,10 @@
           <a:bodyPr/>
           <a:lstStyle/>
           <a:p>
-            <a:pPr/>
-            <a:fld id="{86CB4B4D-7CA3-9044-876B-883B54F8677D}" type="slidenum"/>
+            <a:fld id="{86CB4B4D-7CA3-9044-876B-883B54F8677D}" type="slidenum">
+              <a:t>‹N›</a:t>
+            </a:fld>
+            <a:endParaRPr/>
           </a:p>
         </p:txBody>
       </p:sp>
@@ -2488,12 +2505,12 @@
   <p:clrMapOvr>
     <a:masterClrMapping/>
   </p:clrMapOvr>
-  <p:transition xmlns:p14="http://schemas.microsoft.com/office/powerpoint/2010/main" spd="med" advClick="1"/>
+  <p:transition spd="med"/>
 </p:sldLayout>
 </file>
 
 <file path=ppt/slideLayouts/slideLayout7.xml><?xml version="1.0" encoding="utf-8"?>
-<p:sldLayout xmlns:a="http://schemas.openxmlformats.org/drawingml/2006/main" xmlns:r="http://schemas.openxmlformats.org/officeDocument/2006/relationships" xmlns:p="http://schemas.openxmlformats.org/presentationml/2006/main" xmlns:m="http://schemas.openxmlformats.org/officeDocument/2006/math" xmlns:a14="http://schemas.microsoft.com/office/drawing/2010/main" type="tx" showMasterSp="1" showMasterPhAnim="1">
+<p:sldLayout xmlns:a="http://schemas.openxmlformats.org/drawingml/2006/main" xmlns:r="http://schemas.openxmlformats.org/officeDocument/2006/relationships" xmlns:p="http://schemas.openxmlformats.org/presentationml/2006/main" type="tx">
   <p:cSld name="Sezione">
     <p:spTree>
       <p:nvGrpSpPr>
@@ -2512,7 +2529,9 @@
       <p:sp>
         <p:nvSpPr>
           <p:cNvPr id="71" name="Titolo sezione"/>
-          <p:cNvSpPr txBox="1"/>
+          <p:cNvSpPr txBox="1">
+            <a:spLocks noGrp="1"/>
+          </p:cNvSpPr>
           <p:nvPr>
             <p:ph type="title" hasCustomPrompt="1"/>
           </p:nvPr>
@@ -2530,7 +2549,7 @@
           <a:bodyPr anchor="ctr"/>
           <a:lstStyle>
             <a:lvl1pPr>
-              <a:defRPr b="0" spc="-232" sz="11600">
+              <a:defRPr sz="11600" b="0" spc="-232">
                 <a:latin typeface="Helvetica Neue Medium"/>
                 <a:ea typeface="Helvetica Neue Medium"/>
                 <a:cs typeface="Helvetica Neue Medium"/>
@@ -2539,7 +2558,6 @@
             </a:lvl1pPr>
           </a:lstStyle>
           <a:p>
-            <a:pPr/>
             <a:r>
               <a:t>Titolo sezione</a:t>
             </a:r>
@@ -2549,7 +2567,9 @@
       <p:sp>
         <p:nvSpPr>
           <p:cNvPr id="72" name="Numero diapositiva"/>
-          <p:cNvSpPr txBox="1"/>
+          <p:cNvSpPr txBox="1">
+            <a:spLocks noGrp="1"/>
+          </p:cNvSpPr>
           <p:nvPr>
             <p:ph type="sldNum" sz="quarter" idx="2"/>
           </p:nvPr>
@@ -2567,8 +2587,10 @@
           <a:bodyPr/>
           <a:lstStyle/>
           <a:p>
-            <a:pPr/>
-            <a:fld id="{86CB4B4D-7CA3-9044-876B-883B54F8677D}" type="slidenum"/>
+            <a:fld id="{86CB4B4D-7CA3-9044-876B-883B54F8677D}" type="slidenum">
+              <a:t>‹N›</a:t>
+            </a:fld>
+            <a:endParaRPr/>
           </a:p>
         </p:txBody>
       </p:sp>
@@ -2577,12 +2599,12 @@
   <p:clrMapOvr>
     <a:masterClrMapping/>
   </p:clrMapOvr>
-  <p:transition xmlns:p14="http://schemas.microsoft.com/office/powerpoint/2010/main" spd="med" advClick="1"/>
+  <p:transition spd="med"/>
 </p:sldLayout>
 </file>
 
 <file path=ppt/slideLayouts/slideLayout8.xml><?xml version="1.0" encoding="utf-8"?>
-<p:sldLayout xmlns:a="http://schemas.openxmlformats.org/drawingml/2006/main" xmlns:r="http://schemas.openxmlformats.org/officeDocument/2006/relationships" xmlns:p="http://schemas.openxmlformats.org/presentationml/2006/main" xmlns:m="http://schemas.openxmlformats.org/officeDocument/2006/math" xmlns:a14="http://schemas.microsoft.com/office/drawing/2010/main" type="tx" showMasterSp="1" showMasterPhAnim="1">
+<p:sldLayout xmlns:a="http://schemas.openxmlformats.org/drawingml/2006/main" xmlns:r="http://schemas.openxmlformats.org/officeDocument/2006/relationships" xmlns:p="http://schemas.openxmlformats.org/presentationml/2006/main" type="tx">
   <p:cSld name="Solo titolo">
     <p:spTree>
       <p:nvGrpSpPr>
@@ -2601,7 +2623,9 @@
       <p:sp>
         <p:nvSpPr>
           <p:cNvPr id="79" name="Titolo"/>
-          <p:cNvSpPr txBox="1"/>
+          <p:cNvSpPr txBox="1">
+            <a:spLocks noGrp="1"/>
+          </p:cNvSpPr>
           <p:nvPr>
             <p:ph type="title" hasCustomPrompt="1"/>
           </p:nvPr>
@@ -2619,7 +2643,6 @@
           <a:bodyPr/>
           <a:lstStyle/>
           <a:p>
-            <a:pPr/>
             <a:r>
               <a:t>Titolo</a:t>
             </a:r>
@@ -2629,7 +2652,9 @@
       <p:sp>
         <p:nvSpPr>
           <p:cNvPr id="80" name="Sottotitolo diapositiva"/>
-          <p:cNvSpPr txBox="1"/>
+          <p:cNvSpPr txBox="1">
+            <a:spLocks noGrp="1"/>
+          </p:cNvSpPr>
           <p:nvPr>
             <p:ph type="body" sz="quarter" idx="21" hasCustomPrompt="1"/>
           </p:nvPr>
@@ -2655,11 +2680,10 @@
               </a:spcBef>
               <a:buSzTx/>
               <a:buNone/>
-              <a:defRPr b="1" sz="5500"/>
+              <a:defRPr sz="5500" b="1"/>
             </a:lvl1pPr>
           </a:lstStyle>
           <a:p>
-            <a:pPr/>
             <a:r>
               <a:t>Sottotitolo diapositiva</a:t>
             </a:r>
@@ -2669,7 +2693,9 @@
       <p:sp>
         <p:nvSpPr>
           <p:cNvPr id="81" name="Numero diapositiva"/>
-          <p:cNvSpPr txBox="1"/>
+          <p:cNvSpPr txBox="1">
+            <a:spLocks noGrp="1"/>
+          </p:cNvSpPr>
           <p:nvPr>
             <p:ph type="sldNum" sz="quarter" idx="2"/>
           </p:nvPr>
@@ -2683,8 +2709,10 @@
           <a:bodyPr/>
           <a:lstStyle/>
           <a:p>
-            <a:pPr/>
-            <a:fld id="{86CB4B4D-7CA3-9044-876B-883B54F8677D}" type="slidenum"/>
+            <a:fld id="{86CB4B4D-7CA3-9044-876B-883B54F8677D}" type="slidenum">
+              <a:t>‹N›</a:t>
+            </a:fld>
+            <a:endParaRPr/>
           </a:p>
         </p:txBody>
       </p:sp>
@@ -2693,12 +2721,12 @@
   <p:clrMapOvr>
     <a:masterClrMapping/>
   </p:clrMapOvr>
-  <p:transition xmlns:p14="http://schemas.microsoft.com/office/powerpoint/2010/main" spd="med" advClick="1"/>
+  <p:transition spd="med"/>
 </p:sldLayout>
 </file>
 
 <file path=ppt/slideLayouts/slideLayout9.xml><?xml version="1.0" encoding="utf-8"?>
-<p:sldLayout xmlns:a="http://schemas.openxmlformats.org/drawingml/2006/main" xmlns:r="http://schemas.openxmlformats.org/officeDocument/2006/relationships" xmlns:p="http://schemas.openxmlformats.org/presentationml/2006/main" xmlns:m="http://schemas.openxmlformats.org/officeDocument/2006/math" xmlns:a14="http://schemas.microsoft.com/office/drawing/2010/main" type="tx" showMasterSp="1" showMasterPhAnim="1">
+<p:sldLayout xmlns:a="http://schemas.openxmlformats.org/drawingml/2006/main" xmlns:r="http://schemas.openxmlformats.org/officeDocument/2006/relationships" xmlns:p="http://schemas.openxmlformats.org/presentationml/2006/main" type="tx">
   <p:cSld name="Programma">
     <p:spTree>
       <p:nvGrpSpPr>
@@ -2717,7 +2745,9 @@
       <p:sp>
         <p:nvSpPr>
           <p:cNvPr id="88" name="Titolo programma"/>
-          <p:cNvSpPr txBox="1"/>
+          <p:cNvSpPr txBox="1">
+            <a:spLocks noGrp="1"/>
+          </p:cNvSpPr>
           <p:nvPr>
             <p:ph type="title" hasCustomPrompt="1"/>
           </p:nvPr>
@@ -2735,7 +2765,6 @@
           <a:bodyPr/>
           <a:lstStyle/>
           <a:p>
-            <a:pPr/>
             <a:r>
               <a:t>Titolo programma</a:t>
             </a:r>
@@ -2745,7 +2774,9 @@
       <p:sp>
         <p:nvSpPr>
           <p:cNvPr id="89" name="Sottotitolo programma"/>
-          <p:cNvSpPr txBox="1"/>
+          <p:cNvSpPr txBox="1">
+            <a:spLocks noGrp="1"/>
+          </p:cNvSpPr>
           <p:nvPr>
             <p:ph type="body" sz="quarter" idx="21" hasCustomPrompt="1"/>
           </p:nvPr>
@@ -2771,11 +2802,10 @@
               </a:spcBef>
               <a:buSzTx/>
               <a:buNone/>
-              <a:defRPr b="1" sz="5500"/>
+              <a:defRPr sz="5500" b="1"/>
             </a:lvl1pPr>
           </a:lstStyle>
           <a:p>
-            <a:pPr/>
             <a:r>
               <a:t>Sottotitolo programma</a:t>
             </a:r>
@@ -2785,7 +2815,9 @@
       <p:sp>
         <p:nvSpPr>
           <p:cNvPr id="90" name="Corpo livello uno…"/>
-          <p:cNvSpPr txBox="1"/>
+          <p:cNvSpPr txBox="1">
+            <a:spLocks noGrp="1"/>
+          </p:cNvSpPr>
           <p:nvPr>
             <p:ph type="body" idx="1" hasCustomPrompt="1"/>
           </p:nvPr>
@@ -2807,7 +2839,7 @@
               </a:spcBef>
               <a:buSzTx/>
               <a:buNone/>
-              <a:defRPr spc="-55" sz="5500"/>
+              <a:defRPr sz="5500" spc="-55"/>
             </a:lvl1pPr>
             <a:lvl2pPr marL="0" indent="457200" defTabSz="825500">
               <a:lnSpc>
@@ -2818,7 +2850,7 @@
               </a:spcBef>
               <a:buSzTx/>
               <a:buNone/>
-              <a:defRPr spc="-55" sz="5500"/>
+              <a:defRPr sz="5500" spc="-55"/>
             </a:lvl2pPr>
             <a:lvl3pPr marL="0" indent="914400" defTabSz="825500">
               <a:lnSpc>
@@ -2829,7 +2861,7 @@
               </a:spcBef>
               <a:buSzTx/>
               <a:buNone/>
-              <a:defRPr spc="-55" sz="5500"/>
+              <a:defRPr sz="5500" spc="-55"/>
             </a:lvl3pPr>
             <a:lvl4pPr marL="0" indent="1371600" defTabSz="825500">
               <a:lnSpc>
@@ -2840,7 +2872,7 @@
               </a:spcBef>
               <a:buSzTx/>
               <a:buNone/>
-              <a:defRPr spc="-55" sz="5500"/>
+              <a:defRPr sz="5500" spc="-55"/>
             </a:lvl4pPr>
             <a:lvl5pPr marL="0" indent="1828800" defTabSz="825500">
               <a:lnSpc>
@@ -2851,45 +2883,38 @@
               </a:spcBef>
               <a:buSzTx/>
               <a:buNone/>
-              <a:defRPr spc="-55" sz="5500"/>
+              <a:defRPr sz="5500" spc="-55"/>
             </a:lvl5pPr>
           </a:lstStyle>
           <a:p>
-            <a:pPr/>
             <a:r>
               <a:t>Argomenti del programma</a:t>
             </a:r>
           </a:p>
           <a:p>
             <a:pPr lvl="1"/>
-            <a:r>
-              <a:t/>
-            </a:r>
+            <a:endParaRPr/>
           </a:p>
           <a:p>
             <a:pPr lvl="2"/>
-            <a:r>
-              <a:t/>
-            </a:r>
+            <a:endParaRPr/>
           </a:p>
           <a:p>
             <a:pPr lvl="3"/>
-            <a:r>
-              <a:t/>
-            </a:r>
+            <a:endParaRPr/>
           </a:p>
           <a:p>
             <a:pPr lvl="4"/>
-            <a:r>
-              <a:t/>
-            </a:r>
+            <a:endParaRPr/>
           </a:p>
         </p:txBody>
       </p:sp>
       <p:sp>
         <p:nvSpPr>
           <p:cNvPr id="91" name="Numero diapositiva"/>
-          <p:cNvSpPr txBox="1"/>
+          <p:cNvSpPr txBox="1">
+            <a:spLocks noGrp="1"/>
+          </p:cNvSpPr>
           <p:nvPr>
             <p:ph type="sldNum" sz="quarter" idx="2"/>
           </p:nvPr>
@@ -2903,8 +2928,10 @@
           <a:bodyPr/>
           <a:lstStyle/>
           <a:p>
-            <a:pPr/>
-            <a:fld id="{86CB4B4D-7CA3-9044-876B-883B54F8677D}" type="slidenum"/>
+            <a:fld id="{86CB4B4D-7CA3-9044-876B-883B54F8677D}" type="slidenum">
+              <a:t>‹N›</a:t>
+            </a:fld>
+            <a:endParaRPr/>
           </a:p>
         </p:txBody>
       </p:sp>
@@ -2913,18 +2940,19 @@
   <p:clrMapOvr>
     <a:masterClrMapping/>
   </p:clrMapOvr>
-  <p:transition xmlns:p14="http://schemas.microsoft.com/office/powerpoint/2010/main" spd="med" advClick="1"/>
+  <p:transition spd="med"/>
 </p:sldLayout>
 </file>
 
 <file path=ppt/slideMasters/slideMaster1.xml><?xml version="1.0" encoding="utf-8"?>
-<p:sldMaster xmlns:a="http://schemas.openxmlformats.org/drawingml/2006/main" xmlns:r="http://schemas.openxmlformats.org/officeDocument/2006/relationships" xmlns:p="http://schemas.openxmlformats.org/presentationml/2006/main" xmlns:m="http://schemas.openxmlformats.org/officeDocument/2006/math" xmlns:a14="http://schemas.microsoft.com/office/drawing/2010/main">
+<p:sldMaster xmlns:a="http://schemas.openxmlformats.org/drawingml/2006/main" xmlns:r="http://schemas.openxmlformats.org/officeDocument/2006/relationships" xmlns:p="http://schemas.openxmlformats.org/presentationml/2006/main">
   <p:cSld>
     <p:bg>
       <p:bgPr>
         <a:solidFill>
           <a:srgbClr val="FFFFFF"/>
         </a:solidFill>
+        <a:effectLst/>
       </p:bgPr>
     </p:bg>
     <p:spTree>
@@ -2944,7 +2972,9 @@
       <p:sp>
         <p:nvSpPr>
           <p:cNvPr id="2" name="Titolo"/>
-          <p:cNvSpPr txBox="1"/>
+          <p:cNvSpPr txBox="1">
+            <a:spLocks noGrp="1"/>
+          </p:cNvSpPr>
           <p:nvPr>
             <p:ph type="title" hasCustomPrompt="1"/>
           </p:nvPr>
@@ -2962,17 +2992,16 @@
           </a:ln>
           <a:extLst>
             <a:ext uri="{C572A759-6A51-4108-AA02-DFA0A04FC94B}">
-              <ma14:wrappingTextBoxFlag xmlns:ma14="http://schemas.microsoft.com/office/mac/drawingml/2011/main" val="1"/>
+              <ma14:wrappingTextBoxFlag xmlns:ma14="http://schemas.microsoft.com/office/mac/drawingml/2011/main" xmlns:a14="http://schemas.microsoft.com/office/drawing/2010/main" xmlns:m="http://schemas.openxmlformats.org/officeDocument/2006/math" xmlns="" val="1"/>
             </a:ext>
           </a:extLst>
         </p:spPr>
         <p:txBody>
           <a:bodyPr lIns="50800" tIns="50800" rIns="50800" bIns="50800">
-            <a:normAutofit fontScale="100000" lnSpcReduction="0"/>
+            <a:normAutofit/>
           </a:bodyPr>
           <a:lstStyle/>
           <a:p>
-            <a:pPr/>
             <a:r>
               <a:t>Titolo</a:t>
             </a:r>
@@ -2982,7 +3011,9 @@
       <p:sp>
         <p:nvSpPr>
           <p:cNvPr id="3" name="Corpo livello uno…"/>
-          <p:cNvSpPr txBox="1"/>
+          <p:cNvSpPr txBox="1">
+            <a:spLocks noGrp="1"/>
+          </p:cNvSpPr>
           <p:nvPr>
             <p:ph type="body" idx="1" hasCustomPrompt="1"/>
           </p:nvPr>
@@ -3000,51 +3031,44 @@
           </a:ln>
           <a:extLst>
             <a:ext uri="{C572A759-6A51-4108-AA02-DFA0A04FC94B}">
-              <ma14:wrappingTextBoxFlag xmlns:ma14="http://schemas.microsoft.com/office/mac/drawingml/2011/main" val="1"/>
+              <ma14:wrappingTextBoxFlag xmlns:ma14="http://schemas.microsoft.com/office/mac/drawingml/2011/main" xmlns:a14="http://schemas.microsoft.com/office/drawing/2010/main" xmlns:m="http://schemas.openxmlformats.org/officeDocument/2006/math" xmlns="" val="1"/>
             </a:ext>
           </a:extLst>
         </p:spPr>
         <p:txBody>
           <a:bodyPr lIns="50800" tIns="50800" rIns="50800" bIns="50800">
-            <a:normAutofit fontScale="100000" lnSpcReduction="0"/>
+            <a:normAutofit/>
           </a:bodyPr>
           <a:lstStyle/>
           <a:p>
-            <a:pPr/>
             <a:r>
               <a:t>Testo elenco puntato diapositiva</a:t>
             </a:r>
           </a:p>
           <a:p>
             <a:pPr lvl="1"/>
-            <a:r>
-              <a:t/>
-            </a:r>
+            <a:endParaRPr/>
           </a:p>
           <a:p>
             <a:pPr lvl="2"/>
-            <a:r>
-              <a:t/>
-            </a:r>
+            <a:endParaRPr/>
           </a:p>
           <a:p>
             <a:pPr lvl="3"/>
-            <a:r>
-              <a:t/>
-            </a:r>
+            <a:endParaRPr/>
           </a:p>
           <a:p>
             <a:pPr lvl="4"/>
-            <a:r>
-              <a:t/>
-            </a:r>
+            <a:endParaRPr/>
           </a:p>
         </p:txBody>
       </p:sp>
       <p:sp>
         <p:nvSpPr>
           <p:cNvPr id="4" name="Numero diapositiva"/>
-          <p:cNvSpPr txBox="1"/>
+          <p:cNvSpPr txBox="1">
+            <a:spLocks noGrp="1"/>
+          </p:cNvSpPr>
           <p:nvPr>
             <p:ph type="sldNum" sz="quarter" idx="2"/>
           </p:nvPr>
@@ -3075,8 +3099,10 @@
             </a:lvl1pPr>
           </a:lstStyle>
           <a:p>
-            <a:pPr/>
-            <a:fld id="{86CB4B4D-7CA3-9044-876B-883B54F8677D}" type="slidenum"/>
+            <a:fld id="{86CB4B4D-7CA3-9044-876B-883B54F8677D}" type="slidenum">
+              <a:t>‹N›</a:t>
+            </a:fld>
+            <a:endParaRPr/>
           </a:p>
         </p:txBody>
       </p:sp>
@@ -3084,23 +3110,23 @@
   </p:cSld>
   <p:clrMap bg1="lt1" tx1="dk1" bg2="lt2" tx2="dk2" accent1="accent1" accent2="accent2" accent3="accent3" accent4="accent4" accent5="accent5" accent6="accent6" hlink="hlink" folHlink="folHlink"/>
   <p:sldLayoutIdLst>
-    <p:sldLayoutId id="2147483649" r:id="rId2"/>
-    <p:sldLayoutId id="2147483650" r:id="rId3"/>
-    <p:sldLayoutId id="2147483651" r:id="rId4"/>
-    <p:sldLayoutId id="2147483652" r:id="rId5"/>
-    <p:sldLayoutId id="2147483653" r:id="rId6"/>
-    <p:sldLayoutId id="2147483654" r:id="rId7"/>
-    <p:sldLayoutId id="2147483655" r:id="rId8"/>
-    <p:sldLayoutId id="2147483656" r:id="rId9"/>
-    <p:sldLayoutId id="2147483657" r:id="rId10"/>
-    <p:sldLayoutId id="2147483658" r:id="rId11"/>
-    <p:sldLayoutId id="2147483659" r:id="rId12"/>
-    <p:sldLayoutId id="2147483660" r:id="rId13"/>
-    <p:sldLayoutId id="2147483661" r:id="rId14"/>
-    <p:sldLayoutId id="2147483662" r:id="rId15"/>
-    <p:sldLayoutId id="2147483663" r:id="rId16"/>
+    <p:sldLayoutId id="2147483649" r:id="rId1"/>
+    <p:sldLayoutId id="2147483650" r:id="rId2"/>
+    <p:sldLayoutId id="2147483651" r:id="rId3"/>
+    <p:sldLayoutId id="2147483652" r:id="rId4"/>
+    <p:sldLayoutId id="2147483653" r:id="rId5"/>
+    <p:sldLayoutId id="2147483654" r:id="rId6"/>
+    <p:sldLayoutId id="2147483655" r:id="rId7"/>
+    <p:sldLayoutId id="2147483656" r:id="rId8"/>
+    <p:sldLayoutId id="2147483657" r:id="rId9"/>
+    <p:sldLayoutId id="2147483658" r:id="rId10"/>
+    <p:sldLayoutId id="2147483659" r:id="rId11"/>
+    <p:sldLayoutId id="2147483660" r:id="rId12"/>
+    <p:sldLayoutId id="2147483661" r:id="rId13"/>
+    <p:sldLayoutId id="2147483662" r:id="rId14"/>
+    <p:sldLayoutId id="2147483663" r:id="rId15"/>
   </p:sldLayoutIdLst>
-  <p:transition xmlns:p14="http://schemas.microsoft.com/office/powerpoint/2010/main" spd="med" advClick="1"/>
+  <p:transition spd="med"/>
   <p:txStyles>
     <p:titleStyle>
       <a:lvl1pPr marL="0" marR="0" indent="0" algn="l" defTabSz="2438338" rtl="0" latinLnBrk="0">
@@ -3118,7 +3144,7 @@
         <a:buFontTx/>
         <a:buNone/>
         <a:tabLst/>
-        <a:defRPr b="1" baseline="0" cap="none" i="0" spc="-170" strike="noStrike" sz="8500" u="none">
+        <a:defRPr sz="8500" b="1" i="0" u="none" strike="noStrike" cap="none" spc="-170" baseline="0">
           <a:solidFill>
             <a:srgbClr val="000000"/>
           </a:solidFill>
@@ -3144,7 +3170,7 @@
         <a:buFontTx/>
         <a:buNone/>
         <a:tabLst/>
-        <a:defRPr b="1" baseline="0" cap="none" i="0" spc="-170" strike="noStrike" sz="8500" u="none">
+        <a:defRPr sz="8500" b="1" i="0" u="none" strike="noStrike" cap="none" spc="-170" baseline="0">
           <a:solidFill>
             <a:srgbClr val="000000"/>
           </a:solidFill>
@@ -3170,7 +3196,7 @@
         <a:buFontTx/>
         <a:buNone/>
         <a:tabLst/>
-        <a:defRPr b="1" baseline="0" cap="none" i="0" spc="-170" strike="noStrike" sz="8500" u="none">
+        <a:defRPr sz="8500" b="1" i="0" u="none" strike="noStrike" cap="none" spc="-170" baseline="0">
           <a:solidFill>
             <a:srgbClr val="000000"/>
           </a:solidFill>
@@ -3196,7 +3222,7 @@
         <a:buFontTx/>
         <a:buNone/>
         <a:tabLst/>
-        <a:defRPr b="1" baseline="0" cap="none" i="0" spc="-170" strike="noStrike" sz="8500" u="none">
+        <a:defRPr sz="8500" b="1" i="0" u="none" strike="noStrike" cap="none" spc="-170" baseline="0">
           <a:solidFill>
             <a:srgbClr val="000000"/>
           </a:solidFill>
@@ -3222,7 +3248,7 @@
         <a:buFontTx/>
         <a:buNone/>
         <a:tabLst/>
-        <a:defRPr b="1" baseline="0" cap="none" i="0" spc="-170" strike="noStrike" sz="8500" u="none">
+        <a:defRPr sz="8500" b="1" i="0" u="none" strike="noStrike" cap="none" spc="-170" baseline="0">
           <a:solidFill>
             <a:srgbClr val="000000"/>
           </a:solidFill>
@@ -3248,7 +3274,7 @@
         <a:buFontTx/>
         <a:buNone/>
         <a:tabLst/>
-        <a:defRPr b="1" baseline="0" cap="none" i="0" spc="-170" strike="noStrike" sz="8500" u="none">
+        <a:defRPr sz="8500" b="1" i="0" u="none" strike="noStrike" cap="none" spc="-170" baseline="0">
           <a:solidFill>
             <a:srgbClr val="000000"/>
           </a:solidFill>
@@ -3274,7 +3300,7 @@
         <a:buFontTx/>
         <a:buNone/>
         <a:tabLst/>
-        <a:defRPr b="1" baseline="0" cap="none" i="0" spc="-170" strike="noStrike" sz="8500" u="none">
+        <a:defRPr sz="8500" b="1" i="0" u="none" strike="noStrike" cap="none" spc="-170" baseline="0">
           <a:solidFill>
             <a:srgbClr val="000000"/>
           </a:solidFill>
@@ -3300,7 +3326,7 @@
         <a:buFontTx/>
         <a:buNone/>
         <a:tabLst/>
-        <a:defRPr b="1" baseline="0" cap="none" i="0" spc="-170" strike="noStrike" sz="8500" u="none">
+        <a:defRPr sz="8500" b="1" i="0" u="none" strike="noStrike" cap="none" spc="-170" baseline="0">
           <a:solidFill>
             <a:srgbClr val="000000"/>
           </a:solidFill>
@@ -3326,7 +3352,7 @@
         <a:buFontTx/>
         <a:buNone/>
         <a:tabLst/>
-        <a:defRPr b="1" baseline="0" cap="none" i="0" spc="-170" strike="noStrike" sz="8500" u="none">
+        <a:defRPr sz="8500" b="1" i="0" u="none" strike="noStrike" cap="none" spc="-170" baseline="0">
           <a:solidFill>
             <a:srgbClr val="000000"/>
           </a:solidFill>
@@ -3354,7 +3380,7 @@
         <a:buFontTx/>
         <a:buChar char="•"/>
         <a:tabLst/>
-        <a:defRPr b="0" baseline="0" cap="none" i="0" spc="0" strike="noStrike" sz="4800" u="none">
+        <a:defRPr sz="4800" b="0" i="0" u="none" strike="noStrike" cap="none" spc="0" baseline="0">
           <a:solidFill>
             <a:srgbClr val="000000"/>
           </a:solidFill>
@@ -3380,7 +3406,7 @@
         <a:buFontTx/>
         <a:buChar char="•"/>
         <a:tabLst/>
-        <a:defRPr b="0" baseline="0" cap="none" i="0" spc="0" strike="noStrike" sz="4800" u="none">
+        <a:defRPr sz="4800" b="0" i="0" u="none" strike="noStrike" cap="none" spc="0" baseline="0">
           <a:solidFill>
             <a:srgbClr val="000000"/>
           </a:solidFill>
@@ -3406,7 +3432,7 @@
         <a:buFontTx/>
         <a:buChar char="•"/>
         <a:tabLst/>
-        <a:defRPr b="0" baseline="0" cap="none" i="0" spc="0" strike="noStrike" sz="4800" u="none">
+        <a:defRPr sz="4800" b="0" i="0" u="none" strike="noStrike" cap="none" spc="0" baseline="0">
           <a:solidFill>
             <a:srgbClr val="000000"/>
           </a:solidFill>
@@ -3432,7 +3458,7 @@
         <a:buFontTx/>
         <a:buChar char="•"/>
         <a:tabLst/>
-        <a:defRPr b="0" baseline="0" cap="none" i="0" spc="0" strike="noStrike" sz="4800" u="none">
+        <a:defRPr sz="4800" b="0" i="0" u="none" strike="noStrike" cap="none" spc="0" baseline="0">
           <a:solidFill>
             <a:srgbClr val="000000"/>
           </a:solidFill>
@@ -3458,7 +3484,7 @@
         <a:buFontTx/>
         <a:buChar char="•"/>
         <a:tabLst/>
-        <a:defRPr b="0" baseline="0" cap="none" i="0" spc="0" strike="noStrike" sz="4800" u="none">
+        <a:defRPr sz="4800" b="0" i="0" u="none" strike="noStrike" cap="none" spc="0" baseline="0">
           <a:solidFill>
             <a:srgbClr val="000000"/>
           </a:solidFill>
@@ -3484,7 +3510,7 @@
         <a:buFontTx/>
         <a:buChar char="•"/>
         <a:tabLst/>
-        <a:defRPr b="0" baseline="0" cap="none" i="0" spc="0" strike="noStrike" sz="4800" u="none">
+        <a:defRPr sz="4800" b="0" i="0" u="none" strike="noStrike" cap="none" spc="0" baseline="0">
           <a:solidFill>
             <a:srgbClr val="000000"/>
           </a:solidFill>
@@ -3510,7 +3536,7 @@
         <a:buFontTx/>
         <a:buChar char="•"/>
         <a:tabLst/>
-        <a:defRPr b="0" baseline="0" cap="none" i="0" spc="0" strike="noStrike" sz="4800" u="none">
+        <a:defRPr sz="4800" b="0" i="0" u="none" strike="noStrike" cap="none" spc="0" baseline="0">
           <a:solidFill>
             <a:srgbClr val="000000"/>
           </a:solidFill>
@@ -3536,7 +3562,7 @@
         <a:buFontTx/>
         <a:buChar char="•"/>
         <a:tabLst/>
-        <a:defRPr b="0" baseline="0" cap="none" i="0" spc="0" strike="noStrike" sz="4800" u="none">
+        <a:defRPr sz="4800" b="0" i="0" u="none" strike="noStrike" cap="none" spc="0" baseline="0">
           <a:solidFill>
             <a:srgbClr val="000000"/>
           </a:solidFill>
@@ -3562,7 +3588,7 @@
         <a:buFontTx/>
         <a:buChar char="•"/>
         <a:tabLst/>
-        <a:defRPr b="0" baseline="0" cap="none" i="0" spc="0" strike="noStrike" sz="4800" u="none">
+        <a:defRPr sz="4800" b="0" i="0" u="none" strike="noStrike" cap="none" spc="0" baseline="0">
           <a:solidFill>
             <a:srgbClr val="000000"/>
           </a:solidFill>
@@ -3590,7 +3616,7 @@
         <a:buFontTx/>
         <a:buNone/>
         <a:tabLst/>
-        <a:defRPr b="0" baseline="0" cap="none" i="0" spc="0" strike="noStrike" sz="1800" u="none">
+        <a:defRPr sz="1800" b="0" i="0" u="none" strike="noStrike" cap="none" spc="0" baseline="0">
           <a:solidFill>
             <a:schemeClr val="tx1"/>
           </a:solidFill>
@@ -3616,7 +3642,7 @@
         <a:buFontTx/>
         <a:buNone/>
         <a:tabLst/>
-        <a:defRPr b="0" baseline="0" cap="none" i="0" spc="0" strike="noStrike" sz="1800" u="none">
+        <a:defRPr sz="1800" b="0" i="0" u="none" strike="noStrike" cap="none" spc="0" baseline="0">
           <a:solidFill>
             <a:schemeClr val="tx1"/>
           </a:solidFill>
@@ -3642,7 +3668,7 @@
         <a:buFontTx/>
         <a:buNone/>
         <a:tabLst/>
-        <a:defRPr b="0" baseline="0" cap="none" i="0" spc="0" strike="noStrike" sz="1800" u="none">
+        <a:defRPr sz="1800" b="0" i="0" u="none" strike="noStrike" cap="none" spc="0" baseline="0">
           <a:solidFill>
             <a:schemeClr val="tx1"/>
           </a:solidFill>
@@ -3668,7 +3694,7 @@
         <a:buFontTx/>
         <a:buNone/>
         <a:tabLst/>
-        <a:defRPr b="0" baseline="0" cap="none" i="0" spc="0" strike="noStrike" sz="1800" u="none">
+        <a:defRPr sz="1800" b="0" i="0" u="none" strike="noStrike" cap="none" spc="0" baseline="0">
           <a:solidFill>
             <a:schemeClr val="tx1"/>
           </a:solidFill>
@@ -3694,7 +3720,7 @@
         <a:buFontTx/>
         <a:buNone/>
         <a:tabLst/>
-        <a:defRPr b="0" baseline="0" cap="none" i="0" spc="0" strike="noStrike" sz="1800" u="none">
+        <a:defRPr sz="1800" b="0" i="0" u="none" strike="noStrike" cap="none" spc="0" baseline="0">
           <a:solidFill>
             <a:schemeClr val="tx1"/>
           </a:solidFill>
@@ -3720,7 +3746,7 @@
         <a:buFontTx/>
         <a:buNone/>
         <a:tabLst/>
-        <a:defRPr b="0" baseline="0" cap="none" i="0" spc="0" strike="noStrike" sz="1800" u="none">
+        <a:defRPr sz="1800" b="0" i="0" u="none" strike="noStrike" cap="none" spc="0" baseline="0">
           <a:solidFill>
             <a:schemeClr val="tx1"/>
           </a:solidFill>
@@ -3746,7 +3772,7 @@
         <a:buFontTx/>
         <a:buNone/>
         <a:tabLst/>
-        <a:defRPr b="0" baseline="0" cap="none" i="0" spc="0" strike="noStrike" sz="1800" u="none">
+        <a:defRPr sz="1800" b="0" i="0" u="none" strike="noStrike" cap="none" spc="0" baseline="0">
           <a:solidFill>
             <a:schemeClr val="tx1"/>
           </a:solidFill>
@@ -3772,7 +3798,7 @@
         <a:buFontTx/>
         <a:buNone/>
         <a:tabLst/>
-        <a:defRPr b="0" baseline="0" cap="none" i="0" spc="0" strike="noStrike" sz="1800" u="none">
+        <a:defRPr sz="1800" b="0" i="0" u="none" strike="noStrike" cap="none" spc="0" baseline="0">
           <a:solidFill>
             <a:schemeClr val="tx1"/>
           </a:solidFill>
@@ -3798,7 +3824,7 @@
         <a:buFontTx/>
         <a:buNone/>
         <a:tabLst/>
-        <a:defRPr b="0" baseline="0" cap="none" i="0" spc="0" strike="noStrike" sz="1800" u="none">
+        <a:defRPr sz="1800" b="0" i="0" u="none" strike="noStrike" cap="none" spc="0" baseline="0">
           <a:solidFill>
             <a:schemeClr val="tx1"/>
           </a:solidFill>
@@ -3815,7 +3841,7 @@
 </file>
 
 <file path=ppt/slides/slide1.xml><?xml version="1.0" encoding="utf-8"?>
-<p:sld xmlns:a="http://schemas.openxmlformats.org/drawingml/2006/main" xmlns:r="http://schemas.openxmlformats.org/officeDocument/2006/relationships" xmlns:p="http://schemas.openxmlformats.org/presentationml/2006/main" xmlns:m="http://schemas.openxmlformats.org/officeDocument/2006/math" xmlns:a14="http://schemas.microsoft.com/office/drawing/2010/main" showMasterSp="1" showMasterPhAnim="1">
+<p:sld xmlns:a="http://schemas.openxmlformats.org/drawingml/2006/main" xmlns:r="http://schemas.openxmlformats.org/officeDocument/2006/relationships" xmlns:p="http://schemas.openxmlformats.org/presentationml/2006/main">
   <p:cSld>
     <p:spTree>
       <p:nvGrpSpPr>
@@ -3834,7 +3860,9 @@
       <p:sp>
         <p:nvSpPr>
           <p:cNvPr id="151" name="Michele Angelo Marcucci [851905] - Davide Mazzitelli [851657]"/>
-          <p:cNvSpPr txBox="1"/>
+          <p:cNvSpPr txBox="1">
+            <a:spLocks noGrp="1"/>
+          </p:cNvSpPr>
           <p:nvPr>
             <p:ph type="body" idx="21"/>
           </p:nvPr>
@@ -3845,15 +3873,16 @@
           </a:prstGeom>
           <a:extLst>
             <a:ext uri="{C572A759-6A51-4108-AA02-DFA0A04FC94B}">
-              <ma14:wrappingTextBoxFlag xmlns:ma14="http://schemas.microsoft.com/office/mac/drawingml/2011/main" val="1"/>
+              <ma14:wrappingTextBoxFlag xmlns:ma14="http://schemas.microsoft.com/office/mac/drawingml/2011/main" xmlns:a14="http://schemas.microsoft.com/office/drawing/2010/main" xmlns:m="http://schemas.openxmlformats.org/officeDocument/2006/math" xmlns="" val="1"/>
             </a:ext>
           </a:extLst>
         </p:spPr>
         <p:txBody>
-          <a:bodyPr/>
+          <a:bodyPr>
+            <a:normAutofit lnSpcReduction="10000"/>
+          </a:bodyPr>
           <a:lstStyle/>
           <a:p>
-            <a:pPr/>
             <a:r>
               <a:t>Michele Angelo Marcucci [851905] - Davide Mazzitelli [851657]</a:t>
             </a:r>
@@ -3863,7 +3892,9 @@
       <p:sp>
         <p:nvSpPr>
           <p:cNvPr id="152" name="Progetto di Machine learning"/>
-          <p:cNvSpPr txBox="1"/>
+          <p:cNvSpPr txBox="1">
+            <a:spLocks noGrp="1"/>
+          </p:cNvSpPr>
           <p:nvPr>
             <p:ph type="ctrTitle"/>
           </p:nvPr>
@@ -3877,7 +3908,6 @@
           <a:bodyPr/>
           <a:lstStyle/>
           <a:p>
-            <a:pPr/>
             <a:r>
               <a:t>Progetto di Machine learning</a:t>
             </a:r>
@@ -3887,7 +3917,9 @@
       <p:sp>
         <p:nvSpPr>
           <p:cNvPr id="153" name="Predizione fasce di prezzo dei laptop"/>
-          <p:cNvSpPr txBox="1"/>
+          <p:cNvSpPr txBox="1">
+            <a:spLocks noGrp="1"/>
+          </p:cNvSpPr>
           <p:nvPr>
             <p:ph type="subTitle" sz="quarter" idx="1"/>
           </p:nvPr>
@@ -3901,7 +3933,6 @@
           <a:bodyPr/>
           <a:lstStyle/>
           <a:p>
-            <a:pPr/>
             <a:r>
               <a:t>Predizione fasce di prezzo dei laptop</a:t>
             </a:r>
@@ -3913,12 +3944,763 @@
   <p:clrMapOvr>
     <a:masterClrMapping/>
   </p:clrMapOvr>
-  <p:transition xmlns:p14="http://schemas.microsoft.com/office/powerpoint/2010/main" spd="med" advClick="1"/>
+  <p:transition spd="med"/>
 </p:sld>
 </file>
 
 <file path=ppt/slides/slide10.xml><?xml version="1.0" encoding="utf-8"?>
-<p:sld xmlns:a="http://schemas.openxmlformats.org/drawingml/2006/main" xmlns:r="http://schemas.openxmlformats.org/officeDocument/2006/relationships" xmlns:p="http://schemas.openxmlformats.org/presentationml/2006/main" xmlns:m="http://schemas.openxmlformats.org/officeDocument/2006/math" xmlns:a14="http://schemas.microsoft.com/office/drawing/2010/main" showMasterSp="1" showMasterPhAnim="1">
+<p:sld xmlns:a="http://schemas.openxmlformats.org/drawingml/2006/main" xmlns:r="http://schemas.openxmlformats.org/officeDocument/2006/relationships" xmlns:p="http://schemas.openxmlformats.org/presentationml/2006/main">
+  <p:cSld>
+    <p:spTree>
+      <p:nvGrpSpPr>
+        <p:cNvPr id="1" name=""/>
+        <p:cNvGrpSpPr/>
+        <p:nvPr/>
+      </p:nvGrpSpPr>
+      <p:grpSpPr>
+        <a:xfrm>
+          <a:off x="0" y="0"/>
+          <a:ext cx="0" cy="0"/>
+          <a:chOff x="0" y="0"/>
+          <a:chExt cx="0" cy="0"/>
+        </a:xfrm>
+      </p:grpSpPr>
+      <p:pic>
+        <p:nvPicPr>
+          <p:cNvPr id="6" name="Immagine 5">
+            <a:extLst>
+              <a:ext uri="{FF2B5EF4-FFF2-40B4-BE49-F238E27FC236}">
+                <a16:creationId xmlns:a16="http://schemas.microsoft.com/office/drawing/2014/main" id="{7979635D-C9CE-BE89-061D-8C535E51C06D}"/>
+              </a:ext>
+            </a:extLst>
+          </p:cNvPr>
+          <p:cNvPicPr>
+            <a:picLocks noChangeAspect="1"/>
+          </p:cNvPicPr>
+          <p:nvPr/>
+        </p:nvPicPr>
+        <p:blipFill>
+          <a:blip r:embed="rId2">
+            <a:extLst>
+              <a:ext uri="{28A0092B-C50C-407E-A947-70E740481C1C}">
+                <a14:useLocalDpi xmlns:a14="http://schemas.microsoft.com/office/drawing/2010/main" val="0"/>
+              </a:ext>
+            </a:extLst>
+          </a:blip>
+          <a:stretch>
+            <a:fillRect/>
+          </a:stretch>
+        </p:blipFill>
+        <p:spPr>
+          <a:xfrm>
+            <a:off x="70032" y="1315647"/>
+            <a:ext cx="24313968" cy="10606722"/>
+          </a:xfrm>
+          <a:prstGeom prst="rect">
+            <a:avLst/>
+          </a:prstGeom>
+        </p:spPr>
+      </p:pic>
+    </p:spTree>
+    <p:extLst>
+      <p:ext uri="{BB962C8B-B14F-4D97-AF65-F5344CB8AC3E}">
+        <p14:creationId xmlns:p14="http://schemas.microsoft.com/office/powerpoint/2010/main" val="966992121"/>
+      </p:ext>
+    </p:extLst>
+  </p:cSld>
+  <p:clrMapOvr>
+    <a:masterClrMapping/>
+  </p:clrMapOvr>
+  <p:transition spd="med"/>
+</p:sld>
+</file>
+
+<file path=ppt/slides/slide11.xml><?xml version="1.0" encoding="utf-8"?>
+<p:sld xmlns:a="http://schemas.openxmlformats.org/drawingml/2006/main" xmlns:r="http://schemas.openxmlformats.org/officeDocument/2006/relationships" xmlns:p="http://schemas.openxmlformats.org/presentationml/2006/main">
+  <p:cSld>
+    <p:spTree>
+      <p:nvGrpSpPr>
+        <p:cNvPr id="1" name=""/>
+        <p:cNvGrpSpPr/>
+        <p:nvPr/>
+      </p:nvGrpSpPr>
+      <p:grpSpPr>
+        <a:xfrm>
+          <a:off x="0" y="0"/>
+          <a:ext cx="0" cy="0"/>
+          <a:chOff x="0" y="0"/>
+          <a:chExt cx="0" cy="0"/>
+        </a:xfrm>
+      </p:grpSpPr>
+      <p:sp>
+        <p:nvSpPr>
+          <p:cNvPr id="188" name="Schermo: anche le informazioni di questa colonna erano molto caotiche e non rappresentate secondo un pattern preciso…"/>
+          <p:cNvSpPr txBox="1"/>
+          <p:nvPr/>
+        </p:nvSpPr>
+        <p:spPr>
+          <a:xfrm>
+            <a:off x="821754" y="1431664"/>
+            <a:ext cx="21105137" cy="3506666"/>
+          </a:xfrm>
+          <a:prstGeom prst="rect">
+            <a:avLst/>
+          </a:prstGeom>
+          <a:ln w="12700">
+            <a:miter lim="400000"/>
+          </a:ln>
+          <a:extLst>
+            <a:ext uri="{C572A759-6A51-4108-AA02-DFA0A04FC94B}">
+              <ma14:wrappingTextBoxFlag xmlns:ma14="http://schemas.microsoft.com/office/mac/drawingml/2011/main" xmlns:a14="http://schemas.microsoft.com/office/drawing/2010/main" xmlns:m="http://schemas.openxmlformats.org/officeDocument/2006/math" xmlns="" val="1"/>
+            </a:ext>
+          </a:extLst>
+        </p:spPr>
+        <p:txBody>
+          <a:bodyPr wrap="none" lIns="50800" tIns="50800" rIns="50800" bIns="50800" anchor="ctr">
+            <a:spAutoFit/>
+          </a:bodyPr>
+          <a:lstStyle/>
+          <a:p>
+            <a:pPr marL="609600" indent="-609600" algn="l">
+              <a:lnSpc>
+                <a:spcPct val="90000"/>
+              </a:lnSpc>
+              <a:spcBef>
+                <a:spcPts val="4500"/>
+              </a:spcBef>
+              <a:buSzPct val="123000"/>
+              <a:buChar char="•"/>
+              <a:defRPr sz="4800" b="1">
+                <a:solidFill>
+                  <a:srgbClr val="000000"/>
+                </a:solidFill>
+              </a:defRPr>
+            </a:pPr>
+            <a:r>
+              <a:rPr dirty="0" err="1"/>
+              <a:t>Schermo</a:t>
+            </a:r>
+            <a:r>
+              <a:rPr b="0" dirty="0"/>
+              <a:t>: </a:t>
+            </a:r>
+            <a:r>
+              <a:rPr b="0" dirty="0" err="1"/>
+              <a:t>anche</a:t>
+            </a:r>
+            <a:r>
+              <a:rPr b="0" dirty="0"/>
+              <a:t> le </a:t>
+            </a:r>
+            <a:r>
+              <a:rPr b="0" dirty="0" err="1"/>
+              <a:t>informazioni</a:t>
+            </a:r>
+            <a:r>
+              <a:rPr b="0" dirty="0"/>
+              <a:t> di </a:t>
+            </a:r>
+            <a:r>
+              <a:rPr b="0" dirty="0" err="1"/>
+              <a:t>questa</a:t>
+            </a:r>
+            <a:r>
+              <a:rPr b="0" dirty="0"/>
+              <a:t> </a:t>
+            </a:r>
+            <a:r>
+              <a:rPr b="0" dirty="0" err="1"/>
+              <a:t>colonna</a:t>
+            </a:r>
+            <a:r>
+              <a:rPr b="0" dirty="0"/>
+              <a:t> </a:t>
+            </a:r>
+            <a:r>
+              <a:rPr b="0" dirty="0" err="1"/>
+              <a:t>erano</a:t>
+            </a:r>
+            <a:r>
+              <a:rPr b="0" dirty="0"/>
+              <a:t> molto </a:t>
+            </a:r>
+            <a:r>
+              <a:rPr b="0" dirty="0" err="1"/>
+              <a:t>caotiche</a:t>
+            </a:r>
+            <a:r>
+              <a:rPr b="0" dirty="0"/>
+              <a:t> e </a:t>
+            </a:r>
+            <a:br>
+              <a:rPr lang="en-US" b="0" dirty="0"/>
+            </a:br>
+            <a:r>
+              <a:rPr b="0" dirty="0"/>
+              <a:t>non </a:t>
+            </a:r>
+            <a:r>
+              <a:rPr b="0" dirty="0" err="1"/>
+              <a:t>rappresentate</a:t>
+            </a:r>
+            <a:r>
+              <a:rPr b="0" dirty="0"/>
+              <a:t> secondo un pattern </a:t>
+            </a:r>
+            <a:r>
+              <a:rPr b="0" dirty="0" err="1"/>
+              <a:t>preciso</a:t>
+            </a:r>
+            <a:endParaRPr b="0" dirty="0"/>
+          </a:p>
+          <a:p>
+            <a:pPr marL="1219200" lvl="1" indent="-609600" algn="l">
+              <a:lnSpc>
+                <a:spcPct val="10000"/>
+              </a:lnSpc>
+              <a:spcBef>
+                <a:spcPts val="4500"/>
+              </a:spcBef>
+              <a:buSzPct val="123000"/>
+              <a:buChar char="•"/>
+              <a:defRPr sz="4800" b="1">
+                <a:solidFill>
+                  <a:srgbClr val="000000"/>
+                </a:solidFill>
+              </a:defRPr>
+            </a:pPr>
+            <a:r>
+              <a:rPr b="0" dirty="0"/>
+              <a:t>IPS Panel Retina display 2560x1600</a:t>
+            </a:r>
+          </a:p>
+          <a:p>
+            <a:pPr marL="1219200" lvl="1" indent="-609600" algn="l">
+              <a:lnSpc>
+                <a:spcPct val="10000"/>
+              </a:lnSpc>
+              <a:spcBef>
+                <a:spcPts val="4500"/>
+              </a:spcBef>
+              <a:buSzPct val="123000"/>
+              <a:buChar char="•"/>
+              <a:defRPr sz="4800" b="1">
+                <a:solidFill>
+                  <a:srgbClr val="000000"/>
+                </a:solidFill>
+              </a:defRPr>
+            </a:pPr>
+            <a:r>
+              <a:rPr b="0" dirty="0"/>
+              <a:t>Full HD 1920x1080</a:t>
+            </a:r>
+          </a:p>
+          <a:p>
+            <a:pPr marL="1219200" lvl="1" indent="-609600" algn="l">
+              <a:lnSpc>
+                <a:spcPct val="10000"/>
+              </a:lnSpc>
+              <a:spcBef>
+                <a:spcPts val="4500"/>
+              </a:spcBef>
+              <a:buSzPct val="123000"/>
+              <a:buChar char="•"/>
+              <a:defRPr sz="4800" b="1">
+                <a:solidFill>
+                  <a:srgbClr val="000000"/>
+                </a:solidFill>
+              </a:defRPr>
+            </a:pPr>
+            <a:r>
+              <a:rPr b="0" dirty="0"/>
+              <a:t>1366x768</a:t>
+            </a:r>
+          </a:p>
+        </p:txBody>
+      </p:sp>
+      <p:graphicFrame>
+        <p:nvGraphicFramePr>
+          <p:cNvPr id="189" name="Tabella 1"/>
+          <p:cNvGraphicFramePr/>
+          <p:nvPr/>
+        </p:nvGraphicFramePr>
+        <p:xfrm>
+          <a:off x="1736834" y="6879855"/>
+          <a:ext cx="5921236" cy="5047748"/>
+        </p:xfrm>
+        <a:graphic>
+          <a:graphicData uri="http://schemas.openxmlformats.org/drawingml/2006/table">
+            <a:tbl>
+              <a:tblPr firstRow="1">
+                <a:tableStyleId>{4C3C2611-4C71-4FC5-86AE-919BDF0F9419}</a:tableStyleId>
+              </a:tblPr>
+              <a:tblGrid>
+                <a:gridCol w="5921236">
+                  <a:extLst>
+                    <a:ext uri="{9D8B030D-6E8A-4147-A177-3AD203B41FA5}">
+                      <a16:colId xmlns:a16="http://schemas.microsoft.com/office/drawing/2014/main" val="20000"/>
+                    </a:ext>
+                  </a:extLst>
+                </a:gridCol>
+              </a:tblGrid>
+              <a:tr h="992697">
+                <a:tc>
+                  <a:txBody>
+                    <a:bodyPr/>
+                    <a:lstStyle/>
+                    <a:p>
+                      <a:pPr defTabSz="914400">
+                        <a:tabLst>
+                          <a:tab pos="1663700" algn="l"/>
+                        </a:tabLst>
+                        <a:defRPr b="0"/>
+                      </a:pPr>
+                      <a:r>
+                        <a:rPr sz="3200" b="1"/>
+                        <a:t>ScreenResolution</a:t>
+                      </a:r>
+                    </a:p>
+                  </a:txBody>
+                  <a:tcPr marL="50800" marR="50800" marT="50800" marB="50800" anchor="ctr" horzOverflow="overflow"/>
+                </a:tc>
+                <a:extLst>
+                  <a:ext uri="{0D108BD9-81ED-4DB2-BD59-A6C34878D82A}">
+                    <a16:rowId xmlns:a16="http://schemas.microsoft.com/office/drawing/2014/main" val="10000"/>
+                  </a:ext>
+                </a:extLst>
+              </a:tr>
+              <a:tr h="992697">
+                <a:tc>
+                  <a:txBody>
+                    <a:bodyPr/>
+                    <a:lstStyle/>
+                    <a:p>
+                      <a:pPr defTabSz="914400"/>
+                      <a:r>
+                        <a:rPr sz="3200" dirty="0"/>
+                        <a:t>Full HD 1920x1080</a:t>
+                      </a:r>
+                    </a:p>
+                  </a:txBody>
+                  <a:tcPr marL="50800" marR="50800" marT="50800" marB="50800" anchor="ctr" horzOverflow="overflow"/>
+                </a:tc>
+                <a:extLst>
+                  <a:ext uri="{0D108BD9-81ED-4DB2-BD59-A6C34878D82A}">
+                    <a16:rowId xmlns:a16="http://schemas.microsoft.com/office/drawing/2014/main" val="10001"/>
+                  </a:ext>
+                </a:extLst>
+              </a:tr>
+              <a:tr h="992697">
+                <a:tc>
+                  <a:txBody>
+                    <a:bodyPr/>
+                    <a:lstStyle/>
+                    <a:p>
+                      <a:pPr defTabSz="914400"/>
+                      <a:r>
+                        <a:rPr sz="3200"/>
+                        <a:t>1366x760</a:t>
+                      </a:r>
+                    </a:p>
+                  </a:txBody>
+                  <a:tcPr marL="50800" marR="50800" marT="50800" marB="50800" anchor="ctr" horzOverflow="overflow"/>
+                </a:tc>
+                <a:extLst>
+                  <a:ext uri="{0D108BD9-81ED-4DB2-BD59-A6C34878D82A}">
+                    <a16:rowId xmlns:a16="http://schemas.microsoft.com/office/drawing/2014/main" val="10002"/>
+                  </a:ext>
+                </a:extLst>
+              </a:tr>
+              <a:tr h="992697">
+                <a:tc>
+                  <a:txBody>
+                    <a:bodyPr/>
+                    <a:lstStyle/>
+                    <a:p>
+                      <a:pPr defTabSz="914400"/>
+                      <a:r>
+                        <a:rPr sz="3200"/>
+                        <a:t>IPS Panel Full HD 1920x1080</a:t>
+                      </a:r>
+                    </a:p>
+                  </a:txBody>
+                  <a:tcPr marL="50800" marR="50800" marT="50800" marB="50800" anchor="ctr" horzOverflow="overflow"/>
+                </a:tc>
+                <a:extLst>
+                  <a:ext uri="{0D108BD9-81ED-4DB2-BD59-A6C34878D82A}">
+                    <a16:rowId xmlns:a16="http://schemas.microsoft.com/office/drawing/2014/main" val="10003"/>
+                  </a:ext>
+                </a:extLst>
+              </a:tr>
+              <a:tr h="992697">
+                <a:tc>
+                  <a:txBody>
+                    <a:bodyPr/>
+                    <a:lstStyle/>
+                    <a:p>
+                      <a:pPr defTabSz="914400"/>
+                      <a:r>
+                        <a:rPr sz="3200" dirty="0"/>
+                        <a:t>IPS Panel Full HD/Touchscreen 1920x1080</a:t>
+                      </a:r>
+                    </a:p>
+                  </a:txBody>
+                  <a:tcPr marL="50800" marR="50800" marT="50800" marB="50800" anchor="ctr" horzOverflow="overflow"/>
+                </a:tc>
+                <a:extLst>
+                  <a:ext uri="{0D108BD9-81ED-4DB2-BD59-A6C34878D82A}">
+                    <a16:rowId xmlns:a16="http://schemas.microsoft.com/office/drawing/2014/main" val="10004"/>
+                  </a:ext>
+                </a:extLst>
+              </a:tr>
+            </a:tbl>
+          </a:graphicData>
+        </a:graphic>
+      </p:graphicFrame>
+      <p:sp>
+        <p:nvSpPr>
+          <p:cNvPr id="190" name="Linea"/>
+          <p:cNvSpPr/>
+          <p:nvPr/>
+        </p:nvSpPr>
+        <p:spPr>
+          <a:xfrm>
+            <a:off x="8327717" y="8883266"/>
+            <a:ext cx="2819123" cy="1"/>
+          </a:xfrm>
+          <a:prstGeom prst="line">
+            <a:avLst/>
+          </a:prstGeom>
+          <a:ln w="165100">
+            <a:solidFill>
+              <a:srgbClr val="000000"/>
+            </a:solidFill>
+            <a:miter lim="400000"/>
+            <a:tailEnd type="triangle"/>
+          </a:ln>
+        </p:spPr>
+        <p:txBody>
+          <a:bodyPr lIns="50800" tIns="50800" rIns="50800" bIns="50800" anchor="ctr"/>
+          <a:lstStyle/>
+          <a:p>
+            <a:endParaRPr/>
+          </a:p>
+        </p:txBody>
+      </p:sp>
+      <p:graphicFrame>
+        <p:nvGraphicFramePr>
+          <p:cNvPr id="191" name="Tabella 1-1"/>
+          <p:cNvGraphicFramePr/>
+          <p:nvPr/>
+        </p:nvGraphicFramePr>
+        <p:xfrm>
+          <a:off x="11816487" y="6873505"/>
+          <a:ext cx="10830678" cy="4976185"/>
+        </p:xfrm>
+        <a:graphic>
+          <a:graphicData uri="http://schemas.openxmlformats.org/drawingml/2006/table">
+            <a:tbl>
+              <a:tblPr firstRow="1">
+                <a:tableStyleId>{4C3C2611-4C71-4FC5-86AE-919BDF0F9419}</a:tableStyleId>
+              </a:tblPr>
+              <a:tblGrid>
+                <a:gridCol w="3610226">
+                  <a:extLst>
+                    <a:ext uri="{9D8B030D-6E8A-4147-A177-3AD203B41FA5}">
+                      <a16:colId xmlns:a16="http://schemas.microsoft.com/office/drawing/2014/main" val="20000"/>
+                    </a:ext>
+                  </a:extLst>
+                </a:gridCol>
+                <a:gridCol w="3610226">
+                  <a:extLst>
+                    <a:ext uri="{9D8B030D-6E8A-4147-A177-3AD203B41FA5}">
+                      <a16:colId xmlns:a16="http://schemas.microsoft.com/office/drawing/2014/main" val="20001"/>
+                    </a:ext>
+                  </a:extLst>
+                </a:gridCol>
+                <a:gridCol w="3610226">
+                  <a:extLst>
+                    <a:ext uri="{9D8B030D-6E8A-4147-A177-3AD203B41FA5}">
+                      <a16:colId xmlns:a16="http://schemas.microsoft.com/office/drawing/2014/main" val="20002"/>
+                    </a:ext>
+                  </a:extLst>
+                </a:gridCol>
+              </a:tblGrid>
+              <a:tr h="995237">
+                <a:tc>
+                  <a:txBody>
+                    <a:bodyPr/>
+                    <a:lstStyle/>
+                    <a:p>
+                      <a:pPr defTabSz="914400">
+                        <a:tabLst>
+                          <a:tab pos="1663700" algn="l"/>
+                        </a:tabLst>
+                        <a:defRPr b="0"/>
+                      </a:pPr>
+                      <a:r>
+                        <a:rPr sz="3200" b="1"/>
+                        <a:t>ScreenResolution</a:t>
+                      </a:r>
+                    </a:p>
+                  </a:txBody>
+                  <a:tcPr marL="50800" marR="50800" marT="50800" marB="50800" anchor="ctr" horzOverflow="overflow"/>
+                </a:tc>
+                <a:tc>
+                  <a:txBody>
+                    <a:bodyPr/>
+                    <a:lstStyle/>
+                    <a:p>
+                      <a:pPr defTabSz="914400">
+                        <a:tabLst>
+                          <a:tab pos="1663700" algn="l"/>
+                        </a:tabLst>
+                        <a:defRPr b="0"/>
+                      </a:pPr>
+                      <a:r>
+                        <a:rPr sz="3200" b="1"/>
+                        <a:t>IsTouch</a:t>
+                      </a:r>
+                    </a:p>
+                  </a:txBody>
+                  <a:tcPr marL="50800" marR="50800" marT="50800" marB="50800" anchor="ctr" horzOverflow="overflow"/>
+                </a:tc>
+                <a:tc>
+                  <a:txBody>
+                    <a:bodyPr/>
+                    <a:lstStyle/>
+                    <a:p>
+                      <a:pPr defTabSz="914400">
+                        <a:tabLst>
+                          <a:tab pos="1663700" algn="l"/>
+                        </a:tabLst>
+                        <a:defRPr b="0"/>
+                      </a:pPr>
+                      <a:r>
+                        <a:rPr sz="3200" b="1"/>
+                        <a:t>IsIPS</a:t>
+                      </a:r>
+                    </a:p>
+                  </a:txBody>
+                  <a:tcPr marL="50800" marR="50800" marT="50800" marB="50800" anchor="ctr" horzOverflow="overflow"/>
+                </a:tc>
+                <a:extLst>
+                  <a:ext uri="{0D108BD9-81ED-4DB2-BD59-A6C34878D82A}">
+                    <a16:rowId xmlns:a16="http://schemas.microsoft.com/office/drawing/2014/main" val="10000"/>
+                  </a:ext>
+                </a:extLst>
+              </a:tr>
+              <a:tr h="995237">
+                <a:tc>
+                  <a:txBody>
+                    <a:bodyPr/>
+                    <a:lstStyle/>
+                    <a:p>
+                      <a:pPr defTabSz="914400"/>
+                      <a:r>
+                        <a:rPr sz="3200"/>
+                        <a:t>FHD</a:t>
+                      </a:r>
+                    </a:p>
+                  </a:txBody>
+                  <a:tcPr marL="50800" marR="50800" marT="50800" marB="50800" anchor="ctr" horzOverflow="overflow"/>
+                </a:tc>
+                <a:tc>
+                  <a:txBody>
+                    <a:bodyPr/>
+                    <a:lstStyle/>
+                    <a:p>
+                      <a:pPr defTabSz="914400"/>
+                      <a:r>
+                        <a:rPr sz="3200"/>
+                        <a:t>FALSE</a:t>
+                      </a:r>
+                    </a:p>
+                  </a:txBody>
+                  <a:tcPr marL="50800" marR="50800" marT="50800" marB="50800" anchor="ctr" horzOverflow="overflow"/>
+                </a:tc>
+                <a:tc>
+                  <a:txBody>
+                    <a:bodyPr/>
+                    <a:lstStyle/>
+                    <a:p>
+                      <a:pPr defTabSz="914400"/>
+                      <a:r>
+                        <a:rPr sz="3200"/>
+                        <a:t>FALSE</a:t>
+                      </a:r>
+                    </a:p>
+                  </a:txBody>
+                  <a:tcPr marL="50800" marR="50800" marT="50800" marB="50800" anchor="ctr" horzOverflow="overflow"/>
+                </a:tc>
+                <a:extLst>
+                  <a:ext uri="{0D108BD9-81ED-4DB2-BD59-A6C34878D82A}">
+                    <a16:rowId xmlns:a16="http://schemas.microsoft.com/office/drawing/2014/main" val="10001"/>
+                  </a:ext>
+                </a:extLst>
+              </a:tr>
+              <a:tr h="995237">
+                <a:tc>
+                  <a:txBody>
+                    <a:bodyPr/>
+                    <a:lstStyle/>
+                    <a:p>
+                      <a:pPr defTabSz="914400"/>
+                      <a:r>
+                        <a:rPr sz="3200"/>
+                        <a:t>HD</a:t>
+                      </a:r>
+                    </a:p>
+                  </a:txBody>
+                  <a:tcPr marL="50800" marR="50800" marT="50800" marB="50800" anchor="ctr" horzOverflow="overflow"/>
+                </a:tc>
+                <a:tc>
+                  <a:txBody>
+                    <a:bodyPr/>
+                    <a:lstStyle/>
+                    <a:p>
+                      <a:pPr defTabSz="914400"/>
+                      <a:r>
+                        <a:rPr sz="3200"/>
+                        <a:t>FALSE</a:t>
+                      </a:r>
+                    </a:p>
+                  </a:txBody>
+                  <a:tcPr marL="50800" marR="50800" marT="50800" marB="50800" anchor="ctr" horzOverflow="overflow"/>
+                </a:tc>
+                <a:tc>
+                  <a:txBody>
+                    <a:bodyPr/>
+                    <a:lstStyle/>
+                    <a:p>
+                      <a:pPr defTabSz="914400"/>
+                      <a:r>
+                        <a:rPr sz="3200"/>
+                        <a:t>FALSE</a:t>
+                      </a:r>
+                    </a:p>
+                  </a:txBody>
+                  <a:tcPr marL="50800" marR="50800" marT="50800" marB="50800" anchor="ctr" horzOverflow="overflow"/>
+                </a:tc>
+                <a:extLst>
+                  <a:ext uri="{0D108BD9-81ED-4DB2-BD59-A6C34878D82A}">
+                    <a16:rowId xmlns:a16="http://schemas.microsoft.com/office/drawing/2014/main" val="10002"/>
+                  </a:ext>
+                </a:extLst>
+              </a:tr>
+              <a:tr h="995237">
+                <a:tc>
+                  <a:txBody>
+                    <a:bodyPr/>
+                    <a:lstStyle/>
+                    <a:p>
+                      <a:pPr defTabSz="914400"/>
+                      <a:r>
+                        <a:rPr sz="3200"/>
+                        <a:t>FHD</a:t>
+                      </a:r>
+                    </a:p>
+                  </a:txBody>
+                  <a:tcPr marL="50800" marR="50800" marT="50800" marB="50800" anchor="ctr" horzOverflow="overflow"/>
+                </a:tc>
+                <a:tc>
+                  <a:txBody>
+                    <a:bodyPr/>
+                    <a:lstStyle/>
+                    <a:p>
+                      <a:pPr defTabSz="914400"/>
+                      <a:r>
+                        <a:rPr sz="3200"/>
+                        <a:t>FALSE</a:t>
+                      </a:r>
+                    </a:p>
+                  </a:txBody>
+                  <a:tcPr marL="50800" marR="50800" marT="50800" marB="50800" anchor="ctr" horzOverflow="overflow"/>
+                </a:tc>
+                <a:tc>
+                  <a:txBody>
+                    <a:bodyPr/>
+                    <a:lstStyle/>
+                    <a:p>
+                      <a:pPr defTabSz="914400"/>
+                      <a:r>
+                        <a:rPr sz="3200"/>
+                        <a:t>TRUE</a:t>
+                      </a:r>
+                    </a:p>
+                  </a:txBody>
+                  <a:tcPr marL="50800" marR="50800" marT="50800" marB="50800" anchor="ctr" horzOverflow="overflow"/>
+                </a:tc>
+                <a:extLst>
+                  <a:ext uri="{0D108BD9-81ED-4DB2-BD59-A6C34878D82A}">
+                    <a16:rowId xmlns:a16="http://schemas.microsoft.com/office/drawing/2014/main" val="10003"/>
+                  </a:ext>
+                </a:extLst>
+              </a:tr>
+              <a:tr h="995237">
+                <a:tc>
+                  <a:txBody>
+                    <a:bodyPr/>
+                    <a:lstStyle/>
+                    <a:p>
+                      <a:pPr defTabSz="914400"/>
+                      <a:r>
+                        <a:rPr sz="3200"/>
+                        <a:t>FHD</a:t>
+                      </a:r>
+                    </a:p>
+                  </a:txBody>
+                  <a:tcPr marL="50800" marR="50800" marT="50800" marB="50800" anchor="ctr" horzOverflow="overflow"/>
+                </a:tc>
+                <a:tc>
+                  <a:txBody>
+                    <a:bodyPr/>
+                    <a:lstStyle/>
+                    <a:p>
+                      <a:pPr defTabSz="914400"/>
+                      <a:r>
+                        <a:rPr sz="3200"/>
+                        <a:t>TRUE</a:t>
+                      </a:r>
+                    </a:p>
+                  </a:txBody>
+                  <a:tcPr marL="50800" marR="50800" marT="50800" marB="50800" anchor="ctr" horzOverflow="overflow"/>
+                </a:tc>
+                <a:tc>
+                  <a:txBody>
+                    <a:bodyPr/>
+                    <a:lstStyle/>
+                    <a:p>
+                      <a:pPr defTabSz="914400"/>
+                      <a:r>
+                        <a:rPr sz="3200"/>
+                        <a:t>TRUE</a:t>
+                      </a:r>
+                    </a:p>
+                  </a:txBody>
+                  <a:tcPr marL="50800" marR="50800" marT="50800" marB="50800" anchor="ctr" horzOverflow="overflow"/>
+                </a:tc>
+                <a:extLst>
+                  <a:ext uri="{0D108BD9-81ED-4DB2-BD59-A6C34878D82A}">
+                    <a16:rowId xmlns:a16="http://schemas.microsoft.com/office/drawing/2014/main" val="10004"/>
+                  </a:ext>
+                </a:extLst>
+              </a:tr>
+            </a:tbl>
+          </a:graphicData>
+        </a:graphic>
+      </p:graphicFrame>
+    </p:spTree>
+  </p:cSld>
+  <p:clrMapOvr>
+    <a:masterClrMapping/>
+  </p:clrMapOvr>
+  <p:transition spd="med"/>
+</p:sld>
+</file>
+
+<file path=ppt/slides/slide12.xml><?xml version="1.0" encoding="utf-8"?>
+<p:sld xmlns:a="http://schemas.openxmlformats.org/drawingml/2006/main" xmlns:r="http://schemas.openxmlformats.org/officeDocument/2006/relationships" xmlns:p="http://schemas.openxmlformats.org/presentationml/2006/main">
   <p:cSld>
     <p:spTree>
       <p:nvGrpSpPr>
@@ -3937,7 +4719,9 @@
       <p:sp>
         <p:nvSpPr>
           <p:cNvPr id="193" name="OS: per quanto riguarda il sistema operativo abbiamo ridistribuito tutti i valori in 3 classi: Windows, Mac, Linux/Otre…"/>
-          <p:cNvSpPr txBox="1"/>
+          <p:cNvSpPr txBox="1">
+            <a:spLocks noGrp="1"/>
+          </p:cNvSpPr>
           <p:nvPr>
             <p:ph type="body" idx="1"/>
           </p:nvPr>
@@ -3959,228 +4743,414 @@
               <a:spcBef>
                 <a:spcPts val="3900"/>
               </a:spcBef>
-              <a:defRPr b="1" sz="4224"/>
+              <a:defRPr sz="4224" b="1"/>
             </a:pPr>
             <a:r>
+              <a:rPr dirty="0"/>
               <a:t>OS:</a:t>
             </a:r>
             <a:r>
-              <a:rPr b="0"/>
-              <a:t> per quanto riguarda il sistema operativo abbiamo ridistribuito tutti i valori in 3 classi: Windows, Mac, Linux/Otre</a:t>
-            </a:r>
-            <a:endParaRPr b="0"/>
+              <a:rPr b="0" dirty="0"/>
+              <a:t> per </a:t>
+            </a:r>
+            <a:r>
+              <a:rPr b="0" dirty="0" err="1"/>
+              <a:t>quanto</a:t>
+            </a:r>
+            <a:r>
+              <a:rPr b="0" dirty="0"/>
+              <a:t> </a:t>
+            </a:r>
+            <a:r>
+              <a:rPr b="0" dirty="0" err="1"/>
+              <a:t>riguarda</a:t>
+            </a:r>
+            <a:r>
+              <a:rPr b="0" dirty="0"/>
+              <a:t> il </a:t>
+            </a:r>
+            <a:r>
+              <a:rPr b="0" dirty="0" err="1"/>
+              <a:t>sistema</a:t>
+            </a:r>
+            <a:r>
+              <a:rPr b="0" dirty="0"/>
+              <a:t> </a:t>
+            </a:r>
+            <a:r>
+              <a:rPr b="0" dirty="0" err="1"/>
+              <a:t>operativo</a:t>
+            </a:r>
+            <a:r>
+              <a:rPr b="0" dirty="0"/>
+              <a:t> </a:t>
+            </a:r>
+            <a:r>
+              <a:rPr b="0" dirty="0" err="1"/>
+              <a:t>abbiamo</a:t>
+            </a:r>
+            <a:r>
+              <a:rPr b="0" dirty="0"/>
+              <a:t> </a:t>
+            </a:r>
+            <a:r>
+              <a:rPr b="0" dirty="0" err="1"/>
+              <a:t>ridistribuito</a:t>
+            </a:r>
+            <a:r>
+              <a:rPr b="0" dirty="0"/>
+              <a:t> tutti </a:t>
+            </a:r>
+            <a:r>
+              <a:rPr b="0" dirty="0" err="1"/>
+              <a:t>i</a:t>
+            </a:r>
+            <a:r>
+              <a:rPr b="0" dirty="0"/>
+              <a:t> </a:t>
+            </a:r>
+            <a:r>
+              <a:rPr b="0" dirty="0" err="1"/>
+              <a:t>valori</a:t>
+            </a:r>
+            <a:r>
+              <a:rPr b="0" dirty="0"/>
+              <a:t> in 3 </a:t>
+            </a:r>
+            <a:r>
+              <a:rPr b="0" dirty="0" err="1"/>
+              <a:t>classi</a:t>
+            </a:r>
+            <a:r>
+              <a:rPr b="0" dirty="0"/>
+              <a:t>: Windows, Mac, Linux/Ot</a:t>
+            </a:r>
+            <a:r>
+              <a:rPr lang="en-US" b="0" dirty="0"/>
+              <a:t>h</a:t>
+            </a:r>
+            <a:r>
+              <a:rPr b="0" dirty="0"/>
+              <a:t>e</a:t>
+            </a:r>
+            <a:r>
+              <a:rPr lang="en-US" b="0" dirty="0"/>
+              <a:t>r</a:t>
+            </a:r>
+            <a:endParaRPr b="0" dirty="0"/>
           </a:p>
           <a:p>
             <a:pPr marL="536447" indent="-536447" defTabSz="2145738">
               <a:spcBef>
                 <a:spcPts val="3900"/>
               </a:spcBef>
-              <a:defRPr b="1" sz="4224"/>
+              <a:defRPr sz="4224" b="1"/>
             </a:pPr>
             <a:r>
-              <a:t>Eliminazione colonne</a:t>
-            </a:r>
-            <a:r>
-              <a:rPr b="0"/>
-              <a:t>: abbiamo infine eliminato le colonne meno significative e i residui del preprocessing ottenendo il seguente dataset</a:t>
-            </a:r>
-            <a:endParaRPr b="0"/>
-          </a:p>
-          <a:p>
-            <a:pPr lvl="1" marL="1072895" indent="-536447" defTabSz="2145738">
+              <a:rPr dirty="0" err="1"/>
+              <a:t>Eliminazione</a:t>
+            </a:r>
+            <a:r>
+              <a:rPr dirty="0"/>
+              <a:t> </a:t>
+            </a:r>
+            <a:r>
+              <a:rPr dirty="0" err="1"/>
+              <a:t>colonne</a:t>
+            </a:r>
+            <a:r>
+              <a:rPr b="0" dirty="0"/>
+              <a:t>: </a:t>
+            </a:r>
+            <a:r>
+              <a:rPr b="0" dirty="0" err="1"/>
+              <a:t>abbiamo</a:t>
+            </a:r>
+            <a:r>
+              <a:rPr b="0" dirty="0"/>
+              <a:t> </a:t>
+            </a:r>
+            <a:r>
+              <a:rPr b="0" dirty="0" err="1"/>
+              <a:t>infine</a:t>
+            </a:r>
+            <a:r>
+              <a:rPr b="0" dirty="0"/>
+              <a:t> </a:t>
+            </a:r>
+            <a:r>
+              <a:rPr b="0" dirty="0" err="1"/>
+              <a:t>eliminato</a:t>
+            </a:r>
+            <a:r>
+              <a:rPr b="0" dirty="0"/>
+              <a:t> le </a:t>
+            </a:r>
+            <a:r>
+              <a:rPr b="0" dirty="0" err="1"/>
+              <a:t>colonne</a:t>
+            </a:r>
+            <a:r>
+              <a:rPr b="0" dirty="0"/>
+              <a:t> </a:t>
+            </a:r>
+            <a:r>
+              <a:rPr b="0" dirty="0" err="1"/>
+              <a:t>meno</a:t>
+            </a:r>
+            <a:r>
+              <a:rPr b="0" dirty="0"/>
+              <a:t> significative e </a:t>
+            </a:r>
+            <a:r>
+              <a:rPr b="0" dirty="0" err="1"/>
+              <a:t>i</a:t>
+            </a:r>
+            <a:r>
+              <a:rPr b="0" dirty="0"/>
+              <a:t> </a:t>
+            </a:r>
+            <a:r>
+              <a:rPr b="0" dirty="0" err="1"/>
+              <a:t>residui</a:t>
+            </a:r>
+            <a:r>
+              <a:rPr b="0" dirty="0"/>
+              <a:t> del preprocessing </a:t>
+            </a:r>
+            <a:r>
+              <a:rPr b="0" dirty="0" err="1"/>
+              <a:t>ottenendo</a:t>
+            </a:r>
+            <a:r>
+              <a:rPr b="0" dirty="0"/>
+              <a:t> il </a:t>
+            </a:r>
+            <a:r>
+              <a:rPr b="0" dirty="0" err="1"/>
+              <a:t>seguente</a:t>
+            </a:r>
+            <a:r>
+              <a:rPr b="0" dirty="0"/>
+              <a:t> dataset</a:t>
+            </a:r>
+          </a:p>
+          <a:p>
+            <a:pPr marL="1072895" lvl="1" indent="-536447" defTabSz="2145738">
               <a:lnSpc>
                 <a:spcPct val="10000"/>
               </a:lnSpc>
               <a:spcBef>
                 <a:spcPts val="3900"/>
               </a:spcBef>
-              <a:defRPr b="1" sz="4224"/>
+              <a:defRPr sz="4224" b="1"/>
             </a:pPr>
             <a:r>
+              <a:rPr dirty="0"/>
               <a:t>Company</a:t>
             </a:r>
           </a:p>
           <a:p>
-            <a:pPr lvl="1" marL="1072895" indent="-536447" defTabSz="2145738">
+            <a:pPr marL="1072895" lvl="1" indent="-536447" defTabSz="2145738">
               <a:lnSpc>
                 <a:spcPct val="10000"/>
               </a:lnSpc>
               <a:spcBef>
                 <a:spcPts val="3900"/>
               </a:spcBef>
-              <a:defRPr b="1" sz="4224"/>
+              <a:defRPr sz="4224" b="1"/>
             </a:pPr>
             <a:r>
+              <a:rPr dirty="0"/>
               <a:t>TypeName</a:t>
             </a:r>
           </a:p>
           <a:p>
-            <a:pPr lvl="1" marL="1072895" indent="-536447" defTabSz="2145738">
+            <a:pPr marL="1072895" lvl="1" indent="-536447" defTabSz="2145738">
               <a:lnSpc>
                 <a:spcPct val="10000"/>
               </a:lnSpc>
               <a:spcBef>
                 <a:spcPts val="3900"/>
               </a:spcBef>
-              <a:defRPr b="1" sz="4224"/>
+              <a:defRPr sz="4224" b="1"/>
             </a:pPr>
             <a:r>
+              <a:rPr dirty="0"/>
               <a:t>Inches</a:t>
             </a:r>
           </a:p>
           <a:p>
-            <a:pPr lvl="1" marL="1072895" indent="-536447" defTabSz="2145738">
+            <a:pPr marL="1072895" lvl="1" indent="-536447" defTabSz="2145738">
               <a:lnSpc>
                 <a:spcPct val="10000"/>
               </a:lnSpc>
               <a:spcBef>
                 <a:spcPts val="3900"/>
               </a:spcBef>
-              <a:defRPr b="1" sz="4224"/>
+              <a:defRPr sz="4224" b="1"/>
             </a:pPr>
             <a:r>
+              <a:rPr dirty="0" err="1"/>
               <a:t>ScreenResolution</a:t>
             </a:r>
-          </a:p>
-          <a:p>
-            <a:pPr lvl="1" marL="1072895" indent="-536447" defTabSz="2145738">
+            <a:endParaRPr dirty="0"/>
+          </a:p>
+          <a:p>
+            <a:pPr marL="1072895" lvl="1" indent="-536447" defTabSz="2145738">
               <a:lnSpc>
                 <a:spcPct val="10000"/>
               </a:lnSpc>
               <a:spcBef>
                 <a:spcPts val="3900"/>
               </a:spcBef>
-              <a:defRPr b="1" sz="4224"/>
+              <a:defRPr sz="4224" b="1"/>
             </a:pPr>
             <a:r>
+              <a:rPr dirty="0" err="1"/>
               <a:t>OpSys</a:t>
             </a:r>
-          </a:p>
-          <a:p>
-            <a:pPr lvl="1" marL="1072895" indent="-536447" defTabSz="2145738">
+            <a:endParaRPr dirty="0"/>
+          </a:p>
+          <a:p>
+            <a:pPr marL="1072895" lvl="1" indent="-536447" defTabSz="2145738">
               <a:lnSpc>
                 <a:spcPct val="10000"/>
               </a:lnSpc>
               <a:spcBef>
                 <a:spcPts val="3900"/>
               </a:spcBef>
-              <a:defRPr b="1" sz="4224"/>
+              <a:defRPr sz="4224" b="1"/>
             </a:pPr>
             <a:r>
+              <a:rPr dirty="0"/>
               <a:t>Weight</a:t>
             </a:r>
           </a:p>
           <a:p>
-            <a:pPr lvl="1" marL="1072895" indent="-536447" defTabSz="2145738">
+            <a:pPr marL="1072895" lvl="1" indent="-536447" defTabSz="2145738">
               <a:lnSpc>
                 <a:spcPct val="10000"/>
               </a:lnSpc>
               <a:spcBef>
                 <a:spcPts val="3900"/>
               </a:spcBef>
-              <a:defRPr b="1" sz="4224"/>
+              <a:defRPr sz="4224" b="1"/>
             </a:pPr>
             <a:r>
+              <a:rPr dirty="0"/>
               <a:t>HDD</a:t>
             </a:r>
           </a:p>
           <a:p>
-            <a:pPr lvl="1" marL="1072895" indent="-536447" defTabSz="2145738">
+            <a:pPr marL="1072895" lvl="1" indent="-536447" defTabSz="2145738">
               <a:lnSpc>
                 <a:spcPct val="10000"/>
               </a:lnSpc>
               <a:spcBef>
                 <a:spcPts val="3900"/>
               </a:spcBef>
-              <a:defRPr b="1" sz="4224"/>
+              <a:defRPr sz="4224" b="1"/>
             </a:pPr>
             <a:r>
+              <a:rPr dirty="0"/>
               <a:t>SSD</a:t>
             </a:r>
           </a:p>
           <a:p>
-            <a:pPr lvl="1" marL="1072895" indent="-536447" defTabSz="2145738">
+            <a:pPr marL="1072895" lvl="1" indent="-536447" defTabSz="2145738">
               <a:lnSpc>
                 <a:spcPct val="10000"/>
               </a:lnSpc>
               <a:spcBef>
                 <a:spcPts val="3900"/>
               </a:spcBef>
-              <a:defRPr b="1" sz="4224"/>
+              <a:defRPr sz="4224" b="1"/>
             </a:pPr>
             <a:r>
+              <a:rPr dirty="0"/>
               <a:t>range</a:t>
             </a:r>
           </a:p>
           <a:p>
-            <a:pPr lvl="1" marL="1072895" indent="-536447" defTabSz="2145738">
+            <a:pPr marL="1072895" lvl="1" indent="-536447" defTabSz="2145738">
               <a:lnSpc>
                 <a:spcPct val="10000"/>
               </a:lnSpc>
               <a:spcBef>
                 <a:spcPts val="3900"/>
               </a:spcBef>
-              <a:defRPr b="1" sz="4224"/>
+              <a:defRPr sz="4224" b="1"/>
             </a:pPr>
             <a:r>
+              <a:rPr dirty="0" err="1"/>
               <a:t>RamGB</a:t>
             </a:r>
-          </a:p>
-          <a:p>
-            <a:pPr lvl="1" marL="1072895" indent="-536447" defTabSz="2145738">
+            <a:endParaRPr dirty="0"/>
+          </a:p>
+          <a:p>
+            <a:pPr marL="1072895" lvl="1" indent="-536447" defTabSz="2145738">
               <a:lnSpc>
                 <a:spcPct val="10000"/>
               </a:lnSpc>
               <a:spcBef>
                 <a:spcPts val="3900"/>
               </a:spcBef>
-              <a:defRPr b="1" sz="4224"/>
+              <a:defRPr sz="4224" b="1"/>
             </a:pPr>
             <a:r>
+              <a:rPr dirty="0" err="1"/>
               <a:t>Gpu_Vendor</a:t>
             </a:r>
-          </a:p>
-          <a:p>
-            <a:pPr lvl="1" marL="1072895" indent="-536447" defTabSz="2145738">
+            <a:endParaRPr dirty="0"/>
+          </a:p>
+          <a:p>
+            <a:pPr marL="1072895" lvl="1" indent="-536447" defTabSz="2145738">
               <a:lnSpc>
                 <a:spcPct val="10000"/>
               </a:lnSpc>
               <a:spcBef>
                 <a:spcPts val="3900"/>
               </a:spcBef>
-              <a:defRPr b="1" sz="4224"/>
+              <a:defRPr sz="4224" b="1"/>
             </a:pPr>
             <a:r>
+              <a:rPr dirty="0" err="1"/>
               <a:t>Cpu_model</a:t>
             </a:r>
-          </a:p>
-          <a:p>
-            <a:pPr lvl="1" marL="1072895" indent="-536447" defTabSz="2145738">
+            <a:endParaRPr dirty="0"/>
+          </a:p>
+          <a:p>
+            <a:pPr marL="1072895" lvl="1" indent="-536447" defTabSz="2145738">
               <a:lnSpc>
                 <a:spcPct val="10000"/>
               </a:lnSpc>
               <a:spcBef>
                 <a:spcPts val="3900"/>
               </a:spcBef>
-              <a:defRPr b="1" sz="4224"/>
+              <a:defRPr sz="4224" b="1"/>
             </a:pPr>
             <a:r>
+              <a:rPr dirty="0" err="1"/>
               <a:t>isTouchScreen</a:t>
             </a:r>
-          </a:p>
-          <a:p>
-            <a:pPr lvl="1" marL="1072895" indent="-536447" defTabSz="2145738">
+            <a:endParaRPr dirty="0"/>
+          </a:p>
+          <a:p>
+            <a:pPr marL="1072895" lvl="1" indent="-536447" defTabSz="2145738">
               <a:lnSpc>
                 <a:spcPct val="10000"/>
               </a:lnSpc>
               <a:spcBef>
                 <a:spcPts val="3900"/>
               </a:spcBef>
-              <a:defRPr b="1" sz="4224"/>
+              <a:defRPr sz="4224" b="1"/>
             </a:pPr>
             <a:r>
+              <a:rPr dirty="0" err="1"/>
               <a:t>isIPS</a:t>
             </a:r>
+            <a:endParaRPr dirty="0"/>
           </a:p>
         </p:txBody>
       </p:sp>
@@ -4189,12 +5159,12 @@
   <p:clrMapOvr>
     <a:masterClrMapping/>
   </p:clrMapOvr>
-  <p:transition xmlns:p14="http://schemas.microsoft.com/office/powerpoint/2010/main" spd="med" advClick="1"/>
+  <p:transition spd="med"/>
 </p:sld>
 </file>
 
 <file path=ppt/slides/slide2.xml><?xml version="1.0" encoding="utf-8"?>
-<p:sld xmlns:a="http://schemas.openxmlformats.org/drawingml/2006/main" xmlns:r="http://schemas.openxmlformats.org/officeDocument/2006/relationships" xmlns:p="http://schemas.openxmlformats.org/presentationml/2006/main" xmlns:m="http://schemas.openxmlformats.org/officeDocument/2006/math" xmlns:a14="http://schemas.microsoft.com/office/drawing/2010/main" showMasterSp="1" showMasterPhAnim="1">
+<p:sld xmlns:a="http://schemas.openxmlformats.org/drawingml/2006/main" xmlns:r="http://schemas.openxmlformats.org/officeDocument/2006/relationships" xmlns:p="http://schemas.openxmlformats.org/presentationml/2006/main">
   <p:cSld>
     <p:spTree>
       <p:nvGrpSpPr>
@@ -4213,7 +5183,9 @@
       <p:sp>
         <p:nvSpPr>
           <p:cNvPr id="155" name="Dominio di riferimento"/>
-          <p:cNvSpPr txBox="1"/>
+          <p:cNvSpPr txBox="1">
+            <a:spLocks noGrp="1"/>
+          </p:cNvSpPr>
           <p:nvPr>
             <p:ph type="title"/>
           </p:nvPr>
@@ -4227,7 +5199,6 @@
           <a:bodyPr/>
           <a:lstStyle/>
           <a:p>
-            <a:pPr/>
             <a:r>
               <a:t>Dominio di riferimento</a:t>
             </a:r>
@@ -4237,7 +5208,9 @@
       <p:sp>
         <p:nvSpPr>
           <p:cNvPr id="156" name="Il dominio di interesse selezionato per il nostro progetto riguarda il prezzo di vendita di laptop nuovi sulla base dei componenti e brand di produzione"/>
-          <p:cNvSpPr txBox="1"/>
+          <p:cNvSpPr txBox="1">
+            <a:spLocks noGrp="1"/>
+          </p:cNvSpPr>
           <p:nvPr>
             <p:ph type="body" idx="1"/>
           </p:nvPr>
@@ -4261,7 +5234,6 @@
             </a:lvl1pPr>
           </a:lstStyle>
           <a:p>
-            <a:pPr/>
             <a:r>
               <a:t>Il dominio di interesse selezionato per il nostro progetto riguarda il prezzo di vendita di laptop nuovi sulla base dei componenti e brand di produzione</a:t>
             </a:r>
@@ -4273,12 +5245,12 @@
   <p:clrMapOvr>
     <a:masterClrMapping/>
   </p:clrMapOvr>
-  <p:transition xmlns:p14="http://schemas.microsoft.com/office/powerpoint/2010/main" spd="med" advClick="1"/>
+  <p:transition spd="med"/>
 </p:sld>
 </file>
 
 <file path=ppt/slides/slide3.xml><?xml version="1.0" encoding="utf-8"?>
-<p:sld xmlns:a="http://schemas.openxmlformats.org/drawingml/2006/main" xmlns:r="http://schemas.openxmlformats.org/officeDocument/2006/relationships" xmlns:p="http://schemas.openxmlformats.org/presentationml/2006/main" xmlns:m="http://schemas.openxmlformats.org/officeDocument/2006/math" xmlns:a14="http://schemas.microsoft.com/office/drawing/2010/main" showMasterSp="1" showMasterPhAnim="1">
+<p:sld xmlns:a="http://schemas.openxmlformats.org/drawingml/2006/main" xmlns:r="http://schemas.openxmlformats.org/officeDocument/2006/relationships" xmlns:p="http://schemas.openxmlformats.org/presentationml/2006/main">
   <p:cSld>
     <p:spTree>
       <p:nvGrpSpPr>
@@ -4297,7 +5269,9 @@
       <p:sp>
         <p:nvSpPr>
           <p:cNvPr id="158" name="Dataset"/>
-          <p:cNvSpPr txBox="1"/>
+          <p:cNvSpPr txBox="1">
+            <a:spLocks noGrp="1"/>
+          </p:cNvSpPr>
           <p:nvPr>
             <p:ph type="title"/>
           </p:nvPr>
@@ -4311,7 +5285,6 @@
           <a:bodyPr/>
           <a:lstStyle/>
           <a:p>
-            <a:pPr/>
             <a:r>
               <a:t>Dataset</a:t>
             </a:r>
@@ -4321,7 +5294,9 @@
       <p:sp>
         <p:nvSpPr>
           <p:cNvPr id="159" name="Laptop price"/>
-          <p:cNvSpPr txBox="1"/>
+          <p:cNvSpPr txBox="1">
+            <a:spLocks noGrp="1"/>
+          </p:cNvSpPr>
           <p:nvPr>
             <p:ph type="body" idx="21"/>
           </p:nvPr>
@@ -4332,7 +5307,7 @@
           </a:prstGeom>
           <a:extLst>
             <a:ext uri="{C572A759-6A51-4108-AA02-DFA0A04FC94B}">
-              <ma14:wrappingTextBoxFlag xmlns:ma14="http://schemas.microsoft.com/office/mac/drawingml/2011/main" val="1"/>
+              <ma14:wrappingTextBoxFlag xmlns:ma14="http://schemas.microsoft.com/office/mac/drawingml/2011/main" xmlns:a14="http://schemas.microsoft.com/office/drawing/2010/main" xmlns:m="http://schemas.openxmlformats.org/officeDocument/2006/math" xmlns="" val="1"/>
             </a:ext>
           </a:extLst>
         </p:spPr>
@@ -4340,7 +5315,6 @@
           <a:bodyPr/>
           <a:lstStyle/>
           <a:p>
-            <a:pPr/>
             <a:r>
               <a:t>Laptop price</a:t>
             </a:r>
@@ -4350,7 +5324,9 @@
       <p:sp>
         <p:nvSpPr>
           <p:cNvPr id="160" name="Il dataset da noi scelto raccoglie informazioni tecniche su diversi modelli e marche di laptop…"/>
-          <p:cNvSpPr txBox="1"/>
+          <p:cNvSpPr txBox="1">
+            <a:spLocks noGrp="1"/>
+          </p:cNvSpPr>
           <p:nvPr>
             <p:ph type="body" idx="1"/>
           </p:nvPr>
@@ -4490,12 +5466,12 @@
   <p:clrMapOvr>
     <a:masterClrMapping/>
   </p:clrMapOvr>
-  <p:transition xmlns:p14="http://schemas.microsoft.com/office/powerpoint/2010/main" spd="med" advClick="1"/>
+  <p:transition spd="med"/>
 </p:sld>
 </file>
 
 <file path=ppt/slides/slide4.xml><?xml version="1.0" encoding="utf-8"?>
-<p:sld xmlns:a="http://schemas.openxmlformats.org/drawingml/2006/main" xmlns:r="http://schemas.openxmlformats.org/officeDocument/2006/relationships" xmlns:p="http://schemas.openxmlformats.org/presentationml/2006/main" xmlns:m="http://schemas.openxmlformats.org/officeDocument/2006/math" xmlns:a14="http://schemas.microsoft.com/office/drawing/2010/main" showMasterSp="1" showMasterPhAnim="1">
+<p:sld xmlns:a="http://schemas.openxmlformats.org/drawingml/2006/main" xmlns:r="http://schemas.openxmlformats.org/officeDocument/2006/relationships" xmlns:p="http://schemas.openxmlformats.org/presentationml/2006/main">
   <p:cSld>
     <p:spTree>
       <p:nvGrpSpPr>
@@ -4520,9 +5496,7 @@
           <p:nvPr/>
         </p:nvPicPr>
         <p:blipFill>
-          <a:blip r:embed="rId2">
-            <a:extLst/>
-          </a:blip>
+          <a:blip r:embed="rId2"/>
           <a:stretch>
             <a:fillRect/>
           </a:stretch>
@@ -4543,7 +5517,9 @@
       <p:sp>
         <p:nvSpPr>
           <p:cNvPr id="163" name="Dataset"/>
-          <p:cNvSpPr txBox="1"/>
+          <p:cNvSpPr txBox="1">
+            <a:spLocks noGrp="1"/>
+          </p:cNvSpPr>
           <p:nvPr>
             <p:ph type="title" idx="4294967295"/>
           </p:nvPr>
@@ -4557,7 +5533,6 @@
           <a:bodyPr/>
           <a:lstStyle/>
           <a:p>
-            <a:pPr/>
             <a:r>
               <a:t>Dataset</a:t>
             </a:r>
@@ -4583,17 +5558,17 @@
           </a:ln>
           <a:extLst>
             <a:ext uri="{C572A759-6A51-4108-AA02-DFA0A04FC94B}">
-              <ma14:wrappingTextBoxFlag xmlns:ma14="http://schemas.microsoft.com/office/mac/drawingml/2011/main" val="1"/>
+              <ma14:wrappingTextBoxFlag xmlns:ma14="http://schemas.microsoft.com/office/mac/drawingml/2011/main" xmlns:a14="http://schemas.microsoft.com/office/drawing/2010/main" xmlns:m="http://schemas.openxmlformats.org/officeDocument/2006/math" xmlns="" val="1"/>
             </a:ext>
           </a:extLst>
         </p:spPr>
         <p:txBody>
           <a:bodyPr lIns="45719" rIns="45719">
-            <a:normAutofit fontScale="100000" lnSpcReduction="0"/>
+            <a:normAutofit/>
           </a:bodyPr>
           <a:lstStyle>
             <a:lvl1pPr algn="l" defTabSz="825500">
-              <a:defRPr b="1" sz="5500">
+              <a:defRPr sz="5500" b="1">
                 <a:solidFill>
                   <a:srgbClr val="000000"/>
                 </a:solidFill>
@@ -4601,7 +5576,6 @@
             </a:lvl1pPr>
           </a:lstStyle>
           <a:p>
-            <a:pPr/>
             <a:r>
               <a:t>Laptop price - head</a:t>
             </a:r>
@@ -4613,12 +5587,12 @@
   <p:clrMapOvr>
     <a:masterClrMapping/>
   </p:clrMapOvr>
-  <p:transition xmlns:p14="http://schemas.microsoft.com/office/powerpoint/2010/main" spd="med" advClick="1"/>
+  <p:transition spd="med"/>
 </p:sld>
 </file>
 
 <file path=ppt/slides/slide5.xml><?xml version="1.0" encoding="utf-8"?>
-<p:sld xmlns:a="http://schemas.openxmlformats.org/drawingml/2006/main" xmlns:r="http://schemas.openxmlformats.org/officeDocument/2006/relationships" xmlns:p="http://schemas.openxmlformats.org/presentationml/2006/main" xmlns:m="http://schemas.openxmlformats.org/officeDocument/2006/math" xmlns:a14="http://schemas.microsoft.com/office/drawing/2010/main" showMasterSp="1" showMasterPhAnim="1">
+<p:sld xmlns:a="http://schemas.openxmlformats.org/drawingml/2006/main" xmlns:r="http://schemas.openxmlformats.org/officeDocument/2006/relationships" xmlns:p="http://schemas.openxmlformats.org/presentationml/2006/main">
   <p:cSld>
     <p:spTree>
       <p:nvGrpSpPr>
@@ -4637,7 +5611,9 @@
       <p:sp>
         <p:nvSpPr>
           <p:cNvPr id="166" name="Preprocessing"/>
-          <p:cNvSpPr txBox="1"/>
+          <p:cNvSpPr txBox="1">
+            <a:spLocks noGrp="1"/>
+          </p:cNvSpPr>
           <p:nvPr>
             <p:ph type="title"/>
           </p:nvPr>
@@ -4651,7 +5627,6 @@
           <a:bodyPr/>
           <a:lstStyle/>
           <a:p>
-            <a:pPr/>
             <a:r>
               <a:t>Preprocessing</a:t>
             </a:r>
@@ -4661,7 +5636,9 @@
       <p:sp>
         <p:nvSpPr>
           <p:cNvPr id="167" name="Assunzioni"/>
-          <p:cNvSpPr txBox="1"/>
+          <p:cNvSpPr txBox="1">
+            <a:spLocks noGrp="1"/>
+          </p:cNvSpPr>
           <p:nvPr>
             <p:ph type="body" idx="21"/>
           </p:nvPr>
@@ -4672,7 +5649,7 @@
           </a:prstGeom>
           <a:extLst>
             <a:ext uri="{C572A759-6A51-4108-AA02-DFA0A04FC94B}">
-              <ma14:wrappingTextBoxFlag xmlns:ma14="http://schemas.microsoft.com/office/mac/drawingml/2011/main" val="1"/>
+              <ma14:wrappingTextBoxFlag xmlns:ma14="http://schemas.microsoft.com/office/mac/drawingml/2011/main" xmlns:a14="http://schemas.microsoft.com/office/drawing/2010/main" xmlns:m="http://schemas.openxmlformats.org/officeDocument/2006/math" xmlns="" val="1"/>
             </a:ext>
           </a:extLst>
         </p:spPr>
@@ -4680,7 +5657,6 @@
           <a:bodyPr/>
           <a:lstStyle/>
           <a:p>
-            <a:pPr/>
             <a:r>
               <a:t>Assunzioni</a:t>
             </a:r>
@@ -4696,9 +5672,7 @@
           <p:nvPr/>
         </p:nvPicPr>
         <p:blipFill>
-          <a:blip r:embed="rId2">
-            <a:extLst/>
-          </a:blip>
+          <a:blip r:embed="rId2"/>
           <a:stretch>
             <a:fillRect/>
           </a:stretch>
@@ -4719,7 +5693,9 @@
       <p:sp>
         <p:nvSpPr>
           <p:cNvPr id="169" name="Abbiamo deciso di non ragionare sul prezzo numerico effettivo, quanto più sulla fascia di prezzo alla quale appartiene il laptop. È stata quindi creata la tabella “ranges” costituita da quattro classi:…"/>
-          <p:cNvSpPr txBox="1"/>
+          <p:cNvSpPr txBox="1">
+            <a:spLocks noGrp="1"/>
+          </p:cNvSpPr>
           <p:nvPr>
             <p:ph type="body" idx="1"/>
           </p:nvPr>
@@ -4737,7 +5713,6 @@
           <a:bodyPr/>
           <a:lstStyle/>
           <a:p>
-            <a:pPr/>
             <a:r>
               <a:t>Abbiamo deciso di non ragionare sul prezzo numerico effettivo, quanto più sulla fascia di prezzo alla quale appartiene il laptop. È stata quindi creata la tabella “ranges” costituita da quattro classi:</a:t>
             </a:r>
@@ -4805,12 +5780,12 @@
   <p:clrMapOvr>
     <a:masterClrMapping/>
   </p:clrMapOvr>
-  <p:transition xmlns:p14="http://schemas.microsoft.com/office/powerpoint/2010/main" spd="med" advClick="1"/>
+  <p:transition spd="med"/>
 </p:sld>
 </file>
 
 <file path=ppt/slides/slide6.xml><?xml version="1.0" encoding="utf-8"?>
-<p:sld xmlns:a="http://schemas.openxmlformats.org/drawingml/2006/main" xmlns:r="http://schemas.openxmlformats.org/officeDocument/2006/relationships" xmlns:p="http://schemas.openxmlformats.org/presentationml/2006/main" xmlns:m="http://schemas.openxmlformats.org/officeDocument/2006/math" xmlns:a14="http://schemas.microsoft.com/office/drawing/2010/main" showMasterSp="1" showMasterPhAnim="1">
+<p:sld xmlns:a="http://schemas.openxmlformats.org/drawingml/2006/main" xmlns:r="http://schemas.openxmlformats.org/officeDocument/2006/relationships" xmlns:p="http://schemas.openxmlformats.org/presentationml/2006/main">
   <p:cSld>
     <p:spTree>
       <p:nvGrpSpPr>
@@ -4829,7 +5804,9 @@
       <p:sp>
         <p:nvSpPr>
           <p:cNvPr id="171" name="Preprocessing"/>
-          <p:cNvSpPr txBox="1"/>
+          <p:cNvSpPr txBox="1">
+            <a:spLocks noGrp="1"/>
+          </p:cNvSpPr>
           <p:nvPr>
             <p:ph type="title"/>
           </p:nvPr>
@@ -4843,7 +5820,6 @@
           <a:bodyPr/>
           <a:lstStyle/>
           <a:p>
-            <a:pPr/>
             <a:r>
               <a:t>Preprocessing</a:t>
             </a:r>
@@ -4853,7 +5829,9 @@
       <p:sp>
         <p:nvSpPr>
           <p:cNvPr id="172" name="Analisi esplorativa"/>
-          <p:cNvSpPr txBox="1"/>
+          <p:cNvSpPr txBox="1">
+            <a:spLocks noGrp="1"/>
+          </p:cNvSpPr>
           <p:nvPr>
             <p:ph type="body" idx="21"/>
           </p:nvPr>
@@ -4864,7 +5842,7 @@
           </a:prstGeom>
           <a:extLst>
             <a:ext uri="{C572A759-6A51-4108-AA02-DFA0A04FC94B}">
-              <ma14:wrappingTextBoxFlag xmlns:ma14="http://schemas.microsoft.com/office/mac/drawingml/2011/main" val="1"/>
+              <ma14:wrappingTextBoxFlag xmlns:ma14="http://schemas.microsoft.com/office/mac/drawingml/2011/main" xmlns:a14="http://schemas.microsoft.com/office/drawing/2010/main" xmlns:m="http://schemas.openxmlformats.org/officeDocument/2006/math" xmlns="" val="1"/>
             </a:ext>
           </a:extLst>
         </p:spPr>
@@ -4872,7 +5850,6 @@
           <a:bodyPr/>
           <a:lstStyle/>
           <a:p>
-            <a:pPr/>
             <a:r>
               <a:t>Analisi esplorativa</a:t>
             </a:r>
@@ -4882,7 +5859,9 @@
       <p:sp>
         <p:nvSpPr>
           <p:cNvPr id="173" name="Abbiamo notato che gran parte dei valori contenuti delle colonne erano molto dispersivi e non tutti utili. Per questo ci siamo concentrati sull’estrapolare dalle colonne quante più informazioni possibili o, al contrario, semplificare quei valori e dati a"/>
-          <p:cNvSpPr txBox="1"/>
+          <p:cNvSpPr txBox="1">
+            <a:spLocks noGrp="1"/>
+          </p:cNvSpPr>
           <p:nvPr>
             <p:ph type="body" idx="1"/>
           </p:nvPr>
@@ -4896,18 +5875,254 @@
           <a:bodyPr/>
           <a:lstStyle/>
           <a:p>
-            <a:pPr/>
-            <a:r>
-              <a:t>Abbiamo notato che gran parte dei valori contenuti delle colonne erano molto dispersivi e non tutti utili. Per questo ci siamo concentrati sull’estrapolare dalle colonne quante più informazioni possibili o, al contrario, semplificare quei valori e dati a nostro avviso ridondanti.</a:t>
-            </a:r>
-          </a:p>
-          <a:p>
-            <a:pPr/>
-            <a:r>
-              <a:rPr b="1"/>
-              <a:t>Memory (storage interno)</a:t>
-            </a:r>
-            <a:r>
+            <a:r>
+              <a:rPr dirty="0" err="1"/>
+              <a:t>Abbiamo</a:t>
+            </a:r>
+            <a:r>
+              <a:rPr dirty="0"/>
+              <a:t> </a:t>
+            </a:r>
+            <a:r>
+              <a:rPr dirty="0" err="1"/>
+              <a:t>notato</a:t>
+            </a:r>
+            <a:r>
+              <a:rPr dirty="0"/>
+              <a:t> </a:t>
+            </a:r>
+            <a:r>
+              <a:rPr dirty="0" err="1"/>
+              <a:t>che</a:t>
+            </a:r>
+            <a:r>
+              <a:rPr dirty="0"/>
+              <a:t> gran </a:t>
+            </a:r>
+            <a:r>
+              <a:rPr dirty="0" err="1"/>
+              <a:t>parte</a:t>
+            </a:r>
+            <a:r>
+              <a:rPr dirty="0"/>
+              <a:t> </a:t>
+            </a:r>
+            <a:r>
+              <a:rPr dirty="0" err="1"/>
+              <a:t>dei</a:t>
+            </a:r>
+            <a:r>
+              <a:rPr dirty="0"/>
+              <a:t> </a:t>
+            </a:r>
+            <a:r>
+              <a:rPr dirty="0" err="1"/>
+              <a:t>valori</a:t>
+            </a:r>
+            <a:r>
+              <a:rPr dirty="0"/>
+              <a:t> </a:t>
+            </a:r>
+            <a:r>
+              <a:rPr dirty="0" err="1"/>
+              <a:t>contenuti</a:t>
+            </a:r>
+            <a:r>
+              <a:rPr dirty="0"/>
+              <a:t> </a:t>
+            </a:r>
+            <a:r>
+              <a:rPr dirty="0" err="1"/>
+              <a:t>delle</a:t>
+            </a:r>
+            <a:r>
+              <a:rPr dirty="0"/>
+              <a:t> </a:t>
+            </a:r>
+            <a:r>
+              <a:rPr dirty="0" err="1"/>
+              <a:t>colonne</a:t>
+            </a:r>
+            <a:r>
+              <a:rPr dirty="0"/>
+              <a:t> </a:t>
+            </a:r>
+            <a:r>
+              <a:rPr dirty="0" err="1"/>
+              <a:t>erano</a:t>
+            </a:r>
+            <a:r>
+              <a:rPr dirty="0"/>
+              <a:t> molto </a:t>
+            </a:r>
+            <a:r>
+              <a:rPr dirty="0" err="1"/>
+              <a:t>dispersivi</a:t>
+            </a:r>
+            <a:r>
+              <a:rPr dirty="0"/>
+              <a:t> e non tutti </a:t>
+            </a:r>
+            <a:r>
+              <a:rPr dirty="0" err="1"/>
+              <a:t>utili</a:t>
+            </a:r>
+            <a:r>
+              <a:rPr dirty="0"/>
+              <a:t>. Per </a:t>
+            </a:r>
+            <a:r>
+              <a:rPr dirty="0" err="1"/>
+              <a:t>questo</a:t>
+            </a:r>
+            <a:r>
+              <a:rPr dirty="0"/>
+              <a:t> ci </a:t>
+            </a:r>
+            <a:r>
+              <a:rPr dirty="0" err="1"/>
+              <a:t>siamo</a:t>
+            </a:r>
+            <a:r>
+              <a:rPr dirty="0"/>
+              <a:t> </a:t>
+            </a:r>
+            <a:r>
+              <a:rPr dirty="0" err="1"/>
+              <a:t>concentrati</a:t>
+            </a:r>
+            <a:r>
+              <a:rPr dirty="0"/>
+              <a:t> </a:t>
+            </a:r>
+            <a:r>
+              <a:rPr dirty="0" err="1"/>
+              <a:t>sull’estrapolare</a:t>
+            </a:r>
+            <a:r>
+              <a:rPr dirty="0"/>
+              <a:t> </a:t>
+            </a:r>
+            <a:r>
+              <a:rPr dirty="0" err="1"/>
+              <a:t>dalle</a:t>
+            </a:r>
+            <a:r>
+              <a:rPr dirty="0"/>
+              <a:t> </a:t>
+            </a:r>
+            <a:r>
+              <a:rPr dirty="0" err="1"/>
+              <a:t>colonne</a:t>
+            </a:r>
+            <a:r>
+              <a:rPr dirty="0"/>
+              <a:t> </a:t>
+            </a:r>
+            <a:r>
+              <a:rPr dirty="0" err="1"/>
+              <a:t>quante</a:t>
+            </a:r>
+            <a:r>
+              <a:rPr dirty="0"/>
+              <a:t> </a:t>
+            </a:r>
+            <a:r>
+              <a:rPr dirty="0" err="1"/>
+              <a:t>più</a:t>
+            </a:r>
+            <a:r>
+              <a:rPr dirty="0"/>
+              <a:t> </a:t>
+            </a:r>
+            <a:r>
+              <a:rPr dirty="0" err="1"/>
+              <a:t>informazioni</a:t>
+            </a:r>
+            <a:r>
+              <a:rPr dirty="0"/>
+              <a:t> </a:t>
+            </a:r>
+            <a:r>
+              <a:rPr dirty="0" err="1"/>
+              <a:t>possibili</a:t>
+            </a:r>
+            <a:r>
+              <a:rPr dirty="0"/>
+              <a:t> o, al </a:t>
+            </a:r>
+            <a:r>
+              <a:rPr dirty="0" err="1"/>
+              <a:t>contrario</a:t>
+            </a:r>
+            <a:r>
+              <a:rPr dirty="0"/>
+              <a:t>, </a:t>
+            </a:r>
+            <a:r>
+              <a:rPr dirty="0" err="1"/>
+              <a:t>semplificare</a:t>
+            </a:r>
+            <a:r>
+              <a:rPr dirty="0"/>
+              <a:t> </a:t>
+            </a:r>
+            <a:r>
+              <a:rPr dirty="0" err="1"/>
+              <a:t>quei</a:t>
+            </a:r>
+            <a:r>
+              <a:rPr dirty="0"/>
+              <a:t> </a:t>
+            </a:r>
+            <a:r>
+              <a:rPr dirty="0" err="1"/>
+              <a:t>valori</a:t>
+            </a:r>
+            <a:r>
+              <a:rPr dirty="0"/>
+              <a:t> e </a:t>
+            </a:r>
+            <a:r>
+              <a:rPr dirty="0" err="1"/>
+              <a:t>dati</a:t>
+            </a:r>
+            <a:r>
+              <a:rPr dirty="0"/>
+              <a:t> a nostro </a:t>
+            </a:r>
+            <a:r>
+              <a:rPr dirty="0" err="1"/>
+              <a:t>avviso</a:t>
+            </a:r>
+            <a:r>
+              <a:rPr dirty="0"/>
+              <a:t> </a:t>
+            </a:r>
+            <a:r>
+              <a:rPr dirty="0" err="1"/>
+              <a:t>ridondanti</a:t>
+            </a:r>
+            <a:r>
+              <a:rPr dirty="0"/>
+              <a:t>.</a:t>
+            </a:r>
+          </a:p>
+          <a:p>
+            <a:r>
+              <a:rPr b="1" dirty="0"/>
+              <a:t>Memory (storage </a:t>
+            </a:r>
+            <a:r>
+              <a:rPr b="1" dirty="0" err="1"/>
+              <a:t>interno</a:t>
+            </a:r>
+            <a:r>
+              <a:rPr b="1" dirty="0"/>
+              <a:t>)</a:t>
+            </a:r>
+            <a:r>
+              <a:rPr dirty="0"/>
               <a:t>: </a:t>
             </a:r>
           </a:p>
@@ -4921,16 +6136,22 @@
         </p:nvGraphicFramePr>
         <p:xfrm>
           <a:off x="3779638" y="8870385"/>
-          <a:ext cx="4879559" cy="4019523"/>
+          <a:ext cx="4866858" cy="4006821"/>
         </p:xfrm>
-        <a:graphic xmlns:a="http://schemas.openxmlformats.org/drawingml/2006/main">
+        <a:graphic>
           <a:graphicData uri="http://schemas.openxmlformats.org/drawingml/2006/table">
             <a:tbl>
-              <a:tblPr firstCol="0" firstRow="1" lastCol="0" lastRow="0" bandCol="0" bandRow="0" rtl="0">
+              <a:tblPr firstRow="1">
                 <a:tableStyleId>{4C3C2611-4C71-4FC5-86AE-919BDF0F9419}</a:tableStyleId>
               </a:tblPr>
               <a:tblGrid>
-                <a:gridCol w="4866858"/>
+                <a:gridCol w="4866858">
+                  <a:extLst>
+                    <a:ext uri="{9D8B030D-6E8A-4147-A177-3AD203B41FA5}">
+                      <a16:colId xmlns:a16="http://schemas.microsoft.com/office/drawing/2014/main" val="20000"/>
+                    </a:ext>
+                  </a:extLst>
+                </a:gridCol>
               </a:tblGrid>
               <a:tr h="1335607">
                 <a:tc>
@@ -4945,13 +6166,18 @@
                         <a:defRPr b="0"/>
                       </a:pPr>
                       <a:r>
-                        <a:rPr b="1" sz="3200"/>
+                        <a:rPr sz="3200" b="1"/>
                         <a:t>Memory</a:t>
                       </a:r>
                     </a:p>
                   </a:txBody>
-                  <a:tcPr marL="50800" marR="50800" marT="50800" marB="50800" anchor="ctr" anchorCtr="0" horzOverflow="overflow"/>
+                  <a:tcPr marL="50800" marR="50800" marT="50800" marB="50800" anchor="ctr" horzOverflow="overflow"/>
                 </a:tc>
+                <a:extLst>
+                  <a:ext uri="{0D108BD9-81ED-4DB2-BD59-A6C34878D82A}">
+                    <a16:rowId xmlns:a16="http://schemas.microsoft.com/office/drawing/2014/main" val="10000"/>
+                  </a:ext>
+                </a:extLst>
               </a:tr>
               <a:tr h="1335607">
                 <a:tc>
@@ -4966,8 +6192,13 @@
                       </a:r>
                     </a:p>
                   </a:txBody>
-                  <a:tcPr marL="50800" marR="50800" marT="50800" marB="50800" anchor="ctr" anchorCtr="0" horzOverflow="overflow"/>
+                  <a:tcPr marL="50800" marR="50800" marT="50800" marB="50800" anchor="ctr" horzOverflow="overflow"/>
                 </a:tc>
+                <a:extLst>
+                  <a:ext uri="{0D108BD9-81ED-4DB2-BD59-A6C34878D82A}">
+                    <a16:rowId xmlns:a16="http://schemas.microsoft.com/office/drawing/2014/main" val="10001"/>
+                  </a:ext>
+                </a:extLst>
               </a:tr>
               <a:tr h="1335607">
                 <a:tc>
@@ -4982,8 +6213,13 @@
                       </a:r>
                     </a:p>
                   </a:txBody>
-                  <a:tcPr marL="50800" marR="50800" marT="50800" marB="50800" anchor="ctr" anchorCtr="0" horzOverflow="overflow"/>
+                  <a:tcPr marL="50800" marR="50800" marT="50800" marB="50800" anchor="ctr" horzOverflow="overflow"/>
                 </a:tc>
+                <a:extLst>
+                  <a:ext uri="{0D108BD9-81ED-4DB2-BD59-A6C34878D82A}">
+                    <a16:rowId xmlns:a16="http://schemas.microsoft.com/office/drawing/2014/main" val="10002"/>
+                  </a:ext>
+                </a:extLst>
               </a:tr>
             </a:tbl>
           </a:graphicData>
@@ -4997,17 +6233,29 @@
         </p:nvGraphicFramePr>
         <p:xfrm>
           <a:off x="11205250" y="8870385"/>
-          <a:ext cx="10936867" cy="4019523"/>
+          <a:ext cx="10924166" cy="4006821"/>
         </p:xfrm>
-        <a:graphic xmlns:a="http://schemas.openxmlformats.org/drawingml/2006/main">
+        <a:graphic>
           <a:graphicData uri="http://schemas.openxmlformats.org/drawingml/2006/table">
             <a:tbl>
-              <a:tblPr firstCol="0" firstRow="1" lastCol="0" lastRow="0" bandCol="0" bandRow="0" rtl="0">
+              <a:tblPr firstRow="1">
                 <a:tableStyleId>{4C3C2611-4C71-4FC5-86AE-919BDF0F9419}</a:tableStyleId>
               </a:tblPr>
               <a:tblGrid>
-                <a:gridCol w="5462083"/>
-                <a:gridCol w="5462083"/>
+                <a:gridCol w="5462083">
+                  <a:extLst>
+                    <a:ext uri="{9D8B030D-6E8A-4147-A177-3AD203B41FA5}">
+                      <a16:colId xmlns:a16="http://schemas.microsoft.com/office/drawing/2014/main" val="20000"/>
+                    </a:ext>
+                  </a:extLst>
+                </a:gridCol>
+                <a:gridCol w="5462083">
+                  <a:extLst>
+                    <a:ext uri="{9D8B030D-6E8A-4147-A177-3AD203B41FA5}">
+                      <a16:colId xmlns:a16="http://schemas.microsoft.com/office/drawing/2014/main" val="20001"/>
+                    </a:ext>
+                  </a:extLst>
+                </a:gridCol>
               </a:tblGrid>
               <a:tr h="1335607">
                 <a:tc>
@@ -5022,12 +6270,12 @@
                         <a:defRPr b="0"/>
                       </a:pPr>
                       <a:r>
-                        <a:rPr b="1" sz="3200"/>
+                        <a:rPr sz="3200" b="1"/>
                         <a:t>SSD</a:t>
                       </a:r>
                     </a:p>
                   </a:txBody>
-                  <a:tcPr marL="50800" marR="50800" marT="50800" marB="50800" anchor="ctr" anchorCtr="0" horzOverflow="overflow"/>
+                  <a:tcPr marL="50800" marR="50800" marT="50800" marB="50800" anchor="ctr" horzOverflow="overflow"/>
                 </a:tc>
                 <a:tc>
                   <a:txBody>
@@ -5041,13 +6289,18 @@
                         <a:defRPr b="0"/>
                       </a:pPr>
                       <a:r>
-                        <a:rPr b="1" sz="3200"/>
+                        <a:rPr sz="3200" b="1"/>
                         <a:t>HDD</a:t>
                       </a:r>
                     </a:p>
                   </a:txBody>
-                  <a:tcPr marL="50800" marR="50800" marT="50800" marB="50800" anchor="ctr" anchorCtr="0" horzOverflow="overflow"/>
+                  <a:tcPr marL="50800" marR="50800" marT="50800" marB="50800" anchor="ctr" horzOverflow="overflow"/>
                 </a:tc>
+                <a:extLst>
+                  <a:ext uri="{0D108BD9-81ED-4DB2-BD59-A6C34878D82A}">
+                    <a16:rowId xmlns:a16="http://schemas.microsoft.com/office/drawing/2014/main" val="10000"/>
+                  </a:ext>
+                </a:extLst>
               </a:tr>
               <a:tr h="1335607">
                 <a:tc>
@@ -5062,7 +6315,7 @@
                       </a:r>
                     </a:p>
                   </a:txBody>
-                  <a:tcPr marL="50800" marR="50800" marT="50800" marB="50800" anchor="ctr" anchorCtr="0" horzOverflow="overflow"/>
+                  <a:tcPr marL="50800" marR="50800" marT="50800" marB="50800" anchor="ctr" horzOverflow="overflow"/>
                 </a:tc>
                 <a:tc>
                   <a:txBody>
@@ -5076,8 +6329,13 @@
                       </a:r>
                     </a:p>
                   </a:txBody>
-                  <a:tcPr marL="50800" marR="50800" marT="50800" marB="50800" anchor="ctr" anchorCtr="0" horzOverflow="overflow"/>
+                  <a:tcPr marL="50800" marR="50800" marT="50800" marB="50800" anchor="ctr" horzOverflow="overflow"/>
                 </a:tc>
+                <a:extLst>
+                  <a:ext uri="{0D108BD9-81ED-4DB2-BD59-A6C34878D82A}">
+                    <a16:rowId xmlns:a16="http://schemas.microsoft.com/office/drawing/2014/main" val="10001"/>
+                  </a:ext>
+                </a:extLst>
               </a:tr>
               <a:tr h="1335607">
                 <a:tc>
@@ -5092,7 +6350,7 @@
                       </a:r>
                     </a:p>
                   </a:txBody>
-                  <a:tcPr marL="50800" marR="50800" marT="50800" marB="50800" anchor="ctr" anchorCtr="0" horzOverflow="overflow"/>
+                  <a:tcPr marL="50800" marR="50800" marT="50800" marB="50800" anchor="ctr" horzOverflow="overflow"/>
                 </a:tc>
                 <a:tc>
                   <a:txBody>
@@ -5106,8 +6364,13 @@
                       </a:r>
                     </a:p>
                   </a:txBody>
-                  <a:tcPr marL="50800" marR="50800" marT="50800" marB="50800" anchor="ctr" anchorCtr="0" horzOverflow="overflow"/>
+                  <a:tcPr marL="50800" marR="50800" marT="50800" marB="50800" anchor="ctr" horzOverflow="overflow"/>
                 </a:tc>
+                <a:extLst>
+                  <a:ext uri="{0D108BD9-81ED-4DB2-BD59-A6C34878D82A}">
+                    <a16:rowId xmlns:a16="http://schemas.microsoft.com/office/drawing/2014/main" val="10002"/>
+                  </a:ext>
+                </a:extLst>
               </a:tr>
             </a:tbl>
           </a:graphicData>
@@ -5139,7 +6402,7 @@
           <a:bodyPr lIns="50800" tIns="50800" rIns="50800" bIns="50800" anchor="ctr"/>
           <a:lstStyle/>
           <a:p>
-            <a:pPr/>
+            <a:endParaRPr/>
           </a:p>
         </p:txBody>
       </p:sp>
@@ -5148,12 +6411,12 @@
   <p:clrMapOvr>
     <a:masterClrMapping/>
   </p:clrMapOvr>
-  <p:transition xmlns:p14="http://schemas.microsoft.com/office/powerpoint/2010/main" spd="med" advClick="1"/>
+  <p:transition spd="med"/>
 </p:sld>
 </file>
 
 <file path=ppt/slides/slide7.xml><?xml version="1.0" encoding="utf-8"?>
-<p:sld xmlns:a="http://schemas.openxmlformats.org/drawingml/2006/main" xmlns:r="http://schemas.openxmlformats.org/officeDocument/2006/relationships" xmlns:p="http://schemas.openxmlformats.org/presentationml/2006/main" xmlns:m="http://schemas.openxmlformats.org/officeDocument/2006/math" xmlns:a14="http://schemas.microsoft.com/office/drawing/2010/main" showMasterSp="1" showMasterPhAnim="1">
+<p:sld xmlns:a="http://schemas.openxmlformats.org/drawingml/2006/main" xmlns:r="http://schemas.openxmlformats.org/officeDocument/2006/relationships" xmlns:p="http://schemas.openxmlformats.org/presentationml/2006/main">
   <p:cSld>
     <p:spTree>
       <p:nvGrpSpPr>
@@ -5172,7 +6435,9 @@
       <p:sp>
         <p:nvSpPr>
           <p:cNvPr id="178" name="Weight (peso del laptop) e RAM: ci siamo limitati a trasformare questi valori (char) in valori numerici (8GB -&gt; 8 e 1.5kg -&gt; 1.5)…"/>
-          <p:cNvSpPr txBox="1"/>
+          <p:cNvSpPr txBox="1">
+            <a:spLocks noGrp="1"/>
+          </p:cNvSpPr>
           <p:nvPr>
             <p:ph type="body" idx="1"/>
           </p:nvPr>
@@ -5190,7 +6455,6 @@
           <a:bodyPr/>
           <a:lstStyle/>
           <a:p>
-            <a:pPr/>
             <a:r>
               <a:rPr b="1"/>
               <a:t>Weight (peso del laptop) e RAM</a:t>
@@ -5200,7 +6464,6 @@
             </a:r>
           </a:p>
           <a:p>
-            <a:pPr/>
             <a:r>
               <a:rPr b="1"/>
               <a:t>GPU</a:t>
@@ -5244,20 +6507,32 @@
         <p:nvGraphicFramePr>
           <p:cNvPr id="179" name="Tabella 1"/>
           <p:cNvGraphicFramePr/>
-          <p:nvPr/>
+          <p:nvPr>
+            <p:extLst>
+              <p:ext uri="{D42A27DB-BD31-4B8C-83A1-F6EECF244321}">
+                <p14:modId xmlns:p14="http://schemas.microsoft.com/office/powerpoint/2010/main" val="3361390359"/>
+              </p:ext>
+            </p:extLst>
+          </p:nvPr>
         </p:nvGraphicFramePr>
         <p:xfrm>
           <a:off x="3779638" y="8870385"/>
-          <a:ext cx="5927587" cy="4019523"/>
+          <a:ext cx="5914886" cy="4066892"/>
         </p:xfrm>
-        <a:graphic xmlns:a="http://schemas.openxmlformats.org/drawingml/2006/main">
+        <a:graphic>
           <a:graphicData uri="http://schemas.openxmlformats.org/drawingml/2006/table">
             <a:tbl>
-              <a:tblPr firstCol="0" firstRow="1" lastCol="0" lastRow="0" bandCol="0" bandRow="0" rtl="0">
+              <a:tblPr firstRow="1">
                 <a:tableStyleId>{4C3C2611-4C71-4FC5-86AE-919BDF0F9419}</a:tableStyleId>
               </a:tblPr>
               <a:tblGrid>
-                <a:gridCol w="5914886"/>
+                <a:gridCol w="5914886">
+                  <a:extLst>
+                    <a:ext uri="{9D8B030D-6E8A-4147-A177-3AD203B41FA5}">
+                      <a16:colId xmlns:a16="http://schemas.microsoft.com/office/drawing/2014/main" val="20000"/>
+                    </a:ext>
+                  </a:extLst>
+                </a:gridCol>
               </a:tblGrid>
               <a:tr h="801364">
                 <a:tc>
@@ -5272,15 +6547,20 @@
                         <a:defRPr b="0"/>
                       </a:pPr>
                       <a:r>
-                        <a:rPr b="1" sz="3200"/>
+                        <a:rPr sz="3200" b="1"/>
                         <a:t>GPU</a:t>
                       </a:r>
                     </a:p>
                   </a:txBody>
-                  <a:tcPr marL="50800" marR="50800" marT="50800" marB="50800" anchor="ctr" anchorCtr="0" horzOverflow="overflow"/>
+                  <a:tcPr marL="50800" marR="50800" marT="50800" marB="50800" anchor="ctr" horzOverflow="overflow"/>
                 </a:tc>
+                <a:extLst>
+                  <a:ext uri="{0D108BD9-81ED-4DB2-BD59-A6C34878D82A}">
+                    <a16:rowId xmlns:a16="http://schemas.microsoft.com/office/drawing/2014/main" val="10000"/>
+                  </a:ext>
+                </a:extLst>
               </a:tr>
-              <a:tr h="801364">
+              <a:tr h="861436">
                 <a:tc>
                   <a:txBody>
                     <a:bodyPr/>
@@ -5288,13 +6568,18 @@
                     <a:p>
                       <a:pPr defTabSz="914400"/>
                       <a:r>
-                        <a:rPr sz="3200"/>
+                        <a:rPr sz="3200" dirty="0"/>
                         <a:t>AMD Radeon R2</a:t>
                       </a:r>
                     </a:p>
                   </a:txBody>
-                  <a:tcPr marL="50800" marR="50800" marT="50800" marB="50800" anchor="ctr" anchorCtr="0" horzOverflow="overflow"/>
+                  <a:tcPr marL="50800" marR="50800" marT="50800" marB="50800" anchor="ctr" horzOverflow="overflow"/>
                 </a:tc>
+                <a:extLst>
+                  <a:ext uri="{0D108BD9-81ED-4DB2-BD59-A6C34878D82A}">
+                    <a16:rowId xmlns:a16="http://schemas.microsoft.com/office/drawing/2014/main" val="10001"/>
+                  </a:ext>
+                </a:extLst>
               </a:tr>
               <a:tr h="801364">
                 <a:tc>
@@ -5309,8 +6594,13 @@
                       </a:r>
                     </a:p>
                   </a:txBody>
-                  <a:tcPr marL="50800" marR="50800" marT="50800" marB="50800" anchor="ctr" anchorCtr="0" horzOverflow="overflow"/>
+                  <a:tcPr marL="50800" marR="50800" marT="50800" marB="50800" anchor="ctr" horzOverflow="overflow"/>
                 </a:tc>
+                <a:extLst>
+                  <a:ext uri="{0D108BD9-81ED-4DB2-BD59-A6C34878D82A}">
+                    <a16:rowId xmlns:a16="http://schemas.microsoft.com/office/drawing/2014/main" val="10002"/>
+                  </a:ext>
+                </a:extLst>
               </a:tr>
               <a:tr h="801364">
                 <a:tc>
@@ -5325,8 +6615,13 @@
                       </a:r>
                     </a:p>
                   </a:txBody>
-                  <a:tcPr marL="50800" marR="50800" marT="50800" marB="50800" anchor="ctr" anchorCtr="0" horzOverflow="overflow"/>
+                  <a:tcPr marL="50800" marR="50800" marT="50800" marB="50800" anchor="ctr" horzOverflow="overflow"/>
                 </a:tc>
+                <a:extLst>
+                  <a:ext uri="{0D108BD9-81ED-4DB2-BD59-A6C34878D82A}">
+                    <a16:rowId xmlns:a16="http://schemas.microsoft.com/office/drawing/2014/main" val="10003"/>
+                  </a:ext>
+                </a:extLst>
               </a:tr>
               <a:tr h="801364">
                 <a:tc>
@@ -5336,13 +6631,18 @@
                     <a:p>
                       <a:pPr defTabSz="914400"/>
                       <a:r>
-                        <a:rPr sz="3200"/>
+                        <a:rPr sz="3200" dirty="0"/>
                         <a:t>AMD Radeon RX 580</a:t>
                       </a:r>
                     </a:p>
                   </a:txBody>
-                  <a:tcPr marL="50800" marR="50800" marT="50800" marB="50800" anchor="ctr" anchorCtr="0" horzOverflow="overflow"/>
+                  <a:tcPr marL="50800" marR="50800" marT="50800" marB="50800" anchor="ctr" horzOverflow="overflow"/>
                 </a:tc>
+                <a:extLst>
+                  <a:ext uri="{0D108BD9-81ED-4DB2-BD59-A6C34878D82A}">
+                    <a16:rowId xmlns:a16="http://schemas.microsoft.com/office/drawing/2014/main" val="10004"/>
+                  </a:ext>
+                </a:extLst>
               </a:tr>
             </a:tbl>
           </a:graphicData>
@@ -5374,7 +6674,7 @@
           <a:bodyPr lIns="50800" tIns="50800" rIns="50800" bIns="50800" anchor="ctr"/>
           <a:lstStyle/>
           <a:p>
-            <a:pPr/>
+            <a:endParaRPr/>
           </a:p>
         </p:txBody>
       </p:sp>
@@ -5386,16 +6686,22 @@
         </p:nvGraphicFramePr>
         <p:xfrm>
           <a:off x="14570195" y="8870385"/>
-          <a:ext cx="5927587" cy="4019523"/>
+          <a:ext cx="5914886" cy="4006820"/>
         </p:xfrm>
-        <a:graphic xmlns:a="http://schemas.openxmlformats.org/drawingml/2006/main">
+        <a:graphic>
           <a:graphicData uri="http://schemas.openxmlformats.org/drawingml/2006/table">
             <a:tbl>
-              <a:tblPr firstCol="0" firstRow="1" lastCol="0" lastRow="0" bandCol="0" bandRow="0" rtl="0">
+              <a:tblPr firstRow="1">
                 <a:tableStyleId>{4C3C2611-4C71-4FC5-86AE-919BDF0F9419}</a:tableStyleId>
               </a:tblPr>
               <a:tblGrid>
-                <a:gridCol w="5914886"/>
+                <a:gridCol w="5914886">
+                  <a:extLst>
+                    <a:ext uri="{9D8B030D-6E8A-4147-A177-3AD203B41FA5}">
+                      <a16:colId xmlns:a16="http://schemas.microsoft.com/office/drawing/2014/main" val="20000"/>
+                    </a:ext>
+                  </a:extLst>
+                </a:gridCol>
               </a:tblGrid>
               <a:tr h="801364">
                 <a:tc>
@@ -5410,13 +6716,18 @@
                         <a:defRPr b="0"/>
                       </a:pPr>
                       <a:r>
-                        <a:rPr b="1" sz="3200"/>
+                        <a:rPr sz="3200" b="1"/>
                         <a:t>GPU</a:t>
                       </a:r>
                     </a:p>
                   </a:txBody>
-                  <a:tcPr marL="50800" marR="50800" marT="50800" marB="50800" anchor="ctr" anchorCtr="0" horzOverflow="overflow"/>
+                  <a:tcPr marL="50800" marR="50800" marT="50800" marB="50800" anchor="ctr" horzOverflow="overflow"/>
                 </a:tc>
+                <a:extLst>
+                  <a:ext uri="{0D108BD9-81ED-4DB2-BD59-A6C34878D82A}">
+                    <a16:rowId xmlns:a16="http://schemas.microsoft.com/office/drawing/2014/main" val="10000"/>
+                  </a:ext>
+                </a:extLst>
               </a:tr>
               <a:tr h="801364">
                 <a:tc>
@@ -5431,8 +6742,13 @@
                       </a:r>
                     </a:p>
                   </a:txBody>
-                  <a:tcPr marL="50800" marR="50800" marT="50800" marB="50800" anchor="ctr" anchorCtr="0" horzOverflow="overflow"/>
+                  <a:tcPr marL="50800" marR="50800" marT="50800" marB="50800" anchor="ctr" horzOverflow="overflow"/>
                 </a:tc>
+                <a:extLst>
+                  <a:ext uri="{0D108BD9-81ED-4DB2-BD59-A6C34878D82A}">
+                    <a16:rowId xmlns:a16="http://schemas.microsoft.com/office/drawing/2014/main" val="10001"/>
+                  </a:ext>
+                </a:extLst>
               </a:tr>
               <a:tr h="801364">
                 <a:tc>
@@ -5447,8 +6763,13 @@
                       </a:r>
                     </a:p>
                   </a:txBody>
-                  <a:tcPr marL="50800" marR="50800" marT="50800" marB="50800" anchor="ctr" anchorCtr="0" horzOverflow="overflow"/>
+                  <a:tcPr marL="50800" marR="50800" marT="50800" marB="50800" anchor="ctr" horzOverflow="overflow"/>
                 </a:tc>
+                <a:extLst>
+                  <a:ext uri="{0D108BD9-81ED-4DB2-BD59-A6C34878D82A}">
+                    <a16:rowId xmlns:a16="http://schemas.microsoft.com/office/drawing/2014/main" val="10002"/>
+                  </a:ext>
+                </a:extLst>
               </a:tr>
               <a:tr h="801364">
                 <a:tc>
@@ -5463,8 +6784,13 @@
                       </a:r>
                     </a:p>
                   </a:txBody>
-                  <a:tcPr marL="50800" marR="50800" marT="50800" marB="50800" anchor="ctr" anchorCtr="0" horzOverflow="overflow"/>
+                  <a:tcPr marL="50800" marR="50800" marT="50800" marB="50800" anchor="ctr" horzOverflow="overflow"/>
                 </a:tc>
+                <a:extLst>
+                  <a:ext uri="{0D108BD9-81ED-4DB2-BD59-A6C34878D82A}">
+                    <a16:rowId xmlns:a16="http://schemas.microsoft.com/office/drawing/2014/main" val="10003"/>
+                  </a:ext>
+                </a:extLst>
               </a:tr>
               <a:tr h="801364">
                 <a:tc>
@@ -5479,8 +6805,13 @@
                       </a:r>
                     </a:p>
                   </a:txBody>
-                  <a:tcPr marL="50800" marR="50800" marT="50800" marB="50800" anchor="ctr" anchorCtr="0" horzOverflow="overflow"/>
+                  <a:tcPr marL="50800" marR="50800" marT="50800" marB="50800" anchor="ctr" horzOverflow="overflow"/>
                 </a:tc>
+                <a:extLst>
+                  <a:ext uri="{0D108BD9-81ED-4DB2-BD59-A6C34878D82A}">
+                    <a16:rowId xmlns:a16="http://schemas.microsoft.com/office/drawing/2014/main" val="10004"/>
+                  </a:ext>
+                </a:extLst>
               </a:tr>
             </a:tbl>
           </a:graphicData>
@@ -5491,12 +6822,79 @@
   <p:clrMapOvr>
     <a:masterClrMapping/>
   </p:clrMapOvr>
-  <p:transition xmlns:p14="http://schemas.microsoft.com/office/powerpoint/2010/main" spd="med" advClick="1"/>
+  <p:transition spd="med"/>
 </p:sld>
 </file>
 
 <file path=ppt/slides/slide8.xml><?xml version="1.0" encoding="utf-8"?>
-<p:sld xmlns:a="http://schemas.openxmlformats.org/drawingml/2006/main" xmlns:r="http://schemas.openxmlformats.org/officeDocument/2006/relationships" xmlns:p="http://schemas.openxmlformats.org/presentationml/2006/main" xmlns:m="http://schemas.openxmlformats.org/officeDocument/2006/math" xmlns:a14="http://schemas.microsoft.com/office/drawing/2010/main" showMasterSp="1" showMasterPhAnim="1">
+<p:sld xmlns:a="http://schemas.openxmlformats.org/drawingml/2006/main" xmlns:r="http://schemas.openxmlformats.org/officeDocument/2006/relationships" xmlns:p="http://schemas.openxmlformats.org/presentationml/2006/main">
+  <p:cSld>
+    <p:spTree>
+      <p:nvGrpSpPr>
+        <p:cNvPr id="1" name=""/>
+        <p:cNvGrpSpPr/>
+        <p:nvPr/>
+      </p:nvGrpSpPr>
+      <p:grpSpPr>
+        <a:xfrm>
+          <a:off x="0" y="0"/>
+          <a:ext cx="0" cy="0"/>
+          <a:chOff x="0" y="0"/>
+          <a:chExt cx="0" cy="0"/>
+        </a:xfrm>
+      </p:grpSpPr>
+      <p:pic>
+        <p:nvPicPr>
+          <p:cNvPr id="6" name="Immagine 5">
+            <a:extLst>
+              <a:ext uri="{FF2B5EF4-FFF2-40B4-BE49-F238E27FC236}">
+                <a16:creationId xmlns:a16="http://schemas.microsoft.com/office/drawing/2014/main" id="{582C219A-A08E-BC2F-8A25-6805C98DB362}"/>
+              </a:ext>
+            </a:extLst>
+          </p:cNvPr>
+          <p:cNvPicPr>
+            <a:picLocks noChangeAspect="1"/>
+          </p:cNvPicPr>
+          <p:nvPr/>
+        </p:nvPicPr>
+        <p:blipFill>
+          <a:blip r:embed="rId2">
+            <a:extLst>
+              <a:ext uri="{28A0092B-C50C-407E-A947-70E740481C1C}">
+                <a14:useLocalDpi xmlns:a14="http://schemas.microsoft.com/office/drawing/2010/main" val="0"/>
+              </a:ext>
+            </a:extLst>
+          </a:blip>
+          <a:stretch>
+            <a:fillRect/>
+          </a:stretch>
+        </p:blipFill>
+        <p:spPr>
+          <a:xfrm>
+            <a:off x="1" y="1"/>
+            <a:ext cx="24384000" cy="13931152"/>
+          </a:xfrm>
+          <a:prstGeom prst="rect">
+            <a:avLst/>
+          </a:prstGeom>
+        </p:spPr>
+      </p:pic>
+    </p:spTree>
+    <p:extLst>
+      <p:ext uri="{BB962C8B-B14F-4D97-AF65-F5344CB8AC3E}">
+        <p14:creationId xmlns:p14="http://schemas.microsoft.com/office/powerpoint/2010/main" val="3951088221"/>
+      </p:ext>
+    </p:extLst>
+  </p:cSld>
+  <p:clrMapOvr>
+    <a:masterClrMapping/>
+  </p:clrMapOvr>
+  <p:transition spd="med"/>
+</p:sld>
+</file>
+
+<file path=ppt/slides/slide9.xml><?xml version="1.0" encoding="utf-8"?>
+<p:sld xmlns:a="http://schemas.openxmlformats.org/drawingml/2006/main" xmlns:r="http://schemas.openxmlformats.org/officeDocument/2006/relationships" xmlns:p="http://schemas.openxmlformats.org/presentationml/2006/main">
   <p:cSld>
     <p:spTree>
       <p:nvGrpSpPr>
@@ -5515,7 +6913,9 @@
       <p:sp>
         <p:nvSpPr>
           <p:cNvPr id="183" name="CPU: come per la GPU, anche per questa colonna abbiamo mantenuto solo il modello e il produttore del processore escludendo la velocità in GHz. Abbiamo inoltre raggruppato tutti quei processori di fascia bassa (Celeron, Atom, Pentium, AMD-A/E) in un’unica"/>
-          <p:cNvSpPr txBox="1"/>
+          <p:cNvSpPr txBox="1">
+            <a:spLocks noGrp="1"/>
+          </p:cNvSpPr>
           <p:nvPr>
             <p:ph type="body" idx="1"/>
           </p:nvPr>
@@ -5537,11 +6937,180 @@
               <a:defRPr b="1"/>
             </a:pPr>
             <a:r>
+              <a:rPr dirty="0"/>
               <a:t>CPU:</a:t>
             </a:r>
             <a:r>
-              <a:rPr b="0"/>
-              <a:t> come per la GPU, anche per questa colonna abbiamo mantenuto solo il modello e il produttore del processore escludendo la velocità in GHz. Abbiamo inoltre raggruppato tutti quei processori di fascia bassa (Celeron, Atom, Pentium, AMD-A/E) in un’unica fascia “Intel/Amd low end”. Idem per quelli di fascia alta come gli Xeon (workstation).</a:t>
+              <a:rPr b="0" dirty="0"/>
+              <a:t> come per la GPU, </a:t>
+            </a:r>
+            <a:r>
+              <a:rPr b="0" dirty="0" err="1"/>
+              <a:t>anche</a:t>
+            </a:r>
+            <a:r>
+              <a:rPr b="0" dirty="0"/>
+              <a:t> per </a:t>
+            </a:r>
+            <a:r>
+              <a:rPr b="0" dirty="0" err="1"/>
+              <a:t>questa</a:t>
+            </a:r>
+            <a:r>
+              <a:rPr b="0" dirty="0"/>
+              <a:t> </a:t>
+            </a:r>
+            <a:r>
+              <a:rPr b="0" dirty="0" err="1"/>
+              <a:t>colonna</a:t>
+            </a:r>
+            <a:r>
+              <a:rPr b="0" dirty="0"/>
+              <a:t> </a:t>
+            </a:r>
+            <a:r>
+              <a:rPr b="0" dirty="0" err="1"/>
+              <a:t>abbiamo</a:t>
+            </a:r>
+            <a:r>
+              <a:rPr b="0" dirty="0"/>
+              <a:t> </a:t>
+            </a:r>
+            <a:r>
+              <a:rPr b="0" dirty="0" err="1"/>
+              <a:t>mantenuto</a:t>
+            </a:r>
+            <a:r>
+              <a:rPr b="0" dirty="0"/>
+              <a:t> solo il </a:t>
+            </a:r>
+            <a:r>
+              <a:rPr b="0" dirty="0" err="1"/>
+              <a:t>modello</a:t>
+            </a:r>
+            <a:r>
+              <a:rPr b="0" dirty="0"/>
+              <a:t> e il </a:t>
+            </a:r>
+            <a:r>
+              <a:rPr b="0" dirty="0" err="1"/>
+              <a:t>produttore</a:t>
+            </a:r>
+            <a:r>
+              <a:rPr b="0" dirty="0"/>
+              <a:t> del </a:t>
+            </a:r>
+            <a:r>
+              <a:rPr b="0" dirty="0" err="1"/>
+              <a:t>processore</a:t>
+            </a:r>
+            <a:r>
+              <a:rPr b="0" dirty="0"/>
+              <a:t> </a:t>
+            </a:r>
+            <a:r>
+              <a:rPr b="0" dirty="0" err="1"/>
+              <a:t>escludendo</a:t>
+            </a:r>
+            <a:r>
+              <a:rPr b="0" dirty="0"/>
+              <a:t> la </a:t>
+            </a:r>
+            <a:r>
+              <a:rPr b="0" dirty="0" err="1"/>
+              <a:t>velocità</a:t>
+            </a:r>
+            <a:r>
+              <a:rPr b="0" dirty="0"/>
+              <a:t> in GHz. </a:t>
+            </a:r>
+            <a:r>
+              <a:rPr b="0" dirty="0" err="1"/>
+              <a:t>Abbiamo</a:t>
+            </a:r>
+            <a:r>
+              <a:rPr b="0" dirty="0"/>
+              <a:t> </a:t>
+            </a:r>
+            <a:r>
+              <a:rPr b="0" dirty="0" err="1"/>
+              <a:t>inoltre</a:t>
+            </a:r>
+            <a:r>
+              <a:rPr b="0" dirty="0"/>
+              <a:t> </a:t>
+            </a:r>
+            <a:r>
+              <a:rPr b="0" dirty="0" err="1"/>
+              <a:t>raggruppato</a:t>
+            </a:r>
+            <a:r>
+              <a:rPr b="0" dirty="0"/>
+              <a:t> tutti </a:t>
+            </a:r>
+            <a:r>
+              <a:rPr b="0" dirty="0" err="1"/>
+              <a:t>quei</a:t>
+            </a:r>
+            <a:r>
+              <a:rPr b="0" dirty="0"/>
+              <a:t> </a:t>
+            </a:r>
+            <a:r>
+              <a:rPr b="0" dirty="0" err="1"/>
+              <a:t>processori</a:t>
+            </a:r>
+            <a:r>
+              <a:rPr b="0" dirty="0"/>
+              <a:t> di fascia </a:t>
+            </a:r>
+            <a:r>
+              <a:rPr b="0" dirty="0" err="1"/>
+              <a:t>bassa</a:t>
+            </a:r>
+            <a:r>
+              <a:rPr b="0" dirty="0"/>
+              <a:t> (Celeron, Atom, Pentium, AMD-A/E) in </a:t>
+            </a:r>
+            <a:r>
+              <a:rPr b="0" dirty="0" err="1"/>
+              <a:t>un’unica</a:t>
+            </a:r>
+            <a:r>
+              <a:rPr b="0" dirty="0"/>
+              <a:t> fascia “Intel/</a:t>
+            </a:r>
+            <a:r>
+              <a:rPr b="0" dirty="0" err="1"/>
+              <a:t>Amd</a:t>
+            </a:r>
+            <a:r>
+              <a:rPr b="0" dirty="0"/>
+              <a:t> low end”. Idem per </a:t>
+            </a:r>
+            <a:r>
+              <a:rPr b="0" dirty="0" err="1"/>
+              <a:t>quelli</a:t>
+            </a:r>
+            <a:r>
+              <a:rPr b="0" dirty="0"/>
+              <a:t> di fascia </a:t>
+            </a:r>
+            <a:r>
+              <a:rPr b="0" dirty="0" err="1"/>
+              <a:t>alta</a:t>
+            </a:r>
+            <a:r>
+              <a:rPr b="0" dirty="0"/>
+              <a:t> come </a:t>
+            </a:r>
+            <a:r>
+              <a:rPr b="0" dirty="0" err="1"/>
+              <a:t>gli</a:t>
+            </a:r>
+            <a:r>
+              <a:rPr b="0" dirty="0"/>
+              <a:t> Xeon (workstation).</a:t>
             </a:r>
           </a:p>
         </p:txBody>
@@ -5554,16 +7123,22 @@
         </p:nvGraphicFramePr>
         <p:xfrm>
           <a:off x="2879160" y="7306397"/>
-          <a:ext cx="7648381" cy="4019523"/>
+          <a:ext cx="7635680" cy="4006820"/>
         </p:xfrm>
-        <a:graphic xmlns:a="http://schemas.openxmlformats.org/drawingml/2006/main">
+        <a:graphic>
           <a:graphicData uri="http://schemas.openxmlformats.org/drawingml/2006/table">
             <a:tbl>
-              <a:tblPr firstCol="0" firstRow="1" lastCol="0" lastRow="0" bandCol="0" bandRow="0" rtl="0">
+              <a:tblPr firstRow="1">
                 <a:tableStyleId>{4C3C2611-4C71-4FC5-86AE-919BDF0F9419}</a:tableStyleId>
               </a:tblPr>
               <a:tblGrid>
-                <a:gridCol w="7635680"/>
+                <a:gridCol w="7635680">
+                  <a:extLst>
+                    <a:ext uri="{9D8B030D-6E8A-4147-A177-3AD203B41FA5}">
+                      <a16:colId xmlns:a16="http://schemas.microsoft.com/office/drawing/2014/main" val="20000"/>
+                    </a:ext>
+                  </a:extLst>
+                </a:gridCol>
               </a:tblGrid>
               <a:tr h="801364">
                 <a:tc>
@@ -5578,13 +7153,18 @@
                         <a:defRPr b="0"/>
                       </a:pPr>
                       <a:r>
-                        <a:rPr b="1" sz="3200"/>
+                        <a:rPr sz="3200" b="1"/>
                         <a:t>CPU</a:t>
                       </a:r>
                     </a:p>
                   </a:txBody>
-                  <a:tcPr marL="50800" marR="50800" marT="50800" marB="50800" anchor="ctr" anchorCtr="0" horzOverflow="overflow"/>
+                  <a:tcPr marL="50800" marR="50800" marT="50800" marB="50800" anchor="ctr" horzOverflow="overflow"/>
                 </a:tc>
+                <a:extLst>
+                  <a:ext uri="{0D108BD9-81ED-4DB2-BD59-A6C34878D82A}">
+                    <a16:rowId xmlns:a16="http://schemas.microsoft.com/office/drawing/2014/main" val="10000"/>
+                  </a:ext>
+                </a:extLst>
               </a:tr>
               <a:tr h="801364">
                 <a:tc>
@@ -5599,8 +7179,13 @@
                       </a:r>
                     </a:p>
                   </a:txBody>
-                  <a:tcPr marL="50800" marR="50800" marT="50800" marB="50800" anchor="ctr" anchorCtr="0" horzOverflow="overflow"/>
+                  <a:tcPr marL="50800" marR="50800" marT="50800" marB="50800" anchor="ctr" horzOverflow="overflow"/>
                 </a:tc>
+                <a:extLst>
+                  <a:ext uri="{0D108BD9-81ED-4DB2-BD59-A6C34878D82A}">
+                    <a16:rowId xmlns:a16="http://schemas.microsoft.com/office/drawing/2014/main" val="10001"/>
+                  </a:ext>
+                </a:extLst>
               </a:tr>
               <a:tr h="801364">
                 <a:tc>
@@ -5615,8 +7200,13 @@
                       </a:r>
                     </a:p>
                   </a:txBody>
-                  <a:tcPr marL="50800" marR="50800" marT="50800" marB="50800" anchor="ctr" anchorCtr="0" horzOverflow="overflow"/>
+                  <a:tcPr marL="50800" marR="50800" marT="50800" marB="50800" anchor="ctr" horzOverflow="overflow"/>
                 </a:tc>
+                <a:extLst>
+                  <a:ext uri="{0D108BD9-81ED-4DB2-BD59-A6C34878D82A}">
+                    <a16:rowId xmlns:a16="http://schemas.microsoft.com/office/drawing/2014/main" val="10002"/>
+                  </a:ext>
+                </a:extLst>
               </a:tr>
               <a:tr h="801364">
                 <a:tc>
@@ -5631,8 +7221,13 @@
                       </a:r>
                     </a:p>
                   </a:txBody>
-                  <a:tcPr marL="50800" marR="50800" marT="50800" marB="50800" anchor="ctr" anchorCtr="0" horzOverflow="overflow"/>
+                  <a:tcPr marL="50800" marR="50800" marT="50800" marB="50800" anchor="ctr" horzOverflow="overflow"/>
                 </a:tc>
+                <a:extLst>
+                  <a:ext uri="{0D108BD9-81ED-4DB2-BD59-A6C34878D82A}">
+                    <a16:rowId xmlns:a16="http://schemas.microsoft.com/office/drawing/2014/main" val="10003"/>
+                  </a:ext>
+                </a:extLst>
               </a:tr>
               <a:tr h="801364">
                 <a:tc>
@@ -5647,8 +7242,13 @@
                       </a:r>
                     </a:p>
                   </a:txBody>
-                  <a:tcPr marL="50800" marR="50800" marT="50800" marB="50800" anchor="ctr" anchorCtr="0" horzOverflow="overflow"/>
+                  <a:tcPr marL="50800" marR="50800" marT="50800" marB="50800" anchor="ctr" horzOverflow="overflow"/>
                 </a:tc>
+                <a:extLst>
+                  <a:ext uri="{0D108BD9-81ED-4DB2-BD59-A6C34878D82A}">
+                    <a16:rowId xmlns:a16="http://schemas.microsoft.com/office/drawing/2014/main" val="10004"/>
+                  </a:ext>
+                </a:extLst>
               </a:tr>
             </a:tbl>
           </a:graphicData>
@@ -5680,7 +7280,7 @@
           <a:bodyPr lIns="50800" tIns="50800" rIns="50800" bIns="50800" anchor="ctr"/>
           <a:lstStyle/>
           <a:p>
-            <a:pPr/>
+            <a:endParaRPr/>
           </a:p>
         </p:txBody>
       </p:sp>
@@ -5692,16 +7292,22 @@
         </p:nvGraphicFramePr>
         <p:xfrm>
           <a:off x="14878254" y="7306397"/>
-          <a:ext cx="5927587" cy="4019523"/>
+          <a:ext cx="5914886" cy="4006820"/>
         </p:xfrm>
-        <a:graphic xmlns:a="http://schemas.openxmlformats.org/drawingml/2006/main">
+        <a:graphic>
           <a:graphicData uri="http://schemas.openxmlformats.org/drawingml/2006/table">
             <a:tbl>
-              <a:tblPr firstCol="0" firstRow="1" lastCol="0" lastRow="0" bandCol="0" bandRow="0" rtl="0">
+              <a:tblPr firstRow="1">
                 <a:tableStyleId>{4C3C2611-4C71-4FC5-86AE-919BDF0F9419}</a:tableStyleId>
               </a:tblPr>
               <a:tblGrid>
-                <a:gridCol w="5914886"/>
+                <a:gridCol w="5914886">
+                  <a:extLst>
+                    <a:ext uri="{9D8B030D-6E8A-4147-A177-3AD203B41FA5}">
+                      <a16:colId xmlns:a16="http://schemas.microsoft.com/office/drawing/2014/main" val="20000"/>
+                    </a:ext>
+                  </a:extLst>
+                </a:gridCol>
               </a:tblGrid>
               <a:tr h="801364">
                 <a:tc>
@@ -5716,13 +7322,18 @@
                         <a:defRPr b="0"/>
                       </a:pPr>
                       <a:r>
-                        <a:rPr b="1" sz="3200"/>
+                        <a:rPr sz="3200" b="1"/>
                         <a:t>CPU</a:t>
                       </a:r>
                     </a:p>
                   </a:txBody>
-                  <a:tcPr marL="50800" marR="50800" marT="50800" marB="50800" anchor="ctr" anchorCtr="0" horzOverflow="overflow"/>
+                  <a:tcPr marL="50800" marR="50800" marT="50800" marB="50800" anchor="ctr" horzOverflow="overflow"/>
                 </a:tc>
+                <a:extLst>
+                  <a:ext uri="{0D108BD9-81ED-4DB2-BD59-A6C34878D82A}">
+                    <a16:rowId xmlns:a16="http://schemas.microsoft.com/office/drawing/2014/main" val="10000"/>
+                  </a:ext>
+                </a:extLst>
               </a:tr>
               <a:tr h="801364">
                 <a:tc>
@@ -5737,8 +7348,13 @@
                       </a:r>
                     </a:p>
                   </a:txBody>
-                  <a:tcPr marL="50800" marR="50800" marT="50800" marB="50800" anchor="ctr" anchorCtr="0" horzOverflow="overflow"/>
+                  <a:tcPr marL="50800" marR="50800" marT="50800" marB="50800" anchor="ctr" horzOverflow="overflow"/>
                 </a:tc>
+                <a:extLst>
+                  <a:ext uri="{0D108BD9-81ED-4DB2-BD59-A6C34878D82A}">
+                    <a16:rowId xmlns:a16="http://schemas.microsoft.com/office/drawing/2014/main" val="10001"/>
+                  </a:ext>
+                </a:extLst>
               </a:tr>
               <a:tr h="801364">
                 <a:tc>
@@ -5753,8 +7369,13 @@
                       </a:r>
                     </a:p>
                   </a:txBody>
-                  <a:tcPr marL="50800" marR="50800" marT="50800" marB="50800" anchor="ctr" anchorCtr="0" horzOverflow="overflow"/>
+                  <a:tcPr marL="50800" marR="50800" marT="50800" marB="50800" anchor="ctr" horzOverflow="overflow"/>
                 </a:tc>
+                <a:extLst>
+                  <a:ext uri="{0D108BD9-81ED-4DB2-BD59-A6C34878D82A}">
+                    <a16:rowId xmlns:a16="http://schemas.microsoft.com/office/drawing/2014/main" val="10002"/>
+                  </a:ext>
+                </a:extLst>
               </a:tr>
               <a:tr h="801364">
                 <a:tc>
@@ -5764,13 +7385,18 @@
                     <a:p>
                       <a:pPr defTabSz="914400"/>
                       <a:r>
-                        <a:rPr sz="3200"/>
+                        <a:rPr sz="3200" dirty="0"/>
                         <a:t>Intel Low End</a:t>
                       </a:r>
                     </a:p>
                   </a:txBody>
-                  <a:tcPr marL="50800" marR="50800" marT="50800" marB="50800" anchor="ctr" anchorCtr="0" horzOverflow="overflow"/>
+                  <a:tcPr marL="50800" marR="50800" marT="50800" marB="50800" anchor="ctr" horzOverflow="overflow"/>
                 </a:tc>
+                <a:extLst>
+                  <a:ext uri="{0D108BD9-81ED-4DB2-BD59-A6C34878D82A}">
+                    <a16:rowId xmlns:a16="http://schemas.microsoft.com/office/drawing/2014/main" val="10003"/>
+                  </a:ext>
+                </a:extLst>
               </a:tr>
               <a:tr h="801364">
                 <a:tc>
@@ -5780,13 +7406,18 @@
                     <a:p>
                       <a:pPr defTabSz="914400"/>
                       <a:r>
-                        <a:rPr sz="3200"/>
+                        <a:rPr sz="3200" dirty="0"/>
                         <a:t>Intel Core i5</a:t>
                       </a:r>
                     </a:p>
                   </a:txBody>
-                  <a:tcPr marL="50800" marR="50800" marT="50800" marB="50800" anchor="ctr" anchorCtr="0" horzOverflow="overflow"/>
+                  <a:tcPr marL="50800" marR="50800" marT="50800" marB="50800" anchor="ctr" horzOverflow="overflow"/>
                 </a:tc>
+                <a:extLst>
+                  <a:ext uri="{0D108BD9-81ED-4DB2-BD59-A6C34878D82A}">
+                    <a16:rowId xmlns:a16="http://schemas.microsoft.com/office/drawing/2014/main" val="10004"/>
+                  </a:ext>
+                </a:extLst>
               </a:tr>
             </a:tbl>
           </a:graphicData>
@@ -5797,556 +7428,12 @@
   <p:clrMapOvr>
     <a:masterClrMapping/>
   </p:clrMapOvr>
-  <p:transition xmlns:p14="http://schemas.microsoft.com/office/powerpoint/2010/main" spd="med" advClick="1"/>
-</p:sld>
-</file>
-
-<file path=ppt/slides/slide9.xml><?xml version="1.0" encoding="utf-8"?>
-<p:sld xmlns:a="http://schemas.openxmlformats.org/drawingml/2006/main" xmlns:r="http://schemas.openxmlformats.org/officeDocument/2006/relationships" xmlns:p="http://schemas.openxmlformats.org/presentationml/2006/main" xmlns:m="http://schemas.openxmlformats.org/officeDocument/2006/math" xmlns:a14="http://schemas.microsoft.com/office/drawing/2010/main" showMasterSp="1" showMasterPhAnim="1">
-  <p:cSld>
-    <p:spTree>
-      <p:nvGrpSpPr>
-        <p:cNvPr id="1" name=""/>
-        <p:cNvGrpSpPr/>
-        <p:nvPr/>
-      </p:nvGrpSpPr>
-      <p:grpSpPr>
-        <a:xfrm>
-          <a:off x="0" y="0"/>
-          <a:ext cx="0" cy="0"/>
-          <a:chOff x="0" y="0"/>
-          <a:chExt cx="0" cy="0"/>
-        </a:xfrm>
-      </p:grpSpPr>
-      <p:sp>
-        <p:nvSpPr>
-          <p:cNvPr id="188" name="Schermo: anche le informazioni di questa colonna erano molto caotiche e non rappresentate secondo un pattern preciso…"/>
-          <p:cNvSpPr txBox="1"/>
-          <p:nvPr/>
-        </p:nvSpPr>
-        <p:spPr>
-          <a:xfrm>
-            <a:off x="821754" y="1176817"/>
-            <a:ext cx="22266556" cy="4016361"/>
-          </a:xfrm>
-          <a:prstGeom prst="rect">
-            <a:avLst/>
-          </a:prstGeom>
-          <a:ln w="12700">
-            <a:miter lim="400000"/>
-          </a:ln>
-          <a:extLst>
-            <a:ext uri="{C572A759-6A51-4108-AA02-DFA0A04FC94B}">
-              <ma14:wrappingTextBoxFlag xmlns:ma14="http://schemas.microsoft.com/office/mac/drawingml/2011/main" val="1"/>
-            </a:ext>
-          </a:extLst>
-        </p:spPr>
-        <p:txBody>
-          <a:bodyPr wrap="none" lIns="50800" tIns="50800" rIns="50800" bIns="50800" anchor="ctr">
-            <a:spAutoFit/>
-          </a:bodyPr>
-          <a:lstStyle/>
-          <a:p>
-            <a:pPr marL="609600" indent="-609600" algn="l">
-              <a:lnSpc>
-                <a:spcPct val="90000"/>
-              </a:lnSpc>
-              <a:spcBef>
-                <a:spcPts val="4500"/>
-              </a:spcBef>
-              <a:buSzPct val="123000"/>
-              <a:buChar char="•"/>
-              <a:defRPr b="1" sz="4800">
-                <a:solidFill>
-                  <a:srgbClr val="000000"/>
-                </a:solidFill>
-              </a:defRPr>
-            </a:pPr>
-            <a:r>
-              <a:t>Schermo</a:t>
-            </a:r>
-            <a:r>
-              <a:rPr b="0"/>
-              <a:t>: anche le informazioni di questa colonna erano molto caotiche e non rappresentate secondo un pattern preciso</a:t>
-            </a:r>
-            <a:endParaRPr b="0"/>
-          </a:p>
-          <a:p>
-            <a:pPr lvl="1" marL="1219200" indent="-609600" algn="l">
-              <a:lnSpc>
-                <a:spcPct val="10000"/>
-              </a:lnSpc>
-              <a:spcBef>
-                <a:spcPts val="4500"/>
-              </a:spcBef>
-              <a:buSzPct val="123000"/>
-              <a:buChar char="•"/>
-              <a:defRPr b="1" sz="4800">
-                <a:solidFill>
-                  <a:srgbClr val="000000"/>
-                </a:solidFill>
-              </a:defRPr>
-            </a:pPr>
-            <a:r>
-              <a:rPr b="0"/>
-              <a:t>IPS Panel Retina display 2560x1600</a:t>
-            </a:r>
-            <a:endParaRPr b="0"/>
-          </a:p>
-          <a:p>
-            <a:pPr lvl="1" marL="1219200" indent="-609600" algn="l">
-              <a:lnSpc>
-                <a:spcPct val="10000"/>
-              </a:lnSpc>
-              <a:spcBef>
-                <a:spcPts val="4500"/>
-              </a:spcBef>
-              <a:buSzPct val="123000"/>
-              <a:buChar char="•"/>
-              <a:defRPr b="1" sz="4800">
-                <a:solidFill>
-                  <a:srgbClr val="000000"/>
-                </a:solidFill>
-              </a:defRPr>
-            </a:pPr>
-            <a:r>
-              <a:rPr b="0"/>
-              <a:t>Full HD 1920x1080</a:t>
-            </a:r>
-            <a:endParaRPr b="0"/>
-          </a:p>
-          <a:p>
-            <a:pPr lvl="1" marL="1219200" indent="-609600" algn="l">
-              <a:lnSpc>
-                <a:spcPct val="10000"/>
-              </a:lnSpc>
-              <a:spcBef>
-                <a:spcPts val="4500"/>
-              </a:spcBef>
-              <a:buSzPct val="123000"/>
-              <a:buChar char="•"/>
-              <a:defRPr b="1" sz="4800">
-                <a:solidFill>
-                  <a:srgbClr val="000000"/>
-                </a:solidFill>
-              </a:defRPr>
-            </a:pPr>
-            <a:r>
-              <a:rPr b="0"/>
-              <a:t>1366x768</a:t>
-            </a:r>
-          </a:p>
-        </p:txBody>
-      </p:sp>
-      <p:graphicFrame>
-        <p:nvGraphicFramePr>
-          <p:cNvPr id="189" name="Tabella 1"/>
-          <p:cNvGraphicFramePr/>
-          <p:nvPr/>
-        </p:nvGraphicFramePr>
-        <p:xfrm>
-          <a:off x="1736834" y="6879855"/>
-          <a:ext cx="5933936" cy="4976188"/>
-        </p:xfrm>
-        <a:graphic xmlns:a="http://schemas.openxmlformats.org/drawingml/2006/main">
-          <a:graphicData uri="http://schemas.openxmlformats.org/drawingml/2006/table">
-            <a:tbl>
-              <a:tblPr firstCol="0" firstRow="1" lastCol="0" lastRow="0" bandCol="0" bandRow="0" rtl="0">
-                <a:tableStyleId>{4C3C2611-4C71-4FC5-86AE-919BDF0F9419}</a:tableStyleId>
-              </a:tblPr>
-              <a:tblGrid>
-                <a:gridCol w="5921236"/>
-              </a:tblGrid>
-              <a:tr h="992697">
-                <a:tc>
-                  <a:txBody>
-                    <a:bodyPr/>
-                    <a:lstStyle/>
-                    <a:p>
-                      <a:pPr defTabSz="914400">
-                        <a:tabLst>
-                          <a:tab pos="1663700" algn="l"/>
-                        </a:tabLst>
-                        <a:defRPr b="0"/>
-                      </a:pPr>
-                      <a:r>
-                        <a:rPr b="1" sz="3200"/>
-                        <a:t>ScreenResolution</a:t>
-                      </a:r>
-                    </a:p>
-                  </a:txBody>
-                  <a:tcPr marL="50800" marR="50800" marT="50800" marB="50800" anchor="ctr" anchorCtr="0" horzOverflow="overflow"/>
-                </a:tc>
-              </a:tr>
-              <a:tr h="992697">
-                <a:tc>
-                  <a:txBody>
-                    <a:bodyPr/>
-                    <a:lstStyle/>
-                    <a:p>
-                      <a:pPr defTabSz="914400"/>
-                      <a:r>
-                        <a:rPr sz="3200"/>
-                        <a:t>Full HD 1920x1080</a:t>
-                      </a:r>
-                    </a:p>
-                  </a:txBody>
-                  <a:tcPr marL="50800" marR="50800" marT="50800" marB="50800" anchor="ctr" anchorCtr="0" horzOverflow="overflow"/>
-                </a:tc>
-              </a:tr>
-              <a:tr h="992697">
-                <a:tc>
-                  <a:txBody>
-                    <a:bodyPr/>
-                    <a:lstStyle/>
-                    <a:p>
-                      <a:pPr defTabSz="914400"/>
-                      <a:r>
-                        <a:rPr sz="3200"/>
-                        <a:t>1366x760</a:t>
-                      </a:r>
-                    </a:p>
-                  </a:txBody>
-                  <a:tcPr marL="50800" marR="50800" marT="50800" marB="50800" anchor="ctr" anchorCtr="0" horzOverflow="overflow"/>
-                </a:tc>
-              </a:tr>
-              <a:tr h="992697">
-                <a:tc>
-                  <a:txBody>
-                    <a:bodyPr/>
-                    <a:lstStyle/>
-                    <a:p>
-                      <a:pPr defTabSz="914400"/>
-                      <a:r>
-                        <a:rPr sz="3200"/>
-                        <a:t>IPS Panel Full HD 1920x1080</a:t>
-                      </a:r>
-                    </a:p>
-                  </a:txBody>
-                  <a:tcPr marL="50800" marR="50800" marT="50800" marB="50800" anchor="ctr" anchorCtr="0" horzOverflow="overflow"/>
-                </a:tc>
-              </a:tr>
-              <a:tr h="992697">
-                <a:tc>
-                  <a:txBody>
-                    <a:bodyPr/>
-                    <a:lstStyle/>
-                    <a:p>
-                      <a:pPr defTabSz="914400"/>
-                      <a:r>
-                        <a:rPr sz="3200"/>
-                        <a:t>IPS Panel Full HD/Touchscreen 1920x1080</a:t>
-                      </a:r>
-                    </a:p>
-                  </a:txBody>
-                  <a:tcPr marL="50800" marR="50800" marT="50800" marB="50800" anchor="ctr" anchorCtr="0" horzOverflow="overflow"/>
-                </a:tc>
-              </a:tr>
-            </a:tbl>
-          </a:graphicData>
-        </a:graphic>
-      </p:graphicFrame>
-      <p:sp>
-        <p:nvSpPr>
-          <p:cNvPr id="190" name="Linea"/>
-          <p:cNvSpPr/>
-          <p:nvPr/>
-        </p:nvSpPr>
-        <p:spPr>
-          <a:xfrm>
-            <a:off x="8327717" y="8883266"/>
-            <a:ext cx="2819123" cy="1"/>
-          </a:xfrm>
-          <a:prstGeom prst="line">
-            <a:avLst/>
-          </a:prstGeom>
-          <a:ln w="165100">
-            <a:solidFill>
-              <a:srgbClr val="000000"/>
-            </a:solidFill>
-            <a:miter lim="400000"/>
-            <a:tailEnd type="triangle"/>
-          </a:ln>
-        </p:spPr>
-        <p:txBody>
-          <a:bodyPr lIns="50800" tIns="50800" rIns="50800" bIns="50800" anchor="ctr"/>
-          <a:lstStyle/>
-          <a:p>
-            <a:pPr/>
-          </a:p>
-        </p:txBody>
-      </p:sp>
-      <p:graphicFrame>
-        <p:nvGraphicFramePr>
-          <p:cNvPr id="191" name="Tabella 1-1"/>
-          <p:cNvGraphicFramePr/>
-          <p:nvPr/>
-        </p:nvGraphicFramePr>
-        <p:xfrm>
-          <a:off x="11816487" y="6873505"/>
-          <a:ext cx="10843379" cy="4988888"/>
-        </p:xfrm>
-        <a:graphic xmlns:a="http://schemas.openxmlformats.org/drawingml/2006/main">
-          <a:graphicData uri="http://schemas.openxmlformats.org/drawingml/2006/table">
-            <a:tbl>
-              <a:tblPr firstCol="0" firstRow="1" lastCol="0" lastRow="0" bandCol="0" bandRow="0" rtl="0">
-                <a:tableStyleId>{4C3C2611-4C71-4FC5-86AE-919BDF0F9419}</a:tableStyleId>
-              </a:tblPr>
-              <a:tblGrid>
-                <a:gridCol w="3610226"/>
-                <a:gridCol w="3610226"/>
-                <a:gridCol w="3610226"/>
-              </a:tblGrid>
-              <a:tr h="995237">
-                <a:tc>
-                  <a:txBody>
-                    <a:bodyPr/>
-                    <a:lstStyle/>
-                    <a:p>
-                      <a:pPr defTabSz="914400">
-                        <a:tabLst>
-                          <a:tab pos="1663700" algn="l"/>
-                        </a:tabLst>
-                        <a:defRPr b="0"/>
-                      </a:pPr>
-                      <a:r>
-                        <a:rPr b="1" sz="3200"/>
-                        <a:t>ScreenResolution</a:t>
-                      </a:r>
-                    </a:p>
-                  </a:txBody>
-                  <a:tcPr marL="50800" marR="50800" marT="50800" marB="50800" anchor="ctr" anchorCtr="0" horzOverflow="overflow"/>
-                </a:tc>
-                <a:tc>
-                  <a:txBody>
-                    <a:bodyPr/>
-                    <a:lstStyle/>
-                    <a:p>
-                      <a:pPr defTabSz="914400">
-                        <a:tabLst>
-                          <a:tab pos="1663700" algn="l"/>
-                        </a:tabLst>
-                        <a:defRPr b="0"/>
-                      </a:pPr>
-                      <a:r>
-                        <a:rPr b="1" sz="3200"/>
-                        <a:t>IsTouch</a:t>
-                      </a:r>
-                    </a:p>
-                  </a:txBody>
-                  <a:tcPr marL="50800" marR="50800" marT="50800" marB="50800" anchor="ctr" anchorCtr="0" horzOverflow="overflow"/>
-                </a:tc>
-                <a:tc>
-                  <a:txBody>
-                    <a:bodyPr/>
-                    <a:lstStyle/>
-                    <a:p>
-                      <a:pPr defTabSz="914400">
-                        <a:tabLst>
-                          <a:tab pos="1663700" algn="l"/>
-                        </a:tabLst>
-                        <a:defRPr b="0"/>
-                      </a:pPr>
-                      <a:r>
-                        <a:rPr b="1" sz="3200"/>
-                        <a:t>IsIPS</a:t>
-                      </a:r>
-                    </a:p>
-                  </a:txBody>
-                  <a:tcPr marL="50800" marR="50800" marT="50800" marB="50800" anchor="ctr" anchorCtr="0" horzOverflow="overflow"/>
-                </a:tc>
-              </a:tr>
-              <a:tr h="995237">
-                <a:tc>
-                  <a:txBody>
-                    <a:bodyPr/>
-                    <a:lstStyle/>
-                    <a:p>
-                      <a:pPr defTabSz="914400"/>
-                      <a:r>
-                        <a:rPr sz="3200"/>
-                        <a:t>FHD</a:t>
-                      </a:r>
-                    </a:p>
-                  </a:txBody>
-                  <a:tcPr marL="50800" marR="50800" marT="50800" marB="50800" anchor="ctr" anchorCtr="0" horzOverflow="overflow"/>
-                </a:tc>
-                <a:tc>
-                  <a:txBody>
-                    <a:bodyPr/>
-                    <a:lstStyle/>
-                    <a:p>
-                      <a:pPr defTabSz="914400"/>
-                      <a:r>
-                        <a:rPr sz="3200"/>
-                        <a:t>FALSE</a:t>
-                      </a:r>
-                    </a:p>
-                  </a:txBody>
-                  <a:tcPr marL="50800" marR="50800" marT="50800" marB="50800" anchor="ctr" anchorCtr="0" horzOverflow="overflow"/>
-                </a:tc>
-                <a:tc>
-                  <a:txBody>
-                    <a:bodyPr/>
-                    <a:lstStyle/>
-                    <a:p>
-                      <a:pPr defTabSz="914400"/>
-                      <a:r>
-                        <a:rPr sz="3200"/>
-                        <a:t>FALSE</a:t>
-                      </a:r>
-                    </a:p>
-                  </a:txBody>
-                  <a:tcPr marL="50800" marR="50800" marT="50800" marB="50800" anchor="ctr" anchorCtr="0" horzOverflow="overflow"/>
-                </a:tc>
-              </a:tr>
-              <a:tr h="995237">
-                <a:tc>
-                  <a:txBody>
-                    <a:bodyPr/>
-                    <a:lstStyle/>
-                    <a:p>
-                      <a:pPr defTabSz="914400"/>
-                      <a:r>
-                        <a:rPr sz="3200"/>
-                        <a:t>HD</a:t>
-                      </a:r>
-                    </a:p>
-                  </a:txBody>
-                  <a:tcPr marL="50800" marR="50800" marT="50800" marB="50800" anchor="ctr" anchorCtr="0" horzOverflow="overflow"/>
-                </a:tc>
-                <a:tc>
-                  <a:txBody>
-                    <a:bodyPr/>
-                    <a:lstStyle/>
-                    <a:p>
-                      <a:pPr defTabSz="914400"/>
-                      <a:r>
-                        <a:rPr sz="3200"/>
-                        <a:t>FALSE</a:t>
-                      </a:r>
-                    </a:p>
-                  </a:txBody>
-                  <a:tcPr marL="50800" marR="50800" marT="50800" marB="50800" anchor="ctr" anchorCtr="0" horzOverflow="overflow"/>
-                </a:tc>
-                <a:tc>
-                  <a:txBody>
-                    <a:bodyPr/>
-                    <a:lstStyle/>
-                    <a:p>
-                      <a:pPr defTabSz="914400"/>
-                      <a:r>
-                        <a:rPr sz="3200"/>
-                        <a:t>FALSE</a:t>
-                      </a:r>
-                    </a:p>
-                  </a:txBody>
-                  <a:tcPr marL="50800" marR="50800" marT="50800" marB="50800" anchor="ctr" anchorCtr="0" horzOverflow="overflow"/>
-                </a:tc>
-              </a:tr>
-              <a:tr h="995237">
-                <a:tc>
-                  <a:txBody>
-                    <a:bodyPr/>
-                    <a:lstStyle/>
-                    <a:p>
-                      <a:pPr defTabSz="914400"/>
-                      <a:r>
-                        <a:rPr sz="3200"/>
-                        <a:t>FHD</a:t>
-                      </a:r>
-                    </a:p>
-                  </a:txBody>
-                  <a:tcPr marL="50800" marR="50800" marT="50800" marB="50800" anchor="ctr" anchorCtr="0" horzOverflow="overflow"/>
-                </a:tc>
-                <a:tc>
-                  <a:txBody>
-                    <a:bodyPr/>
-                    <a:lstStyle/>
-                    <a:p>
-                      <a:pPr defTabSz="914400"/>
-                      <a:r>
-                        <a:rPr sz="3200"/>
-                        <a:t>FALSE</a:t>
-                      </a:r>
-                    </a:p>
-                  </a:txBody>
-                  <a:tcPr marL="50800" marR="50800" marT="50800" marB="50800" anchor="ctr" anchorCtr="0" horzOverflow="overflow"/>
-                </a:tc>
-                <a:tc>
-                  <a:txBody>
-                    <a:bodyPr/>
-                    <a:lstStyle/>
-                    <a:p>
-                      <a:pPr defTabSz="914400"/>
-                      <a:r>
-                        <a:rPr sz="3200"/>
-                        <a:t>TRUE</a:t>
-                      </a:r>
-                    </a:p>
-                  </a:txBody>
-                  <a:tcPr marL="50800" marR="50800" marT="50800" marB="50800" anchor="ctr" anchorCtr="0" horzOverflow="overflow"/>
-                </a:tc>
-              </a:tr>
-              <a:tr h="995237">
-                <a:tc>
-                  <a:txBody>
-                    <a:bodyPr/>
-                    <a:lstStyle/>
-                    <a:p>
-                      <a:pPr defTabSz="914400"/>
-                      <a:r>
-                        <a:rPr sz="3200"/>
-                        <a:t>FHD</a:t>
-                      </a:r>
-                    </a:p>
-                  </a:txBody>
-                  <a:tcPr marL="50800" marR="50800" marT="50800" marB="50800" anchor="ctr" anchorCtr="0" horzOverflow="overflow"/>
-                </a:tc>
-                <a:tc>
-                  <a:txBody>
-                    <a:bodyPr/>
-                    <a:lstStyle/>
-                    <a:p>
-                      <a:pPr defTabSz="914400"/>
-                      <a:r>
-                        <a:rPr sz="3200"/>
-                        <a:t>TRUE</a:t>
-                      </a:r>
-                    </a:p>
-                  </a:txBody>
-                  <a:tcPr marL="50800" marR="50800" marT="50800" marB="50800" anchor="ctr" anchorCtr="0" horzOverflow="overflow"/>
-                </a:tc>
-                <a:tc>
-                  <a:txBody>
-                    <a:bodyPr/>
-                    <a:lstStyle/>
-                    <a:p>
-                      <a:pPr defTabSz="914400"/>
-                      <a:r>
-                        <a:rPr sz="3200"/>
-                        <a:t>TRUE</a:t>
-                      </a:r>
-                    </a:p>
-                  </a:txBody>
-                  <a:tcPr marL="50800" marR="50800" marT="50800" marB="50800" anchor="ctr" anchorCtr="0" horzOverflow="overflow"/>
-                </a:tc>
-              </a:tr>
-            </a:tbl>
-          </a:graphicData>
-        </a:graphic>
-      </p:graphicFrame>
-    </p:spTree>
-  </p:cSld>
-  <p:clrMapOvr>
-    <a:masterClrMapping/>
-  </p:clrMapOvr>
-  <p:transition xmlns:p14="http://schemas.microsoft.com/office/powerpoint/2010/main" spd="med" advClick="1"/>
+  <p:transition spd="med"/>
 </p:sld>
 </file>
 
 <file path=ppt/theme/theme1.xml><?xml version="1.0" encoding="utf-8"?>
-<a:theme xmlns:a="http://schemas.openxmlformats.org/drawingml/2006/main" xmlns:r="http://schemas.openxmlformats.org/officeDocument/2006/relationships" name="21_BasicWhite">
+<a:theme xmlns:a="http://schemas.openxmlformats.org/drawingml/2006/main" name="21_BasicWhite">
   <a:themeElements>
     <a:clrScheme name="21_BasicWhite">
       <a:dk1>
@@ -6545,7 +7632,7 @@
         <a:effectLst/>
         <a:sp3d/>
       </a:spPr>
-      <a:bodyPr rot="0" spcFirstLastPara="1" vertOverflow="overflow" horzOverflow="overflow" vert="horz" wrap="square" lIns="50800" tIns="50800" rIns="50800" bIns="50800" numCol="1" spcCol="38100" rtlCol="0" anchor="ctr" upright="0">
+      <a:bodyPr rot="0" spcFirstLastPara="1" vertOverflow="overflow" horzOverflow="overflow" vert="horz" wrap="square" lIns="50800" tIns="50800" rIns="50800" bIns="50800" numCol="1" spcCol="38100" rtlCol="0" anchor="ctr">
         <a:spAutoFit/>
       </a:bodyPr>
       <a:lstStyle>
@@ -6564,7 +7651,7 @@
           <a:buFontTx/>
           <a:buNone/>
           <a:tabLst/>
-          <a:defRPr b="0" baseline="0" cap="none" i="0" spc="0" strike="noStrike" sz="3200" u="none" kumimoji="0" normalizeH="0">
+          <a:defRPr kumimoji="0" sz="3200" b="0" i="0" u="none" strike="noStrike" cap="none" spc="0" normalizeH="0" baseline="0">
             <a:ln>
               <a:noFill/>
             </a:ln>
@@ -6594,7 +7681,7 @@
           <a:buFontTx/>
           <a:buNone/>
           <a:tabLst/>
-          <a:defRPr b="0" baseline="0" cap="none" i="0" spc="0" strike="noStrike" sz="1800" u="none" kumimoji="0" normalizeH="0">
+          <a:defRPr kumimoji="0" sz="1800" b="0" i="0" u="none" strike="noStrike" cap="none" spc="0" normalizeH="0" baseline="0">
             <a:ln>
               <a:noFill/>
             </a:ln>
@@ -6620,7 +7707,7 @@
           <a:buFontTx/>
           <a:buNone/>
           <a:tabLst/>
-          <a:defRPr b="0" baseline="0" cap="none" i="0" spc="0" strike="noStrike" sz="1800" u="none" kumimoji="0" normalizeH="0">
+          <a:defRPr kumimoji="0" sz="1800" b="0" i="0" u="none" strike="noStrike" cap="none" spc="0" normalizeH="0" baseline="0">
             <a:ln>
               <a:noFill/>
             </a:ln>
@@ -6646,7 +7733,7 @@
           <a:buFontTx/>
           <a:buNone/>
           <a:tabLst/>
-          <a:defRPr b="0" baseline="0" cap="none" i="0" spc="0" strike="noStrike" sz="1800" u="none" kumimoji="0" normalizeH="0">
+          <a:defRPr kumimoji="0" sz="1800" b="0" i="0" u="none" strike="noStrike" cap="none" spc="0" normalizeH="0" baseline="0">
             <a:ln>
               <a:noFill/>
             </a:ln>
@@ -6672,7 +7759,7 @@
           <a:buFontTx/>
           <a:buNone/>
           <a:tabLst/>
-          <a:defRPr b="0" baseline="0" cap="none" i="0" spc="0" strike="noStrike" sz="1800" u="none" kumimoji="0" normalizeH="0">
+          <a:defRPr kumimoji="0" sz="1800" b="0" i="0" u="none" strike="noStrike" cap="none" spc="0" normalizeH="0" baseline="0">
             <a:ln>
               <a:noFill/>
             </a:ln>
@@ -6698,7 +7785,7 @@
           <a:buFontTx/>
           <a:buNone/>
           <a:tabLst/>
-          <a:defRPr b="0" baseline="0" cap="none" i="0" spc="0" strike="noStrike" sz="1800" u="none" kumimoji="0" normalizeH="0">
+          <a:defRPr kumimoji="0" sz="1800" b="0" i="0" u="none" strike="noStrike" cap="none" spc="0" normalizeH="0" baseline="0">
             <a:ln>
               <a:noFill/>
             </a:ln>
@@ -6724,7 +7811,7 @@
           <a:buFontTx/>
           <a:buNone/>
           <a:tabLst/>
-          <a:defRPr b="0" baseline="0" cap="none" i="0" spc="0" strike="noStrike" sz="1800" u="none" kumimoji="0" normalizeH="0">
+          <a:defRPr kumimoji="0" sz="1800" b="0" i="0" u="none" strike="noStrike" cap="none" spc="0" normalizeH="0" baseline="0">
             <a:ln>
               <a:noFill/>
             </a:ln>
@@ -6750,7 +7837,7 @@
           <a:buFontTx/>
           <a:buNone/>
           <a:tabLst/>
-          <a:defRPr b="0" baseline="0" cap="none" i="0" spc="0" strike="noStrike" sz="1800" u="none" kumimoji="0" normalizeH="0">
+          <a:defRPr kumimoji="0" sz="1800" b="0" i="0" u="none" strike="noStrike" cap="none" spc="0" normalizeH="0" baseline="0">
             <a:ln>
               <a:noFill/>
             </a:ln>
@@ -6776,7 +7863,7 @@
           <a:buFontTx/>
           <a:buNone/>
           <a:tabLst/>
-          <a:defRPr b="0" baseline="0" cap="none" i="0" spc="0" strike="noStrike" sz="1800" u="none" kumimoji="0" normalizeH="0">
+          <a:defRPr kumimoji="0" sz="1800" b="0" i="0" u="none" strike="noStrike" cap="none" spc="0" normalizeH="0" baseline="0">
             <a:ln>
               <a:noFill/>
             </a:ln>
@@ -6802,7 +7889,7 @@
           <a:buFontTx/>
           <a:buNone/>
           <a:tabLst/>
-          <a:defRPr b="0" baseline="0" cap="none" i="0" spc="0" strike="noStrike" sz="1800" u="none" kumimoji="0" normalizeH="0">
+          <a:defRPr kumimoji="0" sz="1800" b="0" i="0" u="none" strike="noStrike" cap="none" spc="0" normalizeH="0" baseline="0">
             <a:ln>
               <a:noFill/>
             </a:ln>
@@ -6815,9 +7902,15 @@
         </a:lvl9pPr>
       </a:lstStyle>
       <a:style>
-        <a:lnRef idx="0"/>
-        <a:fillRef idx="0"/>
-        <a:effectRef idx="0"/>
+        <a:lnRef idx="0">
+          <a:scrgbClr r="0" g="0" b="0"/>
+        </a:lnRef>
+        <a:fillRef idx="0">
+          <a:scrgbClr r="0" g="0" b="0"/>
+        </a:fillRef>
+        <a:effectRef idx="0">
+          <a:scrgbClr r="0" g="0" b="0"/>
+        </a:effectRef>
         <a:fontRef idx="none"/>
       </a:style>
     </a:spDef>
@@ -6834,7 +7927,7 @@
         <a:effectLst/>
         <a:sp3d/>
       </a:spPr>
-      <a:bodyPr rot="0" spcFirstLastPara="1" vertOverflow="overflow" horzOverflow="overflow" vert="horz" wrap="square" lIns="91439" tIns="45719" rIns="91439" bIns="45719" numCol="1" spcCol="38100" rtlCol="0" anchor="t" upright="0">
+      <a:bodyPr rot="0" spcFirstLastPara="1" vertOverflow="overflow" horzOverflow="overflow" vert="horz" wrap="square" lIns="91439" tIns="45719" rIns="91439" bIns="45719" numCol="1" spcCol="38100" rtlCol="0" anchor="t">
         <a:noAutofit/>
       </a:bodyPr>
       <a:lstStyle>
@@ -6853,7 +7946,7 @@
           <a:buFontTx/>
           <a:buNone/>
           <a:tabLst/>
-          <a:defRPr b="0" baseline="0" cap="none" i="0" spc="0" strike="noStrike" sz="1800" u="none" kumimoji="0" normalizeH="0">
+          <a:defRPr kumimoji="0" sz="1800" b="0" i="0" u="none" strike="noStrike" cap="none" spc="0" normalizeH="0" baseline="0">
             <a:ln>
               <a:noFill/>
             </a:ln>
@@ -6879,7 +7972,7 @@
           <a:buFontTx/>
           <a:buNone/>
           <a:tabLst/>
-          <a:defRPr b="0" baseline="0" cap="none" i="0" spc="0" strike="noStrike" sz="1800" u="none" kumimoji="0" normalizeH="0">
+          <a:defRPr kumimoji="0" sz="1800" b="0" i="0" u="none" strike="noStrike" cap="none" spc="0" normalizeH="0" baseline="0">
             <a:ln>
               <a:noFill/>
             </a:ln>
@@ -6905,7 +7998,7 @@
           <a:buFontTx/>
           <a:buNone/>
           <a:tabLst/>
-          <a:defRPr b="0" baseline="0" cap="none" i="0" spc="0" strike="noStrike" sz="1800" u="none" kumimoji="0" normalizeH="0">
+          <a:defRPr kumimoji="0" sz="1800" b="0" i="0" u="none" strike="noStrike" cap="none" spc="0" normalizeH="0" baseline="0">
             <a:ln>
               <a:noFill/>
             </a:ln>
@@ -6931,7 +8024,7 @@
           <a:buFontTx/>
           <a:buNone/>
           <a:tabLst/>
-          <a:defRPr b="0" baseline="0" cap="none" i="0" spc="0" strike="noStrike" sz="1800" u="none" kumimoji="0" normalizeH="0">
+          <a:defRPr kumimoji="0" sz="1800" b="0" i="0" u="none" strike="noStrike" cap="none" spc="0" normalizeH="0" baseline="0">
             <a:ln>
               <a:noFill/>
             </a:ln>
@@ -6957,7 +8050,7 @@
           <a:buFontTx/>
           <a:buNone/>
           <a:tabLst/>
-          <a:defRPr b="0" baseline="0" cap="none" i="0" spc="0" strike="noStrike" sz="1800" u="none" kumimoji="0" normalizeH="0">
+          <a:defRPr kumimoji="0" sz="1800" b="0" i="0" u="none" strike="noStrike" cap="none" spc="0" normalizeH="0" baseline="0">
             <a:ln>
               <a:noFill/>
             </a:ln>
@@ -6983,7 +8076,7 @@
           <a:buFontTx/>
           <a:buNone/>
           <a:tabLst/>
-          <a:defRPr b="0" baseline="0" cap="none" i="0" spc="0" strike="noStrike" sz="1800" u="none" kumimoji="0" normalizeH="0">
+          <a:defRPr kumimoji="0" sz="1800" b="0" i="0" u="none" strike="noStrike" cap="none" spc="0" normalizeH="0" baseline="0">
             <a:ln>
               <a:noFill/>
             </a:ln>
@@ -7009,7 +8102,7 @@
           <a:buFontTx/>
           <a:buNone/>
           <a:tabLst/>
-          <a:defRPr b="0" baseline="0" cap="none" i="0" spc="0" strike="noStrike" sz="1800" u="none" kumimoji="0" normalizeH="0">
+          <a:defRPr kumimoji="0" sz="1800" b="0" i="0" u="none" strike="noStrike" cap="none" spc="0" normalizeH="0" baseline="0">
             <a:ln>
               <a:noFill/>
             </a:ln>
@@ -7035,7 +8128,7 @@
           <a:buFontTx/>
           <a:buNone/>
           <a:tabLst/>
-          <a:defRPr b="0" baseline="0" cap="none" i="0" spc="0" strike="noStrike" sz="1800" u="none" kumimoji="0" normalizeH="0">
+          <a:defRPr kumimoji="0" sz="1800" b="0" i="0" u="none" strike="noStrike" cap="none" spc="0" normalizeH="0" baseline="0">
             <a:ln>
               <a:noFill/>
             </a:ln>
@@ -7061,7 +8154,7 @@
           <a:buFontTx/>
           <a:buNone/>
           <a:tabLst/>
-          <a:defRPr b="0" baseline="0" cap="none" i="0" spc="0" strike="noStrike" sz="1800" u="none" kumimoji="0" normalizeH="0">
+          <a:defRPr kumimoji="0" sz="1800" b="0" i="0" u="none" strike="noStrike" cap="none" spc="0" normalizeH="0" baseline="0">
             <a:ln>
               <a:noFill/>
             </a:ln>
@@ -7087,7 +8180,7 @@
           <a:buFontTx/>
           <a:buNone/>
           <a:tabLst/>
-          <a:defRPr b="0" baseline="0" cap="none" i="0" spc="0" strike="noStrike" sz="1800" u="none" kumimoji="0" normalizeH="0">
+          <a:defRPr kumimoji="0" sz="1800" b="0" i="0" u="none" strike="noStrike" cap="none" spc="0" normalizeH="0" baseline="0">
             <a:ln>
               <a:noFill/>
             </a:ln>
@@ -7100,9 +8193,15 @@
         </a:lvl9pPr>
       </a:lstStyle>
       <a:style>
-        <a:lnRef idx="0"/>
-        <a:fillRef idx="0"/>
-        <a:effectRef idx="0"/>
+        <a:lnRef idx="0">
+          <a:scrgbClr r="0" g="0" b="0"/>
+        </a:lnRef>
+        <a:fillRef idx="0">
+          <a:scrgbClr r="0" g="0" b="0"/>
+        </a:fillRef>
+        <a:effectRef idx="0">
+          <a:scrgbClr r="0" g="0" b="0"/>
+        </a:effectRef>
         <a:fontRef idx="none"/>
       </a:style>
     </a:lnDef>
@@ -7116,7 +8215,7 @@
         <a:effectLst/>
         <a:sp3d/>
       </a:spPr>
-      <a:bodyPr rot="0" spcFirstLastPara="1" vertOverflow="overflow" horzOverflow="overflow" vert="horz" wrap="square" lIns="50800" tIns="50800" rIns="50800" bIns="50800" numCol="1" spcCol="38100" rtlCol="0" anchor="ctr" upright="0">
+      <a:bodyPr rot="0" spcFirstLastPara="1" vertOverflow="overflow" horzOverflow="overflow" vert="horz" wrap="square" lIns="50800" tIns="50800" rIns="50800" bIns="50800" numCol="1" spcCol="38100" rtlCol="0" anchor="ctr">
         <a:spAutoFit/>
       </a:bodyPr>
       <a:lstStyle>
@@ -7135,7 +8234,7 @@
           <a:buFontTx/>
           <a:buNone/>
           <a:tabLst/>
-          <a:defRPr b="0" baseline="0" cap="none" i="0" spc="0" strike="noStrike" sz="2400" u="none" kumimoji="0" normalizeH="0">
+          <a:defRPr kumimoji="0" sz="2400" b="0" i="0" u="none" strike="noStrike" cap="none" spc="0" normalizeH="0" baseline="0">
             <a:ln>
               <a:noFill/>
             </a:ln>
@@ -7165,7 +8264,7 @@
           <a:buFontTx/>
           <a:buNone/>
           <a:tabLst/>
-          <a:defRPr b="0" baseline="0" cap="none" i="0" spc="0" strike="noStrike" sz="1800" u="none" kumimoji="0" normalizeH="0">
+          <a:defRPr kumimoji="0" sz="1800" b="0" i="0" u="none" strike="noStrike" cap="none" spc="0" normalizeH="0" baseline="0">
             <a:ln>
               <a:noFill/>
             </a:ln>
@@ -7191,7 +8290,7 @@
           <a:buFontTx/>
           <a:buNone/>
           <a:tabLst/>
-          <a:defRPr b="0" baseline="0" cap="none" i="0" spc="0" strike="noStrike" sz="1800" u="none" kumimoji="0" normalizeH="0">
+          <a:defRPr kumimoji="0" sz="1800" b="0" i="0" u="none" strike="noStrike" cap="none" spc="0" normalizeH="0" baseline="0">
             <a:ln>
               <a:noFill/>
             </a:ln>
@@ -7217,7 +8316,7 @@
           <a:buFontTx/>
           <a:buNone/>
           <a:tabLst/>
-          <a:defRPr b="0" baseline="0" cap="none" i="0" spc="0" strike="noStrike" sz="1800" u="none" kumimoji="0" normalizeH="0">
+          <a:defRPr kumimoji="0" sz="1800" b="0" i="0" u="none" strike="noStrike" cap="none" spc="0" normalizeH="0" baseline="0">
             <a:ln>
               <a:noFill/>
             </a:ln>
@@ -7243,7 +8342,7 @@
           <a:buFontTx/>
           <a:buNone/>
           <a:tabLst/>
-          <a:defRPr b="0" baseline="0" cap="none" i="0" spc="0" strike="noStrike" sz="1800" u="none" kumimoji="0" normalizeH="0">
+          <a:defRPr kumimoji="0" sz="1800" b="0" i="0" u="none" strike="noStrike" cap="none" spc="0" normalizeH="0" baseline="0">
             <a:ln>
               <a:noFill/>
             </a:ln>
@@ -7269,7 +8368,7 @@
           <a:buFontTx/>
           <a:buNone/>
           <a:tabLst/>
-          <a:defRPr b="0" baseline="0" cap="none" i="0" spc="0" strike="noStrike" sz="1800" u="none" kumimoji="0" normalizeH="0">
+          <a:defRPr kumimoji="0" sz="1800" b="0" i="0" u="none" strike="noStrike" cap="none" spc="0" normalizeH="0" baseline="0">
             <a:ln>
               <a:noFill/>
             </a:ln>
@@ -7295,7 +8394,7 @@
           <a:buFontTx/>
           <a:buNone/>
           <a:tabLst/>
-          <a:defRPr b="0" baseline="0" cap="none" i="0" spc="0" strike="noStrike" sz="1800" u="none" kumimoji="0" normalizeH="0">
+          <a:defRPr kumimoji="0" sz="1800" b="0" i="0" u="none" strike="noStrike" cap="none" spc="0" normalizeH="0" baseline="0">
             <a:ln>
               <a:noFill/>
             </a:ln>
@@ -7321,7 +8420,7 @@
           <a:buFontTx/>
           <a:buNone/>
           <a:tabLst/>
-          <a:defRPr b="0" baseline="0" cap="none" i="0" spc="0" strike="noStrike" sz="1800" u="none" kumimoji="0" normalizeH="0">
+          <a:defRPr kumimoji="0" sz="1800" b="0" i="0" u="none" strike="noStrike" cap="none" spc="0" normalizeH="0" baseline="0">
             <a:ln>
               <a:noFill/>
             </a:ln>
@@ -7347,7 +8446,7 @@
           <a:buFontTx/>
           <a:buNone/>
           <a:tabLst/>
-          <a:defRPr b="0" baseline="0" cap="none" i="0" spc="0" strike="noStrike" sz="1800" u="none" kumimoji="0" normalizeH="0">
+          <a:defRPr kumimoji="0" sz="1800" b="0" i="0" u="none" strike="noStrike" cap="none" spc="0" normalizeH="0" baseline="0">
             <a:ln>
               <a:noFill/>
             </a:ln>
@@ -7373,7 +8472,7 @@
           <a:buFontTx/>
           <a:buNone/>
           <a:tabLst/>
-          <a:defRPr b="0" baseline="0" cap="none" i="0" spc="0" strike="noStrike" sz="1800" u="none" kumimoji="0" normalizeH="0">
+          <a:defRPr kumimoji="0" sz="1800" b="0" i="0" u="none" strike="noStrike" cap="none" spc="0" normalizeH="0" baseline="0">
             <a:ln>
               <a:noFill/>
             </a:ln>
@@ -7386,18 +8485,25 @@
         </a:lvl9pPr>
       </a:lstStyle>
       <a:style>
-        <a:lnRef idx="0"/>
-        <a:fillRef idx="0"/>
-        <a:effectRef idx="0"/>
+        <a:lnRef idx="0">
+          <a:scrgbClr r="0" g="0" b="0"/>
+        </a:lnRef>
+        <a:fillRef idx="0">
+          <a:scrgbClr r="0" g="0" b="0"/>
+        </a:fillRef>
+        <a:effectRef idx="0">
+          <a:scrgbClr r="0" g="0" b="0"/>
+        </a:effectRef>
         <a:fontRef idx="none"/>
       </a:style>
     </a:txDef>
   </a:objectDefaults>
+  <a:extraClrSchemeLst/>
 </a:theme>
 </file>
 
 <file path=ppt/theme/theme2.xml><?xml version="1.0" encoding="utf-8"?>
-<a:theme xmlns:a="http://schemas.openxmlformats.org/drawingml/2006/main" xmlns:r="http://schemas.openxmlformats.org/officeDocument/2006/relationships" name="21_BasicWhite">
+<a:theme xmlns:a="http://schemas.openxmlformats.org/drawingml/2006/main" name="21_BasicWhite">
   <a:themeElements>
     <a:clrScheme name="21_BasicWhite">
       <a:dk1>
@@ -7596,7 +8702,7 @@
         <a:effectLst/>
         <a:sp3d/>
       </a:spPr>
-      <a:bodyPr rot="0" spcFirstLastPara="1" vertOverflow="overflow" horzOverflow="overflow" vert="horz" wrap="square" lIns="50800" tIns="50800" rIns="50800" bIns="50800" numCol="1" spcCol="38100" rtlCol="0" anchor="ctr" upright="0">
+      <a:bodyPr rot="0" spcFirstLastPara="1" vertOverflow="overflow" horzOverflow="overflow" vert="horz" wrap="square" lIns="50800" tIns="50800" rIns="50800" bIns="50800" numCol="1" spcCol="38100" rtlCol="0" anchor="ctr">
         <a:spAutoFit/>
       </a:bodyPr>
       <a:lstStyle>
@@ -7615,7 +8721,7 @@
           <a:buFontTx/>
           <a:buNone/>
           <a:tabLst/>
-          <a:defRPr b="0" baseline="0" cap="none" i="0" spc="0" strike="noStrike" sz="3200" u="none" kumimoji="0" normalizeH="0">
+          <a:defRPr kumimoji="0" sz="3200" b="0" i="0" u="none" strike="noStrike" cap="none" spc="0" normalizeH="0" baseline="0">
             <a:ln>
               <a:noFill/>
             </a:ln>
@@ -7645,7 +8751,7 @@
           <a:buFontTx/>
           <a:buNone/>
           <a:tabLst/>
-          <a:defRPr b="0" baseline="0" cap="none" i="0" spc="0" strike="noStrike" sz="1800" u="none" kumimoji="0" normalizeH="0">
+          <a:defRPr kumimoji="0" sz="1800" b="0" i="0" u="none" strike="noStrike" cap="none" spc="0" normalizeH="0" baseline="0">
             <a:ln>
               <a:noFill/>
             </a:ln>
@@ -7671,7 +8777,7 @@
           <a:buFontTx/>
           <a:buNone/>
           <a:tabLst/>
-          <a:defRPr b="0" baseline="0" cap="none" i="0" spc="0" strike="noStrike" sz="1800" u="none" kumimoji="0" normalizeH="0">
+          <a:defRPr kumimoji="0" sz="1800" b="0" i="0" u="none" strike="noStrike" cap="none" spc="0" normalizeH="0" baseline="0">
             <a:ln>
               <a:noFill/>
             </a:ln>
@@ -7697,7 +8803,7 @@
           <a:buFontTx/>
           <a:buNone/>
           <a:tabLst/>
-          <a:defRPr b="0" baseline="0" cap="none" i="0" spc="0" strike="noStrike" sz="1800" u="none" kumimoji="0" normalizeH="0">
+          <a:defRPr kumimoji="0" sz="1800" b="0" i="0" u="none" strike="noStrike" cap="none" spc="0" normalizeH="0" baseline="0">
             <a:ln>
               <a:noFill/>
             </a:ln>
@@ -7723,7 +8829,7 @@
           <a:buFontTx/>
           <a:buNone/>
           <a:tabLst/>
-          <a:defRPr b="0" baseline="0" cap="none" i="0" spc="0" strike="noStrike" sz="1800" u="none" kumimoji="0" normalizeH="0">
+          <a:defRPr kumimoji="0" sz="1800" b="0" i="0" u="none" strike="noStrike" cap="none" spc="0" normalizeH="0" baseline="0">
             <a:ln>
               <a:noFill/>
             </a:ln>
@@ -7749,7 +8855,7 @@
           <a:buFontTx/>
           <a:buNone/>
           <a:tabLst/>
-          <a:defRPr b="0" baseline="0" cap="none" i="0" spc="0" strike="noStrike" sz="1800" u="none" kumimoji="0" normalizeH="0">
+          <a:defRPr kumimoji="0" sz="1800" b="0" i="0" u="none" strike="noStrike" cap="none" spc="0" normalizeH="0" baseline="0">
             <a:ln>
               <a:noFill/>
             </a:ln>
@@ -7775,7 +8881,7 @@
           <a:buFontTx/>
           <a:buNone/>
           <a:tabLst/>
-          <a:defRPr b="0" baseline="0" cap="none" i="0" spc="0" strike="noStrike" sz="1800" u="none" kumimoji="0" normalizeH="0">
+          <a:defRPr kumimoji="0" sz="1800" b="0" i="0" u="none" strike="noStrike" cap="none" spc="0" normalizeH="0" baseline="0">
             <a:ln>
               <a:noFill/>
             </a:ln>
@@ -7801,7 +8907,7 @@
           <a:buFontTx/>
           <a:buNone/>
           <a:tabLst/>
-          <a:defRPr b="0" baseline="0" cap="none" i="0" spc="0" strike="noStrike" sz="1800" u="none" kumimoji="0" normalizeH="0">
+          <a:defRPr kumimoji="0" sz="1800" b="0" i="0" u="none" strike="noStrike" cap="none" spc="0" normalizeH="0" baseline="0">
             <a:ln>
               <a:noFill/>
             </a:ln>
@@ -7827,7 +8933,7 @@
           <a:buFontTx/>
           <a:buNone/>
           <a:tabLst/>
-          <a:defRPr b="0" baseline="0" cap="none" i="0" spc="0" strike="noStrike" sz="1800" u="none" kumimoji="0" normalizeH="0">
+          <a:defRPr kumimoji="0" sz="1800" b="0" i="0" u="none" strike="noStrike" cap="none" spc="0" normalizeH="0" baseline="0">
             <a:ln>
               <a:noFill/>
             </a:ln>
@@ -7853,7 +8959,7 @@
           <a:buFontTx/>
           <a:buNone/>
           <a:tabLst/>
-          <a:defRPr b="0" baseline="0" cap="none" i="0" spc="0" strike="noStrike" sz="1800" u="none" kumimoji="0" normalizeH="0">
+          <a:defRPr kumimoji="0" sz="1800" b="0" i="0" u="none" strike="noStrike" cap="none" spc="0" normalizeH="0" baseline="0">
             <a:ln>
               <a:noFill/>
             </a:ln>
@@ -7866,9 +8972,15 @@
         </a:lvl9pPr>
       </a:lstStyle>
       <a:style>
-        <a:lnRef idx="0"/>
-        <a:fillRef idx="0"/>
-        <a:effectRef idx="0"/>
+        <a:lnRef idx="0">
+          <a:scrgbClr r="0" g="0" b="0"/>
+        </a:lnRef>
+        <a:fillRef idx="0">
+          <a:scrgbClr r="0" g="0" b="0"/>
+        </a:fillRef>
+        <a:effectRef idx="0">
+          <a:scrgbClr r="0" g="0" b="0"/>
+        </a:effectRef>
         <a:fontRef idx="none"/>
       </a:style>
     </a:spDef>
@@ -7885,7 +8997,7 @@
         <a:effectLst/>
         <a:sp3d/>
       </a:spPr>
-      <a:bodyPr rot="0" spcFirstLastPara="1" vertOverflow="overflow" horzOverflow="overflow" vert="horz" wrap="square" lIns="91439" tIns="45719" rIns="91439" bIns="45719" numCol="1" spcCol="38100" rtlCol="0" anchor="t" upright="0">
+      <a:bodyPr rot="0" spcFirstLastPara="1" vertOverflow="overflow" horzOverflow="overflow" vert="horz" wrap="square" lIns="91439" tIns="45719" rIns="91439" bIns="45719" numCol="1" spcCol="38100" rtlCol="0" anchor="t">
         <a:noAutofit/>
       </a:bodyPr>
       <a:lstStyle>
@@ -7904,7 +9016,7 @@
           <a:buFontTx/>
           <a:buNone/>
           <a:tabLst/>
-          <a:defRPr b="0" baseline="0" cap="none" i="0" spc="0" strike="noStrike" sz="1800" u="none" kumimoji="0" normalizeH="0">
+          <a:defRPr kumimoji="0" sz="1800" b="0" i="0" u="none" strike="noStrike" cap="none" spc="0" normalizeH="0" baseline="0">
             <a:ln>
               <a:noFill/>
             </a:ln>
@@ -7930,7 +9042,7 @@
           <a:buFontTx/>
           <a:buNone/>
           <a:tabLst/>
-          <a:defRPr b="0" baseline="0" cap="none" i="0" spc="0" strike="noStrike" sz="1800" u="none" kumimoji="0" normalizeH="0">
+          <a:defRPr kumimoji="0" sz="1800" b="0" i="0" u="none" strike="noStrike" cap="none" spc="0" normalizeH="0" baseline="0">
             <a:ln>
               <a:noFill/>
             </a:ln>
@@ -7956,7 +9068,7 @@
           <a:buFontTx/>
           <a:buNone/>
           <a:tabLst/>
-          <a:defRPr b="0" baseline="0" cap="none" i="0" spc="0" strike="noStrike" sz="1800" u="none" kumimoji="0" normalizeH="0">
+          <a:defRPr kumimoji="0" sz="1800" b="0" i="0" u="none" strike="noStrike" cap="none" spc="0" normalizeH="0" baseline="0">
             <a:ln>
               <a:noFill/>
             </a:ln>
@@ -7982,7 +9094,7 @@
           <a:buFontTx/>
           <a:buNone/>
           <a:tabLst/>
-          <a:defRPr b="0" baseline="0" cap="none" i="0" spc="0" strike="noStrike" sz="1800" u="none" kumimoji="0" normalizeH="0">
+          <a:defRPr kumimoji="0" sz="1800" b="0" i="0" u="none" strike="noStrike" cap="none" spc="0" normalizeH="0" baseline="0">
             <a:ln>
               <a:noFill/>
             </a:ln>
@@ -8008,7 +9120,7 @@
           <a:buFontTx/>
           <a:buNone/>
           <a:tabLst/>
-          <a:defRPr b="0" baseline="0" cap="none" i="0" spc="0" strike="noStrike" sz="1800" u="none" kumimoji="0" normalizeH="0">
+          <a:defRPr kumimoji="0" sz="1800" b="0" i="0" u="none" strike="noStrike" cap="none" spc="0" normalizeH="0" baseline="0">
             <a:ln>
               <a:noFill/>
             </a:ln>
@@ -8034,7 +9146,7 @@
           <a:buFontTx/>
           <a:buNone/>
           <a:tabLst/>
-          <a:defRPr b="0" baseline="0" cap="none" i="0" spc="0" strike="noStrike" sz="1800" u="none" kumimoji="0" normalizeH="0">
+          <a:defRPr kumimoji="0" sz="1800" b="0" i="0" u="none" strike="noStrike" cap="none" spc="0" normalizeH="0" baseline="0">
             <a:ln>
               <a:noFill/>
             </a:ln>
@@ -8060,7 +9172,7 @@
           <a:buFontTx/>
           <a:buNone/>
           <a:tabLst/>
-          <a:defRPr b="0" baseline="0" cap="none" i="0" spc="0" strike="noStrike" sz="1800" u="none" kumimoji="0" normalizeH="0">
+          <a:defRPr kumimoji="0" sz="1800" b="0" i="0" u="none" strike="noStrike" cap="none" spc="0" normalizeH="0" baseline="0">
             <a:ln>
               <a:noFill/>
             </a:ln>
@@ -8086,7 +9198,7 @@
           <a:buFontTx/>
           <a:buNone/>
           <a:tabLst/>
-          <a:defRPr b="0" baseline="0" cap="none" i="0" spc="0" strike="noStrike" sz="1800" u="none" kumimoji="0" normalizeH="0">
+          <a:defRPr kumimoji="0" sz="1800" b="0" i="0" u="none" strike="noStrike" cap="none" spc="0" normalizeH="0" baseline="0">
             <a:ln>
               <a:noFill/>
             </a:ln>
@@ -8112,7 +9224,7 @@
           <a:buFontTx/>
           <a:buNone/>
           <a:tabLst/>
-          <a:defRPr b="0" baseline="0" cap="none" i="0" spc="0" strike="noStrike" sz="1800" u="none" kumimoji="0" normalizeH="0">
+          <a:defRPr kumimoji="0" sz="1800" b="0" i="0" u="none" strike="noStrike" cap="none" spc="0" normalizeH="0" baseline="0">
             <a:ln>
               <a:noFill/>
             </a:ln>
@@ -8138,7 +9250,7 @@
           <a:buFontTx/>
           <a:buNone/>
           <a:tabLst/>
-          <a:defRPr b="0" baseline="0" cap="none" i="0" spc="0" strike="noStrike" sz="1800" u="none" kumimoji="0" normalizeH="0">
+          <a:defRPr kumimoji="0" sz="1800" b="0" i="0" u="none" strike="noStrike" cap="none" spc="0" normalizeH="0" baseline="0">
             <a:ln>
               <a:noFill/>
             </a:ln>
@@ -8151,9 +9263,15 @@
         </a:lvl9pPr>
       </a:lstStyle>
       <a:style>
-        <a:lnRef idx="0"/>
-        <a:fillRef idx="0"/>
-        <a:effectRef idx="0"/>
+        <a:lnRef idx="0">
+          <a:scrgbClr r="0" g="0" b="0"/>
+        </a:lnRef>
+        <a:fillRef idx="0">
+          <a:scrgbClr r="0" g="0" b="0"/>
+        </a:fillRef>
+        <a:effectRef idx="0">
+          <a:scrgbClr r="0" g="0" b="0"/>
+        </a:effectRef>
         <a:fontRef idx="none"/>
       </a:style>
     </a:lnDef>
@@ -8167,7 +9285,7 @@
         <a:effectLst/>
         <a:sp3d/>
       </a:spPr>
-      <a:bodyPr rot="0" spcFirstLastPara="1" vertOverflow="overflow" horzOverflow="overflow" vert="horz" wrap="square" lIns="50800" tIns="50800" rIns="50800" bIns="50800" numCol="1" spcCol="38100" rtlCol="0" anchor="ctr" upright="0">
+      <a:bodyPr rot="0" spcFirstLastPara="1" vertOverflow="overflow" horzOverflow="overflow" vert="horz" wrap="square" lIns="50800" tIns="50800" rIns="50800" bIns="50800" numCol="1" spcCol="38100" rtlCol="0" anchor="ctr">
         <a:spAutoFit/>
       </a:bodyPr>
       <a:lstStyle>
@@ -8186,7 +9304,7 @@
           <a:buFontTx/>
           <a:buNone/>
           <a:tabLst/>
-          <a:defRPr b="0" baseline="0" cap="none" i="0" spc="0" strike="noStrike" sz="2400" u="none" kumimoji="0" normalizeH="0">
+          <a:defRPr kumimoji="0" sz="2400" b="0" i="0" u="none" strike="noStrike" cap="none" spc="0" normalizeH="0" baseline="0">
             <a:ln>
               <a:noFill/>
             </a:ln>
@@ -8216,7 +9334,7 @@
           <a:buFontTx/>
           <a:buNone/>
           <a:tabLst/>
-          <a:defRPr b="0" baseline="0" cap="none" i="0" spc="0" strike="noStrike" sz="1800" u="none" kumimoji="0" normalizeH="0">
+          <a:defRPr kumimoji="0" sz="1800" b="0" i="0" u="none" strike="noStrike" cap="none" spc="0" normalizeH="0" baseline="0">
             <a:ln>
               <a:noFill/>
             </a:ln>
@@ -8242,7 +9360,7 @@
           <a:buFontTx/>
           <a:buNone/>
           <a:tabLst/>
-          <a:defRPr b="0" baseline="0" cap="none" i="0" spc="0" strike="noStrike" sz="1800" u="none" kumimoji="0" normalizeH="0">
+          <a:defRPr kumimoji="0" sz="1800" b="0" i="0" u="none" strike="noStrike" cap="none" spc="0" normalizeH="0" baseline="0">
             <a:ln>
               <a:noFill/>
             </a:ln>
@@ -8268,7 +9386,7 @@
           <a:buFontTx/>
           <a:buNone/>
           <a:tabLst/>
-          <a:defRPr b="0" baseline="0" cap="none" i="0" spc="0" strike="noStrike" sz="1800" u="none" kumimoji="0" normalizeH="0">
+          <a:defRPr kumimoji="0" sz="1800" b="0" i="0" u="none" strike="noStrike" cap="none" spc="0" normalizeH="0" baseline="0">
             <a:ln>
               <a:noFill/>
             </a:ln>
@@ -8294,7 +9412,7 @@
           <a:buFontTx/>
           <a:buNone/>
           <a:tabLst/>
-          <a:defRPr b="0" baseline="0" cap="none" i="0" spc="0" strike="noStrike" sz="1800" u="none" kumimoji="0" normalizeH="0">
+          <a:defRPr kumimoji="0" sz="1800" b="0" i="0" u="none" strike="noStrike" cap="none" spc="0" normalizeH="0" baseline="0">
             <a:ln>
               <a:noFill/>
             </a:ln>
@@ -8320,7 +9438,7 @@
           <a:buFontTx/>
           <a:buNone/>
           <a:tabLst/>
-          <a:defRPr b="0" baseline="0" cap="none" i="0" spc="0" strike="noStrike" sz="1800" u="none" kumimoji="0" normalizeH="0">
+          <a:defRPr kumimoji="0" sz="1800" b="0" i="0" u="none" strike="noStrike" cap="none" spc="0" normalizeH="0" baseline="0">
             <a:ln>
               <a:noFill/>
             </a:ln>
@@ -8346,7 +9464,7 @@
           <a:buFontTx/>
           <a:buNone/>
           <a:tabLst/>
-          <a:defRPr b="0" baseline="0" cap="none" i="0" spc="0" strike="noStrike" sz="1800" u="none" kumimoji="0" normalizeH="0">
+          <a:defRPr kumimoji="0" sz="1800" b="0" i="0" u="none" strike="noStrike" cap="none" spc="0" normalizeH="0" baseline="0">
             <a:ln>
               <a:noFill/>
             </a:ln>
@@ -8372,7 +9490,7 @@
           <a:buFontTx/>
           <a:buNone/>
           <a:tabLst/>
-          <a:defRPr b="0" baseline="0" cap="none" i="0" spc="0" strike="noStrike" sz="1800" u="none" kumimoji="0" normalizeH="0">
+          <a:defRPr kumimoji="0" sz="1800" b="0" i="0" u="none" strike="noStrike" cap="none" spc="0" normalizeH="0" baseline="0">
             <a:ln>
               <a:noFill/>
             </a:ln>
@@ -8398,7 +9516,7 @@
           <a:buFontTx/>
           <a:buNone/>
           <a:tabLst/>
-          <a:defRPr b="0" baseline="0" cap="none" i="0" spc="0" strike="noStrike" sz="1800" u="none" kumimoji="0" normalizeH="0">
+          <a:defRPr kumimoji="0" sz="1800" b="0" i="0" u="none" strike="noStrike" cap="none" spc="0" normalizeH="0" baseline="0">
             <a:ln>
               <a:noFill/>
             </a:ln>
@@ -8424,7 +9542,7 @@
           <a:buFontTx/>
           <a:buNone/>
           <a:tabLst/>
-          <a:defRPr b="0" baseline="0" cap="none" i="0" spc="0" strike="noStrike" sz="1800" u="none" kumimoji="0" normalizeH="0">
+          <a:defRPr kumimoji="0" sz="1800" b="0" i="0" u="none" strike="noStrike" cap="none" spc="0" normalizeH="0" baseline="0">
             <a:ln>
               <a:noFill/>
             </a:ln>
@@ -8437,12 +9555,19 @@
         </a:lvl9pPr>
       </a:lstStyle>
       <a:style>
-        <a:lnRef idx="0"/>
-        <a:fillRef idx="0"/>
-        <a:effectRef idx="0"/>
+        <a:lnRef idx="0">
+          <a:scrgbClr r="0" g="0" b="0"/>
+        </a:lnRef>
+        <a:fillRef idx="0">
+          <a:scrgbClr r="0" g="0" b="0"/>
+        </a:fillRef>
+        <a:effectRef idx="0">
+          <a:scrgbClr r="0" g="0" b="0"/>
+        </a:effectRef>
         <a:fontRef idx="none"/>
       </a:style>
     </a:txDef>
   </a:objectDefaults>
+  <a:extraClrSchemeLst/>
 </a:theme>
 </file>
--- a/Presentazione ML.pptx
+++ b/Presentazione ML.pptx
@@ -5,7 +5,7 @@
     <p:sldMasterId id="2147483648" r:id="rId1"/>
   </p:sldMasterIdLst>
   <p:notesMasterIdLst>
-    <p:notesMasterId r:id="rId14"/>
+    <p:notesMasterId r:id="rId23"/>
   </p:notesMasterIdLst>
   <p:sldIdLst>
     <p:sldId id="256" r:id="rId2"/>
@@ -20,6 +20,15 @@
     <p:sldId id="267" r:id="rId11"/>
     <p:sldId id="264" r:id="rId12"/>
     <p:sldId id="265" r:id="rId13"/>
+    <p:sldId id="268" r:id="rId14"/>
+    <p:sldId id="269" r:id="rId15"/>
+    <p:sldId id="270" r:id="rId16"/>
+    <p:sldId id="271" r:id="rId17"/>
+    <p:sldId id="272" r:id="rId18"/>
+    <p:sldId id="273" r:id="rId19"/>
+    <p:sldId id="274" r:id="rId20"/>
+    <p:sldId id="275" r:id="rId21"/>
+    <p:sldId id="276" r:id="rId22"/>
   </p:sldIdLst>
   <p:sldSz cx="24384000" cy="13716000"/>
   <p:notesSz cx="6858000" cy="9144000"/>
@@ -321,6 +330,11 @@
       </a:defRPr>
     </a:lvl9pPr>
   </p:defaultTextStyle>
+  <p:extLst>
+    <p:ext uri="{EFAFB233-063F-42B5-8137-9DF3F51BA10A}">
+      <p15:sldGuideLst xmlns:p15="http://schemas.microsoft.com/office/powerpoint/2012/main"/>
+    </p:ext>
+  </p:extLst>
 </p:presentation>
 </file>
 
@@ -4729,14 +4743,16 @@
         <p:spPr>
           <a:xfrm>
             <a:off x="850215" y="972034"/>
-            <a:ext cx="22683570" cy="11771932"/>
+            <a:ext cx="22683570" cy="10936431"/>
           </a:xfrm>
           <a:prstGeom prst="rect">
             <a:avLst/>
           </a:prstGeom>
         </p:spPr>
         <p:txBody>
-          <a:bodyPr/>
+          <a:bodyPr>
+            <a:normAutofit/>
+          </a:bodyPr>
           <a:lstStyle/>
           <a:p>
             <a:pPr marL="536447" indent="-536447" defTabSz="2145738">
@@ -5150,11 +5166,6698 @@
               <a:rPr dirty="0" err="1"/>
               <a:t>isIPS</a:t>
             </a:r>
-            <a:endParaRPr dirty="0"/>
+            <a:endParaRPr lang="it-IT" dirty="0"/>
+          </a:p>
+          <a:p>
+            <a:pPr marL="536448" lvl="1" indent="0" defTabSz="2145738">
+              <a:lnSpc>
+                <a:spcPct val="10000"/>
+              </a:lnSpc>
+              <a:spcBef>
+                <a:spcPts val="3900"/>
+              </a:spcBef>
+              <a:buNone/>
+              <a:defRPr sz="4224" b="1"/>
+            </a:pPr>
+            <a:endParaRPr lang="it-IT" dirty="0"/>
+          </a:p>
+          <a:p>
+            <a:pPr marL="536448" lvl="1" indent="0" defTabSz="2145738">
+              <a:lnSpc>
+                <a:spcPct val="10000"/>
+              </a:lnSpc>
+              <a:spcBef>
+                <a:spcPts val="3900"/>
+              </a:spcBef>
+              <a:buNone/>
+              <a:defRPr sz="4224" b="1"/>
+            </a:pPr>
+            <a:endParaRPr lang="it-IT" dirty="0"/>
           </a:p>
         </p:txBody>
       </p:sp>
     </p:spTree>
+  </p:cSld>
+  <p:clrMapOvr>
+    <a:masterClrMapping/>
+  </p:clrMapOvr>
+  <p:transition spd="med"/>
+</p:sld>
+</file>
+
+<file path=ppt/slides/slide13.xml><?xml version="1.0" encoding="utf-8"?>
+<p:sld xmlns:a="http://schemas.openxmlformats.org/drawingml/2006/main" xmlns:r="http://schemas.openxmlformats.org/officeDocument/2006/relationships" xmlns:p="http://schemas.openxmlformats.org/presentationml/2006/main">
+  <p:cSld>
+    <p:spTree>
+      <p:nvGrpSpPr>
+        <p:cNvPr id="1" name=""/>
+        <p:cNvGrpSpPr/>
+        <p:nvPr/>
+      </p:nvGrpSpPr>
+      <p:grpSpPr>
+        <a:xfrm>
+          <a:off x="0" y="0"/>
+          <a:ext cx="0" cy="0"/>
+          <a:chOff x="0" y="0"/>
+          <a:chExt cx="0" cy="0"/>
+        </a:xfrm>
+      </p:grpSpPr>
+      <p:sp>
+        <p:nvSpPr>
+          <p:cNvPr id="2" name="Titolo 1">
+            <a:extLst>
+              <a:ext uri="{FF2B5EF4-FFF2-40B4-BE49-F238E27FC236}">
+                <a16:creationId xmlns:a16="http://schemas.microsoft.com/office/drawing/2014/main" id="{7E0595E6-D893-6BAA-97A7-9FDE4FDF297C}"/>
+              </a:ext>
+            </a:extLst>
+          </p:cNvPr>
+          <p:cNvSpPr>
+            <a:spLocks noGrp="1"/>
+          </p:cNvSpPr>
+          <p:nvPr>
+            <p:ph type="title"/>
+          </p:nvPr>
+        </p:nvSpPr>
+        <p:spPr>
+          <a:xfrm>
+            <a:off x="1206500" y="228895"/>
+            <a:ext cx="21971000" cy="1433163"/>
+          </a:xfrm>
+        </p:spPr>
+        <p:txBody>
+          <a:bodyPr/>
+          <a:lstStyle/>
+          <a:p>
+            <a:r>
+              <a:rPr lang="it-IT" dirty="0"/>
+              <a:t>Modelli di classificazione scelti:</a:t>
+            </a:r>
+          </a:p>
+        </p:txBody>
+      </p:sp>
+      <p:sp>
+        <p:nvSpPr>
+          <p:cNvPr id="5" name="Segnaposto testo 2">
+            <a:extLst>
+              <a:ext uri="{FF2B5EF4-FFF2-40B4-BE49-F238E27FC236}">
+                <a16:creationId xmlns:a16="http://schemas.microsoft.com/office/drawing/2014/main" id="{F0C27986-AA3C-CC73-C88C-DA66B77280D1}"/>
+              </a:ext>
+            </a:extLst>
+          </p:cNvPr>
+          <p:cNvSpPr txBox="1">
+            <a:spLocks/>
+          </p:cNvSpPr>
+          <p:nvPr/>
+        </p:nvSpPr>
+        <p:spPr>
+          <a:xfrm>
+            <a:off x="1206500" y="2877326"/>
+            <a:ext cx="21971000" cy="9775417"/>
+          </a:xfrm>
+          <a:prstGeom prst="rect">
+            <a:avLst/>
+          </a:prstGeom>
+          <a:ln w="12700">
+            <a:miter lim="400000"/>
+          </a:ln>
+          <a:extLst>
+            <a:ext uri="{C572A759-6A51-4108-AA02-DFA0A04FC94B}">
+              <ma14:wrappingTextBoxFlag xmlns:ma14="http://schemas.microsoft.com/office/mac/drawingml/2011/main" xmlns:a14="http://schemas.microsoft.com/office/drawing/2010/main" xmlns:m="http://schemas.openxmlformats.org/officeDocument/2006/math" xmlns="" val="1"/>
+            </a:ext>
+          </a:extLst>
+        </p:spPr>
+        <p:txBody>
+          <a:bodyPr lIns="45719" tIns="45719" rIns="45719" bIns="45719">
+            <a:normAutofit/>
+          </a:bodyPr>
+          <a:lstStyle>
+            <a:lvl1pPr marL="0" marR="0" indent="0" algn="l" defTabSz="825500" rtl="0" latinLnBrk="0">
+              <a:lnSpc>
+                <a:spcPct val="100000"/>
+              </a:lnSpc>
+              <a:spcBef>
+                <a:spcPts val="0"/>
+              </a:spcBef>
+              <a:spcAft>
+                <a:spcPts val="0"/>
+              </a:spcAft>
+              <a:buClrTx/>
+              <a:buSzTx/>
+              <a:buFontTx/>
+              <a:buNone/>
+              <a:tabLst/>
+              <a:defRPr sz="5500" b="1" i="0" u="none" strike="noStrike" cap="none" spc="0" baseline="0">
+                <a:solidFill>
+                  <a:srgbClr val="000000"/>
+                </a:solidFill>
+                <a:uFillTx/>
+                <a:latin typeface="+mn-lt"/>
+                <a:ea typeface="+mn-ea"/>
+                <a:cs typeface="+mn-cs"/>
+                <a:sym typeface="Helvetica Neue"/>
+              </a:defRPr>
+            </a:lvl1pPr>
+            <a:lvl2pPr marL="1219200" marR="0" indent="-609600" algn="l" defTabSz="2438338" rtl="0" latinLnBrk="0">
+              <a:lnSpc>
+                <a:spcPct val="90000"/>
+              </a:lnSpc>
+              <a:spcBef>
+                <a:spcPts val="4500"/>
+              </a:spcBef>
+              <a:spcAft>
+                <a:spcPts val="0"/>
+              </a:spcAft>
+              <a:buClrTx/>
+              <a:buSzPct val="123000"/>
+              <a:buFontTx/>
+              <a:buChar char="•"/>
+              <a:tabLst/>
+              <a:defRPr sz="4800" b="0" i="0" u="none" strike="noStrike" cap="none" spc="0" baseline="0">
+                <a:solidFill>
+                  <a:srgbClr val="000000"/>
+                </a:solidFill>
+                <a:uFillTx/>
+                <a:latin typeface="+mn-lt"/>
+                <a:ea typeface="+mn-ea"/>
+                <a:cs typeface="+mn-cs"/>
+                <a:sym typeface="Helvetica Neue"/>
+              </a:defRPr>
+            </a:lvl2pPr>
+            <a:lvl3pPr marL="1828800" marR="0" indent="-609600" algn="l" defTabSz="2438338" rtl="0" latinLnBrk="0">
+              <a:lnSpc>
+                <a:spcPct val="90000"/>
+              </a:lnSpc>
+              <a:spcBef>
+                <a:spcPts val="4500"/>
+              </a:spcBef>
+              <a:spcAft>
+                <a:spcPts val="0"/>
+              </a:spcAft>
+              <a:buClrTx/>
+              <a:buSzPct val="123000"/>
+              <a:buFontTx/>
+              <a:buChar char="•"/>
+              <a:tabLst/>
+              <a:defRPr sz="4800" b="0" i="0" u="none" strike="noStrike" cap="none" spc="0" baseline="0">
+                <a:solidFill>
+                  <a:srgbClr val="000000"/>
+                </a:solidFill>
+                <a:uFillTx/>
+                <a:latin typeface="+mn-lt"/>
+                <a:ea typeface="+mn-ea"/>
+                <a:cs typeface="+mn-cs"/>
+                <a:sym typeface="Helvetica Neue"/>
+              </a:defRPr>
+            </a:lvl3pPr>
+            <a:lvl4pPr marL="2438400" marR="0" indent="-609600" algn="l" defTabSz="2438338" rtl="0" latinLnBrk="0">
+              <a:lnSpc>
+                <a:spcPct val="90000"/>
+              </a:lnSpc>
+              <a:spcBef>
+                <a:spcPts val="4500"/>
+              </a:spcBef>
+              <a:spcAft>
+                <a:spcPts val="0"/>
+              </a:spcAft>
+              <a:buClrTx/>
+              <a:buSzPct val="123000"/>
+              <a:buFontTx/>
+              <a:buChar char="•"/>
+              <a:tabLst/>
+              <a:defRPr sz="4800" b="0" i="0" u="none" strike="noStrike" cap="none" spc="0" baseline="0">
+                <a:solidFill>
+                  <a:srgbClr val="000000"/>
+                </a:solidFill>
+                <a:uFillTx/>
+                <a:latin typeface="+mn-lt"/>
+                <a:ea typeface="+mn-ea"/>
+                <a:cs typeface="+mn-cs"/>
+                <a:sym typeface="Helvetica Neue"/>
+              </a:defRPr>
+            </a:lvl4pPr>
+            <a:lvl5pPr marL="3048000" marR="0" indent="-609600" algn="l" defTabSz="2438338" rtl="0" latinLnBrk="0">
+              <a:lnSpc>
+                <a:spcPct val="90000"/>
+              </a:lnSpc>
+              <a:spcBef>
+                <a:spcPts val="4500"/>
+              </a:spcBef>
+              <a:spcAft>
+                <a:spcPts val="0"/>
+              </a:spcAft>
+              <a:buClrTx/>
+              <a:buSzPct val="123000"/>
+              <a:buFontTx/>
+              <a:buChar char="•"/>
+              <a:tabLst/>
+              <a:defRPr sz="4800" b="0" i="0" u="none" strike="noStrike" cap="none" spc="0" baseline="0">
+                <a:solidFill>
+                  <a:srgbClr val="000000"/>
+                </a:solidFill>
+                <a:uFillTx/>
+                <a:latin typeface="+mn-lt"/>
+                <a:ea typeface="+mn-ea"/>
+                <a:cs typeface="+mn-cs"/>
+                <a:sym typeface="Helvetica Neue"/>
+              </a:defRPr>
+            </a:lvl5pPr>
+            <a:lvl6pPr marL="3657600" marR="0" indent="-609600" algn="l" defTabSz="2438338" rtl="0" latinLnBrk="0">
+              <a:lnSpc>
+                <a:spcPct val="90000"/>
+              </a:lnSpc>
+              <a:spcBef>
+                <a:spcPts val="4500"/>
+              </a:spcBef>
+              <a:spcAft>
+                <a:spcPts val="0"/>
+              </a:spcAft>
+              <a:buClrTx/>
+              <a:buSzPct val="123000"/>
+              <a:buFontTx/>
+              <a:buChar char="•"/>
+              <a:tabLst/>
+              <a:defRPr sz="4800" b="0" i="0" u="none" strike="noStrike" cap="none" spc="0" baseline="0">
+                <a:solidFill>
+                  <a:srgbClr val="000000"/>
+                </a:solidFill>
+                <a:uFillTx/>
+                <a:latin typeface="+mn-lt"/>
+                <a:ea typeface="+mn-ea"/>
+                <a:cs typeface="+mn-cs"/>
+                <a:sym typeface="Helvetica Neue"/>
+              </a:defRPr>
+            </a:lvl6pPr>
+            <a:lvl7pPr marL="4267200" marR="0" indent="-609600" algn="l" defTabSz="2438338" rtl="0" latinLnBrk="0">
+              <a:lnSpc>
+                <a:spcPct val="90000"/>
+              </a:lnSpc>
+              <a:spcBef>
+                <a:spcPts val="4500"/>
+              </a:spcBef>
+              <a:spcAft>
+                <a:spcPts val="0"/>
+              </a:spcAft>
+              <a:buClrTx/>
+              <a:buSzPct val="123000"/>
+              <a:buFontTx/>
+              <a:buChar char="•"/>
+              <a:tabLst/>
+              <a:defRPr sz="4800" b="0" i="0" u="none" strike="noStrike" cap="none" spc="0" baseline="0">
+                <a:solidFill>
+                  <a:srgbClr val="000000"/>
+                </a:solidFill>
+                <a:uFillTx/>
+                <a:latin typeface="+mn-lt"/>
+                <a:ea typeface="+mn-ea"/>
+                <a:cs typeface="+mn-cs"/>
+                <a:sym typeface="Helvetica Neue"/>
+              </a:defRPr>
+            </a:lvl7pPr>
+            <a:lvl8pPr marL="4876800" marR="0" indent="-609600" algn="l" defTabSz="2438338" rtl="0" latinLnBrk="0">
+              <a:lnSpc>
+                <a:spcPct val="90000"/>
+              </a:lnSpc>
+              <a:spcBef>
+                <a:spcPts val="4500"/>
+              </a:spcBef>
+              <a:spcAft>
+                <a:spcPts val="0"/>
+              </a:spcAft>
+              <a:buClrTx/>
+              <a:buSzPct val="123000"/>
+              <a:buFontTx/>
+              <a:buChar char="•"/>
+              <a:tabLst/>
+              <a:defRPr sz="4800" b="0" i="0" u="none" strike="noStrike" cap="none" spc="0" baseline="0">
+                <a:solidFill>
+                  <a:srgbClr val="000000"/>
+                </a:solidFill>
+                <a:uFillTx/>
+                <a:latin typeface="+mn-lt"/>
+                <a:ea typeface="+mn-ea"/>
+                <a:cs typeface="+mn-cs"/>
+                <a:sym typeface="Helvetica Neue"/>
+              </a:defRPr>
+            </a:lvl8pPr>
+            <a:lvl9pPr marL="5486400" marR="0" indent="-609600" algn="l" defTabSz="2438338" rtl="0" latinLnBrk="0">
+              <a:lnSpc>
+                <a:spcPct val="90000"/>
+              </a:lnSpc>
+              <a:spcBef>
+                <a:spcPts val="4500"/>
+              </a:spcBef>
+              <a:spcAft>
+                <a:spcPts val="0"/>
+              </a:spcAft>
+              <a:buClrTx/>
+              <a:buSzPct val="123000"/>
+              <a:buFontTx/>
+              <a:buChar char="•"/>
+              <a:tabLst/>
+              <a:defRPr sz="4800" b="0" i="0" u="none" strike="noStrike" cap="none" spc="0" baseline="0">
+                <a:solidFill>
+                  <a:srgbClr val="000000"/>
+                </a:solidFill>
+                <a:uFillTx/>
+                <a:latin typeface="+mn-lt"/>
+                <a:ea typeface="+mn-ea"/>
+                <a:cs typeface="+mn-cs"/>
+                <a:sym typeface="Helvetica Neue"/>
+              </a:defRPr>
+            </a:lvl9pPr>
+          </a:lstStyle>
+          <a:p>
+            <a:pPr hangingPunct="1"/>
+            <a:endParaRPr lang="it-IT" sz="4200" dirty="0"/>
+          </a:p>
+          <a:p>
+            <a:pPr hangingPunct="1"/>
+            <a:r>
+              <a:rPr lang="it-IT" sz="4200" dirty="0"/>
+              <a:t>Split del dataset: </a:t>
+            </a:r>
+            <a:r>
+              <a:rPr lang="it-IT" sz="4200" b="0" dirty="0"/>
+              <a:t>per l’addestramento e testing dei modelli il dataset risultante dalla fase di </a:t>
+            </a:r>
+            <a:r>
+              <a:rPr lang="it-IT" sz="4200" b="0" dirty="0" err="1"/>
+              <a:t>preprocessing</a:t>
+            </a:r>
+            <a:r>
+              <a:rPr lang="it-IT" sz="4200" b="0" dirty="0"/>
+              <a:t> è stato splittato in </a:t>
+            </a:r>
+            <a:r>
+              <a:rPr lang="it-IT" sz="4200" b="0" i="1" dirty="0" err="1"/>
+              <a:t>train</a:t>
+            </a:r>
+            <a:r>
+              <a:rPr lang="it-IT" sz="4200" b="0" i="1" dirty="0"/>
+              <a:t> set </a:t>
+            </a:r>
+            <a:r>
+              <a:rPr lang="it-IT" sz="4200" b="0" dirty="0"/>
+              <a:t>e </a:t>
+            </a:r>
+            <a:r>
+              <a:rPr lang="it-IT" sz="4200" b="0" i="1" dirty="0"/>
+              <a:t>test set</a:t>
+            </a:r>
+            <a:r>
+              <a:rPr lang="it-IT" sz="4200" i="1" dirty="0"/>
+              <a:t> </a:t>
+            </a:r>
+            <a:r>
+              <a:rPr lang="it-IT" sz="4200" b="0" dirty="0"/>
+              <a:t>con una proporzione 70%-30%.</a:t>
+            </a:r>
+          </a:p>
+          <a:p>
+            <a:pPr hangingPunct="1"/>
+            <a:endParaRPr lang="it-IT" sz="4200" b="0" i="1" dirty="0"/>
+          </a:p>
+          <a:p>
+            <a:pPr hangingPunct="1"/>
+            <a:endParaRPr lang="it-IT" sz="4200" b="0" i="1" dirty="0"/>
+          </a:p>
+          <a:p>
+            <a:pPr hangingPunct="1"/>
+            <a:endParaRPr lang="it-IT" sz="4200" i="1" dirty="0"/>
+          </a:p>
+          <a:p>
+            <a:pPr hangingPunct="1"/>
+            <a:endParaRPr lang="it-IT" sz="4200" dirty="0"/>
+          </a:p>
+          <a:p>
+            <a:pPr hangingPunct="1"/>
+            <a:endParaRPr lang="it-IT" sz="4200" dirty="0"/>
+          </a:p>
+          <a:p>
+            <a:pPr hangingPunct="1"/>
+            <a:r>
+              <a:rPr lang="it-IT" sz="4200" dirty="0"/>
+              <a:t>Modelli di classificazione selezionati:</a:t>
+            </a:r>
+          </a:p>
+          <a:p>
+            <a:pPr hangingPunct="1"/>
+            <a:r>
+              <a:rPr lang="it-IT" sz="4200" dirty="0"/>
+              <a:t>													- </a:t>
+            </a:r>
+            <a:r>
+              <a:rPr lang="it-IT" sz="4200" b="0" dirty="0" err="1"/>
+              <a:t>Decision</a:t>
+            </a:r>
+            <a:r>
+              <a:rPr lang="it-IT" sz="4200" b="0" dirty="0"/>
+              <a:t> </a:t>
+            </a:r>
+            <a:r>
+              <a:rPr lang="it-IT" sz="4200" b="0" dirty="0" err="1"/>
+              <a:t>Tree</a:t>
+            </a:r>
+            <a:endParaRPr lang="it-IT" sz="4200" b="0" dirty="0"/>
+          </a:p>
+          <a:p>
+            <a:pPr hangingPunct="1"/>
+            <a:r>
+              <a:rPr lang="it-IT" sz="4200" b="0" dirty="0"/>
+              <a:t>													- SVM</a:t>
+            </a:r>
+          </a:p>
+          <a:p>
+            <a:pPr hangingPunct="1"/>
+            <a:r>
+              <a:rPr lang="it-IT" sz="4200" b="0" dirty="0"/>
+              <a:t>													- Random </a:t>
+            </a:r>
+            <a:r>
+              <a:rPr lang="it-IT" sz="4200" b="0" dirty="0" err="1"/>
+              <a:t>Forest</a:t>
+            </a:r>
+            <a:endParaRPr lang="it-IT" sz="4200" b="0" dirty="0"/>
+          </a:p>
+        </p:txBody>
+      </p:sp>
+    </p:spTree>
+    <p:extLst>
+      <p:ext uri="{BB962C8B-B14F-4D97-AF65-F5344CB8AC3E}">
+        <p14:creationId xmlns:p14="http://schemas.microsoft.com/office/powerpoint/2010/main" val="2781386793"/>
+      </p:ext>
+    </p:extLst>
+  </p:cSld>
+  <p:clrMapOvr>
+    <a:masterClrMapping/>
+  </p:clrMapOvr>
+  <p:transition spd="med"/>
+</p:sld>
+</file>
+
+<file path=ppt/slides/slide14.xml><?xml version="1.0" encoding="utf-8"?>
+<p:sld xmlns:a="http://schemas.openxmlformats.org/drawingml/2006/main" xmlns:r="http://schemas.openxmlformats.org/officeDocument/2006/relationships" xmlns:p="http://schemas.openxmlformats.org/presentationml/2006/main">
+  <p:cSld>
+    <p:spTree>
+      <p:nvGrpSpPr>
+        <p:cNvPr id="1" name=""/>
+        <p:cNvGrpSpPr/>
+        <p:nvPr/>
+      </p:nvGrpSpPr>
+      <p:grpSpPr>
+        <a:xfrm>
+          <a:off x="0" y="0"/>
+          <a:ext cx="0" cy="0"/>
+          <a:chOff x="0" y="0"/>
+          <a:chExt cx="0" cy="0"/>
+        </a:xfrm>
+      </p:grpSpPr>
+      <p:sp>
+        <p:nvSpPr>
+          <p:cNvPr id="2" name="Titolo 1">
+            <a:extLst>
+              <a:ext uri="{FF2B5EF4-FFF2-40B4-BE49-F238E27FC236}">
+                <a16:creationId xmlns:a16="http://schemas.microsoft.com/office/drawing/2014/main" id="{EB282847-BEFB-D349-19C9-51EAEDE5BCE4}"/>
+              </a:ext>
+            </a:extLst>
+          </p:cNvPr>
+          <p:cNvSpPr>
+            <a:spLocks noGrp="1"/>
+          </p:cNvSpPr>
+          <p:nvPr>
+            <p:ph type="title"/>
+          </p:nvPr>
+        </p:nvSpPr>
+        <p:spPr>
+          <a:xfrm>
+            <a:off x="1206500" y="469418"/>
+            <a:ext cx="21971000" cy="1433163"/>
+          </a:xfrm>
+        </p:spPr>
+        <p:txBody>
+          <a:bodyPr/>
+          <a:lstStyle/>
+          <a:p>
+            <a:r>
+              <a:rPr lang="it-IT" dirty="0" err="1"/>
+              <a:t>Decision</a:t>
+            </a:r>
+            <a:r>
+              <a:rPr lang="it-IT" dirty="0"/>
+              <a:t> </a:t>
+            </a:r>
+            <a:r>
+              <a:rPr lang="it-IT" dirty="0" err="1"/>
+              <a:t>Tree</a:t>
+            </a:r>
+            <a:r>
+              <a:rPr lang="it-IT" dirty="0"/>
+              <a:t> model </a:t>
+            </a:r>
+          </a:p>
+        </p:txBody>
+      </p:sp>
+      <p:pic>
+        <p:nvPicPr>
+          <p:cNvPr id="6" name="Immagine 5">
+            <a:extLst>
+              <a:ext uri="{FF2B5EF4-FFF2-40B4-BE49-F238E27FC236}">
+                <a16:creationId xmlns:a16="http://schemas.microsoft.com/office/drawing/2014/main" id="{ABA3A635-31F5-58EA-5F36-9D14188FE8F2}"/>
+              </a:ext>
+            </a:extLst>
+          </p:cNvPr>
+          <p:cNvPicPr>
+            <a:picLocks noChangeAspect="1"/>
+          </p:cNvPicPr>
+          <p:nvPr/>
+        </p:nvPicPr>
+        <p:blipFill>
+          <a:blip r:embed="rId2">
+            <a:extLst>
+              <a:ext uri="{28A0092B-C50C-407E-A947-70E740481C1C}">
+                <a14:useLocalDpi xmlns:a14="http://schemas.microsoft.com/office/drawing/2010/main" val="0"/>
+              </a:ext>
+            </a:extLst>
+          </a:blip>
+          <a:stretch>
+            <a:fillRect/>
+          </a:stretch>
+        </p:blipFill>
+        <p:spPr>
+          <a:xfrm>
+            <a:off x="6471684" y="2082072"/>
+            <a:ext cx="12943371" cy="6843140"/>
+          </a:xfrm>
+          <a:prstGeom prst="rect">
+            <a:avLst/>
+          </a:prstGeom>
+        </p:spPr>
+      </p:pic>
+      <p:sp>
+        <p:nvSpPr>
+          <p:cNvPr id="7" name="CasellaDiTesto 6">
+            <a:extLst>
+              <a:ext uri="{FF2B5EF4-FFF2-40B4-BE49-F238E27FC236}">
+                <a16:creationId xmlns:a16="http://schemas.microsoft.com/office/drawing/2014/main" id="{C30E11FC-216C-345A-0919-A5BAF6415190}"/>
+              </a:ext>
+            </a:extLst>
+          </p:cNvPr>
+          <p:cNvSpPr txBox="1"/>
+          <p:nvPr/>
+        </p:nvSpPr>
+        <p:spPr>
+          <a:xfrm>
+            <a:off x="425302" y="1902581"/>
+            <a:ext cx="19329990" cy="718145"/>
+          </a:xfrm>
+          <a:prstGeom prst="rect">
+            <a:avLst/>
+          </a:prstGeom>
+          <a:noFill/>
+          <a:ln w="12700" cap="flat">
+            <a:noFill/>
+            <a:miter lim="400000"/>
+          </a:ln>
+          <a:effectLst/>
+          <a:sp3d/>
+        </p:spPr>
+        <p:style>
+          <a:lnRef idx="0">
+            <a:scrgbClr r="0" g="0" b="0"/>
+          </a:lnRef>
+          <a:fillRef idx="0">
+            <a:scrgbClr r="0" g="0" b="0"/>
+          </a:fillRef>
+          <a:effectRef idx="0">
+            <a:scrgbClr r="0" g="0" b="0"/>
+          </a:effectRef>
+          <a:fontRef idx="none"/>
+        </p:style>
+        <p:txBody>
+          <a:bodyPr rot="0" spcFirstLastPara="1" vertOverflow="overflow" horzOverflow="overflow" vert="horz" wrap="square" lIns="50800" tIns="50800" rIns="50800" bIns="50800" numCol="1" spcCol="38100" rtlCol="0" anchor="ctr">
+            <a:spAutoFit/>
+          </a:bodyPr>
+          <a:lstStyle/>
+          <a:p>
+            <a:pPr marL="0" marR="0" indent="0" algn="l" defTabSz="2438338" rtl="0" fontAlgn="auto" latinLnBrk="0" hangingPunct="0">
+              <a:lnSpc>
+                <a:spcPct val="100000"/>
+              </a:lnSpc>
+              <a:spcBef>
+                <a:spcPts val="0"/>
+              </a:spcBef>
+              <a:spcAft>
+                <a:spcPts val="0"/>
+              </a:spcAft>
+              <a:buClrTx/>
+              <a:buSzTx/>
+              <a:buFontTx/>
+              <a:buNone/>
+              <a:tabLst/>
+            </a:pPr>
+            <a:r>
+              <a:rPr kumimoji="0" lang="it-IT" sz="4000" b="0" i="0" u="none" strike="noStrike" cap="none" spc="0" normalizeH="0" baseline="0" dirty="0">
+                <a:ln>
+                  <a:noFill/>
+                </a:ln>
+                <a:solidFill>
+                  <a:schemeClr val="bg2">
+                    <a:lumMod val="10000"/>
+                  </a:schemeClr>
+                </a:solidFill>
+                <a:effectLst/>
+                <a:uFillTx/>
+                <a:latin typeface="+mn-lt"/>
+                <a:ea typeface="+mn-ea"/>
+                <a:cs typeface="+mn-cs"/>
+                <a:sym typeface="Helvetica Neue"/>
+              </a:rPr>
+              <a:t>Albero di decisione risultante:</a:t>
+            </a:r>
+          </a:p>
+        </p:txBody>
+      </p:sp>
+      <p:sp>
+        <p:nvSpPr>
+          <p:cNvPr id="9" name="CasellaDiTesto 8">
+            <a:extLst>
+              <a:ext uri="{FF2B5EF4-FFF2-40B4-BE49-F238E27FC236}">
+                <a16:creationId xmlns:a16="http://schemas.microsoft.com/office/drawing/2014/main" id="{4A14423F-85B7-4FDE-F663-877058109CAE}"/>
+              </a:ext>
+            </a:extLst>
+          </p:cNvPr>
+          <p:cNvSpPr txBox="1"/>
+          <p:nvPr/>
+        </p:nvSpPr>
+        <p:spPr>
+          <a:xfrm>
+            <a:off x="425302" y="8310297"/>
+            <a:ext cx="19329990" cy="718145"/>
+          </a:xfrm>
+          <a:prstGeom prst="rect">
+            <a:avLst/>
+          </a:prstGeom>
+          <a:noFill/>
+          <a:ln w="12700" cap="flat">
+            <a:noFill/>
+            <a:miter lim="400000"/>
+          </a:ln>
+          <a:effectLst/>
+          <a:sp3d/>
+        </p:spPr>
+        <p:style>
+          <a:lnRef idx="0">
+            <a:scrgbClr r="0" g="0" b="0"/>
+          </a:lnRef>
+          <a:fillRef idx="0">
+            <a:scrgbClr r="0" g="0" b="0"/>
+          </a:fillRef>
+          <a:effectRef idx="0">
+            <a:scrgbClr r="0" g="0" b="0"/>
+          </a:effectRef>
+          <a:fontRef idx="none"/>
+        </p:style>
+        <p:txBody>
+          <a:bodyPr rot="0" spcFirstLastPara="1" vertOverflow="overflow" horzOverflow="overflow" vert="horz" wrap="square" lIns="50800" tIns="50800" rIns="50800" bIns="50800" numCol="1" spcCol="38100" rtlCol="0" anchor="ctr">
+            <a:spAutoFit/>
+          </a:bodyPr>
+          <a:lstStyle/>
+          <a:p>
+            <a:pPr marL="0" marR="0" indent="0" algn="l" defTabSz="2438338" rtl="0" fontAlgn="auto" latinLnBrk="0" hangingPunct="0">
+              <a:lnSpc>
+                <a:spcPct val="100000"/>
+              </a:lnSpc>
+              <a:spcBef>
+                <a:spcPts val="0"/>
+              </a:spcBef>
+              <a:spcAft>
+                <a:spcPts val="0"/>
+              </a:spcAft>
+              <a:buClrTx/>
+              <a:buSzTx/>
+              <a:buFontTx/>
+              <a:buNone/>
+              <a:tabLst/>
+            </a:pPr>
+            <a:r>
+              <a:rPr kumimoji="0" lang="it-IT" sz="4000" b="0" i="0" u="none" strike="noStrike" cap="none" spc="0" normalizeH="0" baseline="0" dirty="0" err="1">
+                <a:ln>
+                  <a:noFill/>
+                </a:ln>
+                <a:solidFill>
+                  <a:schemeClr val="bg2">
+                    <a:lumMod val="10000"/>
+                  </a:schemeClr>
+                </a:solidFill>
+                <a:effectLst/>
+                <a:uFillTx/>
+                <a:latin typeface="+mn-lt"/>
+                <a:ea typeface="+mn-ea"/>
+                <a:cs typeface="+mn-cs"/>
+                <a:sym typeface="Helvetica Neue"/>
+              </a:rPr>
+              <a:t>Confusion</a:t>
+            </a:r>
+            <a:r>
+              <a:rPr kumimoji="0" lang="it-IT" sz="4000" b="0" i="0" u="none" strike="noStrike" cap="none" spc="0" normalizeH="0" baseline="0" dirty="0">
+                <a:ln>
+                  <a:noFill/>
+                </a:ln>
+                <a:solidFill>
+                  <a:schemeClr val="bg2">
+                    <a:lumMod val="10000"/>
+                  </a:schemeClr>
+                </a:solidFill>
+                <a:effectLst/>
+                <a:uFillTx/>
+                <a:latin typeface="+mn-lt"/>
+                <a:ea typeface="+mn-ea"/>
+                <a:cs typeface="+mn-cs"/>
+                <a:sym typeface="Helvetica Neue"/>
+              </a:rPr>
+              <a:t> </a:t>
+            </a:r>
+            <a:r>
+              <a:rPr kumimoji="0" lang="it-IT" sz="4000" b="0" i="0" u="none" strike="noStrike" cap="none" spc="0" normalizeH="0" baseline="0" dirty="0" err="1">
+                <a:ln>
+                  <a:noFill/>
+                </a:ln>
+                <a:solidFill>
+                  <a:schemeClr val="bg2">
+                    <a:lumMod val="10000"/>
+                  </a:schemeClr>
+                </a:solidFill>
+                <a:effectLst/>
+                <a:uFillTx/>
+                <a:latin typeface="+mn-lt"/>
+                <a:ea typeface="+mn-ea"/>
+                <a:cs typeface="+mn-cs"/>
+                <a:sym typeface="Helvetica Neue"/>
+              </a:rPr>
+              <a:t>matrix</a:t>
+            </a:r>
+            <a:r>
+              <a:rPr kumimoji="0" lang="it-IT" sz="4000" b="0" i="0" u="none" strike="noStrike" cap="none" spc="0" normalizeH="0" baseline="0" dirty="0">
+                <a:ln>
+                  <a:noFill/>
+                </a:ln>
+                <a:solidFill>
+                  <a:schemeClr val="bg2">
+                    <a:lumMod val="10000"/>
+                  </a:schemeClr>
+                </a:solidFill>
+                <a:effectLst/>
+                <a:uFillTx/>
+                <a:latin typeface="+mn-lt"/>
+                <a:ea typeface="+mn-ea"/>
+                <a:cs typeface="+mn-cs"/>
+                <a:sym typeface="Helvetica Neue"/>
+              </a:rPr>
+              <a:t>:</a:t>
+            </a:r>
+          </a:p>
+        </p:txBody>
+      </p:sp>
+      <p:sp>
+        <p:nvSpPr>
+          <p:cNvPr id="13" name="CasellaDiTesto 12">
+            <a:extLst>
+              <a:ext uri="{FF2B5EF4-FFF2-40B4-BE49-F238E27FC236}">
+                <a16:creationId xmlns:a16="http://schemas.microsoft.com/office/drawing/2014/main" id="{3A3DCE52-C248-E3EE-FF59-45762D5C2E3A}"/>
+              </a:ext>
+            </a:extLst>
+          </p:cNvPr>
+          <p:cNvSpPr txBox="1"/>
+          <p:nvPr/>
+        </p:nvSpPr>
+        <p:spPr>
+          <a:xfrm>
+            <a:off x="12943369" y="8402484"/>
+            <a:ext cx="12518066" cy="715157"/>
+          </a:xfrm>
+          <a:prstGeom prst="rect">
+            <a:avLst/>
+          </a:prstGeom>
+          <a:noFill/>
+          <a:ln w="12700" cap="flat">
+            <a:noFill/>
+            <a:miter lim="400000"/>
+          </a:ln>
+          <a:effectLst/>
+          <a:sp3d/>
+        </p:spPr>
+        <p:style>
+          <a:lnRef idx="0">
+            <a:scrgbClr r="0" g="0" b="0"/>
+          </a:lnRef>
+          <a:fillRef idx="0">
+            <a:scrgbClr r="0" g="0" b="0"/>
+          </a:fillRef>
+          <a:effectRef idx="0">
+            <a:scrgbClr r="0" g="0" b="0"/>
+          </a:effectRef>
+          <a:fontRef idx="none"/>
+        </p:style>
+        <p:txBody>
+          <a:bodyPr rot="0" spcFirstLastPara="1" vertOverflow="overflow" horzOverflow="overflow" vert="horz" wrap="square" lIns="50800" tIns="50800" rIns="50800" bIns="50800" numCol="1" spcCol="38100" rtlCol="0" anchor="ctr">
+            <a:spAutoFit/>
+          </a:bodyPr>
+          <a:lstStyle/>
+          <a:p>
+            <a:pPr marL="0" marR="0" indent="0" algn="l" defTabSz="2438338" rtl="0" fontAlgn="auto" latinLnBrk="0" hangingPunct="0">
+              <a:lnSpc>
+                <a:spcPct val="100000"/>
+              </a:lnSpc>
+              <a:spcBef>
+                <a:spcPts val="0"/>
+              </a:spcBef>
+              <a:spcAft>
+                <a:spcPts val="0"/>
+              </a:spcAft>
+              <a:buClrTx/>
+              <a:buSzTx/>
+              <a:buFontTx/>
+              <a:buNone/>
+              <a:tabLst/>
+            </a:pPr>
+            <a:r>
+              <a:rPr kumimoji="0" lang="it-IT" sz="4000" b="0" i="0" u="none" strike="noStrike" cap="none" spc="0" normalizeH="0" baseline="0" dirty="0">
+                <a:ln>
+                  <a:noFill/>
+                </a:ln>
+                <a:solidFill>
+                  <a:schemeClr val="bg2">
+                    <a:lumMod val="10000"/>
+                  </a:schemeClr>
+                </a:solidFill>
+                <a:effectLst/>
+                <a:uFillTx/>
+                <a:latin typeface="+mn-lt"/>
+                <a:ea typeface="+mn-ea"/>
+                <a:cs typeface="+mn-cs"/>
+                <a:sym typeface="Helvetica Neue"/>
+              </a:rPr>
+              <a:t>Misure di performance:</a:t>
+            </a:r>
+          </a:p>
+        </p:txBody>
+      </p:sp>
+      <p:pic>
+        <p:nvPicPr>
+          <p:cNvPr id="4" name="Immagine 3">
+            <a:extLst>
+              <a:ext uri="{FF2B5EF4-FFF2-40B4-BE49-F238E27FC236}">
+                <a16:creationId xmlns:a16="http://schemas.microsoft.com/office/drawing/2014/main" id="{522A7735-3822-51F0-352C-1BFFEC2A2092}"/>
+              </a:ext>
+            </a:extLst>
+          </p:cNvPr>
+          <p:cNvPicPr>
+            <a:picLocks noChangeAspect="1"/>
+          </p:cNvPicPr>
+          <p:nvPr/>
+        </p:nvPicPr>
+        <p:blipFill>
+          <a:blip r:embed="rId3">
+            <a:extLst>
+              <a:ext uri="{28A0092B-C50C-407E-A947-70E740481C1C}">
+                <a14:useLocalDpi xmlns:a14="http://schemas.microsoft.com/office/drawing/2010/main" val="0"/>
+              </a:ext>
+            </a:extLst>
+          </a:blip>
+          <a:stretch>
+            <a:fillRect/>
+          </a:stretch>
+        </p:blipFill>
+        <p:spPr>
+          <a:xfrm>
+            <a:off x="1032576" y="9028442"/>
+            <a:ext cx="10408056" cy="4295001"/>
+          </a:xfrm>
+          <a:prstGeom prst="rect">
+            <a:avLst/>
+          </a:prstGeom>
+        </p:spPr>
+      </p:pic>
+      <p:graphicFrame>
+        <p:nvGraphicFramePr>
+          <p:cNvPr id="5" name="Tabella 9">
+            <a:extLst>
+              <a:ext uri="{FF2B5EF4-FFF2-40B4-BE49-F238E27FC236}">
+                <a16:creationId xmlns:a16="http://schemas.microsoft.com/office/drawing/2014/main" id="{3D7658EE-8A82-74D2-EB42-BFE3E787A3E2}"/>
+              </a:ext>
+            </a:extLst>
+          </p:cNvPr>
+          <p:cNvGraphicFramePr>
+            <a:graphicFrameLocks noGrp="1"/>
+          </p:cNvGraphicFramePr>
+          <p:nvPr>
+            <p:extLst>
+              <p:ext uri="{D42A27DB-BD31-4B8C-83A1-F6EECF244321}">
+                <p14:modId xmlns:p14="http://schemas.microsoft.com/office/powerpoint/2010/main" val="575258258"/>
+              </p:ext>
+            </p:extLst>
+          </p:nvPr>
+        </p:nvGraphicFramePr>
+        <p:xfrm>
+          <a:off x="12943369" y="9324102"/>
+          <a:ext cx="9609468" cy="3467292"/>
+        </p:xfrm>
+        <a:graphic>
+          <a:graphicData uri="http://schemas.openxmlformats.org/drawingml/2006/table">
+            <a:tbl>
+              <a:tblPr firstRow="1" bandRow="1">
+                <a:tableStyleId>{5940675A-B579-460E-94D1-54222C63F5DA}</a:tableStyleId>
+              </a:tblPr>
+              <a:tblGrid>
+                <a:gridCol w="1601578">
+                  <a:extLst>
+                    <a:ext uri="{9D8B030D-6E8A-4147-A177-3AD203B41FA5}">
+                      <a16:colId xmlns:a16="http://schemas.microsoft.com/office/drawing/2014/main" val="249573566"/>
+                    </a:ext>
+                  </a:extLst>
+                </a:gridCol>
+                <a:gridCol w="1601578">
+                  <a:extLst>
+                    <a:ext uri="{9D8B030D-6E8A-4147-A177-3AD203B41FA5}">
+                      <a16:colId xmlns:a16="http://schemas.microsoft.com/office/drawing/2014/main" val="701776835"/>
+                    </a:ext>
+                  </a:extLst>
+                </a:gridCol>
+                <a:gridCol w="1601578">
+                  <a:extLst>
+                    <a:ext uri="{9D8B030D-6E8A-4147-A177-3AD203B41FA5}">
+                      <a16:colId xmlns:a16="http://schemas.microsoft.com/office/drawing/2014/main" val="7467084"/>
+                    </a:ext>
+                  </a:extLst>
+                </a:gridCol>
+                <a:gridCol w="1601578">
+                  <a:extLst>
+                    <a:ext uri="{9D8B030D-6E8A-4147-A177-3AD203B41FA5}">
+                      <a16:colId xmlns:a16="http://schemas.microsoft.com/office/drawing/2014/main" val="1213607272"/>
+                    </a:ext>
+                  </a:extLst>
+                </a:gridCol>
+                <a:gridCol w="1601578">
+                  <a:extLst>
+                    <a:ext uri="{9D8B030D-6E8A-4147-A177-3AD203B41FA5}">
+                      <a16:colId xmlns:a16="http://schemas.microsoft.com/office/drawing/2014/main" val="346121161"/>
+                    </a:ext>
+                  </a:extLst>
+                </a:gridCol>
+                <a:gridCol w="1601578">
+                  <a:extLst>
+                    <a:ext uri="{9D8B030D-6E8A-4147-A177-3AD203B41FA5}">
+                      <a16:colId xmlns:a16="http://schemas.microsoft.com/office/drawing/2014/main" val="444490598"/>
+                    </a:ext>
+                  </a:extLst>
+                </a:gridCol>
+              </a:tblGrid>
+              <a:tr h="866823">
+                <a:tc>
+                  <a:txBody>
+                    <a:bodyPr/>
+                    <a:lstStyle/>
+                    <a:p>
+                      <a:endParaRPr lang="it-IT" dirty="0">
+                        <a:solidFill>
+                          <a:schemeClr val="bg2">
+                            <a:lumMod val="10000"/>
+                          </a:schemeClr>
+                        </a:solidFill>
+                      </a:endParaRPr>
+                    </a:p>
+                  </a:txBody>
+                  <a:tcPr/>
+                </a:tc>
+                <a:tc>
+                  <a:txBody>
+                    <a:bodyPr/>
+                    <a:lstStyle/>
+                    <a:p>
+                      <a:r>
+                        <a:rPr lang="it-IT" sz="2400" dirty="0">
+                          <a:solidFill>
+                            <a:schemeClr val="bg2">
+                              <a:lumMod val="10000"/>
+                            </a:schemeClr>
+                          </a:solidFill>
+                        </a:rPr>
+                        <a:t>F. bassa</a:t>
+                      </a:r>
+                    </a:p>
+                  </a:txBody>
+                  <a:tcPr/>
+                </a:tc>
+                <a:tc>
+                  <a:txBody>
+                    <a:bodyPr/>
+                    <a:lstStyle/>
+                    <a:p>
+                      <a:r>
+                        <a:rPr lang="it-IT" sz="2400" dirty="0">
+                          <a:solidFill>
+                            <a:schemeClr val="bg2">
+                              <a:lumMod val="10000"/>
+                            </a:schemeClr>
+                          </a:solidFill>
+                        </a:rPr>
+                        <a:t>F. media</a:t>
+                      </a:r>
+                    </a:p>
+                  </a:txBody>
+                  <a:tcPr/>
+                </a:tc>
+                <a:tc>
+                  <a:txBody>
+                    <a:bodyPr/>
+                    <a:lstStyle/>
+                    <a:p>
+                      <a:r>
+                        <a:rPr lang="it-IT" sz="2400" dirty="0">
+                          <a:solidFill>
+                            <a:schemeClr val="bg2">
+                              <a:lumMod val="10000"/>
+                            </a:schemeClr>
+                          </a:solidFill>
+                        </a:rPr>
+                        <a:t>F. alta</a:t>
+                      </a:r>
+                    </a:p>
+                  </a:txBody>
+                  <a:tcPr/>
+                </a:tc>
+                <a:tc>
+                  <a:txBody>
+                    <a:bodyPr/>
+                    <a:lstStyle/>
+                    <a:p>
+                      <a:r>
+                        <a:rPr lang="it-IT" sz="2200" dirty="0">
+                          <a:solidFill>
+                            <a:schemeClr val="bg2">
+                              <a:lumMod val="10000"/>
+                            </a:schemeClr>
+                          </a:solidFill>
+                        </a:rPr>
+                        <a:t>F. premium</a:t>
+                      </a:r>
+                    </a:p>
+                  </a:txBody>
+                  <a:tcPr/>
+                </a:tc>
+                <a:tc>
+                  <a:txBody>
+                    <a:bodyPr/>
+                    <a:lstStyle/>
+                    <a:p>
+                      <a:r>
+                        <a:rPr lang="it-IT" sz="2400" dirty="0">
+                          <a:solidFill>
+                            <a:schemeClr val="bg2">
+                              <a:lumMod val="10000"/>
+                            </a:schemeClr>
+                          </a:solidFill>
+                        </a:rPr>
+                        <a:t>Media</a:t>
+                      </a:r>
+                    </a:p>
+                  </a:txBody>
+                  <a:tcPr/>
+                </a:tc>
+                <a:extLst>
+                  <a:ext uri="{0D108BD9-81ED-4DB2-BD59-A6C34878D82A}">
+                    <a16:rowId xmlns:a16="http://schemas.microsoft.com/office/drawing/2014/main" val="3221883788"/>
+                  </a:ext>
+                </a:extLst>
+              </a:tr>
+              <a:tr h="866823">
+                <a:tc>
+                  <a:txBody>
+                    <a:bodyPr/>
+                    <a:lstStyle/>
+                    <a:p>
+                      <a:r>
+                        <a:rPr lang="it-IT" sz="2400" dirty="0">
+                          <a:solidFill>
+                            <a:schemeClr val="bg2">
+                              <a:lumMod val="10000"/>
+                            </a:schemeClr>
+                          </a:solidFill>
+                        </a:rPr>
+                        <a:t>Precision</a:t>
+                      </a:r>
+                    </a:p>
+                  </a:txBody>
+                  <a:tcPr/>
+                </a:tc>
+                <a:tc>
+                  <a:txBody>
+                    <a:bodyPr/>
+                    <a:lstStyle/>
+                    <a:p>
+                      <a:r>
+                        <a:rPr lang="it-IT" sz="2800" dirty="0">
+                          <a:solidFill>
+                            <a:schemeClr val="bg2">
+                              <a:lumMod val="10000"/>
+                            </a:schemeClr>
+                          </a:solidFill>
+                        </a:rPr>
+                        <a:t>84</a:t>
+                      </a:r>
+                    </a:p>
+                  </a:txBody>
+                  <a:tcPr/>
+                </a:tc>
+                <a:tc>
+                  <a:txBody>
+                    <a:bodyPr/>
+                    <a:lstStyle/>
+                    <a:p>
+                      <a:r>
+                        <a:rPr lang="it-IT" sz="2800" dirty="0">
+                          <a:solidFill>
+                            <a:schemeClr val="bg2">
+                              <a:lumMod val="10000"/>
+                            </a:schemeClr>
+                          </a:solidFill>
+                        </a:rPr>
+                        <a:t>72</a:t>
+                      </a:r>
+                    </a:p>
+                  </a:txBody>
+                  <a:tcPr/>
+                </a:tc>
+                <a:tc>
+                  <a:txBody>
+                    <a:bodyPr/>
+                    <a:lstStyle/>
+                    <a:p>
+                      <a:r>
+                        <a:rPr lang="it-IT" sz="2800" dirty="0">
+                          <a:solidFill>
+                            <a:schemeClr val="bg2">
+                              <a:lumMod val="10000"/>
+                            </a:schemeClr>
+                          </a:solidFill>
+                        </a:rPr>
+                        <a:t>73</a:t>
+                      </a:r>
+                    </a:p>
+                  </a:txBody>
+                  <a:tcPr/>
+                </a:tc>
+                <a:tc>
+                  <a:txBody>
+                    <a:bodyPr/>
+                    <a:lstStyle/>
+                    <a:p>
+                      <a:r>
+                        <a:rPr lang="it-IT" sz="2800" dirty="0">
+                          <a:solidFill>
+                            <a:schemeClr val="bg2">
+                              <a:lumMod val="10000"/>
+                            </a:schemeClr>
+                          </a:solidFill>
+                        </a:rPr>
+                        <a:t>87</a:t>
+                      </a:r>
+                    </a:p>
+                  </a:txBody>
+                  <a:tcPr/>
+                </a:tc>
+                <a:tc>
+                  <a:txBody>
+                    <a:bodyPr/>
+                    <a:lstStyle/>
+                    <a:p>
+                      <a:r>
+                        <a:rPr lang="it-IT" sz="2800" dirty="0"/>
+                        <a:t>79</a:t>
+                      </a:r>
+                    </a:p>
+                  </a:txBody>
+                  <a:tcPr/>
+                </a:tc>
+                <a:extLst>
+                  <a:ext uri="{0D108BD9-81ED-4DB2-BD59-A6C34878D82A}">
+                    <a16:rowId xmlns:a16="http://schemas.microsoft.com/office/drawing/2014/main" val="3546429541"/>
+                  </a:ext>
+                </a:extLst>
+              </a:tr>
+              <a:tr h="866823">
+                <a:tc>
+                  <a:txBody>
+                    <a:bodyPr/>
+                    <a:lstStyle/>
+                    <a:p>
+                      <a:r>
+                        <a:rPr lang="it-IT" sz="2400" dirty="0">
+                          <a:solidFill>
+                            <a:schemeClr val="bg2">
+                              <a:lumMod val="10000"/>
+                            </a:schemeClr>
+                          </a:solidFill>
+                        </a:rPr>
+                        <a:t>Recall</a:t>
+                      </a:r>
+                    </a:p>
+                  </a:txBody>
+                  <a:tcPr/>
+                </a:tc>
+                <a:tc>
+                  <a:txBody>
+                    <a:bodyPr/>
+                    <a:lstStyle/>
+                    <a:p>
+                      <a:r>
+                        <a:rPr lang="it-IT" sz="2800" dirty="0">
+                          <a:solidFill>
+                            <a:schemeClr val="bg2">
+                              <a:lumMod val="10000"/>
+                            </a:schemeClr>
+                          </a:solidFill>
+                        </a:rPr>
+                        <a:t>88</a:t>
+                      </a:r>
+                    </a:p>
+                  </a:txBody>
+                  <a:tcPr/>
+                </a:tc>
+                <a:tc>
+                  <a:txBody>
+                    <a:bodyPr/>
+                    <a:lstStyle/>
+                    <a:p>
+                      <a:r>
+                        <a:rPr lang="it-IT" sz="2800" dirty="0">
+                          <a:solidFill>
+                            <a:schemeClr val="bg2">
+                              <a:lumMod val="10000"/>
+                            </a:schemeClr>
+                          </a:solidFill>
+                        </a:rPr>
+                        <a:t>73</a:t>
+                      </a:r>
+                    </a:p>
+                  </a:txBody>
+                  <a:tcPr/>
+                </a:tc>
+                <a:tc>
+                  <a:txBody>
+                    <a:bodyPr/>
+                    <a:lstStyle/>
+                    <a:p>
+                      <a:r>
+                        <a:rPr lang="it-IT" sz="2800" dirty="0">
+                          <a:solidFill>
+                            <a:schemeClr val="bg2">
+                              <a:lumMod val="10000"/>
+                            </a:schemeClr>
+                          </a:solidFill>
+                        </a:rPr>
+                        <a:t>80</a:t>
+                      </a:r>
+                    </a:p>
+                  </a:txBody>
+                  <a:tcPr/>
+                </a:tc>
+                <a:tc>
+                  <a:txBody>
+                    <a:bodyPr/>
+                    <a:lstStyle/>
+                    <a:p>
+                      <a:r>
+                        <a:rPr lang="it-IT" sz="2800" dirty="0">
+                          <a:solidFill>
+                            <a:schemeClr val="bg2">
+                              <a:lumMod val="10000"/>
+                            </a:schemeClr>
+                          </a:solidFill>
+                        </a:rPr>
+                        <a:t>49</a:t>
+                      </a:r>
+                    </a:p>
+                  </a:txBody>
+                  <a:tcPr/>
+                </a:tc>
+                <a:tc>
+                  <a:txBody>
+                    <a:bodyPr/>
+                    <a:lstStyle/>
+                    <a:p>
+                      <a:r>
+                        <a:rPr lang="it-IT" sz="2800" dirty="0"/>
+                        <a:t>73</a:t>
+                      </a:r>
+                    </a:p>
+                  </a:txBody>
+                  <a:tcPr/>
+                </a:tc>
+                <a:extLst>
+                  <a:ext uri="{0D108BD9-81ED-4DB2-BD59-A6C34878D82A}">
+                    <a16:rowId xmlns:a16="http://schemas.microsoft.com/office/drawing/2014/main" val="3333688215"/>
+                  </a:ext>
+                </a:extLst>
+              </a:tr>
+              <a:tr h="866823">
+                <a:tc>
+                  <a:txBody>
+                    <a:bodyPr/>
+                    <a:lstStyle/>
+                    <a:p>
+                      <a:r>
+                        <a:rPr lang="it-IT" sz="2200" dirty="0">
+                          <a:solidFill>
+                            <a:schemeClr val="bg2">
+                              <a:lumMod val="10000"/>
+                            </a:schemeClr>
+                          </a:solidFill>
+                        </a:rPr>
+                        <a:t>F-</a:t>
+                      </a:r>
+                      <a:r>
+                        <a:rPr lang="it-IT" sz="2200" dirty="0" err="1">
+                          <a:solidFill>
+                            <a:schemeClr val="bg2">
+                              <a:lumMod val="10000"/>
+                            </a:schemeClr>
+                          </a:solidFill>
+                        </a:rPr>
+                        <a:t>measure</a:t>
+                      </a:r>
+                      <a:endParaRPr lang="it-IT" sz="2200" dirty="0">
+                        <a:solidFill>
+                          <a:schemeClr val="bg2">
+                            <a:lumMod val="10000"/>
+                          </a:schemeClr>
+                        </a:solidFill>
+                      </a:endParaRPr>
+                    </a:p>
+                  </a:txBody>
+                  <a:tcPr/>
+                </a:tc>
+                <a:tc>
+                  <a:txBody>
+                    <a:bodyPr/>
+                    <a:lstStyle/>
+                    <a:p>
+                      <a:r>
+                        <a:rPr lang="it-IT" sz="2800" dirty="0">
+                          <a:solidFill>
+                            <a:schemeClr val="bg2">
+                              <a:lumMod val="10000"/>
+                            </a:schemeClr>
+                          </a:solidFill>
+                        </a:rPr>
+                        <a:t>86</a:t>
+                      </a:r>
+                    </a:p>
+                  </a:txBody>
+                  <a:tcPr/>
+                </a:tc>
+                <a:tc>
+                  <a:txBody>
+                    <a:bodyPr/>
+                    <a:lstStyle/>
+                    <a:p>
+                      <a:r>
+                        <a:rPr lang="it-IT" sz="2800" dirty="0">
+                          <a:solidFill>
+                            <a:schemeClr val="bg2">
+                              <a:lumMod val="10000"/>
+                            </a:schemeClr>
+                          </a:solidFill>
+                        </a:rPr>
+                        <a:t>72</a:t>
+                      </a:r>
+                    </a:p>
+                  </a:txBody>
+                  <a:tcPr/>
+                </a:tc>
+                <a:tc>
+                  <a:txBody>
+                    <a:bodyPr/>
+                    <a:lstStyle/>
+                    <a:p>
+                      <a:r>
+                        <a:rPr lang="it-IT" sz="2800" dirty="0">
+                          <a:solidFill>
+                            <a:schemeClr val="bg2">
+                              <a:lumMod val="10000"/>
+                            </a:schemeClr>
+                          </a:solidFill>
+                        </a:rPr>
+                        <a:t>76</a:t>
+                      </a:r>
+                    </a:p>
+                  </a:txBody>
+                  <a:tcPr/>
+                </a:tc>
+                <a:tc>
+                  <a:txBody>
+                    <a:bodyPr/>
+                    <a:lstStyle/>
+                    <a:p>
+                      <a:r>
+                        <a:rPr lang="it-IT" sz="2800" dirty="0">
+                          <a:solidFill>
+                            <a:schemeClr val="bg2">
+                              <a:lumMod val="10000"/>
+                            </a:schemeClr>
+                          </a:solidFill>
+                        </a:rPr>
+                        <a:t>62</a:t>
+                      </a:r>
+                    </a:p>
+                  </a:txBody>
+                  <a:tcPr/>
+                </a:tc>
+                <a:tc>
+                  <a:txBody>
+                    <a:bodyPr/>
+                    <a:lstStyle/>
+                    <a:p>
+                      <a:r>
+                        <a:rPr lang="it-IT" sz="2800" dirty="0"/>
+                        <a:t>74</a:t>
+                      </a:r>
+                    </a:p>
+                  </a:txBody>
+                  <a:tcPr/>
+                </a:tc>
+                <a:extLst>
+                  <a:ext uri="{0D108BD9-81ED-4DB2-BD59-A6C34878D82A}">
+                    <a16:rowId xmlns:a16="http://schemas.microsoft.com/office/drawing/2014/main" val="2061530179"/>
+                  </a:ext>
+                </a:extLst>
+              </a:tr>
+            </a:tbl>
+          </a:graphicData>
+        </a:graphic>
+      </p:graphicFrame>
+      <p:sp>
+        <p:nvSpPr>
+          <p:cNvPr id="8" name="CasellaDiTesto 7">
+            <a:extLst>
+              <a:ext uri="{FF2B5EF4-FFF2-40B4-BE49-F238E27FC236}">
+                <a16:creationId xmlns:a16="http://schemas.microsoft.com/office/drawing/2014/main" id="{775DFFED-B5BE-7018-58E8-4E28C3955D50}"/>
+              </a:ext>
+            </a:extLst>
+          </p:cNvPr>
+          <p:cNvSpPr txBox="1"/>
+          <p:nvPr/>
+        </p:nvSpPr>
+        <p:spPr>
+          <a:xfrm>
+            <a:off x="12943369" y="13120965"/>
+            <a:ext cx="7844464" cy="595035"/>
+          </a:xfrm>
+          <a:prstGeom prst="rect">
+            <a:avLst/>
+          </a:prstGeom>
+          <a:noFill/>
+          <a:ln w="12700" cap="flat">
+            <a:noFill/>
+            <a:miter lim="400000"/>
+          </a:ln>
+          <a:effectLst/>
+          <a:sp3d/>
+        </p:spPr>
+        <p:style>
+          <a:lnRef idx="0">
+            <a:scrgbClr r="0" g="0" b="0"/>
+          </a:lnRef>
+          <a:fillRef idx="0">
+            <a:scrgbClr r="0" g="0" b="0"/>
+          </a:fillRef>
+          <a:effectRef idx="0">
+            <a:scrgbClr r="0" g="0" b="0"/>
+          </a:effectRef>
+          <a:fontRef idx="none"/>
+        </p:style>
+        <p:txBody>
+          <a:bodyPr rot="0" spcFirstLastPara="1" vertOverflow="overflow" horzOverflow="overflow" vert="horz" wrap="square" lIns="50800" tIns="50800" rIns="50800" bIns="50800" numCol="1" spcCol="38100" rtlCol="0" anchor="ctr">
+            <a:spAutoFit/>
+          </a:bodyPr>
+          <a:lstStyle/>
+          <a:p>
+            <a:pPr marL="0" marR="0" indent="0" algn="l" defTabSz="2438338" rtl="0" fontAlgn="auto" latinLnBrk="0" hangingPunct="0">
+              <a:lnSpc>
+                <a:spcPct val="100000"/>
+              </a:lnSpc>
+              <a:spcBef>
+                <a:spcPts val="0"/>
+              </a:spcBef>
+              <a:spcAft>
+                <a:spcPts val="0"/>
+              </a:spcAft>
+              <a:buClrTx/>
+              <a:buSzTx/>
+              <a:buFontTx/>
+              <a:buNone/>
+              <a:tabLst/>
+            </a:pPr>
+            <a:r>
+              <a:rPr kumimoji="0" lang="it-IT" sz="3200" b="0" i="0" u="none" strike="noStrike" cap="none" spc="0" normalizeH="0" baseline="0" dirty="0" err="1">
+                <a:ln>
+                  <a:noFill/>
+                </a:ln>
+                <a:solidFill>
+                  <a:schemeClr val="bg2">
+                    <a:lumMod val="10000"/>
+                  </a:schemeClr>
+                </a:solidFill>
+                <a:effectLst/>
+                <a:uFillTx/>
+                <a:latin typeface="+mn-lt"/>
+                <a:ea typeface="+mn-ea"/>
+                <a:cs typeface="+mn-cs"/>
+                <a:sym typeface="Helvetica Neue"/>
+              </a:rPr>
+              <a:t>Accuracy</a:t>
+            </a:r>
+            <a:r>
+              <a:rPr kumimoji="0" lang="it-IT" sz="3200" b="0" i="0" u="none" strike="noStrike" cap="none" spc="0" normalizeH="0" baseline="0" dirty="0">
+                <a:ln>
+                  <a:noFill/>
+                </a:ln>
+                <a:solidFill>
+                  <a:schemeClr val="bg2">
+                    <a:lumMod val="10000"/>
+                  </a:schemeClr>
+                </a:solidFill>
+                <a:effectLst/>
+                <a:uFillTx/>
+                <a:latin typeface="+mn-lt"/>
+                <a:ea typeface="+mn-ea"/>
+                <a:cs typeface="+mn-cs"/>
+                <a:sym typeface="Helvetica Neue"/>
+              </a:rPr>
+              <a:t>: 76%</a:t>
+            </a:r>
+          </a:p>
+        </p:txBody>
+      </p:sp>
+    </p:spTree>
+    <p:extLst>
+      <p:ext uri="{BB962C8B-B14F-4D97-AF65-F5344CB8AC3E}">
+        <p14:creationId xmlns:p14="http://schemas.microsoft.com/office/powerpoint/2010/main" val="330531102"/>
+      </p:ext>
+    </p:extLst>
+  </p:cSld>
+  <p:clrMapOvr>
+    <a:masterClrMapping/>
+  </p:clrMapOvr>
+  <p:transition spd="med"/>
+</p:sld>
+</file>
+
+<file path=ppt/slides/slide15.xml><?xml version="1.0" encoding="utf-8"?>
+<p:sld xmlns:a="http://schemas.openxmlformats.org/drawingml/2006/main" xmlns:r="http://schemas.openxmlformats.org/officeDocument/2006/relationships" xmlns:p="http://schemas.openxmlformats.org/presentationml/2006/main">
+  <p:cSld>
+    <p:spTree>
+      <p:nvGrpSpPr>
+        <p:cNvPr id="1" name=""/>
+        <p:cNvGrpSpPr/>
+        <p:nvPr/>
+      </p:nvGrpSpPr>
+      <p:grpSpPr>
+        <a:xfrm>
+          <a:off x="0" y="0"/>
+          <a:ext cx="0" cy="0"/>
+          <a:chOff x="0" y="0"/>
+          <a:chExt cx="0" cy="0"/>
+        </a:xfrm>
+      </p:grpSpPr>
+      <p:sp>
+        <p:nvSpPr>
+          <p:cNvPr id="2" name="Titolo 1">
+            <a:extLst>
+              <a:ext uri="{FF2B5EF4-FFF2-40B4-BE49-F238E27FC236}">
+                <a16:creationId xmlns:a16="http://schemas.microsoft.com/office/drawing/2014/main" id="{277651A7-2572-CA2C-71FA-CE6E64B121DB}"/>
+              </a:ext>
+            </a:extLst>
+          </p:cNvPr>
+          <p:cNvSpPr>
+            <a:spLocks noGrp="1"/>
+          </p:cNvSpPr>
+          <p:nvPr>
+            <p:ph type="title"/>
+          </p:nvPr>
+        </p:nvSpPr>
+        <p:spPr>
+          <a:xfrm>
+            <a:off x="1206500" y="469418"/>
+            <a:ext cx="21971000" cy="1433163"/>
+          </a:xfrm>
+        </p:spPr>
+        <p:txBody>
+          <a:bodyPr/>
+          <a:lstStyle/>
+          <a:p>
+            <a:r>
+              <a:rPr lang="it-IT" dirty="0" err="1"/>
+              <a:t>Decision</a:t>
+            </a:r>
+            <a:r>
+              <a:rPr lang="it-IT" dirty="0"/>
+              <a:t> </a:t>
+            </a:r>
+            <a:r>
+              <a:rPr lang="it-IT" dirty="0" err="1"/>
+              <a:t>Tree</a:t>
+            </a:r>
+            <a:r>
+              <a:rPr lang="it-IT" dirty="0"/>
+              <a:t> model – Curve </a:t>
+            </a:r>
+            <a:r>
+              <a:rPr lang="it-IT" dirty="0" err="1"/>
+              <a:t>Roc</a:t>
+            </a:r>
+            <a:r>
+              <a:rPr lang="it-IT" dirty="0"/>
+              <a:t> e AUC</a:t>
+            </a:r>
+          </a:p>
+        </p:txBody>
+      </p:sp>
+      <p:pic>
+        <p:nvPicPr>
+          <p:cNvPr id="6" name="Immagine 5">
+            <a:extLst>
+              <a:ext uri="{FF2B5EF4-FFF2-40B4-BE49-F238E27FC236}">
+                <a16:creationId xmlns:a16="http://schemas.microsoft.com/office/drawing/2014/main" id="{A940AEE5-87FE-6CFC-E66F-F6993ED8E6B8}"/>
+              </a:ext>
+            </a:extLst>
+          </p:cNvPr>
+          <p:cNvPicPr>
+            <a:picLocks noChangeAspect="1"/>
+          </p:cNvPicPr>
+          <p:nvPr/>
+        </p:nvPicPr>
+        <p:blipFill>
+          <a:blip r:embed="rId2">
+            <a:extLst>
+              <a:ext uri="{28A0092B-C50C-407E-A947-70E740481C1C}">
+                <a14:useLocalDpi xmlns:a14="http://schemas.microsoft.com/office/drawing/2010/main" val="0"/>
+              </a:ext>
+            </a:extLst>
+          </a:blip>
+          <a:stretch>
+            <a:fillRect/>
+          </a:stretch>
+        </p:blipFill>
+        <p:spPr>
+          <a:xfrm>
+            <a:off x="0" y="1902581"/>
+            <a:ext cx="12328317" cy="5123456"/>
+          </a:xfrm>
+          <a:prstGeom prst="rect">
+            <a:avLst/>
+          </a:prstGeom>
+        </p:spPr>
+      </p:pic>
+      <p:pic>
+        <p:nvPicPr>
+          <p:cNvPr id="8" name="Immagine 7">
+            <a:extLst>
+              <a:ext uri="{FF2B5EF4-FFF2-40B4-BE49-F238E27FC236}">
+                <a16:creationId xmlns:a16="http://schemas.microsoft.com/office/drawing/2014/main" id="{00DEA70B-A273-7C0A-F4C7-9BF48B246F61}"/>
+              </a:ext>
+            </a:extLst>
+          </p:cNvPr>
+          <p:cNvPicPr>
+            <a:picLocks noChangeAspect="1"/>
+          </p:cNvPicPr>
+          <p:nvPr/>
+        </p:nvPicPr>
+        <p:blipFill>
+          <a:blip r:embed="rId3">
+            <a:extLst>
+              <a:ext uri="{28A0092B-C50C-407E-A947-70E740481C1C}">
+                <a14:useLocalDpi xmlns:a14="http://schemas.microsoft.com/office/drawing/2010/main" val="0"/>
+              </a:ext>
+            </a:extLst>
+          </a:blip>
+          <a:stretch>
+            <a:fillRect/>
+          </a:stretch>
+        </p:blipFill>
+        <p:spPr>
+          <a:xfrm>
+            <a:off x="12055683" y="1902581"/>
+            <a:ext cx="12328317" cy="5123456"/>
+          </a:xfrm>
+          <a:prstGeom prst="rect">
+            <a:avLst/>
+          </a:prstGeom>
+        </p:spPr>
+      </p:pic>
+      <p:pic>
+        <p:nvPicPr>
+          <p:cNvPr id="10" name="Immagine 9">
+            <a:extLst>
+              <a:ext uri="{FF2B5EF4-FFF2-40B4-BE49-F238E27FC236}">
+                <a16:creationId xmlns:a16="http://schemas.microsoft.com/office/drawing/2014/main" id="{200BB84A-2544-5A15-C025-3564CB9F575F}"/>
+              </a:ext>
+            </a:extLst>
+          </p:cNvPr>
+          <p:cNvPicPr>
+            <a:picLocks noChangeAspect="1"/>
+          </p:cNvPicPr>
+          <p:nvPr/>
+        </p:nvPicPr>
+        <p:blipFill>
+          <a:blip r:embed="rId4">
+            <a:extLst>
+              <a:ext uri="{28A0092B-C50C-407E-A947-70E740481C1C}">
+                <a14:useLocalDpi xmlns:a14="http://schemas.microsoft.com/office/drawing/2010/main" val="0"/>
+              </a:ext>
+            </a:extLst>
+          </a:blip>
+          <a:stretch>
+            <a:fillRect/>
+          </a:stretch>
+        </p:blipFill>
+        <p:spPr>
+          <a:xfrm>
+            <a:off x="-1" y="7765725"/>
+            <a:ext cx="12328317" cy="5123456"/>
+          </a:xfrm>
+          <a:prstGeom prst="rect">
+            <a:avLst/>
+          </a:prstGeom>
+        </p:spPr>
+      </p:pic>
+      <p:pic>
+        <p:nvPicPr>
+          <p:cNvPr id="12" name="Immagine 11">
+            <a:extLst>
+              <a:ext uri="{FF2B5EF4-FFF2-40B4-BE49-F238E27FC236}">
+                <a16:creationId xmlns:a16="http://schemas.microsoft.com/office/drawing/2014/main" id="{E59CDD90-9350-0340-C070-EE6A37DEF46B}"/>
+              </a:ext>
+            </a:extLst>
+          </p:cNvPr>
+          <p:cNvPicPr>
+            <a:picLocks noChangeAspect="1"/>
+          </p:cNvPicPr>
+          <p:nvPr/>
+        </p:nvPicPr>
+        <p:blipFill>
+          <a:blip r:embed="rId5">
+            <a:extLst>
+              <a:ext uri="{28A0092B-C50C-407E-A947-70E740481C1C}">
+                <a14:useLocalDpi xmlns:a14="http://schemas.microsoft.com/office/drawing/2010/main" val="0"/>
+              </a:ext>
+            </a:extLst>
+          </a:blip>
+          <a:stretch>
+            <a:fillRect/>
+          </a:stretch>
+        </p:blipFill>
+        <p:spPr>
+          <a:xfrm>
+            <a:off x="11991332" y="7765725"/>
+            <a:ext cx="12328317" cy="5123456"/>
+          </a:xfrm>
+          <a:prstGeom prst="rect">
+            <a:avLst/>
+          </a:prstGeom>
+        </p:spPr>
+      </p:pic>
+      <p:sp>
+        <p:nvSpPr>
+          <p:cNvPr id="13" name="CasellaDiTesto 12">
+            <a:extLst>
+              <a:ext uri="{FF2B5EF4-FFF2-40B4-BE49-F238E27FC236}">
+                <a16:creationId xmlns:a16="http://schemas.microsoft.com/office/drawing/2014/main" id="{43134E79-05AF-76B2-EC5D-EAE8E9473C09}"/>
+              </a:ext>
+            </a:extLst>
+          </p:cNvPr>
+          <p:cNvSpPr txBox="1"/>
+          <p:nvPr/>
+        </p:nvSpPr>
+        <p:spPr>
+          <a:xfrm>
+            <a:off x="4125433" y="6858000"/>
+            <a:ext cx="4890976" cy="595035"/>
+          </a:xfrm>
+          <a:prstGeom prst="rect">
+            <a:avLst/>
+          </a:prstGeom>
+          <a:noFill/>
+          <a:ln w="12700" cap="flat">
+            <a:noFill/>
+            <a:miter lim="400000"/>
+          </a:ln>
+          <a:effectLst/>
+          <a:sp3d/>
+        </p:spPr>
+        <p:style>
+          <a:lnRef idx="0">
+            <a:scrgbClr r="0" g="0" b="0"/>
+          </a:lnRef>
+          <a:fillRef idx="0">
+            <a:scrgbClr r="0" g="0" b="0"/>
+          </a:fillRef>
+          <a:effectRef idx="0">
+            <a:scrgbClr r="0" g="0" b="0"/>
+          </a:effectRef>
+          <a:fontRef idx="none"/>
+        </p:style>
+        <p:txBody>
+          <a:bodyPr rot="0" spcFirstLastPara="1" vertOverflow="overflow" horzOverflow="overflow" vert="horz" wrap="square" lIns="50800" tIns="50800" rIns="50800" bIns="50800" numCol="1" spcCol="38100" rtlCol="0" anchor="ctr">
+            <a:spAutoFit/>
+          </a:bodyPr>
+          <a:lstStyle/>
+          <a:p>
+            <a:pPr marL="0" marR="0" indent="0" algn="l" defTabSz="2438338" rtl="0" fontAlgn="auto" latinLnBrk="0" hangingPunct="0">
+              <a:lnSpc>
+                <a:spcPct val="100000"/>
+              </a:lnSpc>
+              <a:spcBef>
+                <a:spcPts val="0"/>
+              </a:spcBef>
+              <a:spcAft>
+                <a:spcPts val="0"/>
+              </a:spcAft>
+              <a:buClrTx/>
+              <a:buSzTx/>
+              <a:buFontTx/>
+              <a:buNone/>
+              <a:tabLst/>
+            </a:pPr>
+            <a:r>
+              <a:rPr kumimoji="0" lang="it-IT" sz="3200" b="0" i="0" u="none" strike="noStrike" cap="none" spc="0" normalizeH="0" baseline="0" dirty="0">
+                <a:ln>
+                  <a:noFill/>
+                </a:ln>
+                <a:solidFill>
+                  <a:schemeClr val="bg2">
+                    <a:lumMod val="10000"/>
+                  </a:schemeClr>
+                </a:solidFill>
+                <a:effectLst/>
+                <a:uFillTx/>
+                <a:latin typeface="+mn-lt"/>
+                <a:ea typeface="+mn-ea"/>
+                <a:cs typeface="+mn-cs"/>
+                <a:sym typeface="Helvetica Neue"/>
+              </a:rPr>
+              <a:t>AUC:  0.96</a:t>
+            </a:r>
+          </a:p>
+        </p:txBody>
+      </p:sp>
+      <p:sp>
+        <p:nvSpPr>
+          <p:cNvPr id="14" name="CasellaDiTesto 13">
+            <a:extLst>
+              <a:ext uri="{FF2B5EF4-FFF2-40B4-BE49-F238E27FC236}">
+                <a16:creationId xmlns:a16="http://schemas.microsoft.com/office/drawing/2014/main" id="{E8CF5099-8F82-7DED-27D7-505ECF1BC652}"/>
+              </a:ext>
+            </a:extLst>
+          </p:cNvPr>
+          <p:cNvSpPr txBox="1"/>
+          <p:nvPr/>
+        </p:nvSpPr>
+        <p:spPr>
+          <a:xfrm>
+            <a:off x="16181116" y="12889180"/>
+            <a:ext cx="4890976" cy="595035"/>
+          </a:xfrm>
+          <a:prstGeom prst="rect">
+            <a:avLst/>
+          </a:prstGeom>
+          <a:noFill/>
+          <a:ln w="12700" cap="flat">
+            <a:noFill/>
+            <a:miter lim="400000"/>
+          </a:ln>
+          <a:effectLst/>
+          <a:sp3d/>
+        </p:spPr>
+        <p:style>
+          <a:lnRef idx="0">
+            <a:scrgbClr r="0" g="0" b="0"/>
+          </a:lnRef>
+          <a:fillRef idx="0">
+            <a:scrgbClr r="0" g="0" b="0"/>
+          </a:fillRef>
+          <a:effectRef idx="0">
+            <a:scrgbClr r="0" g="0" b="0"/>
+          </a:effectRef>
+          <a:fontRef idx="none"/>
+        </p:style>
+        <p:txBody>
+          <a:bodyPr rot="0" spcFirstLastPara="1" vertOverflow="overflow" horzOverflow="overflow" vert="horz" wrap="square" lIns="50800" tIns="50800" rIns="50800" bIns="50800" numCol="1" spcCol="38100" rtlCol="0" anchor="ctr">
+            <a:spAutoFit/>
+          </a:bodyPr>
+          <a:lstStyle/>
+          <a:p>
+            <a:pPr marL="0" marR="0" indent="0" algn="l" defTabSz="2438338" rtl="0" fontAlgn="auto" latinLnBrk="0" hangingPunct="0">
+              <a:lnSpc>
+                <a:spcPct val="100000"/>
+              </a:lnSpc>
+              <a:spcBef>
+                <a:spcPts val="0"/>
+              </a:spcBef>
+              <a:spcAft>
+                <a:spcPts val="0"/>
+              </a:spcAft>
+              <a:buClrTx/>
+              <a:buSzTx/>
+              <a:buFontTx/>
+              <a:buNone/>
+              <a:tabLst/>
+            </a:pPr>
+            <a:r>
+              <a:rPr kumimoji="0" lang="it-IT" sz="3200" b="0" i="0" u="none" strike="noStrike" cap="none" spc="0" normalizeH="0" baseline="0" dirty="0">
+                <a:ln>
+                  <a:noFill/>
+                </a:ln>
+                <a:solidFill>
+                  <a:schemeClr val="bg2">
+                    <a:lumMod val="10000"/>
+                  </a:schemeClr>
+                </a:solidFill>
+                <a:effectLst/>
+                <a:uFillTx/>
+                <a:latin typeface="+mn-lt"/>
+                <a:ea typeface="+mn-ea"/>
+                <a:cs typeface="+mn-cs"/>
+                <a:sym typeface="Helvetica Neue"/>
+              </a:rPr>
+              <a:t>AUC: 0.92</a:t>
+            </a:r>
+          </a:p>
+        </p:txBody>
+      </p:sp>
+      <p:sp>
+        <p:nvSpPr>
+          <p:cNvPr id="15" name="CasellaDiTesto 14">
+            <a:extLst>
+              <a:ext uri="{FF2B5EF4-FFF2-40B4-BE49-F238E27FC236}">
+                <a16:creationId xmlns:a16="http://schemas.microsoft.com/office/drawing/2014/main" id="{62041DBF-C350-5058-C467-E941C6735708}"/>
+              </a:ext>
+            </a:extLst>
+          </p:cNvPr>
+          <p:cNvSpPr txBox="1"/>
+          <p:nvPr/>
+        </p:nvSpPr>
+        <p:spPr>
+          <a:xfrm>
+            <a:off x="16181116" y="6858000"/>
+            <a:ext cx="4890976" cy="595035"/>
+          </a:xfrm>
+          <a:prstGeom prst="rect">
+            <a:avLst/>
+          </a:prstGeom>
+          <a:noFill/>
+          <a:ln w="12700" cap="flat">
+            <a:noFill/>
+            <a:miter lim="400000"/>
+          </a:ln>
+          <a:effectLst/>
+          <a:sp3d/>
+        </p:spPr>
+        <p:style>
+          <a:lnRef idx="0">
+            <a:scrgbClr r="0" g="0" b="0"/>
+          </a:lnRef>
+          <a:fillRef idx="0">
+            <a:scrgbClr r="0" g="0" b="0"/>
+          </a:fillRef>
+          <a:effectRef idx="0">
+            <a:scrgbClr r="0" g="0" b="0"/>
+          </a:effectRef>
+          <a:fontRef idx="none"/>
+        </p:style>
+        <p:txBody>
+          <a:bodyPr rot="0" spcFirstLastPara="1" vertOverflow="overflow" horzOverflow="overflow" vert="horz" wrap="square" lIns="50800" tIns="50800" rIns="50800" bIns="50800" numCol="1" spcCol="38100" rtlCol="0" anchor="ctr">
+            <a:spAutoFit/>
+          </a:bodyPr>
+          <a:lstStyle/>
+          <a:p>
+            <a:pPr marL="0" marR="0" indent="0" algn="l" defTabSz="2438338" rtl="0" fontAlgn="auto" latinLnBrk="0" hangingPunct="0">
+              <a:lnSpc>
+                <a:spcPct val="100000"/>
+              </a:lnSpc>
+              <a:spcBef>
+                <a:spcPts val="0"/>
+              </a:spcBef>
+              <a:spcAft>
+                <a:spcPts val="0"/>
+              </a:spcAft>
+              <a:buClrTx/>
+              <a:buSzTx/>
+              <a:buFontTx/>
+              <a:buNone/>
+              <a:tabLst/>
+            </a:pPr>
+            <a:r>
+              <a:rPr kumimoji="0" lang="it-IT" sz="3200" b="0" i="0" u="none" strike="noStrike" cap="none" spc="0" normalizeH="0" baseline="0" dirty="0">
+                <a:ln>
+                  <a:noFill/>
+                </a:ln>
+                <a:solidFill>
+                  <a:schemeClr val="bg2">
+                    <a:lumMod val="10000"/>
+                  </a:schemeClr>
+                </a:solidFill>
+                <a:effectLst/>
+                <a:uFillTx/>
+                <a:latin typeface="+mn-lt"/>
+                <a:ea typeface="+mn-ea"/>
+                <a:cs typeface="+mn-cs"/>
+                <a:sym typeface="Helvetica Neue"/>
+              </a:rPr>
+              <a:t>AUC: 0.85</a:t>
+            </a:r>
+          </a:p>
+        </p:txBody>
+      </p:sp>
+      <p:sp>
+        <p:nvSpPr>
+          <p:cNvPr id="16" name="CasellaDiTesto 15">
+            <a:extLst>
+              <a:ext uri="{FF2B5EF4-FFF2-40B4-BE49-F238E27FC236}">
+                <a16:creationId xmlns:a16="http://schemas.microsoft.com/office/drawing/2014/main" id="{F7E0C3BB-9397-79D2-BABE-E6D336048535}"/>
+              </a:ext>
+            </a:extLst>
+          </p:cNvPr>
+          <p:cNvSpPr txBox="1"/>
+          <p:nvPr/>
+        </p:nvSpPr>
+        <p:spPr>
+          <a:xfrm>
+            <a:off x="4125433" y="12889181"/>
+            <a:ext cx="4890976" cy="595035"/>
+          </a:xfrm>
+          <a:prstGeom prst="rect">
+            <a:avLst/>
+          </a:prstGeom>
+          <a:noFill/>
+          <a:ln w="12700" cap="flat">
+            <a:noFill/>
+            <a:miter lim="400000"/>
+          </a:ln>
+          <a:effectLst/>
+          <a:sp3d/>
+        </p:spPr>
+        <p:style>
+          <a:lnRef idx="0">
+            <a:scrgbClr r="0" g="0" b="0"/>
+          </a:lnRef>
+          <a:fillRef idx="0">
+            <a:scrgbClr r="0" g="0" b="0"/>
+          </a:fillRef>
+          <a:effectRef idx="0">
+            <a:scrgbClr r="0" g="0" b="0"/>
+          </a:effectRef>
+          <a:fontRef idx="none"/>
+        </p:style>
+        <p:txBody>
+          <a:bodyPr rot="0" spcFirstLastPara="1" vertOverflow="overflow" horzOverflow="overflow" vert="horz" wrap="square" lIns="50800" tIns="50800" rIns="50800" bIns="50800" numCol="1" spcCol="38100" rtlCol="0" anchor="ctr">
+            <a:spAutoFit/>
+          </a:bodyPr>
+          <a:lstStyle/>
+          <a:p>
+            <a:pPr marL="0" marR="0" indent="0" algn="l" defTabSz="2438338" rtl="0" fontAlgn="auto" latinLnBrk="0" hangingPunct="0">
+              <a:lnSpc>
+                <a:spcPct val="100000"/>
+              </a:lnSpc>
+              <a:spcBef>
+                <a:spcPts val="0"/>
+              </a:spcBef>
+              <a:spcAft>
+                <a:spcPts val="0"/>
+              </a:spcAft>
+              <a:buClrTx/>
+              <a:buSzTx/>
+              <a:buFontTx/>
+              <a:buNone/>
+              <a:tabLst/>
+            </a:pPr>
+            <a:r>
+              <a:rPr kumimoji="0" lang="it-IT" sz="3200" b="0" i="0" u="none" strike="noStrike" cap="none" spc="0" normalizeH="0" baseline="0" dirty="0">
+                <a:ln>
+                  <a:noFill/>
+                </a:ln>
+                <a:solidFill>
+                  <a:schemeClr val="bg2">
+                    <a:lumMod val="10000"/>
+                  </a:schemeClr>
+                </a:solidFill>
+                <a:effectLst/>
+                <a:uFillTx/>
+                <a:latin typeface="+mn-lt"/>
+                <a:ea typeface="+mn-ea"/>
+                <a:cs typeface="+mn-cs"/>
+                <a:sym typeface="Helvetica Neue"/>
+              </a:rPr>
+              <a:t>AUC: 0.85</a:t>
+            </a:r>
+          </a:p>
+        </p:txBody>
+      </p:sp>
+    </p:spTree>
+    <p:extLst>
+      <p:ext uri="{BB962C8B-B14F-4D97-AF65-F5344CB8AC3E}">
+        <p14:creationId xmlns:p14="http://schemas.microsoft.com/office/powerpoint/2010/main" val="4165453004"/>
+      </p:ext>
+    </p:extLst>
+  </p:cSld>
+  <p:clrMapOvr>
+    <a:masterClrMapping/>
+  </p:clrMapOvr>
+  <p:transition spd="med"/>
+</p:sld>
+</file>
+
+<file path=ppt/slides/slide16.xml><?xml version="1.0" encoding="utf-8"?>
+<p:sld xmlns:a="http://schemas.openxmlformats.org/drawingml/2006/main" xmlns:r="http://schemas.openxmlformats.org/officeDocument/2006/relationships" xmlns:p="http://schemas.openxmlformats.org/presentationml/2006/main">
+  <p:cSld>
+    <p:spTree>
+      <p:nvGrpSpPr>
+        <p:cNvPr id="1" name=""/>
+        <p:cNvGrpSpPr/>
+        <p:nvPr/>
+      </p:nvGrpSpPr>
+      <p:grpSpPr>
+        <a:xfrm>
+          <a:off x="0" y="0"/>
+          <a:ext cx="0" cy="0"/>
+          <a:chOff x="0" y="0"/>
+          <a:chExt cx="0" cy="0"/>
+        </a:xfrm>
+      </p:grpSpPr>
+      <p:pic>
+        <p:nvPicPr>
+          <p:cNvPr id="17" name="Immagine 16">
+            <a:extLst>
+              <a:ext uri="{FF2B5EF4-FFF2-40B4-BE49-F238E27FC236}">
+                <a16:creationId xmlns:a16="http://schemas.microsoft.com/office/drawing/2014/main" id="{B35482F3-EA4F-E83A-53BF-8A91D05C33A2}"/>
+              </a:ext>
+            </a:extLst>
+          </p:cNvPr>
+          <p:cNvPicPr>
+            <a:picLocks noChangeAspect="1"/>
+          </p:cNvPicPr>
+          <p:nvPr/>
+        </p:nvPicPr>
+        <p:blipFill>
+          <a:blip r:embed="rId2">
+            <a:extLst>
+              <a:ext uri="{28A0092B-C50C-407E-A947-70E740481C1C}">
+                <a14:useLocalDpi xmlns:a14="http://schemas.microsoft.com/office/drawing/2010/main" val="0"/>
+              </a:ext>
+            </a:extLst>
+          </a:blip>
+          <a:stretch>
+            <a:fillRect/>
+          </a:stretch>
+        </p:blipFill>
+        <p:spPr>
+          <a:xfrm>
+            <a:off x="7713830" y="7708527"/>
+            <a:ext cx="7866986" cy="6411519"/>
+          </a:xfrm>
+          <a:prstGeom prst="rect">
+            <a:avLst/>
+          </a:prstGeom>
+        </p:spPr>
+      </p:pic>
+      <p:pic>
+        <p:nvPicPr>
+          <p:cNvPr id="13" name="Immagine 12">
+            <a:extLst>
+              <a:ext uri="{FF2B5EF4-FFF2-40B4-BE49-F238E27FC236}">
+                <a16:creationId xmlns:a16="http://schemas.microsoft.com/office/drawing/2014/main" id="{1C996B53-ECE5-C26C-B10A-DA2DCD237263}"/>
+              </a:ext>
+            </a:extLst>
+          </p:cNvPr>
+          <p:cNvPicPr>
+            <a:picLocks noChangeAspect="1"/>
+          </p:cNvPicPr>
+          <p:nvPr/>
+        </p:nvPicPr>
+        <p:blipFill>
+          <a:blip r:embed="rId3">
+            <a:extLst>
+              <a:ext uri="{28A0092B-C50C-407E-A947-70E740481C1C}">
+                <a14:useLocalDpi xmlns:a14="http://schemas.microsoft.com/office/drawing/2010/main" val="0"/>
+              </a:ext>
+            </a:extLst>
+          </a:blip>
+          <a:stretch>
+            <a:fillRect/>
+          </a:stretch>
+        </p:blipFill>
+        <p:spPr>
+          <a:xfrm>
+            <a:off x="0" y="7743229"/>
+            <a:ext cx="7040649" cy="6376817"/>
+          </a:xfrm>
+          <a:prstGeom prst="rect">
+            <a:avLst/>
+          </a:prstGeom>
+        </p:spPr>
+      </p:pic>
+      <p:sp>
+        <p:nvSpPr>
+          <p:cNvPr id="2" name="Titolo 1">
+            <a:extLst>
+              <a:ext uri="{FF2B5EF4-FFF2-40B4-BE49-F238E27FC236}">
+                <a16:creationId xmlns:a16="http://schemas.microsoft.com/office/drawing/2014/main" id="{B76C3664-6ACD-68FE-81DC-481CAEDFCD73}"/>
+              </a:ext>
+            </a:extLst>
+          </p:cNvPr>
+          <p:cNvSpPr>
+            <a:spLocks noGrp="1"/>
+          </p:cNvSpPr>
+          <p:nvPr>
+            <p:ph type="title"/>
+          </p:nvPr>
+        </p:nvSpPr>
+        <p:spPr>
+          <a:xfrm>
+            <a:off x="1206500" y="292691"/>
+            <a:ext cx="21971000" cy="1433163"/>
+          </a:xfrm>
+        </p:spPr>
+        <p:txBody>
+          <a:bodyPr/>
+          <a:lstStyle/>
+          <a:p>
+            <a:r>
+              <a:rPr lang="it-IT" dirty="0"/>
+              <a:t>SVM model</a:t>
+            </a:r>
+          </a:p>
+        </p:txBody>
+      </p:sp>
+      <p:sp>
+        <p:nvSpPr>
+          <p:cNvPr id="3" name="Segnaposto testo 2">
+            <a:extLst>
+              <a:ext uri="{FF2B5EF4-FFF2-40B4-BE49-F238E27FC236}">
+                <a16:creationId xmlns:a16="http://schemas.microsoft.com/office/drawing/2014/main" id="{C5A80BFD-004B-CFF1-6A92-281E67DE87C6}"/>
+              </a:ext>
+            </a:extLst>
+          </p:cNvPr>
+          <p:cNvSpPr>
+            <a:spLocks noGrp="1"/>
+          </p:cNvSpPr>
+          <p:nvPr>
+            <p:ph type="body" sz="quarter" idx="21"/>
+          </p:nvPr>
+        </p:nvSpPr>
+        <p:spPr>
+          <a:xfrm>
+            <a:off x="1206500" y="1258464"/>
+            <a:ext cx="21971000" cy="934780"/>
+          </a:xfrm>
+        </p:spPr>
+        <p:txBody>
+          <a:bodyPr>
+            <a:normAutofit/>
+          </a:bodyPr>
+          <a:lstStyle/>
+          <a:p>
+            <a:r>
+              <a:rPr lang="it-IT" sz="4400" dirty="0"/>
+              <a:t>Analisi disposizione dei dati e scelta del kernel</a:t>
+            </a:r>
+          </a:p>
+        </p:txBody>
+      </p:sp>
+      <p:pic>
+        <p:nvPicPr>
+          <p:cNvPr id="10" name="Immagine 9">
+            <a:extLst>
+              <a:ext uri="{FF2B5EF4-FFF2-40B4-BE49-F238E27FC236}">
+                <a16:creationId xmlns:a16="http://schemas.microsoft.com/office/drawing/2014/main" id="{109A3432-4830-F21E-C9AA-77DFC7B455F2}"/>
+              </a:ext>
+            </a:extLst>
+          </p:cNvPr>
+          <p:cNvPicPr>
+            <a:picLocks noChangeAspect="1"/>
+          </p:cNvPicPr>
+          <p:nvPr/>
+        </p:nvPicPr>
+        <p:blipFill>
+          <a:blip r:embed="rId4">
+            <a:extLst>
+              <a:ext uri="{28A0092B-C50C-407E-A947-70E740481C1C}">
+                <a14:useLocalDpi xmlns:a14="http://schemas.microsoft.com/office/drawing/2010/main" val="0"/>
+              </a:ext>
+            </a:extLst>
+          </a:blip>
+          <a:stretch>
+            <a:fillRect/>
+          </a:stretch>
+        </p:blipFill>
+        <p:spPr>
+          <a:xfrm>
+            <a:off x="3992231" y="3052999"/>
+            <a:ext cx="12261767" cy="5390833"/>
+          </a:xfrm>
+          <a:prstGeom prst="rect">
+            <a:avLst/>
+          </a:prstGeom>
+        </p:spPr>
+      </p:pic>
+      <p:sp>
+        <p:nvSpPr>
+          <p:cNvPr id="11" name="CasellaDiTesto 10">
+            <a:extLst>
+              <a:ext uri="{FF2B5EF4-FFF2-40B4-BE49-F238E27FC236}">
+                <a16:creationId xmlns:a16="http://schemas.microsoft.com/office/drawing/2014/main" id="{4FC3A248-0B46-BD8E-226B-8650D7839197}"/>
+              </a:ext>
+            </a:extLst>
+          </p:cNvPr>
+          <p:cNvSpPr txBox="1"/>
+          <p:nvPr/>
+        </p:nvSpPr>
+        <p:spPr>
+          <a:xfrm>
+            <a:off x="1206500" y="2457964"/>
+            <a:ext cx="20441388" cy="595035"/>
+          </a:xfrm>
+          <a:prstGeom prst="rect">
+            <a:avLst/>
+          </a:prstGeom>
+          <a:noFill/>
+          <a:ln w="12700" cap="flat">
+            <a:noFill/>
+            <a:miter lim="400000"/>
+          </a:ln>
+          <a:effectLst/>
+          <a:sp3d/>
+        </p:spPr>
+        <p:style>
+          <a:lnRef idx="0">
+            <a:scrgbClr r="0" g="0" b="0"/>
+          </a:lnRef>
+          <a:fillRef idx="0">
+            <a:scrgbClr r="0" g="0" b="0"/>
+          </a:fillRef>
+          <a:effectRef idx="0">
+            <a:scrgbClr r="0" g="0" b="0"/>
+          </a:effectRef>
+          <a:fontRef idx="none"/>
+        </p:style>
+        <p:txBody>
+          <a:bodyPr rot="0" spcFirstLastPara="1" vertOverflow="overflow" horzOverflow="overflow" vert="horz" wrap="square" lIns="50800" tIns="50800" rIns="50800" bIns="50800" numCol="1" spcCol="38100" rtlCol="0" anchor="ctr">
+            <a:spAutoFit/>
+          </a:bodyPr>
+          <a:lstStyle/>
+          <a:p>
+            <a:pPr marL="0" marR="0" indent="0" algn="l" defTabSz="2438338" rtl="0" fontAlgn="auto" latinLnBrk="0" hangingPunct="0">
+              <a:lnSpc>
+                <a:spcPct val="100000"/>
+              </a:lnSpc>
+              <a:spcBef>
+                <a:spcPts val="0"/>
+              </a:spcBef>
+              <a:spcAft>
+                <a:spcPts val="0"/>
+              </a:spcAft>
+              <a:buClrTx/>
+              <a:buSzTx/>
+              <a:buFontTx/>
+              <a:buNone/>
+              <a:tabLst/>
+            </a:pPr>
+            <a:r>
+              <a:rPr kumimoji="0" lang="it-IT" sz="3200" b="0" i="0" u="none" strike="noStrike" cap="none" spc="0" normalizeH="0" baseline="0" dirty="0">
+                <a:ln>
+                  <a:noFill/>
+                </a:ln>
+                <a:solidFill>
+                  <a:schemeClr val="bg2">
+                    <a:lumMod val="10000"/>
+                  </a:schemeClr>
+                </a:solidFill>
+                <a:effectLst/>
+                <a:uFillTx/>
+                <a:latin typeface="+mn-lt"/>
+                <a:ea typeface="+mn-ea"/>
+                <a:cs typeface="+mn-cs"/>
+                <a:sym typeface="Helvetica Neue"/>
+              </a:rPr>
+              <a:t>Plot disposizione spaziale dei dati: </a:t>
+            </a:r>
+            <a:r>
+              <a:rPr kumimoji="0" lang="it-IT" sz="2000" b="0" i="0" u="none" strike="noStrike" cap="none" spc="0" normalizeH="0" baseline="0" dirty="0">
+                <a:ln>
+                  <a:noFill/>
+                </a:ln>
+                <a:solidFill>
+                  <a:schemeClr val="bg2">
+                    <a:lumMod val="10000"/>
+                  </a:schemeClr>
+                </a:solidFill>
+                <a:effectLst/>
+                <a:uFillTx/>
+                <a:latin typeface="+mn-lt"/>
+                <a:ea typeface="+mn-ea"/>
+                <a:cs typeface="+mn-cs"/>
+                <a:sym typeface="Helvetica Neue"/>
+              </a:rPr>
+              <a:t>(asse x: </a:t>
+            </a:r>
+            <a:r>
+              <a:rPr lang="it-IT" sz="2000" dirty="0" err="1">
+                <a:solidFill>
+                  <a:schemeClr val="bg2">
+                    <a:lumMod val="10000"/>
+                  </a:schemeClr>
+                </a:solidFill>
+              </a:rPr>
+              <a:t>C</a:t>
+            </a:r>
+            <a:r>
+              <a:rPr kumimoji="0" lang="it-IT" sz="2000" b="0" i="0" u="none" strike="noStrike" cap="none" spc="0" normalizeH="0" baseline="0" dirty="0" err="1">
+                <a:ln>
+                  <a:noFill/>
+                </a:ln>
+                <a:solidFill>
+                  <a:schemeClr val="bg2">
+                    <a:lumMod val="10000"/>
+                  </a:schemeClr>
+                </a:solidFill>
+                <a:effectLst/>
+                <a:uFillTx/>
+                <a:latin typeface="+mn-lt"/>
+                <a:ea typeface="+mn-ea"/>
+                <a:cs typeface="+mn-cs"/>
+                <a:sym typeface="Helvetica Neue"/>
+              </a:rPr>
+              <a:t>pu_model</a:t>
+            </a:r>
+            <a:r>
+              <a:rPr kumimoji="0" lang="it-IT" sz="2000" b="0" i="0" u="none" strike="noStrike" cap="none" spc="0" normalizeH="0" baseline="0" dirty="0">
+                <a:ln>
+                  <a:noFill/>
+                </a:ln>
+                <a:solidFill>
+                  <a:schemeClr val="bg2">
+                    <a:lumMod val="10000"/>
+                  </a:schemeClr>
+                </a:solidFill>
+                <a:effectLst/>
+                <a:uFillTx/>
+                <a:latin typeface="+mn-lt"/>
+                <a:ea typeface="+mn-ea"/>
+                <a:cs typeface="+mn-cs"/>
+                <a:sym typeface="Helvetica Neue"/>
+              </a:rPr>
+              <a:t> , asse y: SSD , asse z: </a:t>
+            </a:r>
+            <a:r>
+              <a:rPr kumimoji="0" lang="it-IT" sz="2000" b="0" i="0" u="none" strike="noStrike" cap="none" spc="0" normalizeH="0" baseline="0" dirty="0" err="1">
+                <a:ln>
+                  <a:noFill/>
+                </a:ln>
+                <a:solidFill>
+                  <a:schemeClr val="bg2">
+                    <a:lumMod val="10000"/>
+                  </a:schemeClr>
+                </a:solidFill>
+                <a:effectLst/>
+                <a:uFillTx/>
+                <a:latin typeface="+mn-lt"/>
+                <a:ea typeface="+mn-ea"/>
+                <a:cs typeface="+mn-cs"/>
+                <a:sym typeface="Helvetica Neue"/>
+              </a:rPr>
+              <a:t>RamGB</a:t>
+            </a:r>
+            <a:r>
+              <a:rPr kumimoji="0" lang="it-IT" sz="2000" b="0" i="0" u="none" strike="noStrike" cap="none" spc="0" normalizeH="0" baseline="0" dirty="0">
+                <a:ln>
+                  <a:noFill/>
+                </a:ln>
+                <a:solidFill>
+                  <a:schemeClr val="bg2">
+                    <a:lumMod val="10000"/>
+                  </a:schemeClr>
+                </a:solidFill>
+                <a:effectLst/>
+                <a:uFillTx/>
+                <a:latin typeface="+mn-lt"/>
+                <a:ea typeface="+mn-ea"/>
+                <a:cs typeface="+mn-cs"/>
+                <a:sym typeface="Helvetica Neue"/>
+              </a:rPr>
+              <a:t>)</a:t>
+            </a:r>
+          </a:p>
+        </p:txBody>
+      </p:sp>
+      <p:sp>
+        <p:nvSpPr>
+          <p:cNvPr id="18" name="CasellaDiTesto 17">
+            <a:extLst>
+              <a:ext uri="{FF2B5EF4-FFF2-40B4-BE49-F238E27FC236}">
+                <a16:creationId xmlns:a16="http://schemas.microsoft.com/office/drawing/2014/main" id="{BACB1E2B-D358-D3C2-7A98-54654569B5C5}"/>
+              </a:ext>
+            </a:extLst>
+          </p:cNvPr>
+          <p:cNvSpPr txBox="1"/>
+          <p:nvPr/>
+        </p:nvSpPr>
+        <p:spPr>
+          <a:xfrm>
+            <a:off x="16650586" y="11258036"/>
+            <a:ext cx="8867554" cy="2072362"/>
+          </a:xfrm>
+          <a:prstGeom prst="rect">
+            <a:avLst/>
+          </a:prstGeom>
+          <a:noFill/>
+          <a:ln w="12700" cap="flat">
+            <a:noFill/>
+            <a:miter lim="400000"/>
+          </a:ln>
+          <a:effectLst/>
+          <a:sp3d/>
+        </p:spPr>
+        <p:style>
+          <a:lnRef idx="0">
+            <a:scrgbClr r="0" g="0" b="0"/>
+          </a:lnRef>
+          <a:fillRef idx="0">
+            <a:scrgbClr r="0" g="0" b="0"/>
+          </a:fillRef>
+          <a:effectRef idx="0">
+            <a:scrgbClr r="0" g="0" b="0"/>
+          </a:effectRef>
+          <a:fontRef idx="none"/>
+        </p:style>
+        <p:txBody>
+          <a:bodyPr rot="0" spcFirstLastPara="1" vertOverflow="overflow" horzOverflow="overflow" vert="horz" wrap="square" lIns="50800" tIns="50800" rIns="50800" bIns="50800" numCol="1" spcCol="38100" rtlCol="0" anchor="ctr">
+            <a:spAutoFit/>
+          </a:bodyPr>
+          <a:lstStyle/>
+          <a:p>
+            <a:pPr marL="0" marR="0" indent="0" algn="l" defTabSz="2438338" rtl="0" fontAlgn="auto" latinLnBrk="0" hangingPunct="0">
+              <a:lnSpc>
+                <a:spcPct val="100000"/>
+              </a:lnSpc>
+              <a:spcBef>
+                <a:spcPts val="0"/>
+              </a:spcBef>
+              <a:spcAft>
+                <a:spcPts val="0"/>
+              </a:spcAft>
+              <a:buClrTx/>
+              <a:buSzTx/>
+              <a:buFontTx/>
+              <a:buNone/>
+              <a:tabLst/>
+            </a:pPr>
+            <a:r>
+              <a:rPr lang="it-IT" sz="3200" dirty="0">
+                <a:solidFill>
+                  <a:schemeClr val="bg2">
+                    <a:lumMod val="10000"/>
+                  </a:schemeClr>
+                </a:solidFill>
+              </a:rPr>
+              <a:t>Singole classi non separabili mediante un iperpiano nell’attuale spazio input.</a:t>
+            </a:r>
+          </a:p>
+          <a:p>
+            <a:pPr marL="0" marR="0" indent="0" algn="l" defTabSz="2438338" rtl="0" fontAlgn="auto" latinLnBrk="0" hangingPunct="0">
+              <a:lnSpc>
+                <a:spcPct val="100000"/>
+              </a:lnSpc>
+              <a:spcBef>
+                <a:spcPts val="0"/>
+              </a:spcBef>
+              <a:spcAft>
+                <a:spcPts val="0"/>
+              </a:spcAft>
+              <a:buClrTx/>
+              <a:buSzTx/>
+              <a:buFontTx/>
+              <a:buNone/>
+              <a:tabLst/>
+            </a:pPr>
+            <a:endParaRPr kumimoji="0" lang="it-IT" sz="3200" b="0" i="0" u="none" strike="noStrike" cap="none" spc="0" normalizeH="0" baseline="0" dirty="0">
+              <a:ln>
+                <a:noFill/>
+              </a:ln>
+              <a:solidFill>
+                <a:schemeClr val="bg2">
+                  <a:lumMod val="10000"/>
+                </a:schemeClr>
+              </a:solidFill>
+              <a:effectLst/>
+              <a:uFillTx/>
+              <a:latin typeface="+mn-lt"/>
+              <a:ea typeface="+mn-ea"/>
+              <a:cs typeface="+mn-cs"/>
+              <a:sym typeface="Helvetica Neue"/>
+            </a:endParaRPr>
+          </a:p>
+          <a:p>
+            <a:pPr marL="457200" marR="0" indent="-457200" algn="l" defTabSz="2438338" rtl="0" fontAlgn="auto" latinLnBrk="0" hangingPunct="0">
+              <a:lnSpc>
+                <a:spcPct val="100000"/>
+              </a:lnSpc>
+              <a:spcBef>
+                <a:spcPts val="0"/>
+              </a:spcBef>
+              <a:spcAft>
+                <a:spcPts val="0"/>
+              </a:spcAft>
+              <a:buClrTx/>
+              <a:buSzTx/>
+              <a:buFont typeface="Arial" panose="020B0604020202020204" pitchFamily="34" charset="0"/>
+              <a:buChar char="•"/>
+              <a:tabLst/>
+            </a:pPr>
+            <a:r>
+              <a:rPr lang="it-IT" sz="3200" dirty="0">
+                <a:solidFill>
+                  <a:schemeClr val="bg2">
+                    <a:lumMod val="10000"/>
+                  </a:schemeClr>
+                </a:solidFill>
+              </a:rPr>
+              <a:t>Kernel selezionato: </a:t>
+            </a:r>
+            <a:r>
+              <a:rPr lang="it-IT" sz="3200" i="1" dirty="0">
+                <a:solidFill>
+                  <a:schemeClr val="bg2">
+                    <a:lumMod val="10000"/>
+                  </a:schemeClr>
+                </a:solidFill>
+              </a:rPr>
+              <a:t>«</a:t>
+            </a:r>
+            <a:r>
+              <a:rPr lang="it-IT" sz="3200" i="1" dirty="0" err="1">
+                <a:solidFill>
+                  <a:schemeClr val="bg2">
+                    <a:lumMod val="10000"/>
+                  </a:schemeClr>
+                </a:solidFill>
+              </a:rPr>
+              <a:t>radial</a:t>
+            </a:r>
+            <a:r>
+              <a:rPr lang="it-IT" sz="3200" i="1" dirty="0">
+                <a:solidFill>
+                  <a:schemeClr val="bg2">
+                    <a:lumMod val="10000"/>
+                  </a:schemeClr>
+                </a:solidFill>
+              </a:rPr>
+              <a:t>»</a:t>
+            </a:r>
+            <a:endParaRPr kumimoji="0" lang="it-IT" sz="3200" b="0" i="1" u="none" strike="noStrike" cap="none" spc="0" normalizeH="0" baseline="0" dirty="0">
+              <a:ln>
+                <a:noFill/>
+              </a:ln>
+              <a:solidFill>
+                <a:schemeClr val="bg2">
+                  <a:lumMod val="10000"/>
+                </a:schemeClr>
+              </a:solidFill>
+              <a:effectLst/>
+              <a:uFillTx/>
+              <a:latin typeface="+mn-lt"/>
+              <a:ea typeface="+mn-ea"/>
+              <a:cs typeface="+mn-cs"/>
+              <a:sym typeface="Helvetica Neue"/>
+            </a:endParaRPr>
+          </a:p>
+        </p:txBody>
+      </p:sp>
+    </p:spTree>
+    <p:extLst>
+      <p:ext uri="{BB962C8B-B14F-4D97-AF65-F5344CB8AC3E}">
+        <p14:creationId xmlns:p14="http://schemas.microsoft.com/office/powerpoint/2010/main" val="3179341880"/>
+      </p:ext>
+    </p:extLst>
+  </p:cSld>
+  <p:clrMapOvr>
+    <a:masterClrMapping/>
+  </p:clrMapOvr>
+  <p:transition spd="med"/>
+</p:sld>
+</file>
+
+<file path=ppt/slides/slide17.xml><?xml version="1.0" encoding="utf-8"?>
+<p:sld xmlns:a="http://schemas.openxmlformats.org/drawingml/2006/main" xmlns:r="http://schemas.openxmlformats.org/officeDocument/2006/relationships" xmlns:p="http://schemas.openxmlformats.org/presentationml/2006/main">
+  <p:cSld>
+    <p:spTree>
+      <p:nvGrpSpPr>
+        <p:cNvPr id="1" name=""/>
+        <p:cNvGrpSpPr/>
+        <p:nvPr/>
+      </p:nvGrpSpPr>
+      <p:grpSpPr>
+        <a:xfrm>
+          <a:off x="0" y="0"/>
+          <a:ext cx="0" cy="0"/>
+          <a:chOff x="0" y="0"/>
+          <a:chExt cx="0" cy="0"/>
+        </a:xfrm>
+      </p:grpSpPr>
+      <p:sp>
+        <p:nvSpPr>
+          <p:cNvPr id="2" name="Titolo 1">
+            <a:extLst>
+              <a:ext uri="{FF2B5EF4-FFF2-40B4-BE49-F238E27FC236}">
+                <a16:creationId xmlns:a16="http://schemas.microsoft.com/office/drawing/2014/main" id="{E299B0C0-52FB-4A36-4E11-B80C769F4474}"/>
+              </a:ext>
+            </a:extLst>
+          </p:cNvPr>
+          <p:cNvSpPr>
+            <a:spLocks noGrp="1"/>
+          </p:cNvSpPr>
+          <p:nvPr>
+            <p:ph type="title"/>
+          </p:nvPr>
+        </p:nvSpPr>
+        <p:spPr>
+          <a:xfrm>
+            <a:off x="1206500" y="292690"/>
+            <a:ext cx="21971000" cy="1433163"/>
+          </a:xfrm>
+        </p:spPr>
+        <p:txBody>
+          <a:bodyPr/>
+          <a:lstStyle/>
+          <a:p>
+            <a:r>
+              <a:rPr lang="it-IT" dirty="0"/>
+              <a:t>SVM model – Training e Test</a:t>
+            </a:r>
+          </a:p>
+        </p:txBody>
+      </p:sp>
+      <p:sp>
+        <p:nvSpPr>
+          <p:cNvPr id="5" name="CasellaDiTesto 4">
+            <a:extLst>
+              <a:ext uri="{FF2B5EF4-FFF2-40B4-BE49-F238E27FC236}">
+                <a16:creationId xmlns:a16="http://schemas.microsoft.com/office/drawing/2014/main" id="{7AD9E7B6-AE1E-A811-70F7-21944EDC041A}"/>
+              </a:ext>
+            </a:extLst>
+          </p:cNvPr>
+          <p:cNvSpPr txBox="1"/>
+          <p:nvPr/>
+        </p:nvSpPr>
+        <p:spPr>
+          <a:xfrm>
+            <a:off x="914399" y="1664298"/>
+            <a:ext cx="7336465" cy="595035"/>
+          </a:xfrm>
+          <a:prstGeom prst="rect">
+            <a:avLst/>
+          </a:prstGeom>
+          <a:noFill/>
+          <a:ln w="12700" cap="flat">
+            <a:noFill/>
+            <a:miter lim="400000"/>
+          </a:ln>
+          <a:effectLst/>
+          <a:sp3d/>
+        </p:spPr>
+        <p:style>
+          <a:lnRef idx="0">
+            <a:scrgbClr r="0" g="0" b="0"/>
+          </a:lnRef>
+          <a:fillRef idx="0">
+            <a:scrgbClr r="0" g="0" b="0"/>
+          </a:fillRef>
+          <a:effectRef idx="0">
+            <a:scrgbClr r="0" g="0" b="0"/>
+          </a:effectRef>
+          <a:fontRef idx="none"/>
+        </p:style>
+        <p:txBody>
+          <a:bodyPr rot="0" spcFirstLastPara="1" vertOverflow="overflow" horzOverflow="overflow" vert="horz" wrap="square" lIns="50800" tIns="50800" rIns="50800" bIns="50800" numCol="1" spcCol="38100" rtlCol="0" anchor="ctr">
+            <a:spAutoFit/>
+          </a:bodyPr>
+          <a:lstStyle/>
+          <a:p>
+            <a:pPr marL="0" marR="0" indent="0" algn="l" defTabSz="2438338" rtl="0" fontAlgn="auto" latinLnBrk="0" hangingPunct="0">
+              <a:lnSpc>
+                <a:spcPct val="100000"/>
+              </a:lnSpc>
+              <a:spcBef>
+                <a:spcPts val="0"/>
+              </a:spcBef>
+              <a:spcAft>
+                <a:spcPts val="0"/>
+              </a:spcAft>
+              <a:buClrTx/>
+              <a:buSzTx/>
+              <a:buFontTx/>
+              <a:buNone/>
+              <a:tabLst/>
+            </a:pPr>
+            <a:r>
+              <a:rPr lang="it-IT" sz="3200" dirty="0">
+                <a:solidFill>
+                  <a:schemeClr val="bg2">
+                    <a:lumMod val="10000"/>
+                  </a:schemeClr>
+                </a:solidFill>
+              </a:rPr>
+              <a:t>Kernel = </a:t>
+            </a:r>
+            <a:r>
+              <a:rPr lang="it-IT" sz="3200" dirty="0" err="1">
+                <a:solidFill>
+                  <a:schemeClr val="bg2">
+                    <a:lumMod val="10000"/>
+                  </a:schemeClr>
+                </a:solidFill>
+              </a:rPr>
+              <a:t>radial</a:t>
+            </a:r>
+            <a:r>
+              <a:rPr lang="it-IT" sz="3200" dirty="0">
+                <a:solidFill>
+                  <a:schemeClr val="bg2">
+                    <a:lumMod val="10000"/>
+                  </a:schemeClr>
+                </a:solidFill>
+              </a:rPr>
+              <a:t>, cost = 1</a:t>
+            </a:r>
+            <a:endParaRPr kumimoji="0" lang="it-IT" sz="3200" b="0" i="0" u="none" strike="noStrike" cap="none" spc="0" normalizeH="0" baseline="0" dirty="0">
+              <a:ln>
+                <a:noFill/>
+              </a:ln>
+              <a:solidFill>
+                <a:schemeClr val="bg2">
+                  <a:lumMod val="10000"/>
+                </a:schemeClr>
+              </a:solidFill>
+              <a:effectLst/>
+              <a:uFillTx/>
+              <a:latin typeface="+mn-lt"/>
+              <a:ea typeface="+mn-ea"/>
+              <a:cs typeface="+mn-cs"/>
+              <a:sym typeface="Helvetica Neue"/>
+            </a:endParaRPr>
+          </a:p>
+        </p:txBody>
+      </p:sp>
+      <p:sp>
+        <p:nvSpPr>
+          <p:cNvPr id="6" name="CasellaDiTesto 5">
+            <a:extLst>
+              <a:ext uri="{FF2B5EF4-FFF2-40B4-BE49-F238E27FC236}">
+                <a16:creationId xmlns:a16="http://schemas.microsoft.com/office/drawing/2014/main" id="{64689DB0-36B1-535F-668B-B32131421AED}"/>
+              </a:ext>
+            </a:extLst>
+          </p:cNvPr>
+          <p:cNvSpPr txBox="1"/>
+          <p:nvPr/>
+        </p:nvSpPr>
+        <p:spPr>
+          <a:xfrm>
+            <a:off x="12464905" y="1664298"/>
+            <a:ext cx="7336465" cy="595035"/>
+          </a:xfrm>
+          <a:prstGeom prst="rect">
+            <a:avLst/>
+          </a:prstGeom>
+          <a:noFill/>
+          <a:ln w="12700" cap="flat">
+            <a:noFill/>
+            <a:miter lim="400000"/>
+          </a:ln>
+          <a:effectLst/>
+          <a:sp3d/>
+        </p:spPr>
+        <p:style>
+          <a:lnRef idx="0">
+            <a:scrgbClr r="0" g="0" b="0"/>
+          </a:lnRef>
+          <a:fillRef idx="0">
+            <a:scrgbClr r="0" g="0" b="0"/>
+          </a:fillRef>
+          <a:effectRef idx="0">
+            <a:scrgbClr r="0" g="0" b="0"/>
+          </a:effectRef>
+          <a:fontRef idx="none"/>
+        </p:style>
+        <p:txBody>
+          <a:bodyPr rot="0" spcFirstLastPara="1" vertOverflow="overflow" horzOverflow="overflow" vert="horz" wrap="square" lIns="50800" tIns="50800" rIns="50800" bIns="50800" numCol="1" spcCol="38100" rtlCol="0" anchor="ctr">
+            <a:spAutoFit/>
+          </a:bodyPr>
+          <a:lstStyle/>
+          <a:p>
+            <a:pPr marL="0" marR="0" indent="0" algn="l" defTabSz="2438338" rtl="0" fontAlgn="auto" latinLnBrk="0" hangingPunct="0">
+              <a:lnSpc>
+                <a:spcPct val="100000"/>
+              </a:lnSpc>
+              <a:spcBef>
+                <a:spcPts val="0"/>
+              </a:spcBef>
+              <a:spcAft>
+                <a:spcPts val="0"/>
+              </a:spcAft>
+              <a:buClrTx/>
+              <a:buSzTx/>
+              <a:buFontTx/>
+              <a:buNone/>
+              <a:tabLst/>
+            </a:pPr>
+            <a:r>
+              <a:rPr lang="it-IT" sz="3200" dirty="0">
+                <a:solidFill>
+                  <a:schemeClr val="bg2">
+                    <a:lumMod val="10000"/>
+                  </a:schemeClr>
+                </a:solidFill>
+              </a:rPr>
+              <a:t>Kernel = </a:t>
+            </a:r>
+            <a:r>
+              <a:rPr lang="it-IT" sz="3200" dirty="0" err="1">
+                <a:solidFill>
+                  <a:schemeClr val="bg2">
+                    <a:lumMod val="10000"/>
+                  </a:schemeClr>
+                </a:solidFill>
+              </a:rPr>
+              <a:t>radial</a:t>
+            </a:r>
+            <a:r>
+              <a:rPr lang="it-IT" sz="3200" dirty="0">
+                <a:solidFill>
+                  <a:schemeClr val="bg2">
+                    <a:lumMod val="10000"/>
+                  </a:schemeClr>
+                </a:solidFill>
+              </a:rPr>
+              <a:t>, cost = 100</a:t>
+            </a:r>
+            <a:endParaRPr kumimoji="0" lang="it-IT" sz="3200" b="0" i="0" u="none" strike="noStrike" cap="none" spc="0" normalizeH="0" baseline="0" dirty="0">
+              <a:ln>
+                <a:noFill/>
+              </a:ln>
+              <a:solidFill>
+                <a:schemeClr val="bg2">
+                  <a:lumMod val="10000"/>
+                </a:schemeClr>
+              </a:solidFill>
+              <a:effectLst/>
+              <a:uFillTx/>
+              <a:latin typeface="+mn-lt"/>
+              <a:ea typeface="+mn-ea"/>
+              <a:cs typeface="+mn-cs"/>
+              <a:sym typeface="Helvetica Neue"/>
+            </a:endParaRPr>
+          </a:p>
+        </p:txBody>
+      </p:sp>
+      <p:graphicFrame>
+        <p:nvGraphicFramePr>
+          <p:cNvPr id="9" name="Tabella 9">
+            <a:extLst>
+              <a:ext uri="{FF2B5EF4-FFF2-40B4-BE49-F238E27FC236}">
+                <a16:creationId xmlns:a16="http://schemas.microsoft.com/office/drawing/2014/main" id="{2BFE51F9-DC25-759A-77B3-50F463FECCAB}"/>
+              </a:ext>
+            </a:extLst>
+          </p:cNvPr>
+          <p:cNvGraphicFramePr>
+            <a:graphicFrameLocks noGrp="1"/>
+          </p:cNvGraphicFramePr>
+          <p:nvPr>
+            <p:extLst>
+              <p:ext uri="{D42A27DB-BD31-4B8C-83A1-F6EECF244321}">
+                <p14:modId xmlns:p14="http://schemas.microsoft.com/office/powerpoint/2010/main" val="599783342"/>
+              </p:ext>
+            </p:extLst>
+          </p:nvPr>
+        </p:nvGraphicFramePr>
+        <p:xfrm>
+          <a:off x="2147549" y="8584410"/>
+          <a:ext cx="9609468" cy="3467292"/>
+        </p:xfrm>
+        <a:graphic>
+          <a:graphicData uri="http://schemas.openxmlformats.org/drawingml/2006/table">
+            <a:tbl>
+              <a:tblPr firstRow="1" bandRow="1">
+                <a:tableStyleId>{5940675A-B579-460E-94D1-54222C63F5DA}</a:tableStyleId>
+              </a:tblPr>
+              <a:tblGrid>
+                <a:gridCol w="1601578">
+                  <a:extLst>
+                    <a:ext uri="{9D8B030D-6E8A-4147-A177-3AD203B41FA5}">
+                      <a16:colId xmlns:a16="http://schemas.microsoft.com/office/drawing/2014/main" val="249573566"/>
+                    </a:ext>
+                  </a:extLst>
+                </a:gridCol>
+                <a:gridCol w="1601578">
+                  <a:extLst>
+                    <a:ext uri="{9D8B030D-6E8A-4147-A177-3AD203B41FA5}">
+                      <a16:colId xmlns:a16="http://schemas.microsoft.com/office/drawing/2014/main" val="701776835"/>
+                    </a:ext>
+                  </a:extLst>
+                </a:gridCol>
+                <a:gridCol w="1601578">
+                  <a:extLst>
+                    <a:ext uri="{9D8B030D-6E8A-4147-A177-3AD203B41FA5}">
+                      <a16:colId xmlns:a16="http://schemas.microsoft.com/office/drawing/2014/main" val="7467084"/>
+                    </a:ext>
+                  </a:extLst>
+                </a:gridCol>
+                <a:gridCol w="1601578">
+                  <a:extLst>
+                    <a:ext uri="{9D8B030D-6E8A-4147-A177-3AD203B41FA5}">
+                      <a16:colId xmlns:a16="http://schemas.microsoft.com/office/drawing/2014/main" val="1213607272"/>
+                    </a:ext>
+                  </a:extLst>
+                </a:gridCol>
+                <a:gridCol w="1601578">
+                  <a:extLst>
+                    <a:ext uri="{9D8B030D-6E8A-4147-A177-3AD203B41FA5}">
+                      <a16:colId xmlns:a16="http://schemas.microsoft.com/office/drawing/2014/main" val="346121161"/>
+                    </a:ext>
+                  </a:extLst>
+                </a:gridCol>
+                <a:gridCol w="1601578">
+                  <a:extLst>
+                    <a:ext uri="{9D8B030D-6E8A-4147-A177-3AD203B41FA5}">
+                      <a16:colId xmlns:a16="http://schemas.microsoft.com/office/drawing/2014/main" val="444490598"/>
+                    </a:ext>
+                  </a:extLst>
+                </a:gridCol>
+              </a:tblGrid>
+              <a:tr h="866823">
+                <a:tc>
+                  <a:txBody>
+                    <a:bodyPr/>
+                    <a:lstStyle/>
+                    <a:p>
+                      <a:endParaRPr lang="it-IT" dirty="0">
+                        <a:solidFill>
+                          <a:schemeClr val="bg2">
+                            <a:lumMod val="10000"/>
+                          </a:schemeClr>
+                        </a:solidFill>
+                      </a:endParaRPr>
+                    </a:p>
+                  </a:txBody>
+                  <a:tcPr/>
+                </a:tc>
+                <a:tc>
+                  <a:txBody>
+                    <a:bodyPr/>
+                    <a:lstStyle/>
+                    <a:p>
+                      <a:r>
+                        <a:rPr lang="it-IT" sz="2400" dirty="0">
+                          <a:solidFill>
+                            <a:schemeClr val="bg2">
+                              <a:lumMod val="10000"/>
+                            </a:schemeClr>
+                          </a:solidFill>
+                        </a:rPr>
+                        <a:t>F. bassa</a:t>
+                      </a:r>
+                    </a:p>
+                  </a:txBody>
+                  <a:tcPr/>
+                </a:tc>
+                <a:tc>
+                  <a:txBody>
+                    <a:bodyPr/>
+                    <a:lstStyle/>
+                    <a:p>
+                      <a:r>
+                        <a:rPr lang="it-IT" sz="2400" dirty="0">
+                          <a:solidFill>
+                            <a:schemeClr val="bg2">
+                              <a:lumMod val="10000"/>
+                            </a:schemeClr>
+                          </a:solidFill>
+                        </a:rPr>
+                        <a:t>F. media</a:t>
+                      </a:r>
+                    </a:p>
+                  </a:txBody>
+                  <a:tcPr/>
+                </a:tc>
+                <a:tc>
+                  <a:txBody>
+                    <a:bodyPr/>
+                    <a:lstStyle/>
+                    <a:p>
+                      <a:r>
+                        <a:rPr lang="it-IT" sz="2400" dirty="0">
+                          <a:solidFill>
+                            <a:schemeClr val="bg2">
+                              <a:lumMod val="10000"/>
+                            </a:schemeClr>
+                          </a:solidFill>
+                        </a:rPr>
+                        <a:t>F. alta</a:t>
+                      </a:r>
+                    </a:p>
+                  </a:txBody>
+                  <a:tcPr/>
+                </a:tc>
+                <a:tc>
+                  <a:txBody>
+                    <a:bodyPr/>
+                    <a:lstStyle/>
+                    <a:p>
+                      <a:r>
+                        <a:rPr lang="it-IT" sz="2200" dirty="0">
+                          <a:solidFill>
+                            <a:schemeClr val="bg2">
+                              <a:lumMod val="10000"/>
+                            </a:schemeClr>
+                          </a:solidFill>
+                        </a:rPr>
+                        <a:t>F. premium</a:t>
+                      </a:r>
+                    </a:p>
+                  </a:txBody>
+                  <a:tcPr/>
+                </a:tc>
+                <a:tc>
+                  <a:txBody>
+                    <a:bodyPr/>
+                    <a:lstStyle/>
+                    <a:p>
+                      <a:r>
+                        <a:rPr lang="it-IT" sz="2400" dirty="0">
+                          <a:solidFill>
+                            <a:schemeClr val="bg2">
+                              <a:lumMod val="10000"/>
+                            </a:schemeClr>
+                          </a:solidFill>
+                        </a:rPr>
+                        <a:t>Media</a:t>
+                      </a:r>
+                    </a:p>
+                  </a:txBody>
+                  <a:tcPr/>
+                </a:tc>
+                <a:extLst>
+                  <a:ext uri="{0D108BD9-81ED-4DB2-BD59-A6C34878D82A}">
+                    <a16:rowId xmlns:a16="http://schemas.microsoft.com/office/drawing/2014/main" val="3221883788"/>
+                  </a:ext>
+                </a:extLst>
+              </a:tr>
+              <a:tr h="866823">
+                <a:tc>
+                  <a:txBody>
+                    <a:bodyPr/>
+                    <a:lstStyle/>
+                    <a:p>
+                      <a:r>
+                        <a:rPr lang="it-IT" sz="2400" dirty="0">
+                          <a:solidFill>
+                            <a:schemeClr val="bg2">
+                              <a:lumMod val="10000"/>
+                            </a:schemeClr>
+                          </a:solidFill>
+                        </a:rPr>
+                        <a:t>Precision</a:t>
+                      </a:r>
+                    </a:p>
+                  </a:txBody>
+                  <a:tcPr/>
+                </a:tc>
+                <a:tc>
+                  <a:txBody>
+                    <a:bodyPr/>
+                    <a:lstStyle/>
+                    <a:p>
+                      <a:r>
+                        <a:rPr lang="it-IT" sz="2800" dirty="0">
+                          <a:solidFill>
+                            <a:schemeClr val="bg2">
+                              <a:lumMod val="10000"/>
+                            </a:schemeClr>
+                          </a:solidFill>
+                        </a:rPr>
+                        <a:t>85</a:t>
+                      </a:r>
+                    </a:p>
+                  </a:txBody>
+                  <a:tcPr/>
+                </a:tc>
+                <a:tc>
+                  <a:txBody>
+                    <a:bodyPr/>
+                    <a:lstStyle/>
+                    <a:p>
+                      <a:r>
+                        <a:rPr lang="it-IT" sz="2800" dirty="0">
+                          <a:solidFill>
+                            <a:schemeClr val="bg2">
+                              <a:lumMod val="10000"/>
+                            </a:schemeClr>
+                          </a:solidFill>
+                        </a:rPr>
+                        <a:t>72</a:t>
+                      </a:r>
+                    </a:p>
+                  </a:txBody>
+                  <a:tcPr/>
+                </a:tc>
+                <a:tc>
+                  <a:txBody>
+                    <a:bodyPr/>
+                    <a:lstStyle/>
+                    <a:p>
+                      <a:r>
+                        <a:rPr lang="it-IT" sz="2800" dirty="0">
+                          <a:solidFill>
+                            <a:schemeClr val="bg2">
+                              <a:lumMod val="10000"/>
+                            </a:schemeClr>
+                          </a:solidFill>
+                        </a:rPr>
+                        <a:t>68</a:t>
+                      </a:r>
+                    </a:p>
+                  </a:txBody>
+                  <a:tcPr/>
+                </a:tc>
+                <a:tc>
+                  <a:txBody>
+                    <a:bodyPr/>
+                    <a:lstStyle/>
+                    <a:p>
+                      <a:r>
+                        <a:rPr lang="it-IT" sz="2800" dirty="0">
+                          <a:solidFill>
+                            <a:schemeClr val="bg2">
+                              <a:lumMod val="10000"/>
+                            </a:schemeClr>
+                          </a:solidFill>
+                        </a:rPr>
+                        <a:t>100</a:t>
+                      </a:r>
+                    </a:p>
+                  </a:txBody>
+                  <a:tcPr/>
+                </a:tc>
+                <a:tc>
+                  <a:txBody>
+                    <a:bodyPr/>
+                    <a:lstStyle/>
+                    <a:p>
+                      <a:r>
+                        <a:rPr lang="it-IT" sz="2800" dirty="0"/>
+                        <a:t>81</a:t>
+                      </a:r>
+                    </a:p>
+                  </a:txBody>
+                  <a:tcPr/>
+                </a:tc>
+                <a:extLst>
+                  <a:ext uri="{0D108BD9-81ED-4DB2-BD59-A6C34878D82A}">
+                    <a16:rowId xmlns:a16="http://schemas.microsoft.com/office/drawing/2014/main" val="3546429541"/>
+                  </a:ext>
+                </a:extLst>
+              </a:tr>
+              <a:tr h="866823">
+                <a:tc>
+                  <a:txBody>
+                    <a:bodyPr/>
+                    <a:lstStyle/>
+                    <a:p>
+                      <a:r>
+                        <a:rPr lang="it-IT" sz="2400" dirty="0">
+                          <a:solidFill>
+                            <a:schemeClr val="bg2">
+                              <a:lumMod val="10000"/>
+                            </a:schemeClr>
+                          </a:solidFill>
+                        </a:rPr>
+                        <a:t>Recall</a:t>
+                      </a:r>
+                    </a:p>
+                  </a:txBody>
+                  <a:tcPr/>
+                </a:tc>
+                <a:tc>
+                  <a:txBody>
+                    <a:bodyPr/>
+                    <a:lstStyle/>
+                    <a:p>
+                      <a:r>
+                        <a:rPr lang="it-IT" sz="2800" dirty="0">
+                          <a:solidFill>
+                            <a:schemeClr val="bg2">
+                              <a:lumMod val="10000"/>
+                            </a:schemeClr>
+                          </a:solidFill>
+                        </a:rPr>
+                        <a:t>84</a:t>
+                      </a:r>
+                    </a:p>
+                  </a:txBody>
+                  <a:tcPr/>
+                </a:tc>
+                <a:tc>
+                  <a:txBody>
+                    <a:bodyPr/>
+                    <a:lstStyle/>
+                    <a:p>
+                      <a:r>
+                        <a:rPr lang="it-IT" sz="2800" dirty="0">
+                          <a:solidFill>
+                            <a:schemeClr val="bg2">
+                              <a:lumMod val="10000"/>
+                            </a:schemeClr>
+                          </a:solidFill>
+                        </a:rPr>
+                        <a:t>76</a:t>
+                      </a:r>
+                    </a:p>
+                  </a:txBody>
+                  <a:tcPr/>
+                </a:tc>
+                <a:tc>
+                  <a:txBody>
+                    <a:bodyPr/>
+                    <a:lstStyle/>
+                    <a:p>
+                      <a:r>
+                        <a:rPr lang="it-IT" sz="2800" dirty="0">
+                          <a:solidFill>
+                            <a:schemeClr val="bg2">
+                              <a:lumMod val="10000"/>
+                            </a:schemeClr>
+                          </a:solidFill>
+                        </a:rPr>
+                        <a:t>82</a:t>
+                      </a:r>
+                    </a:p>
+                  </a:txBody>
+                  <a:tcPr/>
+                </a:tc>
+                <a:tc>
+                  <a:txBody>
+                    <a:bodyPr/>
+                    <a:lstStyle/>
+                    <a:p>
+                      <a:r>
+                        <a:rPr lang="it-IT" sz="2800" dirty="0">
+                          <a:solidFill>
+                            <a:schemeClr val="bg2">
+                              <a:lumMod val="10000"/>
+                            </a:schemeClr>
+                          </a:solidFill>
+                        </a:rPr>
+                        <a:t>22</a:t>
+                      </a:r>
+                    </a:p>
+                  </a:txBody>
+                  <a:tcPr/>
+                </a:tc>
+                <a:tc>
+                  <a:txBody>
+                    <a:bodyPr/>
+                    <a:lstStyle/>
+                    <a:p>
+                      <a:r>
+                        <a:rPr lang="it-IT" sz="2800" dirty="0"/>
+                        <a:t>66</a:t>
+                      </a:r>
+                    </a:p>
+                  </a:txBody>
+                  <a:tcPr/>
+                </a:tc>
+                <a:extLst>
+                  <a:ext uri="{0D108BD9-81ED-4DB2-BD59-A6C34878D82A}">
+                    <a16:rowId xmlns:a16="http://schemas.microsoft.com/office/drawing/2014/main" val="3333688215"/>
+                  </a:ext>
+                </a:extLst>
+              </a:tr>
+              <a:tr h="866823">
+                <a:tc>
+                  <a:txBody>
+                    <a:bodyPr/>
+                    <a:lstStyle/>
+                    <a:p>
+                      <a:r>
+                        <a:rPr lang="it-IT" sz="2200" dirty="0">
+                          <a:solidFill>
+                            <a:schemeClr val="bg2">
+                              <a:lumMod val="10000"/>
+                            </a:schemeClr>
+                          </a:solidFill>
+                        </a:rPr>
+                        <a:t>F-</a:t>
+                      </a:r>
+                      <a:r>
+                        <a:rPr lang="it-IT" sz="2200" dirty="0" err="1">
+                          <a:solidFill>
+                            <a:schemeClr val="bg2">
+                              <a:lumMod val="10000"/>
+                            </a:schemeClr>
+                          </a:solidFill>
+                        </a:rPr>
+                        <a:t>measure</a:t>
+                      </a:r>
+                      <a:endParaRPr lang="it-IT" sz="2200" dirty="0">
+                        <a:solidFill>
+                          <a:schemeClr val="bg2">
+                            <a:lumMod val="10000"/>
+                          </a:schemeClr>
+                        </a:solidFill>
+                      </a:endParaRPr>
+                    </a:p>
+                  </a:txBody>
+                  <a:tcPr/>
+                </a:tc>
+                <a:tc>
+                  <a:txBody>
+                    <a:bodyPr/>
+                    <a:lstStyle/>
+                    <a:p>
+                      <a:r>
+                        <a:rPr lang="it-IT" sz="2800" dirty="0">
+                          <a:solidFill>
+                            <a:schemeClr val="bg2">
+                              <a:lumMod val="10000"/>
+                            </a:schemeClr>
+                          </a:solidFill>
+                        </a:rPr>
+                        <a:t>84</a:t>
+                      </a:r>
+                    </a:p>
+                  </a:txBody>
+                  <a:tcPr/>
+                </a:tc>
+                <a:tc>
+                  <a:txBody>
+                    <a:bodyPr/>
+                    <a:lstStyle/>
+                    <a:p>
+                      <a:r>
+                        <a:rPr lang="it-IT" sz="2800" dirty="0">
+                          <a:solidFill>
+                            <a:schemeClr val="bg2">
+                              <a:lumMod val="10000"/>
+                            </a:schemeClr>
+                          </a:solidFill>
+                        </a:rPr>
+                        <a:t>74</a:t>
+                      </a:r>
+                    </a:p>
+                  </a:txBody>
+                  <a:tcPr/>
+                </a:tc>
+                <a:tc>
+                  <a:txBody>
+                    <a:bodyPr/>
+                    <a:lstStyle/>
+                    <a:p>
+                      <a:r>
+                        <a:rPr lang="it-IT" sz="2800" dirty="0">
+                          <a:solidFill>
+                            <a:schemeClr val="bg2">
+                              <a:lumMod val="10000"/>
+                            </a:schemeClr>
+                          </a:solidFill>
+                        </a:rPr>
+                        <a:t>75</a:t>
+                      </a:r>
+                    </a:p>
+                  </a:txBody>
+                  <a:tcPr/>
+                </a:tc>
+                <a:tc>
+                  <a:txBody>
+                    <a:bodyPr/>
+                    <a:lstStyle/>
+                    <a:p>
+                      <a:r>
+                        <a:rPr lang="it-IT" sz="2800" dirty="0">
+                          <a:solidFill>
+                            <a:schemeClr val="bg2">
+                              <a:lumMod val="10000"/>
+                            </a:schemeClr>
+                          </a:solidFill>
+                        </a:rPr>
+                        <a:t>36</a:t>
+                      </a:r>
+                    </a:p>
+                  </a:txBody>
+                  <a:tcPr/>
+                </a:tc>
+                <a:tc>
+                  <a:txBody>
+                    <a:bodyPr/>
+                    <a:lstStyle/>
+                    <a:p>
+                      <a:r>
+                        <a:rPr lang="it-IT" sz="2800" dirty="0"/>
+                        <a:t>67</a:t>
+                      </a:r>
+                    </a:p>
+                  </a:txBody>
+                  <a:tcPr/>
+                </a:tc>
+                <a:extLst>
+                  <a:ext uri="{0D108BD9-81ED-4DB2-BD59-A6C34878D82A}">
+                    <a16:rowId xmlns:a16="http://schemas.microsoft.com/office/drawing/2014/main" val="2061530179"/>
+                  </a:ext>
+                </a:extLst>
+              </a:tr>
+            </a:tbl>
+          </a:graphicData>
+        </a:graphic>
+      </p:graphicFrame>
+      <p:sp>
+        <p:nvSpPr>
+          <p:cNvPr id="10" name="CasellaDiTesto 9">
+            <a:extLst>
+              <a:ext uri="{FF2B5EF4-FFF2-40B4-BE49-F238E27FC236}">
+                <a16:creationId xmlns:a16="http://schemas.microsoft.com/office/drawing/2014/main" id="{9D54ECDF-4407-7887-5EA0-807284A422E4}"/>
+              </a:ext>
+            </a:extLst>
+          </p:cNvPr>
+          <p:cNvSpPr txBox="1"/>
+          <p:nvPr/>
+        </p:nvSpPr>
+        <p:spPr>
+          <a:xfrm>
+            <a:off x="2147549" y="12270359"/>
+            <a:ext cx="7844464" cy="595035"/>
+          </a:xfrm>
+          <a:prstGeom prst="rect">
+            <a:avLst/>
+          </a:prstGeom>
+          <a:noFill/>
+          <a:ln w="12700" cap="flat">
+            <a:noFill/>
+            <a:miter lim="400000"/>
+          </a:ln>
+          <a:effectLst/>
+          <a:sp3d/>
+        </p:spPr>
+        <p:style>
+          <a:lnRef idx="0">
+            <a:scrgbClr r="0" g="0" b="0"/>
+          </a:lnRef>
+          <a:fillRef idx="0">
+            <a:scrgbClr r="0" g="0" b="0"/>
+          </a:fillRef>
+          <a:effectRef idx="0">
+            <a:scrgbClr r="0" g="0" b="0"/>
+          </a:effectRef>
+          <a:fontRef idx="none"/>
+        </p:style>
+        <p:txBody>
+          <a:bodyPr rot="0" spcFirstLastPara="1" vertOverflow="overflow" horzOverflow="overflow" vert="horz" wrap="square" lIns="50800" tIns="50800" rIns="50800" bIns="50800" numCol="1" spcCol="38100" rtlCol="0" anchor="ctr">
+            <a:spAutoFit/>
+          </a:bodyPr>
+          <a:lstStyle/>
+          <a:p>
+            <a:pPr marL="0" marR="0" indent="0" algn="l" defTabSz="2438338" rtl="0" fontAlgn="auto" latinLnBrk="0" hangingPunct="0">
+              <a:lnSpc>
+                <a:spcPct val="100000"/>
+              </a:lnSpc>
+              <a:spcBef>
+                <a:spcPts val="0"/>
+              </a:spcBef>
+              <a:spcAft>
+                <a:spcPts val="0"/>
+              </a:spcAft>
+              <a:buClrTx/>
+              <a:buSzTx/>
+              <a:buFontTx/>
+              <a:buNone/>
+              <a:tabLst/>
+            </a:pPr>
+            <a:r>
+              <a:rPr kumimoji="0" lang="it-IT" sz="3200" b="0" i="0" u="none" strike="noStrike" cap="none" spc="0" normalizeH="0" baseline="0" dirty="0" err="1">
+                <a:ln>
+                  <a:noFill/>
+                </a:ln>
+                <a:solidFill>
+                  <a:schemeClr val="bg2">
+                    <a:lumMod val="10000"/>
+                  </a:schemeClr>
+                </a:solidFill>
+                <a:effectLst/>
+                <a:uFillTx/>
+                <a:latin typeface="+mn-lt"/>
+                <a:ea typeface="+mn-ea"/>
+                <a:cs typeface="+mn-cs"/>
+                <a:sym typeface="Helvetica Neue"/>
+              </a:rPr>
+              <a:t>Accuracy</a:t>
+            </a:r>
+            <a:r>
+              <a:rPr kumimoji="0" lang="it-IT" sz="3200" b="0" i="0" u="none" strike="noStrike" cap="none" spc="0" normalizeH="0" baseline="0" dirty="0">
+                <a:ln>
+                  <a:noFill/>
+                </a:ln>
+                <a:solidFill>
+                  <a:schemeClr val="bg2">
+                    <a:lumMod val="10000"/>
+                  </a:schemeClr>
+                </a:solidFill>
+                <a:effectLst/>
+                <a:uFillTx/>
+                <a:latin typeface="+mn-lt"/>
+                <a:ea typeface="+mn-ea"/>
+                <a:cs typeface="+mn-cs"/>
+                <a:sym typeface="Helvetica Neue"/>
+              </a:rPr>
+              <a:t>: 74%</a:t>
+            </a:r>
+          </a:p>
+        </p:txBody>
+      </p:sp>
+      <p:graphicFrame>
+        <p:nvGraphicFramePr>
+          <p:cNvPr id="11" name="Tabella 9">
+            <a:extLst>
+              <a:ext uri="{FF2B5EF4-FFF2-40B4-BE49-F238E27FC236}">
+                <a16:creationId xmlns:a16="http://schemas.microsoft.com/office/drawing/2014/main" id="{A8B9F741-F52D-B0CE-7145-BA87B063FE2F}"/>
+              </a:ext>
+            </a:extLst>
+          </p:cNvPr>
+          <p:cNvGraphicFramePr>
+            <a:graphicFrameLocks noGrp="1"/>
+          </p:cNvGraphicFramePr>
+          <p:nvPr>
+            <p:extLst>
+              <p:ext uri="{D42A27DB-BD31-4B8C-83A1-F6EECF244321}">
+                <p14:modId xmlns:p14="http://schemas.microsoft.com/office/powerpoint/2010/main" val="1727892901"/>
+              </p:ext>
+            </p:extLst>
+          </p:nvPr>
+        </p:nvGraphicFramePr>
+        <p:xfrm>
+          <a:off x="13568032" y="8584410"/>
+          <a:ext cx="9609468" cy="3467292"/>
+        </p:xfrm>
+        <a:graphic>
+          <a:graphicData uri="http://schemas.openxmlformats.org/drawingml/2006/table">
+            <a:tbl>
+              <a:tblPr firstRow="1" bandRow="1">
+                <a:tableStyleId>{5940675A-B579-460E-94D1-54222C63F5DA}</a:tableStyleId>
+              </a:tblPr>
+              <a:tblGrid>
+                <a:gridCol w="1601578">
+                  <a:extLst>
+                    <a:ext uri="{9D8B030D-6E8A-4147-A177-3AD203B41FA5}">
+                      <a16:colId xmlns:a16="http://schemas.microsoft.com/office/drawing/2014/main" val="249573566"/>
+                    </a:ext>
+                  </a:extLst>
+                </a:gridCol>
+                <a:gridCol w="1601578">
+                  <a:extLst>
+                    <a:ext uri="{9D8B030D-6E8A-4147-A177-3AD203B41FA5}">
+                      <a16:colId xmlns:a16="http://schemas.microsoft.com/office/drawing/2014/main" val="701776835"/>
+                    </a:ext>
+                  </a:extLst>
+                </a:gridCol>
+                <a:gridCol w="1601578">
+                  <a:extLst>
+                    <a:ext uri="{9D8B030D-6E8A-4147-A177-3AD203B41FA5}">
+                      <a16:colId xmlns:a16="http://schemas.microsoft.com/office/drawing/2014/main" val="7467084"/>
+                    </a:ext>
+                  </a:extLst>
+                </a:gridCol>
+                <a:gridCol w="1601578">
+                  <a:extLst>
+                    <a:ext uri="{9D8B030D-6E8A-4147-A177-3AD203B41FA5}">
+                      <a16:colId xmlns:a16="http://schemas.microsoft.com/office/drawing/2014/main" val="1213607272"/>
+                    </a:ext>
+                  </a:extLst>
+                </a:gridCol>
+                <a:gridCol w="1601578">
+                  <a:extLst>
+                    <a:ext uri="{9D8B030D-6E8A-4147-A177-3AD203B41FA5}">
+                      <a16:colId xmlns:a16="http://schemas.microsoft.com/office/drawing/2014/main" val="346121161"/>
+                    </a:ext>
+                  </a:extLst>
+                </a:gridCol>
+                <a:gridCol w="1601578">
+                  <a:extLst>
+                    <a:ext uri="{9D8B030D-6E8A-4147-A177-3AD203B41FA5}">
+                      <a16:colId xmlns:a16="http://schemas.microsoft.com/office/drawing/2014/main" val="444490598"/>
+                    </a:ext>
+                  </a:extLst>
+                </a:gridCol>
+              </a:tblGrid>
+              <a:tr h="866823">
+                <a:tc>
+                  <a:txBody>
+                    <a:bodyPr/>
+                    <a:lstStyle/>
+                    <a:p>
+                      <a:endParaRPr lang="it-IT" dirty="0">
+                        <a:solidFill>
+                          <a:schemeClr val="bg2">
+                            <a:lumMod val="10000"/>
+                          </a:schemeClr>
+                        </a:solidFill>
+                      </a:endParaRPr>
+                    </a:p>
+                  </a:txBody>
+                  <a:tcPr/>
+                </a:tc>
+                <a:tc>
+                  <a:txBody>
+                    <a:bodyPr/>
+                    <a:lstStyle/>
+                    <a:p>
+                      <a:r>
+                        <a:rPr lang="it-IT" sz="2400" dirty="0">
+                          <a:solidFill>
+                            <a:schemeClr val="bg2">
+                              <a:lumMod val="10000"/>
+                            </a:schemeClr>
+                          </a:solidFill>
+                        </a:rPr>
+                        <a:t>F. bassa</a:t>
+                      </a:r>
+                    </a:p>
+                  </a:txBody>
+                  <a:tcPr/>
+                </a:tc>
+                <a:tc>
+                  <a:txBody>
+                    <a:bodyPr/>
+                    <a:lstStyle/>
+                    <a:p>
+                      <a:r>
+                        <a:rPr lang="it-IT" sz="2400" dirty="0">
+                          <a:solidFill>
+                            <a:schemeClr val="bg2">
+                              <a:lumMod val="10000"/>
+                            </a:schemeClr>
+                          </a:solidFill>
+                        </a:rPr>
+                        <a:t>F. media</a:t>
+                      </a:r>
+                    </a:p>
+                  </a:txBody>
+                  <a:tcPr/>
+                </a:tc>
+                <a:tc>
+                  <a:txBody>
+                    <a:bodyPr/>
+                    <a:lstStyle/>
+                    <a:p>
+                      <a:r>
+                        <a:rPr lang="it-IT" sz="2400" dirty="0">
+                          <a:solidFill>
+                            <a:schemeClr val="bg2">
+                              <a:lumMod val="10000"/>
+                            </a:schemeClr>
+                          </a:solidFill>
+                        </a:rPr>
+                        <a:t>F. alta</a:t>
+                      </a:r>
+                    </a:p>
+                  </a:txBody>
+                  <a:tcPr/>
+                </a:tc>
+                <a:tc>
+                  <a:txBody>
+                    <a:bodyPr/>
+                    <a:lstStyle/>
+                    <a:p>
+                      <a:r>
+                        <a:rPr lang="it-IT" sz="2200" dirty="0">
+                          <a:solidFill>
+                            <a:schemeClr val="bg2">
+                              <a:lumMod val="10000"/>
+                            </a:schemeClr>
+                          </a:solidFill>
+                        </a:rPr>
+                        <a:t>F. premium</a:t>
+                      </a:r>
+                    </a:p>
+                  </a:txBody>
+                  <a:tcPr/>
+                </a:tc>
+                <a:tc>
+                  <a:txBody>
+                    <a:bodyPr/>
+                    <a:lstStyle/>
+                    <a:p>
+                      <a:r>
+                        <a:rPr lang="it-IT" sz="2400" dirty="0">
+                          <a:solidFill>
+                            <a:schemeClr val="bg2">
+                              <a:lumMod val="10000"/>
+                            </a:schemeClr>
+                          </a:solidFill>
+                        </a:rPr>
+                        <a:t>Media</a:t>
+                      </a:r>
+                    </a:p>
+                  </a:txBody>
+                  <a:tcPr/>
+                </a:tc>
+                <a:extLst>
+                  <a:ext uri="{0D108BD9-81ED-4DB2-BD59-A6C34878D82A}">
+                    <a16:rowId xmlns:a16="http://schemas.microsoft.com/office/drawing/2014/main" val="3221883788"/>
+                  </a:ext>
+                </a:extLst>
+              </a:tr>
+              <a:tr h="866823">
+                <a:tc>
+                  <a:txBody>
+                    <a:bodyPr/>
+                    <a:lstStyle/>
+                    <a:p>
+                      <a:r>
+                        <a:rPr lang="it-IT" sz="2400" dirty="0">
+                          <a:solidFill>
+                            <a:schemeClr val="bg2">
+                              <a:lumMod val="10000"/>
+                            </a:schemeClr>
+                          </a:solidFill>
+                        </a:rPr>
+                        <a:t>Precision</a:t>
+                      </a:r>
+                    </a:p>
+                  </a:txBody>
+                  <a:tcPr/>
+                </a:tc>
+                <a:tc>
+                  <a:txBody>
+                    <a:bodyPr/>
+                    <a:lstStyle/>
+                    <a:p>
+                      <a:r>
+                        <a:rPr lang="it-IT" sz="2800" dirty="0">
+                          <a:solidFill>
+                            <a:schemeClr val="bg2">
+                              <a:lumMod val="10000"/>
+                            </a:schemeClr>
+                          </a:solidFill>
+                        </a:rPr>
+                        <a:t>89</a:t>
+                      </a:r>
+                    </a:p>
+                  </a:txBody>
+                  <a:tcPr/>
+                </a:tc>
+                <a:tc>
+                  <a:txBody>
+                    <a:bodyPr/>
+                    <a:lstStyle/>
+                    <a:p>
+                      <a:r>
+                        <a:rPr lang="it-IT" sz="2800" dirty="0">
+                          <a:solidFill>
+                            <a:schemeClr val="bg2">
+                              <a:lumMod val="10000"/>
+                            </a:schemeClr>
+                          </a:solidFill>
+                        </a:rPr>
+                        <a:t>76</a:t>
+                      </a:r>
+                    </a:p>
+                  </a:txBody>
+                  <a:tcPr/>
+                </a:tc>
+                <a:tc>
+                  <a:txBody>
+                    <a:bodyPr/>
+                    <a:lstStyle/>
+                    <a:p>
+                      <a:r>
+                        <a:rPr lang="it-IT" sz="2800" dirty="0">
+                          <a:solidFill>
+                            <a:schemeClr val="bg2">
+                              <a:lumMod val="10000"/>
+                            </a:schemeClr>
+                          </a:solidFill>
+                        </a:rPr>
+                        <a:t>74</a:t>
+                      </a:r>
+                    </a:p>
+                  </a:txBody>
+                  <a:tcPr/>
+                </a:tc>
+                <a:tc>
+                  <a:txBody>
+                    <a:bodyPr/>
+                    <a:lstStyle/>
+                    <a:p>
+                      <a:r>
+                        <a:rPr lang="it-IT" sz="2800" dirty="0">
+                          <a:solidFill>
+                            <a:schemeClr val="bg2">
+                              <a:lumMod val="10000"/>
+                            </a:schemeClr>
+                          </a:solidFill>
+                        </a:rPr>
+                        <a:t>79</a:t>
+                      </a:r>
+                    </a:p>
+                  </a:txBody>
+                  <a:tcPr/>
+                </a:tc>
+                <a:tc>
+                  <a:txBody>
+                    <a:bodyPr/>
+                    <a:lstStyle/>
+                    <a:p>
+                      <a:r>
+                        <a:rPr lang="it-IT" sz="2800" dirty="0"/>
+                        <a:t>80</a:t>
+                      </a:r>
+                    </a:p>
+                  </a:txBody>
+                  <a:tcPr/>
+                </a:tc>
+                <a:extLst>
+                  <a:ext uri="{0D108BD9-81ED-4DB2-BD59-A6C34878D82A}">
+                    <a16:rowId xmlns:a16="http://schemas.microsoft.com/office/drawing/2014/main" val="3546429541"/>
+                  </a:ext>
+                </a:extLst>
+              </a:tr>
+              <a:tr h="866823">
+                <a:tc>
+                  <a:txBody>
+                    <a:bodyPr/>
+                    <a:lstStyle/>
+                    <a:p>
+                      <a:r>
+                        <a:rPr lang="it-IT" sz="2400" dirty="0">
+                          <a:solidFill>
+                            <a:schemeClr val="bg2">
+                              <a:lumMod val="10000"/>
+                            </a:schemeClr>
+                          </a:solidFill>
+                        </a:rPr>
+                        <a:t>Recall</a:t>
+                      </a:r>
+                    </a:p>
+                  </a:txBody>
+                  <a:tcPr/>
+                </a:tc>
+                <a:tc>
+                  <a:txBody>
+                    <a:bodyPr/>
+                    <a:lstStyle/>
+                    <a:p>
+                      <a:r>
+                        <a:rPr lang="it-IT" sz="2800" dirty="0">
+                          <a:solidFill>
+                            <a:schemeClr val="bg2">
+                              <a:lumMod val="10000"/>
+                            </a:schemeClr>
+                          </a:solidFill>
+                        </a:rPr>
+                        <a:t>91</a:t>
+                      </a:r>
+                    </a:p>
+                  </a:txBody>
+                  <a:tcPr/>
+                </a:tc>
+                <a:tc>
+                  <a:txBody>
+                    <a:bodyPr/>
+                    <a:lstStyle/>
+                    <a:p>
+                      <a:r>
+                        <a:rPr lang="it-IT" sz="2800" dirty="0">
+                          <a:solidFill>
+                            <a:schemeClr val="bg2">
+                              <a:lumMod val="10000"/>
+                            </a:schemeClr>
+                          </a:solidFill>
+                        </a:rPr>
+                        <a:t>81</a:t>
+                      </a:r>
+                    </a:p>
+                  </a:txBody>
+                  <a:tcPr/>
+                </a:tc>
+                <a:tc>
+                  <a:txBody>
+                    <a:bodyPr/>
+                    <a:lstStyle/>
+                    <a:p>
+                      <a:r>
+                        <a:rPr lang="it-IT" sz="2800" dirty="0">
+                          <a:solidFill>
+                            <a:schemeClr val="bg2">
+                              <a:lumMod val="10000"/>
+                            </a:schemeClr>
+                          </a:solidFill>
+                        </a:rPr>
+                        <a:t>78</a:t>
+                      </a:r>
+                    </a:p>
+                  </a:txBody>
+                  <a:tcPr/>
+                </a:tc>
+                <a:tc>
+                  <a:txBody>
+                    <a:bodyPr/>
+                    <a:lstStyle/>
+                    <a:p>
+                      <a:r>
+                        <a:rPr lang="it-IT" sz="2800" dirty="0">
+                          <a:solidFill>
+                            <a:schemeClr val="bg2">
+                              <a:lumMod val="10000"/>
+                            </a:schemeClr>
+                          </a:solidFill>
+                        </a:rPr>
+                        <a:t>46</a:t>
+                      </a:r>
+                    </a:p>
+                  </a:txBody>
+                  <a:tcPr/>
+                </a:tc>
+                <a:tc>
+                  <a:txBody>
+                    <a:bodyPr/>
+                    <a:lstStyle/>
+                    <a:p>
+                      <a:r>
+                        <a:rPr lang="it-IT" sz="2800" dirty="0"/>
+                        <a:t>74</a:t>
+                      </a:r>
+                    </a:p>
+                  </a:txBody>
+                  <a:tcPr/>
+                </a:tc>
+                <a:extLst>
+                  <a:ext uri="{0D108BD9-81ED-4DB2-BD59-A6C34878D82A}">
+                    <a16:rowId xmlns:a16="http://schemas.microsoft.com/office/drawing/2014/main" val="3333688215"/>
+                  </a:ext>
+                </a:extLst>
+              </a:tr>
+              <a:tr h="866823">
+                <a:tc>
+                  <a:txBody>
+                    <a:bodyPr/>
+                    <a:lstStyle/>
+                    <a:p>
+                      <a:r>
+                        <a:rPr lang="it-IT" sz="2200" dirty="0">
+                          <a:solidFill>
+                            <a:schemeClr val="bg2">
+                              <a:lumMod val="10000"/>
+                            </a:schemeClr>
+                          </a:solidFill>
+                        </a:rPr>
+                        <a:t>F-</a:t>
+                      </a:r>
+                      <a:r>
+                        <a:rPr lang="it-IT" sz="2200" dirty="0" err="1">
+                          <a:solidFill>
+                            <a:schemeClr val="bg2">
+                              <a:lumMod val="10000"/>
+                            </a:schemeClr>
+                          </a:solidFill>
+                        </a:rPr>
+                        <a:t>measure</a:t>
+                      </a:r>
+                      <a:endParaRPr lang="it-IT" sz="2200" dirty="0">
+                        <a:solidFill>
+                          <a:schemeClr val="bg2">
+                            <a:lumMod val="10000"/>
+                          </a:schemeClr>
+                        </a:solidFill>
+                      </a:endParaRPr>
+                    </a:p>
+                  </a:txBody>
+                  <a:tcPr/>
+                </a:tc>
+                <a:tc>
+                  <a:txBody>
+                    <a:bodyPr/>
+                    <a:lstStyle/>
+                    <a:p>
+                      <a:r>
+                        <a:rPr lang="it-IT" sz="2800" dirty="0">
+                          <a:solidFill>
+                            <a:schemeClr val="bg2">
+                              <a:lumMod val="10000"/>
+                            </a:schemeClr>
+                          </a:solidFill>
+                        </a:rPr>
+                        <a:t>90</a:t>
+                      </a:r>
+                    </a:p>
+                  </a:txBody>
+                  <a:tcPr/>
+                </a:tc>
+                <a:tc>
+                  <a:txBody>
+                    <a:bodyPr/>
+                    <a:lstStyle/>
+                    <a:p>
+                      <a:r>
+                        <a:rPr lang="it-IT" sz="2800" dirty="0">
+                          <a:solidFill>
+                            <a:schemeClr val="bg2">
+                              <a:lumMod val="10000"/>
+                            </a:schemeClr>
+                          </a:solidFill>
+                        </a:rPr>
+                        <a:t>79</a:t>
+                      </a:r>
+                    </a:p>
+                  </a:txBody>
+                  <a:tcPr/>
+                </a:tc>
+                <a:tc>
+                  <a:txBody>
+                    <a:bodyPr/>
+                    <a:lstStyle/>
+                    <a:p>
+                      <a:r>
+                        <a:rPr lang="it-IT" sz="2800" dirty="0">
+                          <a:solidFill>
+                            <a:schemeClr val="bg2">
+                              <a:lumMod val="10000"/>
+                            </a:schemeClr>
+                          </a:solidFill>
+                        </a:rPr>
+                        <a:t>76</a:t>
+                      </a:r>
+                    </a:p>
+                  </a:txBody>
+                  <a:tcPr/>
+                </a:tc>
+                <a:tc>
+                  <a:txBody>
+                    <a:bodyPr/>
+                    <a:lstStyle/>
+                    <a:p>
+                      <a:r>
+                        <a:rPr lang="it-IT" sz="2800" dirty="0">
+                          <a:solidFill>
+                            <a:schemeClr val="bg2">
+                              <a:lumMod val="10000"/>
+                            </a:schemeClr>
+                          </a:solidFill>
+                        </a:rPr>
+                        <a:t>58</a:t>
+                      </a:r>
+                    </a:p>
+                  </a:txBody>
+                  <a:tcPr/>
+                </a:tc>
+                <a:tc>
+                  <a:txBody>
+                    <a:bodyPr/>
+                    <a:lstStyle/>
+                    <a:p>
+                      <a:r>
+                        <a:rPr lang="it-IT" sz="2800" dirty="0"/>
+                        <a:t>76</a:t>
+                      </a:r>
+                    </a:p>
+                  </a:txBody>
+                  <a:tcPr/>
+                </a:tc>
+                <a:extLst>
+                  <a:ext uri="{0D108BD9-81ED-4DB2-BD59-A6C34878D82A}">
+                    <a16:rowId xmlns:a16="http://schemas.microsoft.com/office/drawing/2014/main" val="2061530179"/>
+                  </a:ext>
+                </a:extLst>
+              </a:tr>
+            </a:tbl>
+          </a:graphicData>
+        </a:graphic>
+      </p:graphicFrame>
+      <p:sp>
+        <p:nvSpPr>
+          <p:cNvPr id="12" name="CasellaDiTesto 11">
+            <a:extLst>
+              <a:ext uri="{FF2B5EF4-FFF2-40B4-BE49-F238E27FC236}">
+                <a16:creationId xmlns:a16="http://schemas.microsoft.com/office/drawing/2014/main" id="{17C4B0B8-889B-FD00-24E7-237BD7A7FB00}"/>
+              </a:ext>
+            </a:extLst>
+          </p:cNvPr>
+          <p:cNvSpPr txBox="1"/>
+          <p:nvPr/>
+        </p:nvSpPr>
+        <p:spPr>
+          <a:xfrm>
+            <a:off x="13568032" y="12270359"/>
+            <a:ext cx="7844464" cy="595035"/>
+          </a:xfrm>
+          <a:prstGeom prst="rect">
+            <a:avLst/>
+          </a:prstGeom>
+          <a:noFill/>
+          <a:ln w="12700" cap="flat">
+            <a:noFill/>
+            <a:miter lim="400000"/>
+          </a:ln>
+          <a:effectLst/>
+          <a:sp3d/>
+        </p:spPr>
+        <p:style>
+          <a:lnRef idx="0">
+            <a:scrgbClr r="0" g="0" b="0"/>
+          </a:lnRef>
+          <a:fillRef idx="0">
+            <a:scrgbClr r="0" g="0" b="0"/>
+          </a:fillRef>
+          <a:effectRef idx="0">
+            <a:scrgbClr r="0" g="0" b="0"/>
+          </a:effectRef>
+          <a:fontRef idx="none"/>
+        </p:style>
+        <p:txBody>
+          <a:bodyPr rot="0" spcFirstLastPara="1" vertOverflow="overflow" horzOverflow="overflow" vert="horz" wrap="square" lIns="50800" tIns="50800" rIns="50800" bIns="50800" numCol="1" spcCol="38100" rtlCol="0" anchor="ctr">
+            <a:spAutoFit/>
+          </a:bodyPr>
+          <a:lstStyle/>
+          <a:p>
+            <a:pPr marL="0" marR="0" indent="0" algn="l" defTabSz="2438338" rtl="0" fontAlgn="auto" latinLnBrk="0" hangingPunct="0">
+              <a:lnSpc>
+                <a:spcPct val="100000"/>
+              </a:lnSpc>
+              <a:spcBef>
+                <a:spcPts val="0"/>
+              </a:spcBef>
+              <a:spcAft>
+                <a:spcPts val="0"/>
+              </a:spcAft>
+              <a:buClrTx/>
+              <a:buSzTx/>
+              <a:buFontTx/>
+              <a:buNone/>
+              <a:tabLst/>
+            </a:pPr>
+            <a:r>
+              <a:rPr kumimoji="0" lang="it-IT" sz="3200" b="0" i="0" u="none" strike="noStrike" cap="none" spc="0" normalizeH="0" baseline="0" dirty="0" err="1">
+                <a:ln>
+                  <a:noFill/>
+                </a:ln>
+                <a:solidFill>
+                  <a:schemeClr val="bg2">
+                    <a:lumMod val="10000"/>
+                  </a:schemeClr>
+                </a:solidFill>
+                <a:effectLst/>
+                <a:uFillTx/>
+                <a:latin typeface="+mn-lt"/>
+                <a:ea typeface="+mn-ea"/>
+                <a:cs typeface="+mn-cs"/>
+                <a:sym typeface="Helvetica Neue"/>
+              </a:rPr>
+              <a:t>Accuracy</a:t>
+            </a:r>
+            <a:r>
+              <a:rPr kumimoji="0" lang="it-IT" sz="3200" b="0" i="0" u="none" strike="noStrike" cap="none" spc="0" normalizeH="0" baseline="0" dirty="0">
+                <a:ln>
+                  <a:noFill/>
+                </a:ln>
+                <a:solidFill>
+                  <a:schemeClr val="bg2">
+                    <a:lumMod val="10000"/>
+                  </a:schemeClr>
+                </a:solidFill>
+                <a:effectLst/>
+                <a:uFillTx/>
+                <a:latin typeface="+mn-lt"/>
+                <a:ea typeface="+mn-ea"/>
+                <a:cs typeface="+mn-cs"/>
+                <a:sym typeface="Helvetica Neue"/>
+              </a:rPr>
+              <a:t>: 78%</a:t>
+            </a:r>
+          </a:p>
+        </p:txBody>
+      </p:sp>
+      <p:pic>
+        <p:nvPicPr>
+          <p:cNvPr id="14" name="Immagine 13" descr="Immagine che contiene tavolo&#10;&#10;Descrizione generata automaticamente">
+            <a:extLst>
+              <a:ext uri="{FF2B5EF4-FFF2-40B4-BE49-F238E27FC236}">
+                <a16:creationId xmlns:a16="http://schemas.microsoft.com/office/drawing/2014/main" id="{D8430EC8-38CF-826E-2B62-CBD2A87C423F}"/>
+              </a:ext>
+            </a:extLst>
+          </p:cNvPr>
+          <p:cNvPicPr>
+            <a:picLocks noChangeAspect="1"/>
+          </p:cNvPicPr>
+          <p:nvPr/>
+        </p:nvPicPr>
+        <p:blipFill>
+          <a:blip r:embed="rId2">
+            <a:extLst>
+              <a:ext uri="{28A0092B-C50C-407E-A947-70E740481C1C}">
+                <a14:useLocalDpi xmlns:a14="http://schemas.microsoft.com/office/drawing/2010/main" val="0"/>
+              </a:ext>
+            </a:extLst>
+          </a:blip>
+          <a:stretch>
+            <a:fillRect/>
+          </a:stretch>
+        </p:blipFill>
+        <p:spPr>
+          <a:xfrm>
+            <a:off x="11757017" y="3048784"/>
+            <a:ext cx="11420483" cy="4746175"/>
+          </a:xfrm>
+          <a:prstGeom prst="rect">
+            <a:avLst/>
+          </a:prstGeom>
+        </p:spPr>
+      </p:pic>
+      <p:pic>
+        <p:nvPicPr>
+          <p:cNvPr id="4" name="Immagine 3">
+            <a:extLst>
+              <a:ext uri="{FF2B5EF4-FFF2-40B4-BE49-F238E27FC236}">
+                <a16:creationId xmlns:a16="http://schemas.microsoft.com/office/drawing/2014/main" id="{E0D22479-6BBD-29D5-73EA-B34C659B9782}"/>
+              </a:ext>
+            </a:extLst>
+          </p:cNvPr>
+          <p:cNvPicPr>
+            <a:picLocks noChangeAspect="1"/>
+          </p:cNvPicPr>
+          <p:nvPr/>
+        </p:nvPicPr>
+        <p:blipFill>
+          <a:blip r:embed="rId3">
+            <a:extLst>
+              <a:ext uri="{28A0092B-C50C-407E-A947-70E740481C1C}">
+                <a14:useLocalDpi xmlns:a14="http://schemas.microsoft.com/office/drawing/2010/main" val="0"/>
+              </a:ext>
+            </a:extLst>
+          </a:blip>
+          <a:stretch>
+            <a:fillRect/>
+          </a:stretch>
+        </p:blipFill>
+        <p:spPr>
+          <a:xfrm>
+            <a:off x="406400" y="3048784"/>
+            <a:ext cx="11420481" cy="4746174"/>
+          </a:xfrm>
+          <a:prstGeom prst="rect">
+            <a:avLst/>
+          </a:prstGeom>
+        </p:spPr>
+      </p:pic>
+    </p:spTree>
+    <p:extLst>
+      <p:ext uri="{BB962C8B-B14F-4D97-AF65-F5344CB8AC3E}">
+        <p14:creationId xmlns:p14="http://schemas.microsoft.com/office/powerpoint/2010/main" val="366140314"/>
+      </p:ext>
+    </p:extLst>
+  </p:cSld>
+  <p:clrMapOvr>
+    <a:masterClrMapping/>
+  </p:clrMapOvr>
+  <p:transition spd="med"/>
+</p:sld>
+</file>
+
+<file path=ppt/slides/slide18.xml><?xml version="1.0" encoding="utf-8"?>
+<p:sld xmlns:a="http://schemas.openxmlformats.org/drawingml/2006/main" xmlns:r="http://schemas.openxmlformats.org/officeDocument/2006/relationships" xmlns:p="http://schemas.openxmlformats.org/presentationml/2006/main">
+  <p:cSld>
+    <p:spTree>
+      <p:nvGrpSpPr>
+        <p:cNvPr id="1" name=""/>
+        <p:cNvGrpSpPr/>
+        <p:nvPr/>
+      </p:nvGrpSpPr>
+      <p:grpSpPr>
+        <a:xfrm>
+          <a:off x="0" y="0"/>
+          <a:ext cx="0" cy="0"/>
+          <a:chOff x="0" y="0"/>
+          <a:chExt cx="0" cy="0"/>
+        </a:xfrm>
+      </p:grpSpPr>
+      <p:sp>
+        <p:nvSpPr>
+          <p:cNvPr id="2" name="Titolo 1">
+            <a:extLst>
+              <a:ext uri="{FF2B5EF4-FFF2-40B4-BE49-F238E27FC236}">
+                <a16:creationId xmlns:a16="http://schemas.microsoft.com/office/drawing/2014/main" id="{1D917D33-820A-1C01-E27C-139A3EB1A658}"/>
+              </a:ext>
+            </a:extLst>
+          </p:cNvPr>
+          <p:cNvSpPr>
+            <a:spLocks noGrp="1"/>
+          </p:cNvSpPr>
+          <p:nvPr>
+            <p:ph type="title"/>
+          </p:nvPr>
+        </p:nvSpPr>
+        <p:spPr>
+          <a:xfrm>
+            <a:off x="1206500" y="469418"/>
+            <a:ext cx="21971000" cy="1433163"/>
+          </a:xfrm>
+        </p:spPr>
+        <p:txBody>
+          <a:bodyPr>
+            <a:normAutofit fontScale="90000"/>
+          </a:bodyPr>
+          <a:lstStyle/>
+          <a:p>
+            <a:r>
+              <a:rPr lang="it-IT" dirty="0"/>
+              <a:t>SVM model – Curve ROC e AUC 	              </a:t>
+            </a:r>
+            <a:r>
+              <a:rPr lang="it-IT" sz="2700" b="0" dirty="0">
+                <a:solidFill>
+                  <a:schemeClr val="bg2">
+                    <a:lumMod val="10000"/>
+                  </a:schemeClr>
+                </a:solidFill>
+              </a:rPr>
+              <a:t>Kernel = </a:t>
+            </a:r>
+            <a:r>
+              <a:rPr lang="it-IT" sz="2700" b="0" dirty="0" err="1">
+                <a:solidFill>
+                  <a:schemeClr val="bg2">
+                    <a:lumMod val="10000"/>
+                  </a:schemeClr>
+                </a:solidFill>
+              </a:rPr>
+              <a:t>radial</a:t>
+            </a:r>
+            <a:r>
+              <a:rPr lang="it-IT" sz="2700" b="0" dirty="0">
+                <a:solidFill>
+                  <a:schemeClr val="bg2">
+                    <a:lumMod val="10000"/>
+                  </a:schemeClr>
+                </a:solidFill>
+              </a:rPr>
+              <a:t>, cost = 100</a:t>
+            </a:r>
+            <a:br>
+              <a:rPr kumimoji="0" lang="it-IT" sz="8800" b="0" i="0" u="none" strike="noStrike" cap="none" spc="0" normalizeH="0" baseline="0" dirty="0">
+                <a:ln>
+                  <a:noFill/>
+                </a:ln>
+                <a:solidFill>
+                  <a:schemeClr val="bg2">
+                    <a:lumMod val="10000"/>
+                  </a:schemeClr>
+                </a:solidFill>
+                <a:effectLst/>
+                <a:uFillTx/>
+                <a:latin typeface="+mn-lt"/>
+                <a:ea typeface="+mn-ea"/>
+                <a:cs typeface="+mn-cs"/>
+                <a:sym typeface="Helvetica Neue"/>
+              </a:rPr>
+            </a:br>
+            <a:r>
+              <a:rPr lang="it-IT" dirty="0"/>
+              <a:t> </a:t>
+            </a:r>
+          </a:p>
+        </p:txBody>
+      </p:sp>
+      <p:sp>
+        <p:nvSpPr>
+          <p:cNvPr id="9" name="CasellaDiTesto 8">
+            <a:extLst>
+              <a:ext uri="{FF2B5EF4-FFF2-40B4-BE49-F238E27FC236}">
+                <a16:creationId xmlns:a16="http://schemas.microsoft.com/office/drawing/2014/main" id="{C64E33AA-1D2A-1EEE-80C2-42E170DE7CB9}"/>
+              </a:ext>
+            </a:extLst>
+          </p:cNvPr>
+          <p:cNvSpPr txBox="1"/>
+          <p:nvPr/>
+        </p:nvSpPr>
+        <p:spPr>
+          <a:xfrm>
+            <a:off x="4125433" y="6858000"/>
+            <a:ext cx="4890976" cy="595035"/>
+          </a:xfrm>
+          <a:prstGeom prst="rect">
+            <a:avLst/>
+          </a:prstGeom>
+          <a:noFill/>
+          <a:ln w="12700" cap="flat">
+            <a:noFill/>
+            <a:miter lim="400000"/>
+          </a:ln>
+          <a:effectLst/>
+          <a:sp3d/>
+        </p:spPr>
+        <p:style>
+          <a:lnRef idx="0">
+            <a:scrgbClr r="0" g="0" b="0"/>
+          </a:lnRef>
+          <a:fillRef idx="0">
+            <a:scrgbClr r="0" g="0" b="0"/>
+          </a:fillRef>
+          <a:effectRef idx="0">
+            <a:scrgbClr r="0" g="0" b="0"/>
+          </a:effectRef>
+          <a:fontRef idx="none"/>
+        </p:style>
+        <p:txBody>
+          <a:bodyPr rot="0" spcFirstLastPara="1" vertOverflow="overflow" horzOverflow="overflow" vert="horz" wrap="square" lIns="50800" tIns="50800" rIns="50800" bIns="50800" numCol="1" spcCol="38100" rtlCol="0" anchor="ctr">
+            <a:spAutoFit/>
+          </a:bodyPr>
+          <a:lstStyle/>
+          <a:p>
+            <a:pPr marL="0" marR="0" indent="0" algn="l" defTabSz="2438338" rtl="0" fontAlgn="auto" latinLnBrk="0" hangingPunct="0">
+              <a:lnSpc>
+                <a:spcPct val="100000"/>
+              </a:lnSpc>
+              <a:spcBef>
+                <a:spcPts val="0"/>
+              </a:spcBef>
+              <a:spcAft>
+                <a:spcPts val="0"/>
+              </a:spcAft>
+              <a:buClrTx/>
+              <a:buSzTx/>
+              <a:buFontTx/>
+              <a:buNone/>
+              <a:tabLst/>
+            </a:pPr>
+            <a:r>
+              <a:rPr kumimoji="0" lang="it-IT" sz="3200" b="0" i="0" u="none" strike="noStrike" cap="none" spc="0" normalizeH="0" baseline="0" dirty="0">
+                <a:ln>
+                  <a:noFill/>
+                </a:ln>
+                <a:solidFill>
+                  <a:schemeClr val="bg2">
+                    <a:lumMod val="10000"/>
+                  </a:schemeClr>
+                </a:solidFill>
+                <a:effectLst/>
+                <a:uFillTx/>
+                <a:latin typeface="+mn-lt"/>
+                <a:ea typeface="+mn-ea"/>
+                <a:cs typeface="+mn-cs"/>
+                <a:sym typeface="Helvetica Neue"/>
+              </a:rPr>
+              <a:t>AUC:  0.95</a:t>
+            </a:r>
+          </a:p>
+        </p:txBody>
+      </p:sp>
+      <p:sp>
+        <p:nvSpPr>
+          <p:cNvPr id="10" name="CasellaDiTesto 9">
+            <a:extLst>
+              <a:ext uri="{FF2B5EF4-FFF2-40B4-BE49-F238E27FC236}">
+                <a16:creationId xmlns:a16="http://schemas.microsoft.com/office/drawing/2014/main" id="{43DB5687-E53F-5F3A-8BAB-4847EFE55FB3}"/>
+              </a:ext>
+            </a:extLst>
+          </p:cNvPr>
+          <p:cNvSpPr txBox="1"/>
+          <p:nvPr/>
+        </p:nvSpPr>
+        <p:spPr>
+          <a:xfrm>
+            <a:off x="16181116" y="12889180"/>
+            <a:ext cx="4890976" cy="595035"/>
+          </a:xfrm>
+          <a:prstGeom prst="rect">
+            <a:avLst/>
+          </a:prstGeom>
+          <a:noFill/>
+          <a:ln w="12700" cap="flat">
+            <a:noFill/>
+            <a:miter lim="400000"/>
+          </a:ln>
+          <a:effectLst/>
+          <a:sp3d/>
+        </p:spPr>
+        <p:style>
+          <a:lnRef idx="0">
+            <a:scrgbClr r="0" g="0" b="0"/>
+          </a:lnRef>
+          <a:fillRef idx="0">
+            <a:scrgbClr r="0" g="0" b="0"/>
+          </a:fillRef>
+          <a:effectRef idx="0">
+            <a:scrgbClr r="0" g="0" b="0"/>
+          </a:effectRef>
+          <a:fontRef idx="none"/>
+        </p:style>
+        <p:txBody>
+          <a:bodyPr rot="0" spcFirstLastPara="1" vertOverflow="overflow" horzOverflow="overflow" vert="horz" wrap="square" lIns="50800" tIns="50800" rIns="50800" bIns="50800" numCol="1" spcCol="38100" rtlCol="0" anchor="ctr">
+            <a:spAutoFit/>
+          </a:bodyPr>
+          <a:lstStyle/>
+          <a:p>
+            <a:pPr marL="0" marR="0" indent="0" algn="l" defTabSz="2438338" rtl="0" fontAlgn="auto" latinLnBrk="0" hangingPunct="0">
+              <a:lnSpc>
+                <a:spcPct val="100000"/>
+              </a:lnSpc>
+              <a:spcBef>
+                <a:spcPts val="0"/>
+              </a:spcBef>
+              <a:spcAft>
+                <a:spcPts val="0"/>
+              </a:spcAft>
+              <a:buClrTx/>
+              <a:buSzTx/>
+              <a:buFontTx/>
+              <a:buNone/>
+              <a:tabLst/>
+            </a:pPr>
+            <a:r>
+              <a:rPr kumimoji="0" lang="it-IT" sz="3200" b="0" i="0" u="none" strike="noStrike" cap="none" spc="0" normalizeH="0" baseline="0" dirty="0">
+                <a:ln>
+                  <a:noFill/>
+                </a:ln>
+                <a:solidFill>
+                  <a:schemeClr val="bg2">
+                    <a:lumMod val="10000"/>
+                  </a:schemeClr>
+                </a:solidFill>
+                <a:effectLst/>
+                <a:uFillTx/>
+                <a:latin typeface="+mn-lt"/>
+                <a:ea typeface="+mn-ea"/>
+                <a:cs typeface="+mn-cs"/>
+                <a:sym typeface="Helvetica Neue"/>
+              </a:rPr>
+              <a:t>AUC: 0.94</a:t>
+            </a:r>
+          </a:p>
+        </p:txBody>
+      </p:sp>
+      <p:sp>
+        <p:nvSpPr>
+          <p:cNvPr id="11" name="CasellaDiTesto 10">
+            <a:extLst>
+              <a:ext uri="{FF2B5EF4-FFF2-40B4-BE49-F238E27FC236}">
+                <a16:creationId xmlns:a16="http://schemas.microsoft.com/office/drawing/2014/main" id="{FD2F3016-870B-0413-ABE9-03861066DDD1}"/>
+              </a:ext>
+            </a:extLst>
+          </p:cNvPr>
+          <p:cNvSpPr txBox="1"/>
+          <p:nvPr/>
+        </p:nvSpPr>
+        <p:spPr>
+          <a:xfrm>
+            <a:off x="16181116" y="6858000"/>
+            <a:ext cx="4890976" cy="595035"/>
+          </a:xfrm>
+          <a:prstGeom prst="rect">
+            <a:avLst/>
+          </a:prstGeom>
+          <a:noFill/>
+          <a:ln w="12700" cap="flat">
+            <a:noFill/>
+            <a:miter lim="400000"/>
+          </a:ln>
+          <a:effectLst/>
+          <a:sp3d/>
+        </p:spPr>
+        <p:style>
+          <a:lnRef idx="0">
+            <a:scrgbClr r="0" g="0" b="0"/>
+          </a:lnRef>
+          <a:fillRef idx="0">
+            <a:scrgbClr r="0" g="0" b="0"/>
+          </a:fillRef>
+          <a:effectRef idx="0">
+            <a:scrgbClr r="0" g="0" b="0"/>
+          </a:effectRef>
+          <a:fontRef idx="none"/>
+        </p:style>
+        <p:txBody>
+          <a:bodyPr rot="0" spcFirstLastPara="1" vertOverflow="overflow" horzOverflow="overflow" vert="horz" wrap="square" lIns="50800" tIns="50800" rIns="50800" bIns="50800" numCol="1" spcCol="38100" rtlCol="0" anchor="ctr">
+            <a:spAutoFit/>
+          </a:bodyPr>
+          <a:lstStyle/>
+          <a:p>
+            <a:pPr marL="0" marR="0" indent="0" algn="l" defTabSz="2438338" rtl="0" fontAlgn="auto" latinLnBrk="0" hangingPunct="0">
+              <a:lnSpc>
+                <a:spcPct val="100000"/>
+              </a:lnSpc>
+              <a:spcBef>
+                <a:spcPts val="0"/>
+              </a:spcBef>
+              <a:spcAft>
+                <a:spcPts val="0"/>
+              </a:spcAft>
+              <a:buClrTx/>
+              <a:buSzTx/>
+              <a:buFontTx/>
+              <a:buNone/>
+              <a:tabLst/>
+            </a:pPr>
+            <a:r>
+              <a:rPr kumimoji="0" lang="it-IT" sz="3200" b="0" i="0" u="none" strike="noStrike" cap="none" spc="0" normalizeH="0" baseline="0" dirty="0">
+                <a:ln>
+                  <a:noFill/>
+                </a:ln>
+                <a:solidFill>
+                  <a:schemeClr val="bg2">
+                    <a:lumMod val="10000"/>
+                  </a:schemeClr>
+                </a:solidFill>
+                <a:effectLst/>
+                <a:uFillTx/>
+                <a:latin typeface="+mn-lt"/>
+                <a:ea typeface="+mn-ea"/>
+                <a:cs typeface="+mn-cs"/>
+                <a:sym typeface="Helvetica Neue"/>
+              </a:rPr>
+              <a:t>AUC: 0.93</a:t>
+            </a:r>
+          </a:p>
+        </p:txBody>
+      </p:sp>
+      <p:sp>
+        <p:nvSpPr>
+          <p:cNvPr id="12" name="CasellaDiTesto 11">
+            <a:extLst>
+              <a:ext uri="{FF2B5EF4-FFF2-40B4-BE49-F238E27FC236}">
+                <a16:creationId xmlns:a16="http://schemas.microsoft.com/office/drawing/2014/main" id="{85AF648F-03D5-CAE7-BE79-444E9FC2BAD9}"/>
+              </a:ext>
+            </a:extLst>
+          </p:cNvPr>
+          <p:cNvSpPr txBox="1"/>
+          <p:nvPr/>
+        </p:nvSpPr>
+        <p:spPr>
+          <a:xfrm>
+            <a:off x="4125433" y="12889181"/>
+            <a:ext cx="4890976" cy="595035"/>
+          </a:xfrm>
+          <a:prstGeom prst="rect">
+            <a:avLst/>
+          </a:prstGeom>
+          <a:noFill/>
+          <a:ln w="12700" cap="flat">
+            <a:noFill/>
+            <a:miter lim="400000"/>
+          </a:ln>
+          <a:effectLst/>
+          <a:sp3d/>
+        </p:spPr>
+        <p:style>
+          <a:lnRef idx="0">
+            <a:scrgbClr r="0" g="0" b="0"/>
+          </a:lnRef>
+          <a:fillRef idx="0">
+            <a:scrgbClr r="0" g="0" b="0"/>
+          </a:fillRef>
+          <a:effectRef idx="0">
+            <a:scrgbClr r="0" g="0" b="0"/>
+          </a:effectRef>
+          <a:fontRef idx="none"/>
+        </p:style>
+        <p:txBody>
+          <a:bodyPr rot="0" spcFirstLastPara="1" vertOverflow="overflow" horzOverflow="overflow" vert="horz" wrap="square" lIns="50800" tIns="50800" rIns="50800" bIns="50800" numCol="1" spcCol="38100" rtlCol="0" anchor="ctr">
+            <a:spAutoFit/>
+          </a:bodyPr>
+          <a:lstStyle/>
+          <a:p>
+            <a:pPr marL="0" marR="0" indent="0" algn="l" defTabSz="2438338" rtl="0" fontAlgn="auto" latinLnBrk="0" hangingPunct="0">
+              <a:lnSpc>
+                <a:spcPct val="100000"/>
+              </a:lnSpc>
+              <a:spcBef>
+                <a:spcPts val="0"/>
+              </a:spcBef>
+              <a:spcAft>
+                <a:spcPts val="0"/>
+              </a:spcAft>
+              <a:buClrTx/>
+              <a:buSzTx/>
+              <a:buFontTx/>
+              <a:buNone/>
+              <a:tabLst/>
+            </a:pPr>
+            <a:r>
+              <a:rPr kumimoji="0" lang="it-IT" sz="3200" b="0" i="0" u="none" strike="noStrike" cap="none" spc="0" normalizeH="0" baseline="0" dirty="0">
+                <a:ln>
+                  <a:noFill/>
+                </a:ln>
+                <a:solidFill>
+                  <a:schemeClr val="bg2">
+                    <a:lumMod val="10000"/>
+                  </a:schemeClr>
+                </a:solidFill>
+                <a:effectLst/>
+                <a:uFillTx/>
+                <a:latin typeface="+mn-lt"/>
+                <a:ea typeface="+mn-ea"/>
+                <a:cs typeface="+mn-cs"/>
+                <a:sym typeface="Helvetica Neue"/>
+              </a:rPr>
+              <a:t>AUC: 0.79</a:t>
+            </a:r>
+          </a:p>
+        </p:txBody>
+      </p:sp>
+      <p:pic>
+        <p:nvPicPr>
+          <p:cNvPr id="16" name="Immagine 15">
+            <a:extLst>
+              <a:ext uri="{FF2B5EF4-FFF2-40B4-BE49-F238E27FC236}">
+                <a16:creationId xmlns:a16="http://schemas.microsoft.com/office/drawing/2014/main" id="{2EE4DC44-56E9-0D44-ADDF-1DAA5547F41D}"/>
+              </a:ext>
+            </a:extLst>
+          </p:cNvPr>
+          <p:cNvPicPr>
+            <a:picLocks noChangeAspect="1"/>
+          </p:cNvPicPr>
+          <p:nvPr/>
+        </p:nvPicPr>
+        <p:blipFill>
+          <a:blip r:embed="rId2">
+            <a:extLst>
+              <a:ext uri="{28A0092B-C50C-407E-A947-70E740481C1C}">
+                <a14:useLocalDpi xmlns:a14="http://schemas.microsoft.com/office/drawing/2010/main" val="0"/>
+              </a:ext>
+            </a:extLst>
+          </a:blip>
+          <a:stretch>
+            <a:fillRect/>
+          </a:stretch>
+        </p:blipFill>
+        <p:spPr>
+          <a:xfrm>
+            <a:off x="-2" y="1734544"/>
+            <a:ext cx="12328317" cy="5123456"/>
+          </a:xfrm>
+          <a:prstGeom prst="rect">
+            <a:avLst/>
+          </a:prstGeom>
+        </p:spPr>
+      </p:pic>
+      <p:pic>
+        <p:nvPicPr>
+          <p:cNvPr id="18" name="Immagine 17">
+            <a:extLst>
+              <a:ext uri="{FF2B5EF4-FFF2-40B4-BE49-F238E27FC236}">
+                <a16:creationId xmlns:a16="http://schemas.microsoft.com/office/drawing/2014/main" id="{05EF9200-653D-1073-2960-0BCEB3FE0F33}"/>
+              </a:ext>
+            </a:extLst>
+          </p:cNvPr>
+          <p:cNvPicPr>
+            <a:picLocks noChangeAspect="1"/>
+          </p:cNvPicPr>
+          <p:nvPr/>
+        </p:nvPicPr>
+        <p:blipFill>
+          <a:blip r:embed="rId3">
+            <a:extLst>
+              <a:ext uri="{28A0092B-C50C-407E-A947-70E740481C1C}">
+                <a14:useLocalDpi xmlns:a14="http://schemas.microsoft.com/office/drawing/2010/main" val="0"/>
+              </a:ext>
+            </a:extLst>
+          </a:blip>
+          <a:stretch>
+            <a:fillRect/>
+          </a:stretch>
+        </p:blipFill>
+        <p:spPr>
+          <a:xfrm>
+            <a:off x="12055683" y="1734544"/>
+            <a:ext cx="12328317" cy="5123456"/>
+          </a:xfrm>
+          <a:prstGeom prst="rect">
+            <a:avLst/>
+          </a:prstGeom>
+        </p:spPr>
+      </p:pic>
+      <p:pic>
+        <p:nvPicPr>
+          <p:cNvPr id="20" name="Immagine 19">
+            <a:extLst>
+              <a:ext uri="{FF2B5EF4-FFF2-40B4-BE49-F238E27FC236}">
+                <a16:creationId xmlns:a16="http://schemas.microsoft.com/office/drawing/2014/main" id="{38AF1EE7-7A4D-3536-2CFA-6C9C74A633FE}"/>
+              </a:ext>
+            </a:extLst>
+          </p:cNvPr>
+          <p:cNvPicPr>
+            <a:picLocks noChangeAspect="1"/>
+          </p:cNvPicPr>
+          <p:nvPr/>
+        </p:nvPicPr>
+        <p:blipFill>
+          <a:blip r:embed="rId4">
+            <a:extLst>
+              <a:ext uri="{28A0092B-C50C-407E-A947-70E740481C1C}">
+                <a14:useLocalDpi xmlns:a14="http://schemas.microsoft.com/office/drawing/2010/main" val="0"/>
+              </a:ext>
+            </a:extLst>
+          </a:blip>
+          <a:stretch>
+            <a:fillRect/>
+          </a:stretch>
+        </p:blipFill>
+        <p:spPr>
+          <a:xfrm>
+            <a:off x="0" y="7765724"/>
+            <a:ext cx="12328317" cy="5123456"/>
+          </a:xfrm>
+          <a:prstGeom prst="rect">
+            <a:avLst/>
+          </a:prstGeom>
+        </p:spPr>
+      </p:pic>
+      <p:pic>
+        <p:nvPicPr>
+          <p:cNvPr id="22" name="Immagine 21">
+            <a:extLst>
+              <a:ext uri="{FF2B5EF4-FFF2-40B4-BE49-F238E27FC236}">
+                <a16:creationId xmlns:a16="http://schemas.microsoft.com/office/drawing/2014/main" id="{F869F2B4-26BE-D41A-8C5A-E06475817E2B}"/>
+              </a:ext>
+            </a:extLst>
+          </p:cNvPr>
+          <p:cNvPicPr>
+            <a:picLocks noChangeAspect="1"/>
+          </p:cNvPicPr>
+          <p:nvPr/>
+        </p:nvPicPr>
+        <p:blipFill>
+          <a:blip r:embed="rId5">
+            <a:extLst>
+              <a:ext uri="{28A0092B-C50C-407E-A947-70E740481C1C}">
+                <a14:useLocalDpi xmlns:a14="http://schemas.microsoft.com/office/drawing/2010/main" val="0"/>
+              </a:ext>
+            </a:extLst>
+          </a:blip>
+          <a:stretch>
+            <a:fillRect/>
+          </a:stretch>
+        </p:blipFill>
+        <p:spPr>
+          <a:xfrm>
+            <a:off x="11922640" y="7765724"/>
+            <a:ext cx="12328317" cy="5123456"/>
+          </a:xfrm>
+          <a:prstGeom prst="rect">
+            <a:avLst/>
+          </a:prstGeom>
+        </p:spPr>
+      </p:pic>
+    </p:spTree>
+    <p:extLst>
+      <p:ext uri="{BB962C8B-B14F-4D97-AF65-F5344CB8AC3E}">
+        <p14:creationId xmlns:p14="http://schemas.microsoft.com/office/powerpoint/2010/main" val="3489901835"/>
+      </p:ext>
+    </p:extLst>
+  </p:cSld>
+  <p:clrMapOvr>
+    <a:masterClrMapping/>
+  </p:clrMapOvr>
+  <p:transition spd="med"/>
+</p:sld>
+</file>
+
+<file path=ppt/slides/slide19.xml><?xml version="1.0" encoding="utf-8"?>
+<p:sld xmlns:a="http://schemas.openxmlformats.org/drawingml/2006/main" xmlns:r="http://schemas.openxmlformats.org/officeDocument/2006/relationships" xmlns:p="http://schemas.openxmlformats.org/presentationml/2006/main">
+  <p:cSld>
+    <p:spTree>
+      <p:nvGrpSpPr>
+        <p:cNvPr id="1" name=""/>
+        <p:cNvGrpSpPr/>
+        <p:nvPr/>
+      </p:nvGrpSpPr>
+      <p:grpSpPr>
+        <a:xfrm>
+          <a:off x="0" y="0"/>
+          <a:ext cx="0" cy="0"/>
+          <a:chOff x="0" y="0"/>
+          <a:chExt cx="0" cy="0"/>
+        </a:xfrm>
+      </p:grpSpPr>
+      <p:sp>
+        <p:nvSpPr>
+          <p:cNvPr id="2" name="Titolo 1">
+            <a:extLst>
+              <a:ext uri="{FF2B5EF4-FFF2-40B4-BE49-F238E27FC236}">
+                <a16:creationId xmlns:a16="http://schemas.microsoft.com/office/drawing/2014/main" id="{48BC6A2D-07CA-13C2-FE1B-28DF6966A1BD}"/>
+              </a:ext>
+            </a:extLst>
+          </p:cNvPr>
+          <p:cNvSpPr>
+            <a:spLocks noGrp="1"/>
+          </p:cNvSpPr>
+          <p:nvPr>
+            <p:ph type="title"/>
+          </p:nvPr>
+        </p:nvSpPr>
+        <p:spPr>
+          <a:xfrm>
+            <a:off x="1206500" y="313955"/>
+            <a:ext cx="21971000" cy="1433163"/>
+          </a:xfrm>
+        </p:spPr>
+        <p:txBody>
+          <a:bodyPr/>
+          <a:lstStyle/>
+          <a:p>
+            <a:r>
+              <a:rPr lang="it-IT" dirty="0"/>
+              <a:t>Random </a:t>
+            </a:r>
+            <a:r>
+              <a:rPr lang="it-IT" dirty="0" err="1"/>
+              <a:t>Forest</a:t>
+            </a:r>
+            <a:r>
+              <a:rPr lang="it-IT" dirty="0"/>
+              <a:t> model</a:t>
+            </a:r>
+          </a:p>
+        </p:txBody>
+      </p:sp>
+      <p:pic>
+        <p:nvPicPr>
+          <p:cNvPr id="6" name="Immagine 5" descr="Immagine che contiene tavolo&#10;&#10;Descrizione generata automaticamente">
+            <a:extLst>
+              <a:ext uri="{FF2B5EF4-FFF2-40B4-BE49-F238E27FC236}">
+                <a16:creationId xmlns:a16="http://schemas.microsoft.com/office/drawing/2014/main" id="{51C65825-DA09-A6ED-AEB7-B20B39280C4F}"/>
+              </a:ext>
+            </a:extLst>
+          </p:cNvPr>
+          <p:cNvPicPr>
+            <a:picLocks noChangeAspect="1"/>
+          </p:cNvPicPr>
+          <p:nvPr/>
+        </p:nvPicPr>
+        <p:blipFill>
+          <a:blip r:embed="rId2">
+            <a:extLst>
+              <a:ext uri="{28A0092B-C50C-407E-A947-70E740481C1C}">
+                <a14:useLocalDpi xmlns:a14="http://schemas.microsoft.com/office/drawing/2010/main" val="0"/>
+              </a:ext>
+            </a:extLst>
+          </a:blip>
+          <a:stretch>
+            <a:fillRect/>
+          </a:stretch>
+        </p:blipFill>
+        <p:spPr>
+          <a:xfrm>
+            <a:off x="12192000" y="2313603"/>
+            <a:ext cx="11888873" cy="4940830"/>
+          </a:xfrm>
+          <a:prstGeom prst="rect">
+            <a:avLst/>
+          </a:prstGeom>
+        </p:spPr>
+      </p:pic>
+      <p:graphicFrame>
+        <p:nvGraphicFramePr>
+          <p:cNvPr id="7" name="Tabella 9">
+            <a:extLst>
+              <a:ext uri="{FF2B5EF4-FFF2-40B4-BE49-F238E27FC236}">
+                <a16:creationId xmlns:a16="http://schemas.microsoft.com/office/drawing/2014/main" id="{EF2498AA-25DF-511D-EE58-1FCB08835E37}"/>
+              </a:ext>
+            </a:extLst>
+          </p:cNvPr>
+          <p:cNvGraphicFramePr>
+            <a:graphicFrameLocks noGrp="1"/>
+          </p:cNvGraphicFramePr>
+          <p:nvPr>
+            <p:extLst>
+              <p:ext uri="{D42A27DB-BD31-4B8C-83A1-F6EECF244321}">
+                <p14:modId xmlns:p14="http://schemas.microsoft.com/office/powerpoint/2010/main" val="3328757434"/>
+              </p:ext>
+            </p:extLst>
+          </p:nvPr>
+        </p:nvGraphicFramePr>
+        <p:xfrm>
+          <a:off x="13331702" y="8183791"/>
+          <a:ext cx="9609468" cy="3467292"/>
+        </p:xfrm>
+        <a:graphic>
+          <a:graphicData uri="http://schemas.openxmlformats.org/drawingml/2006/table">
+            <a:tbl>
+              <a:tblPr firstRow="1" bandRow="1">
+                <a:tableStyleId>{5940675A-B579-460E-94D1-54222C63F5DA}</a:tableStyleId>
+              </a:tblPr>
+              <a:tblGrid>
+                <a:gridCol w="1601578">
+                  <a:extLst>
+                    <a:ext uri="{9D8B030D-6E8A-4147-A177-3AD203B41FA5}">
+                      <a16:colId xmlns:a16="http://schemas.microsoft.com/office/drawing/2014/main" val="249573566"/>
+                    </a:ext>
+                  </a:extLst>
+                </a:gridCol>
+                <a:gridCol w="1601578">
+                  <a:extLst>
+                    <a:ext uri="{9D8B030D-6E8A-4147-A177-3AD203B41FA5}">
+                      <a16:colId xmlns:a16="http://schemas.microsoft.com/office/drawing/2014/main" val="701776835"/>
+                    </a:ext>
+                  </a:extLst>
+                </a:gridCol>
+                <a:gridCol w="1601578">
+                  <a:extLst>
+                    <a:ext uri="{9D8B030D-6E8A-4147-A177-3AD203B41FA5}">
+                      <a16:colId xmlns:a16="http://schemas.microsoft.com/office/drawing/2014/main" val="7467084"/>
+                    </a:ext>
+                  </a:extLst>
+                </a:gridCol>
+                <a:gridCol w="1601578">
+                  <a:extLst>
+                    <a:ext uri="{9D8B030D-6E8A-4147-A177-3AD203B41FA5}">
+                      <a16:colId xmlns:a16="http://schemas.microsoft.com/office/drawing/2014/main" val="1213607272"/>
+                    </a:ext>
+                  </a:extLst>
+                </a:gridCol>
+                <a:gridCol w="1601578">
+                  <a:extLst>
+                    <a:ext uri="{9D8B030D-6E8A-4147-A177-3AD203B41FA5}">
+                      <a16:colId xmlns:a16="http://schemas.microsoft.com/office/drawing/2014/main" val="346121161"/>
+                    </a:ext>
+                  </a:extLst>
+                </a:gridCol>
+                <a:gridCol w="1601578">
+                  <a:extLst>
+                    <a:ext uri="{9D8B030D-6E8A-4147-A177-3AD203B41FA5}">
+                      <a16:colId xmlns:a16="http://schemas.microsoft.com/office/drawing/2014/main" val="444490598"/>
+                    </a:ext>
+                  </a:extLst>
+                </a:gridCol>
+              </a:tblGrid>
+              <a:tr h="866823">
+                <a:tc>
+                  <a:txBody>
+                    <a:bodyPr/>
+                    <a:lstStyle/>
+                    <a:p>
+                      <a:endParaRPr lang="it-IT" dirty="0">
+                        <a:solidFill>
+                          <a:schemeClr val="bg2">
+                            <a:lumMod val="10000"/>
+                          </a:schemeClr>
+                        </a:solidFill>
+                      </a:endParaRPr>
+                    </a:p>
+                  </a:txBody>
+                  <a:tcPr/>
+                </a:tc>
+                <a:tc>
+                  <a:txBody>
+                    <a:bodyPr/>
+                    <a:lstStyle/>
+                    <a:p>
+                      <a:r>
+                        <a:rPr lang="it-IT" sz="2400" dirty="0">
+                          <a:solidFill>
+                            <a:schemeClr val="bg2">
+                              <a:lumMod val="10000"/>
+                            </a:schemeClr>
+                          </a:solidFill>
+                        </a:rPr>
+                        <a:t>F. bassa</a:t>
+                      </a:r>
+                    </a:p>
+                  </a:txBody>
+                  <a:tcPr/>
+                </a:tc>
+                <a:tc>
+                  <a:txBody>
+                    <a:bodyPr/>
+                    <a:lstStyle/>
+                    <a:p>
+                      <a:r>
+                        <a:rPr lang="it-IT" sz="2400" dirty="0">
+                          <a:solidFill>
+                            <a:schemeClr val="bg2">
+                              <a:lumMod val="10000"/>
+                            </a:schemeClr>
+                          </a:solidFill>
+                        </a:rPr>
+                        <a:t>F. media</a:t>
+                      </a:r>
+                    </a:p>
+                  </a:txBody>
+                  <a:tcPr/>
+                </a:tc>
+                <a:tc>
+                  <a:txBody>
+                    <a:bodyPr/>
+                    <a:lstStyle/>
+                    <a:p>
+                      <a:r>
+                        <a:rPr lang="it-IT" sz="2400" dirty="0">
+                          <a:solidFill>
+                            <a:schemeClr val="bg2">
+                              <a:lumMod val="10000"/>
+                            </a:schemeClr>
+                          </a:solidFill>
+                        </a:rPr>
+                        <a:t>F. alta</a:t>
+                      </a:r>
+                    </a:p>
+                  </a:txBody>
+                  <a:tcPr/>
+                </a:tc>
+                <a:tc>
+                  <a:txBody>
+                    <a:bodyPr/>
+                    <a:lstStyle/>
+                    <a:p>
+                      <a:r>
+                        <a:rPr lang="it-IT" sz="2200" dirty="0">
+                          <a:solidFill>
+                            <a:schemeClr val="bg2">
+                              <a:lumMod val="10000"/>
+                            </a:schemeClr>
+                          </a:solidFill>
+                        </a:rPr>
+                        <a:t>F. premium</a:t>
+                      </a:r>
+                    </a:p>
+                  </a:txBody>
+                  <a:tcPr/>
+                </a:tc>
+                <a:tc>
+                  <a:txBody>
+                    <a:bodyPr/>
+                    <a:lstStyle/>
+                    <a:p>
+                      <a:r>
+                        <a:rPr lang="it-IT" sz="2400" dirty="0">
+                          <a:solidFill>
+                            <a:schemeClr val="bg2">
+                              <a:lumMod val="10000"/>
+                            </a:schemeClr>
+                          </a:solidFill>
+                        </a:rPr>
+                        <a:t>Media</a:t>
+                      </a:r>
+                    </a:p>
+                  </a:txBody>
+                  <a:tcPr/>
+                </a:tc>
+                <a:extLst>
+                  <a:ext uri="{0D108BD9-81ED-4DB2-BD59-A6C34878D82A}">
+                    <a16:rowId xmlns:a16="http://schemas.microsoft.com/office/drawing/2014/main" val="3221883788"/>
+                  </a:ext>
+                </a:extLst>
+              </a:tr>
+              <a:tr h="866823">
+                <a:tc>
+                  <a:txBody>
+                    <a:bodyPr/>
+                    <a:lstStyle/>
+                    <a:p>
+                      <a:r>
+                        <a:rPr lang="it-IT" sz="2400" dirty="0">
+                          <a:solidFill>
+                            <a:schemeClr val="bg2">
+                              <a:lumMod val="10000"/>
+                            </a:schemeClr>
+                          </a:solidFill>
+                        </a:rPr>
+                        <a:t>Precision</a:t>
+                      </a:r>
+                    </a:p>
+                  </a:txBody>
+                  <a:tcPr/>
+                </a:tc>
+                <a:tc>
+                  <a:txBody>
+                    <a:bodyPr/>
+                    <a:lstStyle/>
+                    <a:p>
+                      <a:r>
+                        <a:rPr lang="it-IT" sz="2800" dirty="0">
+                          <a:solidFill>
+                            <a:schemeClr val="bg2">
+                              <a:lumMod val="10000"/>
+                            </a:schemeClr>
+                          </a:solidFill>
+                        </a:rPr>
+                        <a:t>87</a:t>
+                      </a:r>
+                    </a:p>
+                  </a:txBody>
+                  <a:tcPr/>
+                </a:tc>
+                <a:tc>
+                  <a:txBody>
+                    <a:bodyPr/>
+                    <a:lstStyle/>
+                    <a:p>
+                      <a:r>
+                        <a:rPr lang="it-IT" sz="2800" dirty="0">
+                          <a:solidFill>
+                            <a:schemeClr val="bg2">
+                              <a:lumMod val="10000"/>
+                            </a:schemeClr>
+                          </a:solidFill>
+                        </a:rPr>
+                        <a:t>76</a:t>
+                      </a:r>
+                    </a:p>
+                  </a:txBody>
+                  <a:tcPr/>
+                </a:tc>
+                <a:tc>
+                  <a:txBody>
+                    <a:bodyPr/>
+                    <a:lstStyle/>
+                    <a:p>
+                      <a:r>
+                        <a:rPr lang="it-IT" sz="2800" dirty="0">
+                          <a:solidFill>
+                            <a:schemeClr val="bg2">
+                              <a:lumMod val="10000"/>
+                            </a:schemeClr>
+                          </a:solidFill>
+                        </a:rPr>
+                        <a:t>75</a:t>
+                      </a:r>
+                    </a:p>
+                  </a:txBody>
+                  <a:tcPr/>
+                </a:tc>
+                <a:tc>
+                  <a:txBody>
+                    <a:bodyPr/>
+                    <a:lstStyle/>
+                    <a:p>
+                      <a:r>
+                        <a:rPr lang="it-IT" sz="2800" dirty="0">
+                          <a:solidFill>
+                            <a:schemeClr val="bg2">
+                              <a:lumMod val="10000"/>
+                            </a:schemeClr>
+                          </a:solidFill>
+                        </a:rPr>
+                        <a:t>86</a:t>
+                      </a:r>
+                    </a:p>
+                  </a:txBody>
+                  <a:tcPr/>
+                </a:tc>
+                <a:tc>
+                  <a:txBody>
+                    <a:bodyPr/>
+                    <a:lstStyle/>
+                    <a:p>
+                      <a:r>
+                        <a:rPr lang="it-IT" sz="2800" dirty="0"/>
+                        <a:t>81</a:t>
+                      </a:r>
+                    </a:p>
+                  </a:txBody>
+                  <a:tcPr/>
+                </a:tc>
+                <a:extLst>
+                  <a:ext uri="{0D108BD9-81ED-4DB2-BD59-A6C34878D82A}">
+                    <a16:rowId xmlns:a16="http://schemas.microsoft.com/office/drawing/2014/main" val="3546429541"/>
+                  </a:ext>
+                </a:extLst>
+              </a:tr>
+              <a:tr h="866823">
+                <a:tc>
+                  <a:txBody>
+                    <a:bodyPr/>
+                    <a:lstStyle/>
+                    <a:p>
+                      <a:r>
+                        <a:rPr lang="it-IT" sz="2400" dirty="0">
+                          <a:solidFill>
+                            <a:schemeClr val="bg2">
+                              <a:lumMod val="10000"/>
+                            </a:schemeClr>
+                          </a:solidFill>
+                        </a:rPr>
+                        <a:t>Recall</a:t>
+                      </a:r>
+                    </a:p>
+                  </a:txBody>
+                  <a:tcPr/>
+                </a:tc>
+                <a:tc>
+                  <a:txBody>
+                    <a:bodyPr/>
+                    <a:lstStyle/>
+                    <a:p>
+                      <a:r>
+                        <a:rPr lang="it-IT" sz="2800" dirty="0">
+                          <a:solidFill>
+                            <a:schemeClr val="bg2">
+                              <a:lumMod val="10000"/>
+                            </a:schemeClr>
+                          </a:solidFill>
+                        </a:rPr>
+                        <a:t>88</a:t>
+                      </a:r>
+                    </a:p>
+                  </a:txBody>
+                  <a:tcPr/>
+                </a:tc>
+                <a:tc>
+                  <a:txBody>
+                    <a:bodyPr/>
+                    <a:lstStyle/>
+                    <a:p>
+                      <a:r>
+                        <a:rPr lang="it-IT" sz="2800" dirty="0">
+                          <a:solidFill>
+                            <a:schemeClr val="bg2">
+                              <a:lumMod val="10000"/>
+                            </a:schemeClr>
+                          </a:solidFill>
+                        </a:rPr>
+                        <a:t>80</a:t>
+                      </a:r>
+                    </a:p>
+                  </a:txBody>
+                  <a:tcPr/>
+                </a:tc>
+                <a:tc>
+                  <a:txBody>
+                    <a:bodyPr/>
+                    <a:lstStyle/>
+                    <a:p>
+                      <a:r>
+                        <a:rPr lang="it-IT" sz="2800" dirty="0">
+                          <a:solidFill>
+                            <a:schemeClr val="bg2">
+                              <a:lumMod val="10000"/>
+                            </a:schemeClr>
+                          </a:solidFill>
+                        </a:rPr>
+                        <a:t>81</a:t>
+                      </a:r>
+                    </a:p>
+                  </a:txBody>
+                  <a:tcPr/>
+                </a:tc>
+                <a:tc>
+                  <a:txBody>
+                    <a:bodyPr/>
+                    <a:lstStyle/>
+                    <a:p>
+                      <a:r>
+                        <a:rPr lang="it-IT" sz="2800" dirty="0">
+                          <a:solidFill>
+                            <a:schemeClr val="bg2">
+                              <a:lumMod val="10000"/>
+                            </a:schemeClr>
+                          </a:solidFill>
+                        </a:rPr>
+                        <a:t>46</a:t>
+                      </a:r>
+                    </a:p>
+                  </a:txBody>
+                  <a:tcPr/>
+                </a:tc>
+                <a:tc>
+                  <a:txBody>
+                    <a:bodyPr/>
+                    <a:lstStyle/>
+                    <a:p>
+                      <a:r>
+                        <a:rPr lang="it-IT" sz="2800" dirty="0"/>
+                        <a:t>74</a:t>
+                      </a:r>
+                    </a:p>
+                  </a:txBody>
+                  <a:tcPr/>
+                </a:tc>
+                <a:extLst>
+                  <a:ext uri="{0D108BD9-81ED-4DB2-BD59-A6C34878D82A}">
+                    <a16:rowId xmlns:a16="http://schemas.microsoft.com/office/drawing/2014/main" val="3333688215"/>
+                  </a:ext>
+                </a:extLst>
+              </a:tr>
+              <a:tr h="866823">
+                <a:tc>
+                  <a:txBody>
+                    <a:bodyPr/>
+                    <a:lstStyle/>
+                    <a:p>
+                      <a:r>
+                        <a:rPr lang="it-IT" sz="2200" dirty="0">
+                          <a:solidFill>
+                            <a:schemeClr val="bg2">
+                              <a:lumMod val="10000"/>
+                            </a:schemeClr>
+                          </a:solidFill>
+                        </a:rPr>
+                        <a:t>F-</a:t>
+                      </a:r>
+                      <a:r>
+                        <a:rPr lang="it-IT" sz="2200" dirty="0" err="1">
+                          <a:solidFill>
+                            <a:schemeClr val="bg2">
+                              <a:lumMod val="10000"/>
+                            </a:schemeClr>
+                          </a:solidFill>
+                        </a:rPr>
+                        <a:t>measure</a:t>
+                      </a:r>
+                      <a:endParaRPr lang="it-IT" sz="2200" dirty="0">
+                        <a:solidFill>
+                          <a:schemeClr val="bg2">
+                            <a:lumMod val="10000"/>
+                          </a:schemeClr>
+                        </a:solidFill>
+                      </a:endParaRPr>
+                    </a:p>
+                  </a:txBody>
+                  <a:tcPr/>
+                </a:tc>
+                <a:tc>
+                  <a:txBody>
+                    <a:bodyPr/>
+                    <a:lstStyle/>
+                    <a:p>
+                      <a:r>
+                        <a:rPr lang="it-IT" sz="2800" dirty="0">
+                          <a:solidFill>
+                            <a:schemeClr val="bg2">
+                              <a:lumMod val="10000"/>
+                            </a:schemeClr>
+                          </a:solidFill>
+                        </a:rPr>
+                        <a:t>87</a:t>
+                      </a:r>
+                    </a:p>
+                  </a:txBody>
+                  <a:tcPr/>
+                </a:tc>
+                <a:tc>
+                  <a:txBody>
+                    <a:bodyPr/>
+                    <a:lstStyle/>
+                    <a:p>
+                      <a:r>
+                        <a:rPr lang="it-IT" sz="2800" dirty="0">
+                          <a:solidFill>
+                            <a:schemeClr val="bg2">
+                              <a:lumMod val="10000"/>
+                            </a:schemeClr>
+                          </a:solidFill>
+                        </a:rPr>
+                        <a:t>78</a:t>
+                      </a:r>
+                    </a:p>
+                  </a:txBody>
+                  <a:tcPr/>
+                </a:tc>
+                <a:tc>
+                  <a:txBody>
+                    <a:bodyPr/>
+                    <a:lstStyle/>
+                    <a:p>
+                      <a:r>
+                        <a:rPr lang="it-IT" sz="2800" dirty="0">
+                          <a:solidFill>
+                            <a:schemeClr val="bg2">
+                              <a:lumMod val="10000"/>
+                            </a:schemeClr>
+                          </a:solidFill>
+                        </a:rPr>
+                        <a:t>78</a:t>
+                      </a:r>
+                    </a:p>
+                  </a:txBody>
+                  <a:tcPr/>
+                </a:tc>
+                <a:tc>
+                  <a:txBody>
+                    <a:bodyPr/>
+                    <a:lstStyle/>
+                    <a:p>
+                      <a:r>
+                        <a:rPr lang="it-IT" sz="2800" dirty="0">
+                          <a:solidFill>
+                            <a:schemeClr val="bg2">
+                              <a:lumMod val="10000"/>
+                            </a:schemeClr>
+                          </a:solidFill>
+                        </a:rPr>
+                        <a:t>60</a:t>
+                      </a:r>
+                    </a:p>
+                  </a:txBody>
+                  <a:tcPr/>
+                </a:tc>
+                <a:tc>
+                  <a:txBody>
+                    <a:bodyPr/>
+                    <a:lstStyle/>
+                    <a:p>
+                      <a:r>
+                        <a:rPr lang="it-IT" sz="2800" dirty="0"/>
+                        <a:t>76</a:t>
+                      </a:r>
+                    </a:p>
+                  </a:txBody>
+                  <a:tcPr/>
+                </a:tc>
+                <a:extLst>
+                  <a:ext uri="{0D108BD9-81ED-4DB2-BD59-A6C34878D82A}">
+                    <a16:rowId xmlns:a16="http://schemas.microsoft.com/office/drawing/2014/main" val="2061530179"/>
+                  </a:ext>
+                </a:extLst>
+              </a:tr>
+            </a:tbl>
+          </a:graphicData>
+        </a:graphic>
+      </p:graphicFrame>
+      <p:sp>
+        <p:nvSpPr>
+          <p:cNvPr id="8" name="CasellaDiTesto 7">
+            <a:extLst>
+              <a:ext uri="{FF2B5EF4-FFF2-40B4-BE49-F238E27FC236}">
+                <a16:creationId xmlns:a16="http://schemas.microsoft.com/office/drawing/2014/main" id="{EF4388CC-7065-27B2-8B9B-30D7916CAB47}"/>
+              </a:ext>
+            </a:extLst>
+          </p:cNvPr>
+          <p:cNvSpPr txBox="1"/>
+          <p:nvPr/>
+        </p:nvSpPr>
+        <p:spPr>
+          <a:xfrm>
+            <a:off x="13331702" y="12009174"/>
+            <a:ext cx="7844464" cy="595035"/>
+          </a:xfrm>
+          <a:prstGeom prst="rect">
+            <a:avLst/>
+          </a:prstGeom>
+          <a:noFill/>
+          <a:ln w="12700" cap="flat">
+            <a:noFill/>
+            <a:miter lim="400000"/>
+          </a:ln>
+          <a:effectLst/>
+          <a:sp3d/>
+        </p:spPr>
+        <p:style>
+          <a:lnRef idx="0">
+            <a:scrgbClr r="0" g="0" b="0"/>
+          </a:lnRef>
+          <a:fillRef idx="0">
+            <a:scrgbClr r="0" g="0" b="0"/>
+          </a:fillRef>
+          <a:effectRef idx="0">
+            <a:scrgbClr r="0" g="0" b="0"/>
+          </a:effectRef>
+          <a:fontRef idx="none"/>
+        </p:style>
+        <p:txBody>
+          <a:bodyPr rot="0" spcFirstLastPara="1" vertOverflow="overflow" horzOverflow="overflow" vert="horz" wrap="square" lIns="50800" tIns="50800" rIns="50800" bIns="50800" numCol="1" spcCol="38100" rtlCol="0" anchor="ctr">
+            <a:spAutoFit/>
+          </a:bodyPr>
+          <a:lstStyle/>
+          <a:p>
+            <a:pPr marL="0" marR="0" indent="0" algn="l" defTabSz="2438338" rtl="0" fontAlgn="auto" latinLnBrk="0" hangingPunct="0">
+              <a:lnSpc>
+                <a:spcPct val="100000"/>
+              </a:lnSpc>
+              <a:spcBef>
+                <a:spcPts val="0"/>
+              </a:spcBef>
+              <a:spcAft>
+                <a:spcPts val="0"/>
+              </a:spcAft>
+              <a:buClrTx/>
+              <a:buSzTx/>
+              <a:buFontTx/>
+              <a:buNone/>
+              <a:tabLst/>
+            </a:pPr>
+            <a:r>
+              <a:rPr kumimoji="0" lang="it-IT" sz="3200" b="0" i="0" u="none" strike="noStrike" cap="none" spc="0" normalizeH="0" baseline="0" dirty="0" err="1">
+                <a:ln>
+                  <a:noFill/>
+                </a:ln>
+                <a:solidFill>
+                  <a:schemeClr val="bg2">
+                    <a:lumMod val="10000"/>
+                  </a:schemeClr>
+                </a:solidFill>
+                <a:effectLst/>
+                <a:uFillTx/>
+                <a:latin typeface="+mn-lt"/>
+                <a:ea typeface="+mn-ea"/>
+                <a:cs typeface="+mn-cs"/>
+                <a:sym typeface="Helvetica Neue"/>
+              </a:rPr>
+              <a:t>Accuracy</a:t>
+            </a:r>
+            <a:r>
+              <a:rPr kumimoji="0" lang="it-IT" sz="3200" b="0" i="0" u="none" strike="noStrike" cap="none" spc="0" normalizeH="0" baseline="0" dirty="0">
+                <a:ln>
+                  <a:noFill/>
+                </a:ln>
+                <a:solidFill>
+                  <a:schemeClr val="bg2">
+                    <a:lumMod val="10000"/>
+                  </a:schemeClr>
+                </a:solidFill>
+                <a:effectLst/>
+                <a:uFillTx/>
+                <a:latin typeface="+mn-lt"/>
+                <a:ea typeface="+mn-ea"/>
+                <a:cs typeface="+mn-cs"/>
+                <a:sym typeface="Helvetica Neue"/>
+              </a:rPr>
+              <a:t>: 78%</a:t>
+            </a:r>
+          </a:p>
+        </p:txBody>
+      </p:sp>
+      <p:sp>
+        <p:nvSpPr>
+          <p:cNvPr id="9" name="CasellaDiTesto 8">
+            <a:extLst>
+              <a:ext uri="{FF2B5EF4-FFF2-40B4-BE49-F238E27FC236}">
+                <a16:creationId xmlns:a16="http://schemas.microsoft.com/office/drawing/2014/main" id="{88E819B8-0365-B023-F990-730BD861CA15}"/>
+              </a:ext>
+            </a:extLst>
+          </p:cNvPr>
+          <p:cNvSpPr txBox="1"/>
+          <p:nvPr/>
+        </p:nvSpPr>
+        <p:spPr>
+          <a:xfrm>
+            <a:off x="12192000" y="1747118"/>
+            <a:ext cx="11908465" cy="533479"/>
+          </a:xfrm>
+          <a:prstGeom prst="rect">
+            <a:avLst/>
+          </a:prstGeom>
+          <a:noFill/>
+          <a:ln w="12700" cap="flat">
+            <a:noFill/>
+            <a:miter lim="400000"/>
+          </a:ln>
+          <a:effectLst/>
+          <a:sp3d/>
+        </p:spPr>
+        <p:style>
+          <a:lnRef idx="0">
+            <a:scrgbClr r="0" g="0" b="0"/>
+          </a:lnRef>
+          <a:fillRef idx="0">
+            <a:scrgbClr r="0" g="0" b="0"/>
+          </a:fillRef>
+          <a:effectRef idx="0">
+            <a:scrgbClr r="0" g="0" b="0"/>
+          </a:effectRef>
+          <a:fontRef idx="none"/>
+        </p:style>
+        <p:txBody>
+          <a:bodyPr rot="0" spcFirstLastPara="1" vertOverflow="overflow" horzOverflow="overflow" vert="horz" wrap="square" lIns="50800" tIns="50800" rIns="50800" bIns="50800" numCol="1" spcCol="38100" rtlCol="0" anchor="ctr">
+            <a:spAutoFit/>
+          </a:bodyPr>
+          <a:lstStyle/>
+          <a:p>
+            <a:pPr marL="0" marR="0" indent="0" algn="l" defTabSz="2438338" rtl="0" fontAlgn="auto" latinLnBrk="0" hangingPunct="0">
+              <a:lnSpc>
+                <a:spcPct val="100000"/>
+              </a:lnSpc>
+              <a:spcBef>
+                <a:spcPts val="0"/>
+              </a:spcBef>
+              <a:spcAft>
+                <a:spcPts val="0"/>
+              </a:spcAft>
+              <a:buClrTx/>
+              <a:buSzTx/>
+              <a:buFontTx/>
+              <a:buNone/>
+              <a:tabLst/>
+            </a:pPr>
+            <a:r>
+              <a:rPr kumimoji="0" lang="it-IT" sz="2800" b="0" i="0" u="none" strike="noStrike" cap="none" spc="0" normalizeH="0" baseline="0" dirty="0" err="1">
+                <a:ln>
+                  <a:noFill/>
+                </a:ln>
+                <a:solidFill>
+                  <a:schemeClr val="bg2">
+                    <a:lumMod val="10000"/>
+                  </a:schemeClr>
+                </a:solidFill>
+                <a:effectLst/>
+                <a:uFillTx/>
+                <a:latin typeface="+mn-lt"/>
+                <a:ea typeface="+mn-ea"/>
+                <a:cs typeface="+mn-cs"/>
+                <a:sym typeface="Helvetica Neue"/>
+              </a:rPr>
+              <a:t>Ntree</a:t>
+            </a:r>
+            <a:r>
+              <a:rPr kumimoji="0" lang="it-IT" sz="2800" b="0" i="0" u="none" strike="noStrike" cap="none" spc="0" normalizeH="0" baseline="0" dirty="0">
+                <a:ln>
+                  <a:noFill/>
+                </a:ln>
+                <a:solidFill>
+                  <a:schemeClr val="bg2">
+                    <a:lumMod val="10000"/>
+                  </a:schemeClr>
+                </a:solidFill>
+                <a:effectLst/>
+                <a:uFillTx/>
+                <a:latin typeface="+mn-lt"/>
+                <a:ea typeface="+mn-ea"/>
+                <a:cs typeface="+mn-cs"/>
+                <a:sym typeface="Helvetica Neue"/>
+              </a:rPr>
+              <a:t> = 100</a:t>
+            </a:r>
+          </a:p>
+        </p:txBody>
+      </p:sp>
+      <p:graphicFrame>
+        <p:nvGraphicFramePr>
+          <p:cNvPr id="4" name="Tabella 9">
+            <a:extLst>
+              <a:ext uri="{FF2B5EF4-FFF2-40B4-BE49-F238E27FC236}">
+                <a16:creationId xmlns:a16="http://schemas.microsoft.com/office/drawing/2014/main" id="{93269E3C-42E6-A9BC-B081-8DEE5778ACD5}"/>
+              </a:ext>
+            </a:extLst>
+          </p:cNvPr>
+          <p:cNvGraphicFramePr>
+            <a:graphicFrameLocks noGrp="1"/>
+          </p:cNvGraphicFramePr>
+          <p:nvPr>
+            <p:extLst>
+              <p:ext uri="{D42A27DB-BD31-4B8C-83A1-F6EECF244321}">
+                <p14:modId xmlns:p14="http://schemas.microsoft.com/office/powerpoint/2010/main" val="2846009953"/>
+              </p:ext>
+            </p:extLst>
+          </p:nvPr>
+        </p:nvGraphicFramePr>
+        <p:xfrm>
+          <a:off x="1423237" y="8183791"/>
+          <a:ext cx="9609468" cy="3467292"/>
+        </p:xfrm>
+        <a:graphic>
+          <a:graphicData uri="http://schemas.openxmlformats.org/drawingml/2006/table">
+            <a:tbl>
+              <a:tblPr firstRow="1" bandRow="1">
+                <a:tableStyleId>{5940675A-B579-460E-94D1-54222C63F5DA}</a:tableStyleId>
+              </a:tblPr>
+              <a:tblGrid>
+                <a:gridCol w="1601578">
+                  <a:extLst>
+                    <a:ext uri="{9D8B030D-6E8A-4147-A177-3AD203B41FA5}">
+                      <a16:colId xmlns:a16="http://schemas.microsoft.com/office/drawing/2014/main" val="249573566"/>
+                    </a:ext>
+                  </a:extLst>
+                </a:gridCol>
+                <a:gridCol w="1601578">
+                  <a:extLst>
+                    <a:ext uri="{9D8B030D-6E8A-4147-A177-3AD203B41FA5}">
+                      <a16:colId xmlns:a16="http://schemas.microsoft.com/office/drawing/2014/main" val="701776835"/>
+                    </a:ext>
+                  </a:extLst>
+                </a:gridCol>
+                <a:gridCol w="1601578">
+                  <a:extLst>
+                    <a:ext uri="{9D8B030D-6E8A-4147-A177-3AD203B41FA5}">
+                      <a16:colId xmlns:a16="http://schemas.microsoft.com/office/drawing/2014/main" val="7467084"/>
+                    </a:ext>
+                  </a:extLst>
+                </a:gridCol>
+                <a:gridCol w="1601578">
+                  <a:extLst>
+                    <a:ext uri="{9D8B030D-6E8A-4147-A177-3AD203B41FA5}">
+                      <a16:colId xmlns:a16="http://schemas.microsoft.com/office/drawing/2014/main" val="1213607272"/>
+                    </a:ext>
+                  </a:extLst>
+                </a:gridCol>
+                <a:gridCol w="1601578">
+                  <a:extLst>
+                    <a:ext uri="{9D8B030D-6E8A-4147-A177-3AD203B41FA5}">
+                      <a16:colId xmlns:a16="http://schemas.microsoft.com/office/drawing/2014/main" val="346121161"/>
+                    </a:ext>
+                  </a:extLst>
+                </a:gridCol>
+                <a:gridCol w="1601578">
+                  <a:extLst>
+                    <a:ext uri="{9D8B030D-6E8A-4147-A177-3AD203B41FA5}">
+                      <a16:colId xmlns:a16="http://schemas.microsoft.com/office/drawing/2014/main" val="444490598"/>
+                    </a:ext>
+                  </a:extLst>
+                </a:gridCol>
+              </a:tblGrid>
+              <a:tr h="866823">
+                <a:tc>
+                  <a:txBody>
+                    <a:bodyPr/>
+                    <a:lstStyle/>
+                    <a:p>
+                      <a:endParaRPr lang="it-IT" dirty="0">
+                        <a:solidFill>
+                          <a:schemeClr val="bg2">
+                            <a:lumMod val="10000"/>
+                          </a:schemeClr>
+                        </a:solidFill>
+                      </a:endParaRPr>
+                    </a:p>
+                  </a:txBody>
+                  <a:tcPr/>
+                </a:tc>
+                <a:tc>
+                  <a:txBody>
+                    <a:bodyPr/>
+                    <a:lstStyle/>
+                    <a:p>
+                      <a:r>
+                        <a:rPr lang="it-IT" sz="2400" dirty="0">
+                          <a:solidFill>
+                            <a:schemeClr val="bg2">
+                              <a:lumMod val="10000"/>
+                            </a:schemeClr>
+                          </a:solidFill>
+                        </a:rPr>
+                        <a:t>F. bassa</a:t>
+                      </a:r>
+                    </a:p>
+                  </a:txBody>
+                  <a:tcPr/>
+                </a:tc>
+                <a:tc>
+                  <a:txBody>
+                    <a:bodyPr/>
+                    <a:lstStyle/>
+                    <a:p>
+                      <a:r>
+                        <a:rPr lang="it-IT" sz="2400" dirty="0">
+                          <a:solidFill>
+                            <a:schemeClr val="bg2">
+                              <a:lumMod val="10000"/>
+                            </a:schemeClr>
+                          </a:solidFill>
+                        </a:rPr>
+                        <a:t>F. media</a:t>
+                      </a:r>
+                    </a:p>
+                  </a:txBody>
+                  <a:tcPr/>
+                </a:tc>
+                <a:tc>
+                  <a:txBody>
+                    <a:bodyPr/>
+                    <a:lstStyle/>
+                    <a:p>
+                      <a:r>
+                        <a:rPr lang="it-IT" sz="2400" dirty="0">
+                          <a:solidFill>
+                            <a:schemeClr val="bg2">
+                              <a:lumMod val="10000"/>
+                            </a:schemeClr>
+                          </a:solidFill>
+                        </a:rPr>
+                        <a:t>F. alta</a:t>
+                      </a:r>
+                    </a:p>
+                  </a:txBody>
+                  <a:tcPr/>
+                </a:tc>
+                <a:tc>
+                  <a:txBody>
+                    <a:bodyPr/>
+                    <a:lstStyle/>
+                    <a:p>
+                      <a:r>
+                        <a:rPr lang="it-IT" sz="2200" dirty="0">
+                          <a:solidFill>
+                            <a:schemeClr val="bg2">
+                              <a:lumMod val="10000"/>
+                            </a:schemeClr>
+                          </a:solidFill>
+                        </a:rPr>
+                        <a:t>F. premium</a:t>
+                      </a:r>
+                    </a:p>
+                  </a:txBody>
+                  <a:tcPr/>
+                </a:tc>
+                <a:tc>
+                  <a:txBody>
+                    <a:bodyPr/>
+                    <a:lstStyle/>
+                    <a:p>
+                      <a:r>
+                        <a:rPr lang="it-IT" sz="2400" dirty="0">
+                          <a:solidFill>
+                            <a:schemeClr val="bg2">
+                              <a:lumMod val="10000"/>
+                            </a:schemeClr>
+                          </a:solidFill>
+                        </a:rPr>
+                        <a:t>Media</a:t>
+                      </a:r>
+                    </a:p>
+                  </a:txBody>
+                  <a:tcPr/>
+                </a:tc>
+                <a:extLst>
+                  <a:ext uri="{0D108BD9-81ED-4DB2-BD59-A6C34878D82A}">
+                    <a16:rowId xmlns:a16="http://schemas.microsoft.com/office/drawing/2014/main" val="3221883788"/>
+                  </a:ext>
+                </a:extLst>
+              </a:tr>
+              <a:tr h="866823">
+                <a:tc>
+                  <a:txBody>
+                    <a:bodyPr/>
+                    <a:lstStyle/>
+                    <a:p>
+                      <a:r>
+                        <a:rPr lang="it-IT" sz="2400" dirty="0">
+                          <a:solidFill>
+                            <a:schemeClr val="bg2">
+                              <a:lumMod val="10000"/>
+                            </a:schemeClr>
+                          </a:solidFill>
+                        </a:rPr>
+                        <a:t>Precision</a:t>
+                      </a:r>
+                    </a:p>
+                  </a:txBody>
+                  <a:tcPr/>
+                </a:tc>
+                <a:tc>
+                  <a:txBody>
+                    <a:bodyPr/>
+                    <a:lstStyle/>
+                    <a:p>
+                      <a:r>
+                        <a:rPr lang="it-IT" sz="2800" dirty="0">
+                          <a:solidFill>
+                            <a:schemeClr val="bg2">
+                              <a:lumMod val="10000"/>
+                            </a:schemeClr>
+                          </a:solidFill>
+                        </a:rPr>
+                        <a:t>85</a:t>
+                      </a:r>
+                    </a:p>
+                  </a:txBody>
+                  <a:tcPr/>
+                </a:tc>
+                <a:tc>
+                  <a:txBody>
+                    <a:bodyPr/>
+                    <a:lstStyle/>
+                    <a:p>
+                      <a:r>
+                        <a:rPr lang="it-IT" sz="2800" dirty="0">
+                          <a:solidFill>
+                            <a:schemeClr val="bg2">
+                              <a:lumMod val="10000"/>
+                            </a:schemeClr>
+                          </a:solidFill>
+                        </a:rPr>
+                        <a:t>71</a:t>
+                      </a:r>
+                    </a:p>
+                  </a:txBody>
+                  <a:tcPr/>
+                </a:tc>
+                <a:tc>
+                  <a:txBody>
+                    <a:bodyPr/>
+                    <a:lstStyle/>
+                    <a:p>
+                      <a:r>
+                        <a:rPr lang="it-IT" sz="2800" dirty="0">
+                          <a:solidFill>
+                            <a:schemeClr val="bg2">
+                              <a:lumMod val="10000"/>
+                            </a:schemeClr>
+                          </a:solidFill>
+                        </a:rPr>
+                        <a:t>74</a:t>
+                      </a:r>
+                    </a:p>
+                  </a:txBody>
+                  <a:tcPr/>
+                </a:tc>
+                <a:tc>
+                  <a:txBody>
+                    <a:bodyPr/>
+                    <a:lstStyle/>
+                    <a:p>
+                      <a:r>
+                        <a:rPr lang="it-IT" sz="2800" dirty="0">
+                          <a:solidFill>
+                            <a:schemeClr val="bg2">
+                              <a:lumMod val="10000"/>
+                            </a:schemeClr>
+                          </a:solidFill>
+                        </a:rPr>
+                        <a:t>75</a:t>
+                      </a:r>
+                    </a:p>
+                  </a:txBody>
+                  <a:tcPr/>
+                </a:tc>
+                <a:tc>
+                  <a:txBody>
+                    <a:bodyPr/>
+                    <a:lstStyle/>
+                    <a:p>
+                      <a:r>
+                        <a:rPr lang="it-IT" sz="2800" dirty="0"/>
+                        <a:t>76</a:t>
+                      </a:r>
+                    </a:p>
+                  </a:txBody>
+                  <a:tcPr/>
+                </a:tc>
+                <a:extLst>
+                  <a:ext uri="{0D108BD9-81ED-4DB2-BD59-A6C34878D82A}">
+                    <a16:rowId xmlns:a16="http://schemas.microsoft.com/office/drawing/2014/main" val="3546429541"/>
+                  </a:ext>
+                </a:extLst>
+              </a:tr>
+              <a:tr h="866823">
+                <a:tc>
+                  <a:txBody>
+                    <a:bodyPr/>
+                    <a:lstStyle/>
+                    <a:p>
+                      <a:r>
+                        <a:rPr lang="it-IT" sz="2400" dirty="0">
+                          <a:solidFill>
+                            <a:schemeClr val="bg2">
+                              <a:lumMod val="10000"/>
+                            </a:schemeClr>
+                          </a:solidFill>
+                        </a:rPr>
+                        <a:t>Recall</a:t>
+                      </a:r>
+                    </a:p>
+                  </a:txBody>
+                  <a:tcPr/>
+                </a:tc>
+                <a:tc>
+                  <a:txBody>
+                    <a:bodyPr/>
+                    <a:lstStyle/>
+                    <a:p>
+                      <a:r>
+                        <a:rPr lang="it-IT" sz="2800" dirty="0">
+                          <a:solidFill>
+                            <a:schemeClr val="bg2">
+                              <a:lumMod val="10000"/>
+                            </a:schemeClr>
+                          </a:solidFill>
+                        </a:rPr>
+                        <a:t>83</a:t>
+                      </a:r>
+                    </a:p>
+                  </a:txBody>
+                  <a:tcPr/>
+                </a:tc>
+                <a:tc>
+                  <a:txBody>
+                    <a:bodyPr/>
+                    <a:lstStyle/>
+                    <a:p>
+                      <a:r>
+                        <a:rPr lang="it-IT" sz="2800" dirty="0">
+                          <a:solidFill>
+                            <a:schemeClr val="bg2">
+                              <a:lumMod val="10000"/>
+                            </a:schemeClr>
+                          </a:solidFill>
+                        </a:rPr>
+                        <a:t>77</a:t>
+                      </a:r>
+                    </a:p>
+                  </a:txBody>
+                  <a:tcPr/>
+                </a:tc>
+                <a:tc>
+                  <a:txBody>
+                    <a:bodyPr/>
+                    <a:lstStyle/>
+                    <a:p>
+                      <a:r>
+                        <a:rPr lang="it-IT" sz="2800" dirty="0">
+                          <a:solidFill>
+                            <a:schemeClr val="bg2">
+                              <a:lumMod val="10000"/>
+                            </a:schemeClr>
+                          </a:solidFill>
+                        </a:rPr>
+                        <a:t>76</a:t>
+                      </a:r>
+                    </a:p>
+                  </a:txBody>
+                  <a:tcPr/>
+                </a:tc>
+                <a:tc>
+                  <a:txBody>
+                    <a:bodyPr/>
+                    <a:lstStyle/>
+                    <a:p>
+                      <a:r>
+                        <a:rPr lang="it-IT" sz="2800" dirty="0">
+                          <a:solidFill>
+                            <a:schemeClr val="bg2">
+                              <a:lumMod val="10000"/>
+                            </a:schemeClr>
+                          </a:solidFill>
+                        </a:rPr>
+                        <a:t>51</a:t>
+                      </a:r>
+                    </a:p>
+                  </a:txBody>
+                  <a:tcPr/>
+                </a:tc>
+                <a:tc>
+                  <a:txBody>
+                    <a:bodyPr/>
+                    <a:lstStyle/>
+                    <a:p>
+                      <a:r>
+                        <a:rPr lang="it-IT" sz="2800" dirty="0"/>
+                        <a:t>72</a:t>
+                      </a:r>
+                    </a:p>
+                  </a:txBody>
+                  <a:tcPr/>
+                </a:tc>
+                <a:extLst>
+                  <a:ext uri="{0D108BD9-81ED-4DB2-BD59-A6C34878D82A}">
+                    <a16:rowId xmlns:a16="http://schemas.microsoft.com/office/drawing/2014/main" val="3333688215"/>
+                  </a:ext>
+                </a:extLst>
+              </a:tr>
+              <a:tr h="866823">
+                <a:tc>
+                  <a:txBody>
+                    <a:bodyPr/>
+                    <a:lstStyle/>
+                    <a:p>
+                      <a:r>
+                        <a:rPr lang="it-IT" sz="2200" dirty="0">
+                          <a:solidFill>
+                            <a:schemeClr val="bg2">
+                              <a:lumMod val="10000"/>
+                            </a:schemeClr>
+                          </a:solidFill>
+                        </a:rPr>
+                        <a:t>F-</a:t>
+                      </a:r>
+                      <a:r>
+                        <a:rPr lang="it-IT" sz="2200" dirty="0" err="1">
+                          <a:solidFill>
+                            <a:schemeClr val="bg2">
+                              <a:lumMod val="10000"/>
+                            </a:schemeClr>
+                          </a:solidFill>
+                        </a:rPr>
+                        <a:t>measure</a:t>
+                      </a:r>
+                      <a:endParaRPr lang="it-IT" sz="2200" dirty="0">
+                        <a:solidFill>
+                          <a:schemeClr val="bg2">
+                            <a:lumMod val="10000"/>
+                          </a:schemeClr>
+                        </a:solidFill>
+                      </a:endParaRPr>
+                    </a:p>
+                  </a:txBody>
+                  <a:tcPr/>
+                </a:tc>
+                <a:tc>
+                  <a:txBody>
+                    <a:bodyPr/>
+                    <a:lstStyle/>
+                    <a:p>
+                      <a:r>
+                        <a:rPr lang="it-IT" sz="2800" dirty="0">
+                          <a:solidFill>
+                            <a:schemeClr val="bg2">
+                              <a:lumMod val="10000"/>
+                            </a:schemeClr>
+                          </a:solidFill>
+                        </a:rPr>
+                        <a:t>84</a:t>
+                      </a:r>
+                    </a:p>
+                  </a:txBody>
+                  <a:tcPr/>
+                </a:tc>
+                <a:tc>
+                  <a:txBody>
+                    <a:bodyPr/>
+                    <a:lstStyle/>
+                    <a:p>
+                      <a:r>
+                        <a:rPr lang="it-IT" sz="2800" dirty="0">
+                          <a:solidFill>
+                            <a:schemeClr val="bg2">
+                              <a:lumMod val="10000"/>
+                            </a:schemeClr>
+                          </a:solidFill>
+                        </a:rPr>
+                        <a:t>74</a:t>
+                      </a:r>
+                    </a:p>
+                  </a:txBody>
+                  <a:tcPr/>
+                </a:tc>
+                <a:tc>
+                  <a:txBody>
+                    <a:bodyPr/>
+                    <a:lstStyle/>
+                    <a:p>
+                      <a:r>
+                        <a:rPr lang="it-IT" sz="2800" dirty="0">
+                          <a:solidFill>
+                            <a:schemeClr val="bg2">
+                              <a:lumMod val="10000"/>
+                            </a:schemeClr>
+                          </a:solidFill>
+                        </a:rPr>
+                        <a:t>75</a:t>
+                      </a:r>
+                    </a:p>
+                  </a:txBody>
+                  <a:tcPr/>
+                </a:tc>
+                <a:tc>
+                  <a:txBody>
+                    <a:bodyPr/>
+                    <a:lstStyle/>
+                    <a:p>
+                      <a:r>
+                        <a:rPr lang="it-IT" sz="2800" dirty="0">
+                          <a:solidFill>
+                            <a:schemeClr val="bg2">
+                              <a:lumMod val="10000"/>
+                            </a:schemeClr>
+                          </a:solidFill>
+                        </a:rPr>
+                        <a:t>61</a:t>
+                      </a:r>
+                    </a:p>
+                  </a:txBody>
+                  <a:tcPr/>
+                </a:tc>
+                <a:tc>
+                  <a:txBody>
+                    <a:bodyPr/>
+                    <a:lstStyle/>
+                    <a:p>
+                      <a:r>
+                        <a:rPr lang="it-IT" sz="2800" dirty="0"/>
+                        <a:t>74</a:t>
+                      </a:r>
+                    </a:p>
+                  </a:txBody>
+                  <a:tcPr/>
+                </a:tc>
+                <a:extLst>
+                  <a:ext uri="{0D108BD9-81ED-4DB2-BD59-A6C34878D82A}">
+                    <a16:rowId xmlns:a16="http://schemas.microsoft.com/office/drawing/2014/main" val="2061530179"/>
+                  </a:ext>
+                </a:extLst>
+              </a:tr>
+            </a:tbl>
+          </a:graphicData>
+        </a:graphic>
+      </p:graphicFrame>
+      <p:sp>
+        <p:nvSpPr>
+          <p:cNvPr id="5" name="CasellaDiTesto 4">
+            <a:extLst>
+              <a:ext uri="{FF2B5EF4-FFF2-40B4-BE49-F238E27FC236}">
+                <a16:creationId xmlns:a16="http://schemas.microsoft.com/office/drawing/2014/main" id="{6E476131-AA8F-471A-ED12-E570636E1AF0}"/>
+              </a:ext>
+            </a:extLst>
+          </p:cNvPr>
+          <p:cNvSpPr txBox="1"/>
+          <p:nvPr/>
+        </p:nvSpPr>
+        <p:spPr>
+          <a:xfrm>
+            <a:off x="1423237" y="12009174"/>
+            <a:ext cx="7844464" cy="595035"/>
+          </a:xfrm>
+          <a:prstGeom prst="rect">
+            <a:avLst/>
+          </a:prstGeom>
+          <a:noFill/>
+          <a:ln w="12700" cap="flat">
+            <a:noFill/>
+            <a:miter lim="400000"/>
+          </a:ln>
+          <a:effectLst/>
+          <a:sp3d/>
+        </p:spPr>
+        <p:style>
+          <a:lnRef idx="0">
+            <a:scrgbClr r="0" g="0" b="0"/>
+          </a:lnRef>
+          <a:fillRef idx="0">
+            <a:scrgbClr r="0" g="0" b="0"/>
+          </a:fillRef>
+          <a:effectRef idx="0">
+            <a:scrgbClr r="0" g="0" b="0"/>
+          </a:effectRef>
+          <a:fontRef idx="none"/>
+        </p:style>
+        <p:txBody>
+          <a:bodyPr rot="0" spcFirstLastPara="1" vertOverflow="overflow" horzOverflow="overflow" vert="horz" wrap="square" lIns="50800" tIns="50800" rIns="50800" bIns="50800" numCol="1" spcCol="38100" rtlCol="0" anchor="ctr">
+            <a:spAutoFit/>
+          </a:bodyPr>
+          <a:lstStyle/>
+          <a:p>
+            <a:pPr marL="0" marR="0" indent="0" algn="l" defTabSz="2438338" rtl="0" fontAlgn="auto" latinLnBrk="0" hangingPunct="0">
+              <a:lnSpc>
+                <a:spcPct val="100000"/>
+              </a:lnSpc>
+              <a:spcBef>
+                <a:spcPts val="0"/>
+              </a:spcBef>
+              <a:spcAft>
+                <a:spcPts val="0"/>
+              </a:spcAft>
+              <a:buClrTx/>
+              <a:buSzTx/>
+              <a:buFontTx/>
+              <a:buNone/>
+              <a:tabLst/>
+            </a:pPr>
+            <a:r>
+              <a:rPr kumimoji="0" lang="it-IT" sz="3200" b="0" i="0" u="none" strike="noStrike" cap="none" spc="0" normalizeH="0" baseline="0" dirty="0" err="1">
+                <a:ln>
+                  <a:noFill/>
+                </a:ln>
+                <a:solidFill>
+                  <a:schemeClr val="bg2">
+                    <a:lumMod val="10000"/>
+                  </a:schemeClr>
+                </a:solidFill>
+                <a:effectLst/>
+                <a:uFillTx/>
+                <a:latin typeface="+mn-lt"/>
+                <a:ea typeface="+mn-ea"/>
+                <a:cs typeface="+mn-cs"/>
+                <a:sym typeface="Helvetica Neue"/>
+              </a:rPr>
+              <a:t>Accuracy</a:t>
+            </a:r>
+            <a:r>
+              <a:rPr kumimoji="0" lang="it-IT" sz="3200" b="0" i="0" u="none" strike="noStrike" cap="none" spc="0" normalizeH="0" baseline="0" dirty="0">
+                <a:ln>
+                  <a:noFill/>
+                </a:ln>
+                <a:solidFill>
+                  <a:schemeClr val="bg2">
+                    <a:lumMod val="10000"/>
+                  </a:schemeClr>
+                </a:solidFill>
+                <a:effectLst/>
+                <a:uFillTx/>
+                <a:latin typeface="+mn-lt"/>
+                <a:ea typeface="+mn-ea"/>
+                <a:cs typeface="+mn-cs"/>
+                <a:sym typeface="Helvetica Neue"/>
+              </a:rPr>
+              <a:t>: 75%</a:t>
+            </a:r>
+          </a:p>
+        </p:txBody>
+      </p:sp>
+      <p:sp>
+        <p:nvSpPr>
+          <p:cNvPr id="10" name="CasellaDiTesto 9">
+            <a:extLst>
+              <a:ext uri="{FF2B5EF4-FFF2-40B4-BE49-F238E27FC236}">
+                <a16:creationId xmlns:a16="http://schemas.microsoft.com/office/drawing/2014/main" id="{CC40105A-568C-7635-87CB-6D56AD309496}"/>
+              </a:ext>
+            </a:extLst>
+          </p:cNvPr>
+          <p:cNvSpPr txBox="1"/>
+          <p:nvPr/>
+        </p:nvSpPr>
+        <p:spPr>
+          <a:xfrm>
+            <a:off x="283535" y="1747118"/>
+            <a:ext cx="11908465" cy="533479"/>
+          </a:xfrm>
+          <a:prstGeom prst="rect">
+            <a:avLst/>
+          </a:prstGeom>
+          <a:noFill/>
+          <a:ln w="12700" cap="flat">
+            <a:noFill/>
+            <a:miter lim="400000"/>
+          </a:ln>
+          <a:effectLst/>
+          <a:sp3d/>
+        </p:spPr>
+        <p:style>
+          <a:lnRef idx="0">
+            <a:scrgbClr r="0" g="0" b="0"/>
+          </a:lnRef>
+          <a:fillRef idx="0">
+            <a:scrgbClr r="0" g="0" b="0"/>
+          </a:fillRef>
+          <a:effectRef idx="0">
+            <a:scrgbClr r="0" g="0" b="0"/>
+          </a:effectRef>
+          <a:fontRef idx="none"/>
+        </p:style>
+        <p:txBody>
+          <a:bodyPr rot="0" spcFirstLastPara="1" vertOverflow="overflow" horzOverflow="overflow" vert="horz" wrap="square" lIns="50800" tIns="50800" rIns="50800" bIns="50800" numCol="1" spcCol="38100" rtlCol="0" anchor="ctr">
+            <a:spAutoFit/>
+          </a:bodyPr>
+          <a:lstStyle/>
+          <a:p>
+            <a:pPr marL="0" marR="0" indent="0" algn="l" defTabSz="2438338" rtl="0" fontAlgn="auto" latinLnBrk="0" hangingPunct="0">
+              <a:lnSpc>
+                <a:spcPct val="100000"/>
+              </a:lnSpc>
+              <a:spcBef>
+                <a:spcPts val="0"/>
+              </a:spcBef>
+              <a:spcAft>
+                <a:spcPts val="0"/>
+              </a:spcAft>
+              <a:buClrTx/>
+              <a:buSzTx/>
+              <a:buFontTx/>
+              <a:buNone/>
+              <a:tabLst/>
+            </a:pPr>
+            <a:r>
+              <a:rPr kumimoji="0" lang="it-IT" sz="2800" b="0" i="0" u="none" strike="noStrike" cap="none" spc="0" normalizeH="0" baseline="0" dirty="0" err="1">
+                <a:ln>
+                  <a:noFill/>
+                </a:ln>
+                <a:solidFill>
+                  <a:schemeClr val="bg2">
+                    <a:lumMod val="10000"/>
+                  </a:schemeClr>
+                </a:solidFill>
+                <a:effectLst/>
+                <a:uFillTx/>
+                <a:latin typeface="+mn-lt"/>
+                <a:ea typeface="+mn-ea"/>
+                <a:cs typeface="+mn-cs"/>
+                <a:sym typeface="Helvetica Neue"/>
+              </a:rPr>
+              <a:t>Ntree</a:t>
+            </a:r>
+            <a:r>
+              <a:rPr kumimoji="0" lang="it-IT" sz="2800" b="0" i="0" u="none" strike="noStrike" cap="none" spc="0" normalizeH="0" baseline="0" dirty="0">
+                <a:ln>
+                  <a:noFill/>
+                </a:ln>
+                <a:solidFill>
+                  <a:schemeClr val="bg2">
+                    <a:lumMod val="10000"/>
+                  </a:schemeClr>
+                </a:solidFill>
+                <a:effectLst/>
+                <a:uFillTx/>
+                <a:latin typeface="+mn-lt"/>
+                <a:ea typeface="+mn-ea"/>
+                <a:cs typeface="+mn-cs"/>
+                <a:sym typeface="Helvetica Neue"/>
+              </a:rPr>
+              <a:t> = 10</a:t>
+            </a:r>
+          </a:p>
+        </p:txBody>
+      </p:sp>
+      <p:pic>
+        <p:nvPicPr>
+          <p:cNvPr id="12" name="Immagine 11">
+            <a:extLst>
+              <a:ext uri="{FF2B5EF4-FFF2-40B4-BE49-F238E27FC236}">
+                <a16:creationId xmlns:a16="http://schemas.microsoft.com/office/drawing/2014/main" id="{309439A1-7E0D-1D1B-E86A-064E50C39E9B}"/>
+              </a:ext>
+            </a:extLst>
+          </p:cNvPr>
+          <p:cNvPicPr>
+            <a:picLocks noChangeAspect="1"/>
+          </p:cNvPicPr>
+          <p:nvPr/>
+        </p:nvPicPr>
+        <p:blipFill>
+          <a:blip r:embed="rId3">
+            <a:extLst>
+              <a:ext uri="{28A0092B-C50C-407E-A947-70E740481C1C}">
+                <a14:useLocalDpi xmlns:a14="http://schemas.microsoft.com/office/drawing/2010/main" val="0"/>
+              </a:ext>
+            </a:extLst>
+          </a:blip>
+          <a:stretch>
+            <a:fillRect/>
+          </a:stretch>
+        </p:blipFill>
+        <p:spPr>
+          <a:xfrm>
+            <a:off x="283535" y="2313603"/>
+            <a:ext cx="11888872" cy="4940830"/>
+          </a:xfrm>
+          <a:prstGeom prst="rect">
+            <a:avLst/>
+          </a:prstGeom>
+        </p:spPr>
+      </p:pic>
+    </p:spTree>
+    <p:extLst>
+      <p:ext uri="{BB962C8B-B14F-4D97-AF65-F5344CB8AC3E}">
+        <p14:creationId xmlns:p14="http://schemas.microsoft.com/office/powerpoint/2010/main" val="1819914577"/>
+      </p:ext>
+    </p:extLst>
   </p:cSld>
   <p:clrMapOvr>
     <a:masterClrMapping/>
@@ -5249,6 +11952,1445 @@
 </p:sld>
 </file>
 
+<file path=ppt/slides/slide20.xml><?xml version="1.0" encoding="utf-8"?>
+<p:sld xmlns:a="http://schemas.openxmlformats.org/drawingml/2006/main" xmlns:r="http://schemas.openxmlformats.org/officeDocument/2006/relationships" xmlns:p="http://schemas.openxmlformats.org/presentationml/2006/main">
+  <p:cSld>
+    <p:spTree>
+      <p:nvGrpSpPr>
+        <p:cNvPr id="1" name=""/>
+        <p:cNvGrpSpPr/>
+        <p:nvPr/>
+      </p:nvGrpSpPr>
+      <p:grpSpPr>
+        <a:xfrm>
+          <a:off x="0" y="0"/>
+          <a:ext cx="0" cy="0"/>
+          <a:chOff x="0" y="0"/>
+          <a:chExt cx="0" cy="0"/>
+        </a:xfrm>
+      </p:grpSpPr>
+      <p:sp>
+        <p:nvSpPr>
+          <p:cNvPr id="2" name="Titolo 1">
+            <a:extLst>
+              <a:ext uri="{FF2B5EF4-FFF2-40B4-BE49-F238E27FC236}">
+                <a16:creationId xmlns:a16="http://schemas.microsoft.com/office/drawing/2014/main" id="{B3E8107C-E0BC-6D81-EDA9-00F9348CCEC7}"/>
+              </a:ext>
+            </a:extLst>
+          </p:cNvPr>
+          <p:cNvSpPr>
+            <a:spLocks noGrp="1"/>
+          </p:cNvSpPr>
+          <p:nvPr>
+            <p:ph type="title"/>
+          </p:nvPr>
+        </p:nvSpPr>
+        <p:spPr>
+          <a:xfrm>
+            <a:off x="1206500" y="292690"/>
+            <a:ext cx="21971000" cy="1433163"/>
+          </a:xfrm>
+        </p:spPr>
+        <p:txBody>
+          <a:bodyPr>
+            <a:normAutofit fontScale="90000"/>
+          </a:bodyPr>
+          <a:lstStyle/>
+          <a:p>
+            <a:r>
+              <a:rPr lang="it-IT" dirty="0"/>
+              <a:t>Random </a:t>
+            </a:r>
+            <a:r>
+              <a:rPr lang="it-IT" dirty="0" err="1"/>
+              <a:t>Forest</a:t>
+            </a:r>
+            <a:r>
+              <a:rPr lang="it-IT" dirty="0"/>
+              <a:t> model – Curve ROC e AUC</a:t>
+            </a:r>
+            <a:br>
+              <a:rPr lang="it-IT" dirty="0"/>
+            </a:br>
+            <a:r>
+              <a:rPr lang="it-IT" sz="2700" b="0" dirty="0" err="1"/>
+              <a:t>ntree</a:t>
+            </a:r>
+            <a:r>
+              <a:rPr lang="it-IT" sz="2700" b="0" dirty="0"/>
+              <a:t> = 100</a:t>
+            </a:r>
+          </a:p>
+        </p:txBody>
+      </p:sp>
+      <p:sp>
+        <p:nvSpPr>
+          <p:cNvPr id="5" name="CasellaDiTesto 4">
+            <a:extLst>
+              <a:ext uri="{FF2B5EF4-FFF2-40B4-BE49-F238E27FC236}">
+                <a16:creationId xmlns:a16="http://schemas.microsoft.com/office/drawing/2014/main" id="{3436549F-FCED-FE01-656E-90DE613F2225}"/>
+              </a:ext>
+            </a:extLst>
+          </p:cNvPr>
+          <p:cNvSpPr txBox="1"/>
+          <p:nvPr/>
+        </p:nvSpPr>
+        <p:spPr>
+          <a:xfrm>
+            <a:off x="4125433" y="6858000"/>
+            <a:ext cx="4890976" cy="595035"/>
+          </a:xfrm>
+          <a:prstGeom prst="rect">
+            <a:avLst/>
+          </a:prstGeom>
+          <a:noFill/>
+          <a:ln w="12700" cap="flat">
+            <a:noFill/>
+            <a:miter lim="400000"/>
+          </a:ln>
+          <a:effectLst/>
+          <a:sp3d/>
+        </p:spPr>
+        <p:style>
+          <a:lnRef idx="0">
+            <a:scrgbClr r="0" g="0" b="0"/>
+          </a:lnRef>
+          <a:fillRef idx="0">
+            <a:scrgbClr r="0" g="0" b="0"/>
+          </a:fillRef>
+          <a:effectRef idx="0">
+            <a:scrgbClr r="0" g="0" b="0"/>
+          </a:effectRef>
+          <a:fontRef idx="none"/>
+        </p:style>
+        <p:txBody>
+          <a:bodyPr rot="0" spcFirstLastPara="1" vertOverflow="overflow" horzOverflow="overflow" vert="horz" wrap="square" lIns="50800" tIns="50800" rIns="50800" bIns="50800" numCol="1" spcCol="38100" rtlCol="0" anchor="ctr">
+            <a:spAutoFit/>
+          </a:bodyPr>
+          <a:lstStyle/>
+          <a:p>
+            <a:pPr marL="0" marR="0" indent="0" algn="l" defTabSz="2438338" rtl="0" fontAlgn="auto" latinLnBrk="0" hangingPunct="0">
+              <a:lnSpc>
+                <a:spcPct val="100000"/>
+              </a:lnSpc>
+              <a:spcBef>
+                <a:spcPts val="0"/>
+              </a:spcBef>
+              <a:spcAft>
+                <a:spcPts val="0"/>
+              </a:spcAft>
+              <a:buClrTx/>
+              <a:buSzTx/>
+              <a:buFontTx/>
+              <a:buNone/>
+              <a:tabLst/>
+            </a:pPr>
+            <a:r>
+              <a:rPr kumimoji="0" lang="it-IT" sz="3200" b="0" i="0" u="none" strike="noStrike" cap="none" spc="0" normalizeH="0" baseline="0" dirty="0">
+                <a:ln>
+                  <a:noFill/>
+                </a:ln>
+                <a:solidFill>
+                  <a:schemeClr val="bg2">
+                    <a:lumMod val="10000"/>
+                  </a:schemeClr>
+                </a:solidFill>
+                <a:effectLst/>
+                <a:uFillTx/>
+                <a:latin typeface="+mn-lt"/>
+                <a:ea typeface="+mn-ea"/>
+                <a:cs typeface="+mn-cs"/>
+                <a:sym typeface="Helvetica Neue"/>
+              </a:rPr>
+              <a:t>AUC:  0.99</a:t>
+            </a:r>
+          </a:p>
+        </p:txBody>
+      </p:sp>
+      <p:sp>
+        <p:nvSpPr>
+          <p:cNvPr id="6" name="CasellaDiTesto 5">
+            <a:extLst>
+              <a:ext uri="{FF2B5EF4-FFF2-40B4-BE49-F238E27FC236}">
+                <a16:creationId xmlns:a16="http://schemas.microsoft.com/office/drawing/2014/main" id="{E1D33910-B73E-285D-EF55-6BA01D4BC895}"/>
+              </a:ext>
+            </a:extLst>
+          </p:cNvPr>
+          <p:cNvSpPr txBox="1"/>
+          <p:nvPr/>
+        </p:nvSpPr>
+        <p:spPr>
+          <a:xfrm>
+            <a:off x="16181116" y="12889180"/>
+            <a:ext cx="4890976" cy="595035"/>
+          </a:xfrm>
+          <a:prstGeom prst="rect">
+            <a:avLst/>
+          </a:prstGeom>
+          <a:noFill/>
+          <a:ln w="12700" cap="flat">
+            <a:noFill/>
+            <a:miter lim="400000"/>
+          </a:ln>
+          <a:effectLst/>
+          <a:sp3d/>
+        </p:spPr>
+        <p:style>
+          <a:lnRef idx="0">
+            <a:scrgbClr r="0" g="0" b="0"/>
+          </a:lnRef>
+          <a:fillRef idx="0">
+            <a:scrgbClr r="0" g="0" b="0"/>
+          </a:fillRef>
+          <a:effectRef idx="0">
+            <a:scrgbClr r="0" g="0" b="0"/>
+          </a:effectRef>
+          <a:fontRef idx="none"/>
+        </p:style>
+        <p:txBody>
+          <a:bodyPr rot="0" spcFirstLastPara="1" vertOverflow="overflow" horzOverflow="overflow" vert="horz" wrap="square" lIns="50800" tIns="50800" rIns="50800" bIns="50800" numCol="1" spcCol="38100" rtlCol="0" anchor="ctr">
+            <a:spAutoFit/>
+          </a:bodyPr>
+          <a:lstStyle/>
+          <a:p>
+            <a:pPr marL="0" marR="0" indent="0" algn="l" defTabSz="2438338" rtl="0" fontAlgn="auto" latinLnBrk="0" hangingPunct="0">
+              <a:lnSpc>
+                <a:spcPct val="100000"/>
+              </a:lnSpc>
+              <a:spcBef>
+                <a:spcPts val="0"/>
+              </a:spcBef>
+              <a:spcAft>
+                <a:spcPts val="0"/>
+              </a:spcAft>
+              <a:buClrTx/>
+              <a:buSzTx/>
+              <a:buFontTx/>
+              <a:buNone/>
+              <a:tabLst/>
+            </a:pPr>
+            <a:r>
+              <a:rPr kumimoji="0" lang="it-IT" sz="3200" b="0" i="0" u="none" strike="noStrike" cap="none" spc="0" normalizeH="0" baseline="0" dirty="0">
+                <a:ln>
+                  <a:noFill/>
+                </a:ln>
+                <a:solidFill>
+                  <a:schemeClr val="bg2">
+                    <a:lumMod val="10000"/>
+                  </a:schemeClr>
+                </a:solidFill>
+                <a:effectLst/>
+                <a:uFillTx/>
+                <a:latin typeface="+mn-lt"/>
+                <a:ea typeface="+mn-ea"/>
+                <a:cs typeface="+mn-cs"/>
+                <a:sym typeface="Helvetica Neue"/>
+              </a:rPr>
+              <a:t>AUC: 0.96</a:t>
+            </a:r>
+          </a:p>
+        </p:txBody>
+      </p:sp>
+      <p:sp>
+        <p:nvSpPr>
+          <p:cNvPr id="7" name="CasellaDiTesto 6">
+            <a:extLst>
+              <a:ext uri="{FF2B5EF4-FFF2-40B4-BE49-F238E27FC236}">
+                <a16:creationId xmlns:a16="http://schemas.microsoft.com/office/drawing/2014/main" id="{A90DC37C-F6BD-626B-3A8D-8946C540A4A7}"/>
+              </a:ext>
+            </a:extLst>
+          </p:cNvPr>
+          <p:cNvSpPr txBox="1"/>
+          <p:nvPr/>
+        </p:nvSpPr>
+        <p:spPr>
+          <a:xfrm>
+            <a:off x="16181116" y="6858000"/>
+            <a:ext cx="4890976" cy="595035"/>
+          </a:xfrm>
+          <a:prstGeom prst="rect">
+            <a:avLst/>
+          </a:prstGeom>
+          <a:noFill/>
+          <a:ln w="12700" cap="flat">
+            <a:noFill/>
+            <a:miter lim="400000"/>
+          </a:ln>
+          <a:effectLst/>
+          <a:sp3d/>
+        </p:spPr>
+        <p:style>
+          <a:lnRef idx="0">
+            <a:scrgbClr r="0" g="0" b="0"/>
+          </a:lnRef>
+          <a:fillRef idx="0">
+            <a:scrgbClr r="0" g="0" b="0"/>
+          </a:fillRef>
+          <a:effectRef idx="0">
+            <a:scrgbClr r="0" g="0" b="0"/>
+          </a:effectRef>
+          <a:fontRef idx="none"/>
+        </p:style>
+        <p:txBody>
+          <a:bodyPr rot="0" spcFirstLastPara="1" vertOverflow="overflow" horzOverflow="overflow" vert="horz" wrap="square" lIns="50800" tIns="50800" rIns="50800" bIns="50800" numCol="1" spcCol="38100" rtlCol="0" anchor="ctr">
+            <a:spAutoFit/>
+          </a:bodyPr>
+          <a:lstStyle/>
+          <a:p>
+            <a:pPr marL="0" marR="0" indent="0" algn="l" defTabSz="2438338" rtl="0" fontAlgn="auto" latinLnBrk="0" hangingPunct="0">
+              <a:lnSpc>
+                <a:spcPct val="100000"/>
+              </a:lnSpc>
+              <a:spcBef>
+                <a:spcPts val="0"/>
+              </a:spcBef>
+              <a:spcAft>
+                <a:spcPts val="0"/>
+              </a:spcAft>
+              <a:buClrTx/>
+              <a:buSzTx/>
+              <a:buFontTx/>
+              <a:buNone/>
+              <a:tabLst/>
+            </a:pPr>
+            <a:r>
+              <a:rPr kumimoji="0" lang="it-IT" sz="3200" b="0" i="0" u="none" strike="noStrike" cap="none" spc="0" normalizeH="0" baseline="0" dirty="0">
+                <a:ln>
+                  <a:noFill/>
+                </a:ln>
+                <a:solidFill>
+                  <a:schemeClr val="bg2">
+                    <a:lumMod val="10000"/>
+                  </a:schemeClr>
+                </a:solidFill>
+                <a:effectLst/>
+                <a:uFillTx/>
+                <a:latin typeface="+mn-lt"/>
+                <a:ea typeface="+mn-ea"/>
+                <a:cs typeface="+mn-cs"/>
+                <a:sym typeface="Helvetica Neue"/>
+              </a:rPr>
+              <a:t>AUC: 0.90</a:t>
+            </a:r>
+          </a:p>
+        </p:txBody>
+      </p:sp>
+      <p:sp>
+        <p:nvSpPr>
+          <p:cNvPr id="8" name="CasellaDiTesto 7">
+            <a:extLst>
+              <a:ext uri="{FF2B5EF4-FFF2-40B4-BE49-F238E27FC236}">
+                <a16:creationId xmlns:a16="http://schemas.microsoft.com/office/drawing/2014/main" id="{F88C76E5-DB17-0D2F-F29E-404AEF74C4CF}"/>
+              </a:ext>
+            </a:extLst>
+          </p:cNvPr>
+          <p:cNvSpPr txBox="1"/>
+          <p:nvPr/>
+        </p:nvSpPr>
+        <p:spPr>
+          <a:xfrm>
+            <a:off x="4125433" y="12889181"/>
+            <a:ext cx="4890976" cy="595035"/>
+          </a:xfrm>
+          <a:prstGeom prst="rect">
+            <a:avLst/>
+          </a:prstGeom>
+          <a:noFill/>
+          <a:ln w="12700" cap="flat">
+            <a:noFill/>
+            <a:miter lim="400000"/>
+          </a:ln>
+          <a:effectLst/>
+          <a:sp3d/>
+        </p:spPr>
+        <p:style>
+          <a:lnRef idx="0">
+            <a:scrgbClr r="0" g="0" b="0"/>
+          </a:lnRef>
+          <a:fillRef idx="0">
+            <a:scrgbClr r="0" g="0" b="0"/>
+          </a:fillRef>
+          <a:effectRef idx="0">
+            <a:scrgbClr r="0" g="0" b="0"/>
+          </a:effectRef>
+          <a:fontRef idx="none"/>
+        </p:style>
+        <p:txBody>
+          <a:bodyPr rot="0" spcFirstLastPara="1" vertOverflow="overflow" horzOverflow="overflow" vert="horz" wrap="square" lIns="50800" tIns="50800" rIns="50800" bIns="50800" numCol="1" spcCol="38100" rtlCol="0" anchor="ctr">
+            <a:spAutoFit/>
+          </a:bodyPr>
+          <a:lstStyle/>
+          <a:p>
+            <a:pPr marL="0" marR="0" indent="0" algn="l" defTabSz="2438338" rtl="0" fontAlgn="auto" latinLnBrk="0" hangingPunct="0">
+              <a:lnSpc>
+                <a:spcPct val="100000"/>
+              </a:lnSpc>
+              <a:spcBef>
+                <a:spcPts val="0"/>
+              </a:spcBef>
+              <a:spcAft>
+                <a:spcPts val="0"/>
+              </a:spcAft>
+              <a:buClrTx/>
+              <a:buSzTx/>
+              <a:buFontTx/>
+              <a:buNone/>
+              <a:tabLst/>
+            </a:pPr>
+            <a:r>
+              <a:rPr kumimoji="0" lang="it-IT" sz="3200" b="0" i="0" u="none" strike="noStrike" cap="none" spc="0" normalizeH="0" baseline="0" dirty="0">
+                <a:ln>
+                  <a:noFill/>
+                </a:ln>
+                <a:solidFill>
+                  <a:schemeClr val="bg2">
+                    <a:lumMod val="10000"/>
+                  </a:schemeClr>
+                </a:solidFill>
+                <a:effectLst/>
+                <a:uFillTx/>
+                <a:latin typeface="+mn-lt"/>
+                <a:ea typeface="+mn-ea"/>
+                <a:cs typeface="+mn-cs"/>
+                <a:sym typeface="Helvetica Neue"/>
+              </a:rPr>
+              <a:t>AUC: 0.92</a:t>
+            </a:r>
+          </a:p>
+        </p:txBody>
+      </p:sp>
+      <p:pic>
+        <p:nvPicPr>
+          <p:cNvPr id="14" name="Immagine 13">
+            <a:extLst>
+              <a:ext uri="{FF2B5EF4-FFF2-40B4-BE49-F238E27FC236}">
+                <a16:creationId xmlns:a16="http://schemas.microsoft.com/office/drawing/2014/main" id="{3EA3DFBE-909D-F2B8-BDD2-15021AE2D28F}"/>
+              </a:ext>
+            </a:extLst>
+          </p:cNvPr>
+          <p:cNvPicPr>
+            <a:picLocks noChangeAspect="1"/>
+          </p:cNvPicPr>
+          <p:nvPr/>
+        </p:nvPicPr>
+        <p:blipFill>
+          <a:blip r:embed="rId2">
+            <a:extLst>
+              <a:ext uri="{28A0092B-C50C-407E-A947-70E740481C1C}">
+                <a14:useLocalDpi xmlns:a14="http://schemas.microsoft.com/office/drawing/2010/main" val="0"/>
+              </a:ext>
+            </a:extLst>
+          </a:blip>
+          <a:stretch>
+            <a:fillRect/>
+          </a:stretch>
+        </p:blipFill>
+        <p:spPr>
+          <a:xfrm>
+            <a:off x="0" y="1734544"/>
+            <a:ext cx="12328317" cy="5123456"/>
+          </a:xfrm>
+          <a:prstGeom prst="rect">
+            <a:avLst/>
+          </a:prstGeom>
+        </p:spPr>
+      </p:pic>
+      <p:pic>
+        <p:nvPicPr>
+          <p:cNvPr id="16" name="Immagine 15">
+            <a:extLst>
+              <a:ext uri="{FF2B5EF4-FFF2-40B4-BE49-F238E27FC236}">
+                <a16:creationId xmlns:a16="http://schemas.microsoft.com/office/drawing/2014/main" id="{47451E54-DBAE-8067-3821-FE653E4472AC}"/>
+              </a:ext>
+            </a:extLst>
+          </p:cNvPr>
+          <p:cNvPicPr>
+            <a:picLocks noChangeAspect="1"/>
+          </p:cNvPicPr>
+          <p:nvPr/>
+        </p:nvPicPr>
+        <p:blipFill>
+          <a:blip r:embed="rId3">
+            <a:extLst>
+              <a:ext uri="{28A0092B-C50C-407E-A947-70E740481C1C}">
+                <a14:useLocalDpi xmlns:a14="http://schemas.microsoft.com/office/drawing/2010/main" val="0"/>
+              </a:ext>
+            </a:extLst>
+          </a:blip>
+          <a:stretch>
+            <a:fillRect/>
+          </a:stretch>
+        </p:blipFill>
+        <p:spPr>
+          <a:xfrm>
+            <a:off x="12028968" y="1734544"/>
+            <a:ext cx="12328317" cy="5123456"/>
+          </a:xfrm>
+          <a:prstGeom prst="rect">
+            <a:avLst/>
+          </a:prstGeom>
+        </p:spPr>
+      </p:pic>
+      <p:pic>
+        <p:nvPicPr>
+          <p:cNvPr id="18" name="Immagine 17">
+            <a:extLst>
+              <a:ext uri="{FF2B5EF4-FFF2-40B4-BE49-F238E27FC236}">
+                <a16:creationId xmlns:a16="http://schemas.microsoft.com/office/drawing/2014/main" id="{BB90EFD4-78EE-A09D-4694-EC8E995A2907}"/>
+              </a:ext>
+            </a:extLst>
+          </p:cNvPr>
+          <p:cNvPicPr>
+            <a:picLocks noChangeAspect="1"/>
+          </p:cNvPicPr>
+          <p:nvPr/>
+        </p:nvPicPr>
+        <p:blipFill>
+          <a:blip r:embed="rId4">
+            <a:extLst>
+              <a:ext uri="{28A0092B-C50C-407E-A947-70E740481C1C}">
+                <a14:useLocalDpi xmlns:a14="http://schemas.microsoft.com/office/drawing/2010/main" val="0"/>
+              </a:ext>
+            </a:extLst>
+          </a:blip>
+          <a:stretch>
+            <a:fillRect/>
+          </a:stretch>
+        </p:blipFill>
+        <p:spPr>
+          <a:xfrm>
+            <a:off x="-1" y="7765724"/>
+            <a:ext cx="12328317" cy="5123456"/>
+          </a:xfrm>
+          <a:prstGeom prst="rect">
+            <a:avLst/>
+          </a:prstGeom>
+        </p:spPr>
+      </p:pic>
+      <p:pic>
+        <p:nvPicPr>
+          <p:cNvPr id="20" name="Immagine 19">
+            <a:extLst>
+              <a:ext uri="{FF2B5EF4-FFF2-40B4-BE49-F238E27FC236}">
+                <a16:creationId xmlns:a16="http://schemas.microsoft.com/office/drawing/2014/main" id="{9C7616F9-D880-14FF-E840-5B8AC2A6CA1B}"/>
+              </a:ext>
+            </a:extLst>
+          </p:cNvPr>
+          <p:cNvPicPr>
+            <a:picLocks noChangeAspect="1"/>
+          </p:cNvPicPr>
+          <p:nvPr/>
+        </p:nvPicPr>
+        <p:blipFill>
+          <a:blip r:embed="rId5">
+            <a:extLst>
+              <a:ext uri="{28A0092B-C50C-407E-A947-70E740481C1C}">
+                <a14:useLocalDpi xmlns:a14="http://schemas.microsoft.com/office/drawing/2010/main" val="0"/>
+              </a:ext>
+            </a:extLst>
+          </a:blip>
+          <a:stretch>
+            <a:fillRect/>
+          </a:stretch>
+        </p:blipFill>
+        <p:spPr>
+          <a:xfrm>
+            <a:off x="12028968" y="7765724"/>
+            <a:ext cx="12328316" cy="5123456"/>
+          </a:xfrm>
+          <a:prstGeom prst="rect">
+            <a:avLst/>
+          </a:prstGeom>
+        </p:spPr>
+      </p:pic>
+    </p:spTree>
+    <p:extLst>
+      <p:ext uri="{BB962C8B-B14F-4D97-AF65-F5344CB8AC3E}">
+        <p14:creationId xmlns:p14="http://schemas.microsoft.com/office/powerpoint/2010/main" val="1388113295"/>
+      </p:ext>
+    </p:extLst>
+  </p:cSld>
+  <p:clrMapOvr>
+    <a:masterClrMapping/>
+  </p:clrMapOvr>
+  <p:transition spd="med"/>
+</p:sld>
+</file>
+
+<file path=ppt/slides/slide21.xml><?xml version="1.0" encoding="utf-8"?>
+<p:sld xmlns:a="http://schemas.openxmlformats.org/drawingml/2006/main" xmlns:r="http://schemas.openxmlformats.org/officeDocument/2006/relationships" xmlns:p="http://schemas.openxmlformats.org/presentationml/2006/main">
+  <p:cSld>
+    <p:spTree>
+      <p:nvGrpSpPr>
+        <p:cNvPr id="1" name=""/>
+        <p:cNvGrpSpPr/>
+        <p:nvPr/>
+      </p:nvGrpSpPr>
+      <p:grpSpPr>
+        <a:xfrm>
+          <a:off x="0" y="0"/>
+          <a:ext cx="0" cy="0"/>
+          <a:chOff x="0" y="0"/>
+          <a:chExt cx="0" cy="0"/>
+        </a:xfrm>
+      </p:grpSpPr>
+      <p:sp>
+        <p:nvSpPr>
+          <p:cNvPr id="2" name="Titolo 1">
+            <a:extLst>
+              <a:ext uri="{FF2B5EF4-FFF2-40B4-BE49-F238E27FC236}">
+                <a16:creationId xmlns:a16="http://schemas.microsoft.com/office/drawing/2014/main" id="{330515D5-154D-3251-554F-0F1E35F45A31}"/>
+              </a:ext>
+            </a:extLst>
+          </p:cNvPr>
+          <p:cNvSpPr>
+            <a:spLocks noGrp="1"/>
+          </p:cNvSpPr>
+          <p:nvPr>
+            <p:ph type="title"/>
+          </p:nvPr>
+        </p:nvSpPr>
+        <p:spPr>
+          <a:xfrm>
+            <a:off x="1206500" y="299297"/>
+            <a:ext cx="21971000" cy="1433163"/>
+          </a:xfrm>
+        </p:spPr>
+        <p:txBody>
+          <a:bodyPr/>
+          <a:lstStyle/>
+          <a:p>
+            <a:r>
+              <a:rPr lang="it-IT" dirty="0"/>
+              <a:t>Analisi risultati e conclusioni</a:t>
+            </a:r>
+          </a:p>
+        </p:txBody>
+      </p:sp>
+      <p:pic>
+        <p:nvPicPr>
+          <p:cNvPr id="6" name="Immagine 5">
+            <a:extLst>
+              <a:ext uri="{FF2B5EF4-FFF2-40B4-BE49-F238E27FC236}">
+                <a16:creationId xmlns:a16="http://schemas.microsoft.com/office/drawing/2014/main" id="{80E439C5-62CE-EEF1-328D-446EC52574B0}"/>
+              </a:ext>
+            </a:extLst>
+          </p:cNvPr>
+          <p:cNvPicPr>
+            <a:picLocks noChangeAspect="1"/>
+          </p:cNvPicPr>
+          <p:nvPr/>
+        </p:nvPicPr>
+        <p:blipFill>
+          <a:blip r:embed="rId2">
+            <a:extLst>
+              <a:ext uri="{28A0092B-C50C-407E-A947-70E740481C1C}">
+                <a14:useLocalDpi xmlns:a14="http://schemas.microsoft.com/office/drawing/2010/main" val="0"/>
+              </a:ext>
+            </a:extLst>
+          </a:blip>
+          <a:stretch>
+            <a:fillRect/>
+          </a:stretch>
+        </p:blipFill>
+        <p:spPr>
+          <a:xfrm>
+            <a:off x="-3027852" y="2646847"/>
+            <a:ext cx="11130599" cy="4625703"/>
+          </a:xfrm>
+          <a:prstGeom prst="rect">
+            <a:avLst/>
+          </a:prstGeom>
+        </p:spPr>
+      </p:pic>
+      <p:pic>
+        <p:nvPicPr>
+          <p:cNvPr id="10" name="Immagine 9">
+            <a:extLst>
+              <a:ext uri="{FF2B5EF4-FFF2-40B4-BE49-F238E27FC236}">
+                <a16:creationId xmlns:a16="http://schemas.microsoft.com/office/drawing/2014/main" id="{5CB75184-E6B5-E540-0D3D-9191B2816D84}"/>
+              </a:ext>
+            </a:extLst>
+          </p:cNvPr>
+          <p:cNvPicPr>
+            <a:picLocks noChangeAspect="1"/>
+          </p:cNvPicPr>
+          <p:nvPr/>
+        </p:nvPicPr>
+        <p:blipFill>
+          <a:blip r:embed="rId3">
+            <a:extLst>
+              <a:ext uri="{28A0092B-C50C-407E-A947-70E740481C1C}">
+                <a14:useLocalDpi xmlns:a14="http://schemas.microsoft.com/office/drawing/2010/main" val="0"/>
+              </a:ext>
+            </a:extLst>
+          </a:blip>
+          <a:stretch>
+            <a:fillRect/>
+          </a:stretch>
+        </p:blipFill>
+        <p:spPr>
+          <a:xfrm>
+            <a:off x="-3027853" y="7323587"/>
+            <a:ext cx="11130599" cy="4625703"/>
+          </a:xfrm>
+          <a:prstGeom prst="rect">
+            <a:avLst/>
+          </a:prstGeom>
+        </p:spPr>
+      </p:pic>
+      <p:pic>
+        <p:nvPicPr>
+          <p:cNvPr id="8" name="Immagine 7">
+            <a:extLst>
+              <a:ext uri="{FF2B5EF4-FFF2-40B4-BE49-F238E27FC236}">
+                <a16:creationId xmlns:a16="http://schemas.microsoft.com/office/drawing/2014/main" id="{19267A0A-2E23-5BEE-238A-4507A912CF8D}"/>
+              </a:ext>
+            </a:extLst>
+          </p:cNvPr>
+          <p:cNvPicPr>
+            <a:picLocks noChangeAspect="1"/>
+          </p:cNvPicPr>
+          <p:nvPr/>
+        </p:nvPicPr>
+        <p:blipFill>
+          <a:blip r:embed="rId4">
+            <a:extLst>
+              <a:ext uri="{28A0092B-C50C-407E-A947-70E740481C1C}">
+                <a14:useLocalDpi xmlns:a14="http://schemas.microsoft.com/office/drawing/2010/main" val="0"/>
+              </a:ext>
+            </a:extLst>
+          </a:blip>
+          <a:stretch>
+            <a:fillRect/>
+          </a:stretch>
+        </p:blipFill>
+        <p:spPr>
+          <a:xfrm>
+            <a:off x="4573318" y="2682752"/>
+            <a:ext cx="11130599" cy="4625703"/>
+          </a:xfrm>
+          <a:prstGeom prst="rect">
+            <a:avLst/>
+          </a:prstGeom>
+        </p:spPr>
+      </p:pic>
+      <p:pic>
+        <p:nvPicPr>
+          <p:cNvPr id="12" name="Immagine 11">
+            <a:extLst>
+              <a:ext uri="{FF2B5EF4-FFF2-40B4-BE49-F238E27FC236}">
+                <a16:creationId xmlns:a16="http://schemas.microsoft.com/office/drawing/2014/main" id="{BC9EC2D2-7566-B3C3-220A-270165D22DB3}"/>
+              </a:ext>
+            </a:extLst>
+          </p:cNvPr>
+          <p:cNvPicPr>
+            <a:picLocks noChangeAspect="1"/>
+          </p:cNvPicPr>
+          <p:nvPr/>
+        </p:nvPicPr>
+        <p:blipFill>
+          <a:blip r:embed="rId5">
+            <a:extLst>
+              <a:ext uri="{28A0092B-C50C-407E-A947-70E740481C1C}">
+                <a14:useLocalDpi xmlns:a14="http://schemas.microsoft.com/office/drawing/2010/main" val="0"/>
+              </a:ext>
+            </a:extLst>
+          </a:blip>
+          <a:stretch>
+            <a:fillRect/>
+          </a:stretch>
+        </p:blipFill>
+        <p:spPr>
+          <a:xfrm>
+            <a:off x="4573318" y="7323587"/>
+            <a:ext cx="11130599" cy="4625703"/>
+          </a:xfrm>
+          <a:prstGeom prst="rect">
+            <a:avLst/>
+          </a:prstGeom>
+        </p:spPr>
+      </p:pic>
+      <p:graphicFrame>
+        <p:nvGraphicFramePr>
+          <p:cNvPr id="18" name="Tabella 18">
+            <a:extLst>
+              <a:ext uri="{FF2B5EF4-FFF2-40B4-BE49-F238E27FC236}">
+                <a16:creationId xmlns:a16="http://schemas.microsoft.com/office/drawing/2014/main" id="{486E3C78-6712-DA72-BED1-BA3311AD328B}"/>
+              </a:ext>
+            </a:extLst>
+          </p:cNvPr>
+          <p:cNvGraphicFramePr>
+            <a:graphicFrameLocks noGrp="1"/>
+          </p:cNvGraphicFramePr>
+          <p:nvPr>
+            <p:extLst>
+              <p:ext uri="{D42A27DB-BD31-4B8C-83A1-F6EECF244321}">
+                <p14:modId xmlns:p14="http://schemas.microsoft.com/office/powerpoint/2010/main" val="4017146460"/>
+              </p:ext>
+            </p:extLst>
+          </p:nvPr>
+        </p:nvGraphicFramePr>
+        <p:xfrm>
+          <a:off x="13120577" y="4997302"/>
+          <a:ext cx="10318310" cy="3450548"/>
+        </p:xfrm>
+        <a:graphic>
+          <a:graphicData uri="http://schemas.openxmlformats.org/drawingml/2006/table">
+            <a:tbl>
+              <a:tblPr firstRow="1" bandRow="1">
+                <a:tableStyleId>{5940675A-B579-460E-94D1-54222C63F5DA}</a:tableStyleId>
+              </a:tblPr>
+              <a:tblGrid>
+                <a:gridCol w="2063662">
+                  <a:extLst>
+                    <a:ext uri="{9D8B030D-6E8A-4147-A177-3AD203B41FA5}">
+                      <a16:colId xmlns:a16="http://schemas.microsoft.com/office/drawing/2014/main" val="2851339719"/>
+                    </a:ext>
+                  </a:extLst>
+                </a:gridCol>
+                <a:gridCol w="2063662">
+                  <a:extLst>
+                    <a:ext uri="{9D8B030D-6E8A-4147-A177-3AD203B41FA5}">
+                      <a16:colId xmlns:a16="http://schemas.microsoft.com/office/drawing/2014/main" val="3056189620"/>
+                    </a:ext>
+                  </a:extLst>
+                </a:gridCol>
+                <a:gridCol w="2063662">
+                  <a:extLst>
+                    <a:ext uri="{9D8B030D-6E8A-4147-A177-3AD203B41FA5}">
+                      <a16:colId xmlns:a16="http://schemas.microsoft.com/office/drawing/2014/main" val="2657670104"/>
+                    </a:ext>
+                  </a:extLst>
+                </a:gridCol>
+                <a:gridCol w="2063662">
+                  <a:extLst>
+                    <a:ext uri="{9D8B030D-6E8A-4147-A177-3AD203B41FA5}">
+                      <a16:colId xmlns:a16="http://schemas.microsoft.com/office/drawing/2014/main" val="982181055"/>
+                    </a:ext>
+                  </a:extLst>
+                </a:gridCol>
+                <a:gridCol w="2063662">
+                  <a:extLst>
+                    <a:ext uri="{9D8B030D-6E8A-4147-A177-3AD203B41FA5}">
+                      <a16:colId xmlns:a16="http://schemas.microsoft.com/office/drawing/2014/main" val="3424077704"/>
+                    </a:ext>
+                  </a:extLst>
+                </a:gridCol>
+              </a:tblGrid>
+              <a:tr h="862637">
+                <a:tc>
+                  <a:txBody>
+                    <a:bodyPr/>
+                    <a:lstStyle/>
+                    <a:p>
+                      <a:endParaRPr lang="it-IT" sz="2400" dirty="0">
+                        <a:solidFill>
+                          <a:schemeClr val="bg2">
+                            <a:lumMod val="10000"/>
+                          </a:schemeClr>
+                        </a:solidFill>
+                      </a:endParaRPr>
+                    </a:p>
+                  </a:txBody>
+                  <a:tcPr/>
+                </a:tc>
+                <a:tc>
+                  <a:txBody>
+                    <a:bodyPr/>
+                    <a:lstStyle/>
+                    <a:p>
+                      <a:r>
+                        <a:rPr lang="it-IT" sz="2400" dirty="0">
+                          <a:solidFill>
+                            <a:schemeClr val="bg2">
+                              <a:lumMod val="10000"/>
+                            </a:schemeClr>
+                          </a:solidFill>
+                        </a:rPr>
+                        <a:t>AUC media – F. bassa</a:t>
+                      </a:r>
+                    </a:p>
+                  </a:txBody>
+                  <a:tcPr/>
+                </a:tc>
+                <a:tc>
+                  <a:txBody>
+                    <a:bodyPr/>
+                    <a:lstStyle/>
+                    <a:p>
+                      <a:pPr marL="0" marR="0" lvl="0" indent="0" algn="ctr" defTabSz="584200" rtl="0" eaLnBrk="1" fontAlgn="auto" latinLnBrk="0" hangingPunct="1">
+                        <a:lnSpc>
+                          <a:spcPct val="100000"/>
+                        </a:lnSpc>
+                        <a:spcBef>
+                          <a:spcPts val="0"/>
+                        </a:spcBef>
+                        <a:spcAft>
+                          <a:spcPts val="0"/>
+                        </a:spcAft>
+                        <a:buClrTx/>
+                        <a:buSzTx/>
+                        <a:buFontTx/>
+                        <a:buNone/>
+                        <a:tabLst/>
+                        <a:defRPr/>
+                      </a:pPr>
+                      <a:r>
+                        <a:rPr lang="it-IT" sz="2400" dirty="0">
+                          <a:solidFill>
+                            <a:schemeClr val="bg2">
+                              <a:lumMod val="10000"/>
+                            </a:schemeClr>
+                          </a:solidFill>
+                        </a:rPr>
+                        <a:t>AUC media – F. media</a:t>
+                      </a:r>
+                    </a:p>
+                  </a:txBody>
+                  <a:tcPr/>
+                </a:tc>
+                <a:tc>
+                  <a:txBody>
+                    <a:bodyPr/>
+                    <a:lstStyle/>
+                    <a:p>
+                      <a:pPr marL="0" marR="0" lvl="0" indent="0" algn="ctr" defTabSz="584200" rtl="0" eaLnBrk="1" fontAlgn="auto" latinLnBrk="0" hangingPunct="1">
+                        <a:lnSpc>
+                          <a:spcPct val="100000"/>
+                        </a:lnSpc>
+                        <a:spcBef>
+                          <a:spcPts val="0"/>
+                        </a:spcBef>
+                        <a:spcAft>
+                          <a:spcPts val="0"/>
+                        </a:spcAft>
+                        <a:buClrTx/>
+                        <a:buSzTx/>
+                        <a:buFontTx/>
+                        <a:buNone/>
+                        <a:tabLst/>
+                        <a:defRPr/>
+                      </a:pPr>
+                      <a:r>
+                        <a:rPr lang="it-IT" sz="2400" dirty="0">
+                          <a:solidFill>
+                            <a:schemeClr val="bg2">
+                              <a:lumMod val="10000"/>
+                            </a:schemeClr>
+                          </a:solidFill>
+                        </a:rPr>
+                        <a:t>AUC media – F. alta</a:t>
+                      </a:r>
+                    </a:p>
+                  </a:txBody>
+                  <a:tcPr/>
+                </a:tc>
+                <a:tc>
+                  <a:txBody>
+                    <a:bodyPr/>
+                    <a:lstStyle/>
+                    <a:p>
+                      <a:pPr marL="0" marR="0" lvl="0" indent="0" algn="ctr" defTabSz="584200" rtl="0" eaLnBrk="1" fontAlgn="auto" latinLnBrk="0" hangingPunct="1">
+                        <a:lnSpc>
+                          <a:spcPct val="100000"/>
+                        </a:lnSpc>
+                        <a:spcBef>
+                          <a:spcPts val="0"/>
+                        </a:spcBef>
+                        <a:spcAft>
+                          <a:spcPts val="0"/>
+                        </a:spcAft>
+                        <a:buClrTx/>
+                        <a:buSzTx/>
+                        <a:buFontTx/>
+                        <a:buNone/>
+                        <a:tabLst/>
+                        <a:defRPr/>
+                      </a:pPr>
+                      <a:r>
+                        <a:rPr lang="it-IT" sz="2400" dirty="0">
+                          <a:solidFill>
+                            <a:schemeClr val="bg2">
+                              <a:lumMod val="10000"/>
+                            </a:schemeClr>
+                          </a:solidFill>
+                        </a:rPr>
+                        <a:t>AUC media – F. premium</a:t>
+                      </a:r>
+                    </a:p>
+                  </a:txBody>
+                  <a:tcPr/>
+                </a:tc>
+                <a:extLst>
+                  <a:ext uri="{0D108BD9-81ED-4DB2-BD59-A6C34878D82A}">
+                    <a16:rowId xmlns:a16="http://schemas.microsoft.com/office/drawing/2014/main" val="670108923"/>
+                  </a:ext>
+                </a:extLst>
+              </a:tr>
+              <a:tr h="862637">
+                <a:tc>
+                  <a:txBody>
+                    <a:bodyPr/>
+                    <a:lstStyle/>
+                    <a:p>
+                      <a:r>
+                        <a:rPr lang="it-IT" sz="2400" dirty="0">
+                          <a:solidFill>
+                            <a:schemeClr val="bg2">
+                              <a:lumMod val="10000"/>
+                            </a:schemeClr>
+                          </a:solidFill>
+                        </a:rPr>
+                        <a:t>DT</a:t>
+                      </a:r>
+                    </a:p>
+                  </a:txBody>
+                  <a:tcPr/>
+                </a:tc>
+                <a:tc>
+                  <a:txBody>
+                    <a:bodyPr/>
+                    <a:lstStyle/>
+                    <a:p>
+                      <a:r>
+                        <a:rPr lang="it-IT" sz="2800" dirty="0">
+                          <a:solidFill>
+                            <a:schemeClr val="bg2">
+                              <a:lumMod val="10000"/>
+                            </a:schemeClr>
+                          </a:solidFill>
+                        </a:rPr>
+                        <a:t>0.96</a:t>
+                      </a:r>
+                    </a:p>
+                  </a:txBody>
+                  <a:tcPr/>
+                </a:tc>
+                <a:tc>
+                  <a:txBody>
+                    <a:bodyPr/>
+                    <a:lstStyle/>
+                    <a:p>
+                      <a:r>
+                        <a:rPr lang="it-IT" sz="2800" dirty="0">
+                          <a:solidFill>
+                            <a:schemeClr val="bg2">
+                              <a:lumMod val="10000"/>
+                            </a:schemeClr>
+                          </a:solidFill>
+                        </a:rPr>
+                        <a:t>0.85</a:t>
+                      </a:r>
+                    </a:p>
+                  </a:txBody>
+                  <a:tcPr/>
+                </a:tc>
+                <a:tc>
+                  <a:txBody>
+                    <a:bodyPr/>
+                    <a:lstStyle/>
+                    <a:p>
+                      <a:r>
+                        <a:rPr lang="it-IT" sz="2800" dirty="0">
+                          <a:solidFill>
+                            <a:schemeClr val="bg2">
+                              <a:lumMod val="10000"/>
+                            </a:schemeClr>
+                          </a:solidFill>
+                        </a:rPr>
+                        <a:t>0.85</a:t>
+                      </a:r>
+                    </a:p>
+                  </a:txBody>
+                  <a:tcPr/>
+                </a:tc>
+                <a:tc>
+                  <a:txBody>
+                    <a:bodyPr/>
+                    <a:lstStyle/>
+                    <a:p>
+                      <a:r>
+                        <a:rPr lang="it-IT" sz="2800" dirty="0">
+                          <a:solidFill>
+                            <a:schemeClr val="bg2">
+                              <a:lumMod val="10000"/>
+                            </a:schemeClr>
+                          </a:solidFill>
+                        </a:rPr>
+                        <a:t>0.92</a:t>
+                      </a:r>
+                    </a:p>
+                  </a:txBody>
+                  <a:tcPr/>
+                </a:tc>
+                <a:extLst>
+                  <a:ext uri="{0D108BD9-81ED-4DB2-BD59-A6C34878D82A}">
+                    <a16:rowId xmlns:a16="http://schemas.microsoft.com/office/drawing/2014/main" val="3075402018"/>
+                  </a:ext>
+                </a:extLst>
+              </a:tr>
+              <a:tr h="862637">
+                <a:tc>
+                  <a:txBody>
+                    <a:bodyPr/>
+                    <a:lstStyle/>
+                    <a:p>
+                      <a:r>
+                        <a:rPr lang="it-IT" sz="2400" dirty="0">
+                          <a:solidFill>
+                            <a:schemeClr val="bg2">
+                              <a:lumMod val="10000"/>
+                            </a:schemeClr>
+                          </a:solidFill>
+                        </a:rPr>
+                        <a:t>SVM</a:t>
+                      </a:r>
+                    </a:p>
+                  </a:txBody>
+                  <a:tcPr/>
+                </a:tc>
+                <a:tc>
+                  <a:txBody>
+                    <a:bodyPr/>
+                    <a:lstStyle/>
+                    <a:p>
+                      <a:r>
+                        <a:rPr lang="it-IT" sz="2800" dirty="0">
+                          <a:solidFill>
+                            <a:schemeClr val="bg2">
+                              <a:lumMod val="10000"/>
+                            </a:schemeClr>
+                          </a:solidFill>
+                        </a:rPr>
+                        <a:t>0.95</a:t>
+                      </a:r>
+                    </a:p>
+                  </a:txBody>
+                  <a:tcPr/>
+                </a:tc>
+                <a:tc>
+                  <a:txBody>
+                    <a:bodyPr/>
+                    <a:lstStyle/>
+                    <a:p>
+                      <a:r>
+                        <a:rPr lang="it-IT" sz="2800" b="1" dirty="0">
+                          <a:solidFill>
+                            <a:schemeClr val="bg2">
+                              <a:lumMod val="10000"/>
+                            </a:schemeClr>
+                          </a:solidFill>
+                        </a:rPr>
+                        <a:t>0.93</a:t>
+                      </a:r>
+                    </a:p>
+                  </a:txBody>
+                  <a:tcPr/>
+                </a:tc>
+                <a:tc>
+                  <a:txBody>
+                    <a:bodyPr/>
+                    <a:lstStyle/>
+                    <a:p>
+                      <a:r>
+                        <a:rPr lang="it-IT" sz="2800" dirty="0">
+                          <a:solidFill>
+                            <a:schemeClr val="bg2">
+                              <a:lumMod val="10000"/>
+                            </a:schemeClr>
+                          </a:solidFill>
+                        </a:rPr>
+                        <a:t>0.79</a:t>
+                      </a:r>
+                    </a:p>
+                  </a:txBody>
+                  <a:tcPr/>
+                </a:tc>
+                <a:tc>
+                  <a:txBody>
+                    <a:bodyPr/>
+                    <a:lstStyle/>
+                    <a:p>
+                      <a:r>
+                        <a:rPr lang="it-IT" sz="2800" dirty="0">
+                          <a:solidFill>
+                            <a:schemeClr val="bg2">
+                              <a:lumMod val="10000"/>
+                            </a:schemeClr>
+                          </a:solidFill>
+                        </a:rPr>
+                        <a:t>0.94</a:t>
+                      </a:r>
+                    </a:p>
+                  </a:txBody>
+                  <a:tcPr/>
+                </a:tc>
+                <a:extLst>
+                  <a:ext uri="{0D108BD9-81ED-4DB2-BD59-A6C34878D82A}">
+                    <a16:rowId xmlns:a16="http://schemas.microsoft.com/office/drawing/2014/main" val="3967286922"/>
+                  </a:ext>
+                </a:extLst>
+              </a:tr>
+              <a:tr h="862637">
+                <a:tc>
+                  <a:txBody>
+                    <a:bodyPr/>
+                    <a:lstStyle/>
+                    <a:p>
+                      <a:r>
+                        <a:rPr lang="it-IT" sz="2400" dirty="0">
+                          <a:solidFill>
+                            <a:schemeClr val="bg2">
+                              <a:lumMod val="10000"/>
+                            </a:schemeClr>
+                          </a:solidFill>
+                        </a:rPr>
+                        <a:t>RF</a:t>
+                      </a:r>
+                    </a:p>
+                  </a:txBody>
+                  <a:tcPr/>
+                </a:tc>
+                <a:tc>
+                  <a:txBody>
+                    <a:bodyPr/>
+                    <a:lstStyle/>
+                    <a:p>
+                      <a:r>
+                        <a:rPr lang="it-IT" sz="2800" b="1" dirty="0">
+                          <a:solidFill>
+                            <a:schemeClr val="bg2">
+                              <a:lumMod val="10000"/>
+                            </a:schemeClr>
+                          </a:solidFill>
+                        </a:rPr>
+                        <a:t>0.99</a:t>
+                      </a:r>
+                    </a:p>
+                  </a:txBody>
+                  <a:tcPr/>
+                </a:tc>
+                <a:tc>
+                  <a:txBody>
+                    <a:bodyPr/>
+                    <a:lstStyle/>
+                    <a:p>
+                      <a:r>
+                        <a:rPr lang="it-IT" sz="2800" dirty="0">
+                          <a:solidFill>
+                            <a:schemeClr val="bg2">
+                              <a:lumMod val="10000"/>
+                            </a:schemeClr>
+                          </a:solidFill>
+                        </a:rPr>
+                        <a:t>0.90</a:t>
+                      </a:r>
+                    </a:p>
+                  </a:txBody>
+                  <a:tcPr/>
+                </a:tc>
+                <a:tc>
+                  <a:txBody>
+                    <a:bodyPr/>
+                    <a:lstStyle/>
+                    <a:p>
+                      <a:r>
+                        <a:rPr lang="it-IT" sz="2800" b="1" dirty="0">
+                          <a:solidFill>
+                            <a:schemeClr val="bg2">
+                              <a:lumMod val="10000"/>
+                            </a:schemeClr>
+                          </a:solidFill>
+                        </a:rPr>
+                        <a:t>0.92</a:t>
+                      </a:r>
+                    </a:p>
+                  </a:txBody>
+                  <a:tcPr/>
+                </a:tc>
+                <a:tc>
+                  <a:txBody>
+                    <a:bodyPr/>
+                    <a:lstStyle/>
+                    <a:p>
+                      <a:r>
+                        <a:rPr lang="it-IT" sz="2800" b="1" dirty="0">
+                          <a:solidFill>
+                            <a:schemeClr val="bg2">
+                              <a:lumMod val="10000"/>
+                            </a:schemeClr>
+                          </a:solidFill>
+                        </a:rPr>
+                        <a:t>0.96</a:t>
+                      </a:r>
+                    </a:p>
+                  </a:txBody>
+                  <a:tcPr/>
+                </a:tc>
+                <a:extLst>
+                  <a:ext uri="{0D108BD9-81ED-4DB2-BD59-A6C34878D82A}">
+                    <a16:rowId xmlns:a16="http://schemas.microsoft.com/office/drawing/2014/main" val="3110664385"/>
+                  </a:ext>
+                </a:extLst>
+              </a:tr>
+            </a:tbl>
+          </a:graphicData>
+        </a:graphic>
+      </p:graphicFrame>
+      <p:sp>
+        <p:nvSpPr>
+          <p:cNvPr id="19" name="CasellaDiTesto 18">
+            <a:extLst>
+              <a:ext uri="{FF2B5EF4-FFF2-40B4-BE49-F238E27FC236}">
+                <a16:creationId xmlns:a16="http://schemas.microsoft.com/office/drawing/2014/main" id="{5BE6969E-76A4-8778-BB67-15DAFC364709}"/>
+              </a:ext>
+            </a:extLst>
+          </p:cNvPr>
+          <p:cNvSpPr txBox="1"/>
+          <p:nvPr/>
+        </p:nvSpPr>
+        <p:spPr>
+          <a:xfrm>
+            <a:off x="508334" y="1457032"/>
+            <a:ext cx="11461897" cy="1210588"/>
+          </a:xfrm>
+          <a:prstGeom prst="rect">
+            <a:avLst/>
+          </a:prstGeom>
+          <a:noFill/>
+          <a:ln w="12700" cap="flat">
+            <a:noFill/>
+            <a:miter lim="400000"/>
+          </a:ln>
+          <a:effectLst/>
+          <a:sp3d/>
+        </p:spPr>
+        <p:style>
+          <a:lnRef idx="0">
+            <a:scrgbClr r="0" g="0" b="0"/>
+          </a:lnRef>
+          <a:fillRef idx="0">
+            <a:scrgbClr r="0" g="0" b="0"/>
+          </a:fillRef>
+          <a:effectRef idx="0">
+            <a:scrgbClr r="0" g="0" b="0"/>
+          </a:effectRef>
+          <a:fontRef idx="none"/>
+        </p:style>
+        <p:txBody>
+          <a:bodyPr rot="0" spcFirstLastPara="1" vertOverflow="overflow" horzOverflow="overflow" vert="horz" wrap="square" lIns="50800" tIns="50800" rIns="50800" bIns="50800" numCol="1" spcCol="38100" rtlCol="0" anchor="ctr">
+            <a:spAutoFit/>
+          </a:bodyPr>
+          <a:lstStyle/>
+          <a:p>
+            <a:pPr marL="0" marR="0" indent="0" algn="l" defTabSz="2438338" rtl="0" fontAlgn="auto" latinLnBrk="0" hangingPunct="0">
+              <a:lnSpc>
+                <a:spcPct val="100000"/>
+              </a:lnSpc>
+              <a:spcBef>
+                <a:spcPts val="0"/>
+              </a:spcBef>
+              <a:spcAft>
+                <a:spcPts val="0"/>
+              </a:spcAft>
+              <a:buClrTx/>
+              <a:buSzTx/>
+              <a:buFontTx/>
+              <a:buNone/>
+              <a:tabLst/>
+            </a:pPr>
+            <a:r>
+              <a:rPr kumimoji="0" lang="it-IT" sz="2400" b="0" i="0" u="none" strike="noStrike" cap="none" spc="0" normalizeH="0" baseline="0" dirty="0">
+                <a:ln>
+                  <a:noFill/>
+                </a:ln>
+                <a:solidFill>
+                  <a:srgbClr val="5E5E5E"/>
+                </a:solidFill>
+                <a:effectLst/>
+                <a:uFillTx/>
+                <a:latin typeface="+mn-lt"/>
+                <a:ea typeface="+mn-ea"/>
+                <a:cs typeface="+mn-cs"/>
+                <a:sym typeface="Helvetica Neue"/>
+              </a:rPr>
+              <a:t>DT: blu</a:t>
+            </a:r>
+          </a:p>
+          <a:p>
+            <a:pPr marL="0" marR="0" indent="0" algn="l" defTabSz="2438338" rtl="0" fontAlgn="auto" latinLnBrk="0" hangingPunct="0">
+              <a:lnSpc>
+                <a:spcPct val="100000"/>
+              </a:lnSpc>
+              <a:spcBef>
+                <a:spcPts val="0"/>
+              </a:spcBef>
+              <a:spcAft>
+                <a:spcPts val="0"/>
+              </a:spcAft>
+              <a:buClrTx/>
+              <a:buSzTx/>
+              <a:buFontTx/>
+              <a:buNone/>
+              <a:tabLst/>
+            </a:pPr>
+            <a:r>
+              <a:rPr lang="it-IT" dirty="0"/>
+              <a:t>SVM: verde</a:t>
+            </a:r>
+          </a:p>
+          <a:p>
+            <a:pPr marL="0" marR="0" indent="0" algn="l" defTabSz="2438338" rtl="0" fontAlgn="auto" latinLnBrk="0" hangingPunct="0">
+              <a:lnSpc>
+                <a:spcPct val="100000"/>
+              </a:lnSpc>
+              <a:spcBef>
+                <a:spcPts val="0"/>
+              </a:spcBef>
+              <a:spcAft>
+                <a:spcPts val="0"/>
+              </a:spcAft>
+              <a:buClrTx/>
+              <a:buSzTx/>
+              <a:buFontTx/>
+              <a:buNone/>
+              <a:tabLst/>
+            </a:pPr>
+            <a:r>
+              <a:rPr kumimoji="0" lang="it-IT" sz="2400" b="0" i="0" u="none" strike="noStrike" cap="none" spc="0" normalizeH="0" baseline="0" dirty="0">
+                <a:ln>
+                  <a:noFill/>
+                </a:ln>
+                <a:solidFill>
+                  <a:srgbClr val="5E5E5E"/>
+                </a:solidFill>
+                <a:effectLst/>
+                <a:uFillTx/>
+                <a:latin typeface="+mn-lt"/>
+                <a:ea typeface="+mn-ea"/>
+                <a:cs typeface="+mn-cs"/>
+                <a:sym typeface="Helvetica Neue"/>
+              </a:rPr>
+              <a:t>RF: rosso</a:t>
+            </a:r>
+          </a:p>
+        </p:txBody>
+      </p:sp>
+    </p:spTree>
+    <p:extLst>
+      <p:ext uri="{BB962C8B-B14F-4D97-AF65-F5344CB8AC3E}">
+        <p14:creationId xmlns:p14="http://schemas.microsoft.com/office/powerpoint/2010/main" val="1876975562"/>
+      </p:ext>
+    </p:extLst>
+  </p:cSld>
+  <p:clrMapOvr>
+    <a:masterClrMapping/>
+  </p:clrMapOvr>
+  <p:transition spd="med"/>
+</p:sld>
+</file>
+
 <file path=ppt/slides/slide3.xml><?xml version="1.0" encoding="utf-8"?>
 <p:sld xmlns:a="http://schemas.openxmlformats.org/drawingml/2006/main" xmlns:r="http://schemas.openxmlformats.org/officeDocument/2006/relationships" xmlns:p="http://schemas.openxmlformats.org/presentationml/2006/main">
   <p:cSld>
@@ -5316,8 +13458,10 @@
           <a:lstStyle/>
           <a:p>
             <a:r>
+              <a:rPr dirty="0"/>
               <a:t>Laptop price</a:t>
             </a:r>
+            <a:endParaRPr lang="it-IT" dirty="0"/>
           </a:p>
         </p:txBody>
       </p:sp>
@@ -5346,8 +13490,86 @@
               <a:defRPr sz="4000"/>
             </a:pPr>
             <a:r>
-              <a:t>Il dataset da noi scelto raccoglie informazioni tecniche su diversi modelli e marche di laptop</a:t>
-            </a:r>
+              <a:rPr dirty="0"/>
+              <a:t>Il dataset da </a:t>
+            </a:r>
+            <a:r>
+              <a:rPr dirty="0" err="1"/>
+              <a:t>noi</a:t>
+            </a:r>
+            <a:r>
+              <a:rPr dirty="0"/>
+              <a:t> </a:t>
+            </a:r>
+            <a:r>
+              <a:rPr dirty="0" err="1"/>
+              <a:t>scelto</a:t>
+            </a:r>
+            <a:r>
+              <a:rPr dirty="0"/>
+              <a:t> </a:t>
+            </a:r>
+            <a:r>
+              <a:rPr dirty="0" err="1"/>
+              <a:t>raccoglie</a:t>
+            </a:r>
+            <a:r>
+              <a:rPr dirty="0"/>
+              <a:t> </a:t>
+            </a:r>
+            <a:r>
+              <a:rPr dirty="0" err="1"/>
+              <a:t>informazioni</a:t>
+            </a:r>
+            <a:r>
+              <a:rPr dirty="0"/>
+              <a:t> </a:t>
+            </a:r>
+            <a:r>
+              <a:rPr dirty="0" err="1"/>
+              <a:t>tecniche</a:t>
+            </a:r>
+            <a:r>
+              <a:rPr dirty="0"/>
+              <a:t> </a:t>
+            </a:r>
+            <a:r>
+              <a:rPr dirty="0" err="1"/>
+              <a:t>su</a:t>
+            </a:r>
+            <a:r>
+              <a:rPr dirty="0"/>
+              <a:t> </a:t>
+            </a:r>
+            <a:r>
+              <a:rPr dirty="0" err="1"/>
+              <a:t>diversi</a:t>
+            </a:r>
+            <a:r>
+              <a:rPr dirty="0"/>
+              <a:t> </a:t>
+            </a:r>
+            <a:r>
+              <a:rPr dirty="0" err="1"/>
+              <a:t>modelli</a:t>
+            </a:r>
+            <a:r>
+              <a:rPr dirty="0"/>
+              <a:t> e </a:t>
+            </a:r>
+            <a:r>
+              <a:rPr dirty="0" err="1"/>
+              <a:t>marche</a:t>
+            </a:r>
+            <a:r>
+              <a:rPr dirty="0"/>
+              <a:t> di laptop</a:t>
+            </a:r>
+            <a:r>
+              <a:rPr lang="it-IT" dirty="0"/>
+              <a:t>, in particolare consiste di 1303 elementi caratterizzati dai seguenti attributi:</a:t>
+            </a:r>
+            <a:endParaRPr dirty="0"/>
           </a:p>
           <a:p>
             <a:pPr marL="609599" indent="-609599">
@@ -5357,6 +13579,7 @@
               <a:defRPr sz="4000"/>
             </a:pPr>
             <a:r>
+              <a:rPr dirty="0"/>
               <a:t>Brand</a:t>
             </a:r>
           </a:p>
@@ -5368,8 +13591,18 @@
               <a:defRPr sz="4000"/>
             </a:pPr>
             <a:r>
-              <a:t>Modello del prodotto</a:t>
-            </a:r>
+              <a:rPr dirty="0" err="1"/>
+              <a:t>Modello</a:t>
+            </a:r>
+            <a:r>
+              <a:rPr dirty="0"/>
+              <a:t> del </a:t>
+            </a:r>
+            <a:r>
+              <a:rPr dirty="0" err="1"/>
+              <a:t>prodotto</a:t>
+            </a:r>
+            <a:endParaRPr dirty="0"/>
           </a:p>
           <a:p>
             <a:pPr marL="609599" indent="-609599">
@@ -5379,8 +13612,10 @@
               <a:defRPr sz="4000"/>
             </a:pPr>
             <a:r>
+              <a:rPr dirty="0" err="1"/>
               <a:t>Tipologia</a:t>
             </a:r>
+            <a:endParaRPr dirty="0"/>
           </a:p>
           <a:p>
             <a:pPr marL="609599" indent="-609599">
@@ -5390,7 +13625,32 @@
               <a:defRPr sz="4000"/>
             </a:pPr>
             <a:r>
-              <a:t>Grandezza (pollici) dello schermo </a:t>
+              <a:rPr dirty="0"/>
+              <a:t>Grandezza (</a:t>
+            </a:r>
+            <a:r>
+              <a:rPr dirty="0" err="1"/>
+              <a:t>pollici</a:t>
+            </a:r>
+            <a:r>
+              <a:rPr dirty="0"/>
+              <a:t>) </a:t>
+            </a:r>
+            <a:r>
+              <a:rPr dirty="0" err="1"/>
+              <a:t>dello</a:t>
+            </a:r>
+            <a:r>
+              <a:rPr dirty="0"/>
+              <a:t> </a:t>
+            </a:r>
+            <a:r>
+              <a:rPr dirty="0" err="1"/>
+              <a:t>schermo</a:t>
+            </a:r>
+            <a:r>
+              <a:rPr dirty="0"/>
+              <a:t> </a:t>
             </a:r>
           </a:p>
           <a:p>
@@ -5401,8 +13661,26 @@
               <a:defRPr sz="4000"/>
             </a:pPr>
             <a:r>
-              <a:t>Risoluzione dello schermo</a:t>
-            </a:r>
+              <a:rPr dirty="0" err="1"/>
+              <a:t>Risoluzione</a:t>
+            </a:r>
+            <a:r>
+              <a:rPr dirty="0"/>
+              <a:t> </a:t>
+            </a:r>
+            <a:r>
+              <a:rPr dirty="0" err="1"/>
+              <a:t>dello</a:t>
+            </a:r>
+            <a:r>
+              <a:rPr dirty="0"/>
+              <a:t> </a:t>
+            </a:r>
+            <a:r>
+              <a:rPr dirty="0" err="1"/>
+              <a:t>schermo</a:t>
+            </a:r>
+            <a:endParaRPr dirty="0"/>
           </a:p>
           <a:p>
             <a:pPr marL="609599" indent="-609599">
@@ -5412,7 +13690,12 @@
               <a:defRPr sz="4000"/>
             </a:pPr>
             <a:r>
-              <a:t>Modello CPU</a:t>
+              <a:rPr dirty="0" err="1"/>
+              <a:t>Modello</a:t>
+            </a:r>
+            <a:r>
+              <a:rPr dirty="0"/>
+              <a:t> CPU</a:t>
             </a:r>
           </a:p>
           <a:p>
@@ -5423,7 +13706,12 @@
               <a:defRPr sz="4000"/>
             </a:pPr>
             <a:r>
-              <a:t>Modello GPU</a:t>
+              <a:rPr dirty="0" err="1"/>
+              <a:t>Modello</a:t>
+            </a:r>
+            <a:r>
+              <a:rPr dirty="0"/>
+              <a:t> GPU</a:t>
             </a:r>
           </a:p>
           <a:p>
@@ -5434,8 +13722,14 @@
               <a:defRPr sz="4000"/>
             </a:pPr>
             <a:r>
-              <a:t>Sistema operativo</a:t>
-            </a:r>
+              <a:rPr dirty="0"/>
+              <a:t>Sistema </a:t>
+            </a:r>
+            <a:r>
+              <a:rPr dirty="0" err="1"/>
+              <a:t>operativo</a:t>
+            </a:r>
+            <a:endParaRPr dirty="0"/>
           </a:p>
           <a:p>
             <a:pPr marL="609599" indent="-609599">
@@ -5445,6 +13739,7 @@
               <a:defRPr sz="4000"/>
             </a:pPr>
             <a:r>
+              <a:rPr dirty="0"/>
               <a:t>Peso</a:t>
             </a:r>
           </a:p>
@@ -5456,6 +13751,7 @@
               <a:defRPr sz="4000"/>
             </a:pPr>
             <a:r>
+              <a:rPr dirty="0"/>
               <a:t>Prezzo in euro</a:t>
             </a:r>
           </a:p>

--- a/Presentazione ML.pptx
+++ b/Presentazione ML.pptx
@@ -3006,7 +3006,7 @@
           </a:ln>
           <a:extLst>
             <a:ext uri="{C572A759-6A51-4108-AA02-DFA0A04FC94B}">
-              <ma14:wrappingTextBoxFlag xmlns:ma14="http://schemas.microsoft.com/office/mac/drawingml/2011/main" xmlns:a14="http://schemas.microsoft.com/office/drawing/2010/main" xmlns:m="http://schemas.openxmlformats.org/officeDocument/2006/math" xmlns="" val="1"/>
+              <ma14:wrappingTextBoxFlag xmlns="" xmlns:m="http://schemas.openxmlformats.org/officeDocument/2006/math" xmlns:a14="http://schemas.microsoft.com/office/drawing/2010/main" xmlns:ma14="http://schemas.microsoft.com/office/mac/drawingml/2011/main" val="1"/>
             </a:ext>
           </a:extLst>
         </p:spPr>
@@ -3045,7 +3045,7 @@
           </a:ln>
           <a:extLst>
             <a:ext uri="{C572A759-6A51-4108-AA02-DFA0A04FC94B}">
-              <ma14:wrappingTextBoxFlag xmlns:ma14="http://schemas.microsoft.com/office/mac/drawingml/2011/main" xmlns:a14="http://schemas.microsoft.com/office/drawing/2010/main" xmlns:m="http://schemas.openxmlformats.org/officeDocument/2006/math" xmlns="" val="1"/>
+              <ma14:wrappingTextBoxFlag xmlns="" xmlns:m="http://schemas.openxmlformats.org/officeDocument/2006/math" xmlns:a14="http://schemas.microsoft.com/office/drawing/2010/main" xmlns:ma14="http://schemas.microsoft.com/office/mac/drawingml/2011/main" val="1"/>
             </a:ext>
           </a:extLst>
         </p:spPr>
@@ -3887,7 +3887,7 @@
           </a:prstGeom>
           <a:extLst>
             <a:ext uri="{C572A759-6A51-4108-AA02-DFA0A04FC94B}">
-              <ma14:wrappingTextBoxFlag xmlns:ma14="http://schemas.microsoft.com/office/mac/drawingml/2011/main" xmlns:a14="http://schemas.microsoft.com/office/drawing/2010/main" xmlns:m="http://schemas.openxmlformats.org/officeDocument/2006/math" xmlns="" val="1"/>
+              <ma14:wrappingTextBoxFlag xmlns="" xmlns:m="http://schemas.openxmlformats.org/officeDocument/2006/math" xmlns:a14="http://schemas.microsoft.com/office/drawing/2010/main" xmlns:ma14="http://schemas.microsoft.com/office/mac/drawingml/2011/main" val="1"/>
             </a:ext>
           </a:extLst>
         </p:spPr>
@@ -4065,7 +4065,7 @@
           </a:ln>
           <a:extLst>
             <a:ext uri="{C572A759-6A51-4108-AA02-DFA0A04FC94B}">
-              <ma14:wrappingTextBoxFlag xmlns:ma14="http://schemas.microsoft.com/office/mac/drawingml/2011/main" xmlns:a14="http://schemas.microsoft.com/office/drawing/2010/main" xmlns:m="http://schemas.openxmlformats.org/officeDocument/2006/math" xmlns="" val="1"/>
+              <ma14:wrappingTextBoxFlag xmlns="" xmlns:m="http://schemas.openxmlformats.org/officeDocument/2006/math" xmlns:a14="http://schemas.microsoft.com/office/drawing/2010/main" xmlns:ma14="http://schemas.microsoft.com/office/mac/drawingml/2011/main" val="1"/>
             </a:ext>
           </a:extLst>
         </p:spPr>
@@ -5250,7 +5250,7 @@
           <a:p>
             <a:r>
               <a:rPr lang="it-IT" dirty="0"/>
-              <a:t>Modelli di classificazione scelti:</a:t>
+              <a:t>Modelli di classificazione scelti</a:t>
             </a:r>
           </a:p>
         </p:txBody>
@@ -5282,7 +5282,7 @@
           </a:ln>
           <a:extLst>
             <a:ext uri="{C572A759-6A51-4108-AA02-DFA0A04FC94B}">
-              <ma14:wrappingTextBoxFlag xmlns:ma14="http://schemas.microsoft.com/office/mac/drawingml/2011/main" xmlns:a14="http://schemas.microsoft.com/office/drawing/2010/main" xmlns:m="http://schemas.openxmlformats.org/officeDocument/2006/math" xmlns="" val="1"/>
+              <ma14:wrappingTextBoxFlag xmlns="" xmlns:m="http://schemas.openxmlformats.org/officeDocument/2006/math" xmlns:a14="http://schemas.microsoft.com/office/drawing/2010/main" xmlns:ma14="http://schemas.microsoft.com/office/mac/drawingml/2011/main" val="1"/>
             </a:ext>
           </a:extLst>
         </p:spPr>
@@ -5538,7 +5538,7 @@
             </a:r>
             <a:r>
               <a:rPr lang="it-IT" sz="4200" b="0" dirty="0"/>
-              <a:t>per l’addestramento e testing dei modelli il dataset risultante dalla fase di </a:t>
+              <a:t>per l’addestramento e testing dei modelli, il dataset risultante dalla fase di </a:t>
             </a:r>
             <a:r>
               <a:rPr lang="it-IT" sz="4200" b="0" dirty="0" err="1"/>
@@ -13449,7 +13449,7 @@
           </a:prstGeom>
           <a:extLst>
             <a:ext uri="{C572A759-6A51-4108-AA02-DFA0A04FC94B}">
-              <ma14:wrappingTextBoxFlag xmlns:ma14="http://schemas.microsoft.com/office/mac/drawingml/2011/main" xmlns:a14="http://schemas.microsoft.com/office/drawing/2010/main" xmlns:m="http://schemas.openxmlformats.org/officeDocument/2006/math" xmlns="" val="1"/>
+              <ma14:wrappingTextBoxFlag xmlns="" xmlns:m="http://schemas.openxmlformats.org/officeDocument/2006/math" xmlns:a14="http://schemas.microsoft.com/office/drawing/2010/main" xmlns:ma14="http://schemas.microsoft.com/office/mac/drawingml/2011/main" val="1"/>
             </a:ext>
           </a:extLst>
         </p:spPr>
@@ -13854,7 +13854,7 @@
           </a:ln>
           <a:extLst>
             <a:ext uri="{C572A759-6A51-4108-AA02-DFA0A04FC94B}">
-              <ma14:wrappingTextBoxFlag xmlns:ma14="http://schemas.microsoft.com/office/mac/drawingml/2011/main" xmlns:a14="http://schemas.microsoft.com/office/drawing/2010/main" xmlns:m="http://schemas.openxmlformats.org/officeDocument/2006/math" xmlns="" val="1"/>
+              <ma14:wrappingTextBoxFlag xmlns="" xmlns:m="http://schemas.openxmlformats.org/officeDocument/2006/math" xmlns:a14="http://schemas.microsoft.com/office/drawing/2010/main" xmlns:ma14="http://schemas.microsoft.com/office/mac/drawingml/2011/main" val="1"/>
             </a:ext>
           </a:extLst>
         </p:spPr>
@@ -13945,7 +13945,7 @@
           </a:prstGeom>
           <a:extLst>
             <a:ext uri="{C572A759-6A51-4108-AA02-DFA0A04FC94B}">
-              <ma14:wrappingTextBoxFlag xmlns:ma14="http://schemas.microsoft.com/office/mac/drawingml/2011/main" xmlns:a14="http://schemas.microsoft.com/office/drawing/2010/main" xmlns:m="http://schemas.openxmlformats.org/officeDocument/2006/math" xmlns="" val="1"/>
+              <ma14:wrappingTextBoxFlag xmlns="" xmlns:m="http://schemas.openxmlformats.org/officeDocument/2006/math" xmlns:a14="http://schemas.microsoft.com/office/drawing/2010/main" xmlns:ma14="http://schemas.microsoft.com/office/mac/drawingml/2011/main" val="1"/>
             </a:ext>
           </a:extLst>
         </p:spPr>
@@ -14138,7 +14138,7 @@
           </a:prstGeom>
           <a:extLst>
             <a:ext uri="{C572A759-6A51-4108-AA02-DFA0A04FC94B}">
-              <ma14:wrappingTextBoxFlag xmlns:ma14="http://schemas.microsoft.com/office/mac/drawingml/2011/main" xmlns:a14="http://schemas.microsoft.com/office/drawing/2010/main" xmlns:m="http://schemas.openxmlformats.org/officeDocument/2006/math" xmlns="" val="1"/>
+              <ma14:wrappingTextBoxFlag xmlns="" xmlns:m="http://schemas.openxmlformats.org/officeDocument/2006/math" xmlns:a14="http://schemas.microsoft.com/office/drawing/2010/main" xmlns:ma14="http://schemas.microsoft.com/office/mac/drawingml/2011/main" val="1"/>
             </a:ext>
           </a:extLst>
         </p:spPr>

--- a/Presentazione ML.pptx
+++ b/Presentazione ML.pptx
@@ -3006,7 +3006,7 @@
           </a:ln>
           <a:extLst>
             <a:ext uri="{C572A759-6A51-4108-AA02-DFA0A04FC94B}">
-              <ma14:wrappingTextBoxFlag xmlns="" xmlns:m="http://schemas.openxmlformats.org/officeDocument/2006/math" xmlns:a14="http://schemas.microsoft.com/office/drawing/2010/main" xmlns:ma14="http://schemas.microsoft.com/office/mac/drawingml/2011/main" val="1"/>
+              <ma14:wrappingTextBoxFlag xmlns:ma14="http://schemas.microsoft.com/office/mac/drawingml/2011/main" xmlns:a14="http://schemas.microsoft.com/office/drawing/2010/main" xmlns:m="http://schemas.openxmlformats.org/officeDocument/2006/math" xmlns="" val="1"/>
             </a:ext>
           </a:extLst>
         </p:spPr>
@@ -3045,7 +3045,7 @@
           </a:ln>
           <a:extLst>
             <a:ext uri="{C572A759-6A51-4108-AA02-DFA0A04FC94B}">
-              <ma14:wrappingTextBoxFlag xmlns="" xmlns:m="http://schemas.openxmlformats.org/officeDocument/2006/math" xmlns:a14="http://schemas.microsoft.com/office/drawing/2010/main" xmlns:ma14="http://schemas.microsoft.com/office/mac/drawingml/2011/main" val="1"/>
+              <ma14:wrappingTextBoxFlag xmlns:ma14="http://schemas.microsoft.com/office/mac/drawingml/2011/main" xmlns:a14="http://schemas.microsoft.com/office/drawing/2010/main" xmlns:m="http://schemas.openxmlformats.org/officeDocument/2006/math" xmlns="" val="1"/>
             </a:ext>
           </a:extLst>
         </p:spPr>
@@ -3887,7 +3887,7 @@
           </a:prstGeom>
           <a:extLst>
             <a:ext uri="{C572A759-6A51-4108-AA02-DFA0A04FC94B}">
-              <ma14:wrappingTextBoxFlag xmlns="" xmlns:m="http://schemas.openxmlformats.org/officeDocument/2006/math" xmlns:a14="http://schemas.microsoft.com/office/drawing/2010/main" xmlns:ma14="http://schemas.microsoft.com/office/mac/drawingml/2011/main" val="1"/>
+              <ma14:wrappingTextBoxFlag xmlns:ma14="http://schemas.microsoft.com/office/mac/drawingml/2011/main" xmlns:a14="http://schemas.microsoft.com/office/drawing/2010/main" xmlns:m="http://schemas.openxmlformats.org/officeDocument/2006/math" xmlns="" val="1"/>
             </a:ext>
           </a:extLst>
         </p:spPr>
@@ -4065,7 +4065,7 @@
           </a:ln>
           <a:extLst>
             <a:ext uri="{C572A759-6A51-4108-AA02-DFA0A04FC94B}">
-              <ma14:wrappingTextBoxFlag xmlns="" xmlns:m="http://schemas.openxmlformats.org/officeDocument/2006/math" xmlns:a14="http://schemas.microsoft.com/office/drawing/2010/main" xmlns:ma14="http://schemas.microsoft.com/office/mac/drawingml/2011/main" val="1"/>
+              <ma14:wrappingTextBoxFlag xmlns:ma14="http://schemas.microsoft.com/office/mac/drawingml/2011/main" xmlns:a14="http://schemas.microsoft.com/office/drawing/2010/main" xmlns:m="http://schemas.openxmlformats.org/officeDocument/2006/math" xmlns="" val="1"/>
             </a:ext>
           </a:extLst>
         </p:spPr>
@@ -5282,7 +5282,7 @@
           </a:ln>
           <a:extLst>
             <a:ext uri="{C572A759-6A51-4108-AA02-DFA0A04FC94B}">
-              <ma14:wrappingTextBoxFlag xmlns="" xmlns:m="http://schemas.openxmlformats.org/officeDocument/2006/math" xmlns:a14="http://schemas.microsoft.com/office/drawing/2010/main" xmlns:ma14="http://schemas.microsoft.com/office/mac/drawingml/2011/main" val="1"/>
+              <ma14:wrappingTextBoxFlag xmlns:ma14="http://schemas.microsoft.com/office/mac/drawingml/2011/main" xmlns:a14="http://schemas.microsoft.com/office/drawing/2010/main" xmlns:m="http://schemas.openxmlformats.org/officeDocument/2006/math" xmlns="" val="1"/>
             </a:ext>
           </a:extLst>
         </p:spPr>
@@ -13449,19 +13449,34 @@
           </a:prstGeom>
           <a:extLst>
             <a:ext uri="{C572A759-6A51-4108-AA02-DFA0A04FC94B}">
-              <ma14:wrappingTextBoxFlag xmlns="" xmlns:m="http://schemas.openxmlformats.org/officeDocument/2006/math" xmlns:a14="http://schemas.microsoft.com/office/drawing/2010/main" xmlns:ma14="http://schemas.microsoft.com/office/mac/drawingml/2011/main" val="1"/>
+              <ma14:wrappingTextBoxFlag xmlns:ma14="http://schemas.microsoft.com/office/mac/drawingml/2011/main" xmlns:a14="http://schemas.microsoft.com/office/drawing/2010/main" xmlns:m="http://schemas.openxmlformats.org/officeDocument/2006/math" xmlns="" val="1"/>
             </a:ext>
           </a:extLst>
         </p:spPr>
         <p:txBody>
-          <a:bodyPr/>
+          <a:bodyPr>
+            <a:normAutofit fontScale="92500"/>
+          </a:bodyPr>
           <a:lstStyle/>
           <a:p>
             <a:r>
               <a:rPr dirty="0"/>
               <a:t>Laptop price</a:t>
             </a:r>
-            <a:endParaRPr lang="it-IT" dirty="0"/>
+            <a:r>
+              <a:rPr lang="it-IT" dirty="0"/>
+              <a:t>												</a:t>
+            </a:r>
+            <a:r>
+              <a:rPr lang="it-IT" sz="2600" b="0" i="1" dirty="0">
+                <a:solidFill>
+                  <a:schemeClr val="bg2">
+                    <a:lumMod val="50000"/>
+                  </a:schemeClr>
+                </a:solidFill>
+              </a:rPr>
+              <a:t>https://www.kaggle.com/datasets/muhammetvarl/laptop-price</a:t>
+            </a:r>
           </a:p>
         </p:txBody>
       </p:sp>
@@ -13854,7 +13869,7 @@
           </a:ln>
           <a:extLst>
             <a:ext uri="{C572A759-6A51-4108-AA02-DFA0A04FC94B}">
-              <ma14:wrappingTextBoxFlag xmlns="" xmlns:m="http://schemas.openxmlformats.org/officeDocument/2006/math" xmlns:a14="http://schemas.microsoft.com/office/drawing/2010/main" xmlns:ma14="http://schemas.microsoft.com/office/mac/drawingml/2011/main" val="1"/>
+              <ma14:wrappingTextBoxFlag xmlns:ma14="http://schemas.microsoft.com/office/mac/drawingml/2011/main" xmlns:a14="http://schemas.microsoft.com/office/drawing/2010/main" xmlns:m="http://schemas.openxmlformats.org/officeDocument/2006/math" xmlns="" val="1"/>
             </a:ext>
           </a:extLst>
         </p:spPr>
@@ -13945,7 +13960,7 @@
           </a:prstGeom>
           <a:extLst>
             <a:ext uri="{C572A759-6A51-4108-AA02-DFA0A04FC94B}">
-              <ma14:wrappingTextBoxFlag xmlns="" xmlns:m="http://schemas.openxmlformats.org/officeDocument/2006/math" xmlns:a14="http://schemas.microsoft.com/office/drawing/2010/main" xmlns:ma14="http://schemas.microsoft.com/office/mac/drawingml/2011/main" val="1"/>
+              <ma14:wrappingTextBoxFlag xmlns:ma14="http://schemas.microsoft.com/office/mac/drawingml/2011/main" xmlns:a14="http://schemas.microsoft.com/office/drawing/2010/main" xmlns:m="http://schemas.openxmlformats.org/officeDocument/2006/math" xmlns="" val="1"/>
             </a:ext>
           </a:extLst>
         </p:spPr>
@@ -14138,7 +14153,7 @@
           </a:prstGeom>
           <a:extLst>
             <a:ext uri="{C572A759-6A51-4108-AA02-DFA0A04FC94B}">
-              <ma14:wrappingTextBoxFlag xmlns="" xmlns:m="http://schemas.openxmlformats.org/officeDocument/2006/math" xmlns:a14="http://schemas.microsoft.com/office/drawing/2010/main" xmlns:ma14="http://schemas.microsoft.com/office/mac/drawingml/2011/main" val="1"/>
+              <ma14:wrappingTextBoxFlag xmlns:ma14="http://schemas.microsoft.com/office/mac/drawingml/2011/main" xmlns:a14="http://schemas.microsoft.com/office/drawing/2010/main" xmlns:m="http://schemas.openxmlformats.org/officeDocument/2006/math" xmlns="" val="1"/>
             </a:ext>
           </a:extLst>
         </p:spPr>

--- a/Presentazione ML.pptx
+++ b/Presentazione ML.pptx
@@ -3006,7 +3006,7 @@
           </a:ln>
           <a:extLst>
             <a:ext uri="{C572A759-6A51-4108-AA02-DFA0A04FC94B}">
-              <ma14:wrappingTextBoxFlag xmlns:ma14="http://schemas.microsoft.com/office/mac/drawingml/2011/main" xmlns:a14="http://schemas.microsoft.com/office/drawing/2010/main" xmlns:m="http://schemas.openxmlformats.org/officeDocument/2006/math" xmlns="" val="1"/>
+              <ma14:wrappingTextBoxFlag xmlns="" xmlns:m="http://schemas.openxmlformats.org/officeDocument/2006/math" xmlns:a14="http://schemas.microsoft.com/office/drawing/2010/main" xmlns:ma14="http://schemas.microsoft.com/office/mac/drawingml/2011/main" val="1"/>
             </a:ext>
           </a:extLst>
         </p:spPr>
@@ -3045,7 +3045,7 @@
           </a:ln>
           <a:extLst>
             <a:ext uri="{C572A759-6A51-4108-AA02-DFA0A04FC94B}">
-              <ma14:wrappingTextBoxFlag xmlns:ma14="http://schemas.microsoft.com/office/mac/drawingml/2011/main" xmlns:a14="http://schemas.microsoft.com/office/drawing/2010/main" xmlns:m="http://schemas.openxmlformats.org/officeDocument/2006/math" xmlns="" val="1"/>
+              <ma14:wrappingTextBoxFlag xmlns="" xmlns:m="http://schemas.openxmlformats.org/officeDocument/2006/math" xmlns:a14="http://schemas.microsoft.com/office/drawing/2010/main" xmlns:ma14="http://schemas.microsoft.com/office/mac/drawingml/2011/main" val="1"/>
             </a:ext>
           </a:extLst>
         </p:spPr>
@@ -3887,7 +3887,7 @@
           </a:prstGeom>
           <a:extLst>
             <a:ext uri="{C572A759-6A51-4108-AA02-DFA0A04FC94B}">
-              <ma14:wrappingTextBoxFlag xmlns:ma14="http://schemas.microsoft.com/office/mac/drawingml/2011/main" xmlns:a14="http://schemas.microsoft.com/office/drawing/2010/main" xmlns:m="http://schemas.openxmlformats.org/officeDocument/2006/math" xmlns="" val="1"/>
+              <ma14:wrappingTextBoxFlag xmlns="" xmlns:m="http://schemas.openxmlformats.org/officeDocument/2006/math" xmlns:a14="http://schemas.microsoft.com/office/drawing/2010/main" xmlns:ma14="http://schemas.microsoft.com/office/mac/drawingml/2011/main" val="1"/>
             </a:ext>
           </a:extLst>
         </p:spPr>
@@ -4065,7 +4065,7 @@
           </a:ln>
           <a:extLst>
             <a:ext uri="{C572A759-6A51-4108-AA02-DFA0A04FC94B}">
-              <ma14:wrappingTextBoxFlag xmlns:ma14="http://schemas.microsoft.com/office/mac/drawingml/2011/main" xmlns:a14="http://schemas.microsoft.com/office/drawing/2010/main" xmlns:m="http://schemas.openxmlformats.org/officeDocument/2006/math" xmlns="" val="1"/>
+              <ma14:wrappingTextBoxFlag xmlns="" xmlns:m="http://schemas.openxmlformats.org/officeDocument/2006/math" xmlns:a14="http://schemas.microsoft.com/office/drawing/2010/main" xmlns:ma14="http://schemas.microsoft.com/office/mac/drawingml/2011/main" val="1"/>
             </a:ext>
           </a:extLst>
         </p:spPr>
@@ -4379,7 +4379,7 @@
         </p:nvSpPr>
         <p:spPr>
           <a:xfrm>
-            <a:off x="8327717" y="8883266"/>
+            <a:off x="8327717" y="9403729"/>
             <a:ext cx="2819123" cy="1"/>
           </a:xfrm>
           <a:prstGeom prst="line">
@@ -5282,7 +5282,7 @@
           </a:ln>
           <a:extLst>
             <a:ext uri="{C572A759-6A51-4108-AA02-DFA0A04FC94B}">
-              <ma14:wrappingTextBoxFlag xmlns:ma14="http://schemas.microsoft.com/office/mac/drawingml/2011/main" xmlns:a14="http://schemas.microsoft.com/office/drawing/2010/main" xmlns:m="http://schemas.openxmlformats.org/officeDocument/2006/math" xmlns="" val="1"/>
+              <ma14:wrappingTextBoxFlag xmlns="" xmlns:m="http://schemas.openxmlformats.org/officeDocument/2006/math" xmlns:a14="http://schemas.microsoft.com/office/drawing/2010/main" xmlns:ma14="http://schemas.microsoft.com/office/mac/drawingml/2011/main" val="1"/>
             </a:ext>
           </a:extLst>
         </p:spPr>
@@ -5546,7 +5546,7 @@
             </a:r>
             <a:r>
               <a:rPr lang="it-IT" sz="4200" b="0" dirty="0"/>
-              <a:t> è stato splittato in </a:t>
+              <a:t> è stato suddiviso in </a:t>
             </a:r>
             <a:r>
               <a:rPr lang="it-IT" sz="4200" b="0" i="1" dirty="0" err="1"/>
@@ -5587,11 +5587,7 @@
           </a:p>
           <a:p>
             <a:pPr hangingPunct="1"/>
-            <a:endParaRPr lang="it-IT" sz="4200" dirty="0"/>
-          </a:p>
-          <a:p>
-            <a:pPr hangingPunct="1"/>
-            <a:endParaRPr lang="it-IT" sz="4200" dirty="0"/>
+            <a:endParaRPr lang="it-IT" sz="4200" u="sng" dirty="0"/>
           </a:p>
           <a:p>
             <a:pPr hangingPunct="1"/>
@@ -5601,11 +5597,9 @@
             </a:r>
           </a:p>
           <a:p>
-            <a:pPr hangingPunct="1"/>
-            <a:r>
-              <a:rPr lang="it-IT" sz="4200" dirty="0"/>
-              <a:t>													- </a:t>
-            </a:r>
+            <a:pPr marL="742950" indent="-742950" hangingPunct="1">
+              <a:buAutoNum type="arabicPeriod"/>
+            </a:pPr>
             <a:r>
               <a:rPr lang="it-IT" sz="4200" b="0" dirty="0" err="1"/>
               <a:t>Decision</a:t>
@@ -5621,17 +5615,21 @@
             <a:endParaRPr lang="it-IT" sz="4200" b="0" dirty="0"/>
           </a:p>
           <a:p>
-            <a:pPr hangingPunct="1"/>
+            <a:pPr marL="742950" indent="-742950" hangingPunct="1">
+              <a:buAutoNum type="arabicPeriod"/>
+            </a:pPr>
             <a:r>
               <a:rPr lang="it-IT" sz="4200" b="0" dirty="0"/>
-              <a:t>													- SVM</a:t>
-            </a:r>
-          </a:p>
-          <a:p>
-            <a:pPr hangingPunct="1"/>
+              <a:t>SVM</a:t>
+            </a:r>
+          </a:p>
+          <a:p>
+            <a:pPr marL="742950" indent="-742950" hangingPunct="1">
+              <a:buAutoNum type="arabicPeriod"/>
+            </a:pPr>
             <a:r>
               <a:rPr lang="it-IT" sz="4200" b="0" dirty="0"/>
-              <a:t>													- Random </a:t>
+              <a:t>Random </a:t>
             </a:r>
             <a:r>
               <a:rPr lang="it-IT" sz="4200" b="0" dirty="0" err="1"/>
@@ -5767,7 +5765,7 @@
         </p:nvSpPr>
         <p:spPr>
           <a:xfrm>
-            <a:off x="425302" y="1902581"/>
+            <a:off x="1206500" y="1873079"/>
             <a:ext cx="19329990" cy="718145"/>
           </a:xfrm>
           <a:prstGeom prst="rect">
@@ -7609,29 +7607,10 @@
                 <a:cs typeface="+mn-cs"/>
                 <a:sym typeface="Helvetica Neue"/>
               </a:rPr>
-              <a:t>Plot disposizione spaziale dei dati: </a:t>
-            </a:r>
-            <a:r>
-              <a:rPr kumimoji="0" lang="it-IT" sz="2000" b="0" i="0" u="none" strike="noStrike" cap="none" spc="0" normalizeH="0" baseline="0" dirty="0">
-                <a:ln>
-                  <a:noFill/>
-                </a:ln>
-                <a:solidFill>
-                  <a:schemeClr val="bg2">
-                    <a:lumMod val="10000"/>
-                  </a:schemeClr>
-                </a:solidFill>
-                <a:effectLst/>
-                <a:uFillTx/>
-                <a:latin typeface="+mn-lt"/>
-                <a:ea typeface="+mn-ea"/>
-                <a:cs typeface="+mn-cs"/>
-                <a:sym typeface="Helvetica Neue"/>
-              </a:rPr>
-              <a:t>(asse x: </a:t>
-            </a:r>
-            <a:r>
-              <a:rPr lang="it-IT" sz="2000" dirty="0" err="1">
+              <a:t>Plot disposizione spaziale dei dati: (asse x: </a:t>
+            </a:r>
+            <a:r>
+              <a:rPr lang="it-IT" sz="3200" i="1" dirty="0" err="1">
                 <a:solidFill>
                   <a:schemeClr val="bg2">
                     <a:lumMod val="10000"/>
@@ -7641,7 +7620,7 @@
               <a:t>C</a:t>
             </a:r>
             <a:r>
-              <a:rPr kumimoji="0" lang="it-IT" sz="2000" b="0" i="0" u="none" strike="noStrike" cap="none" spc="0" normalizeH="0" baseline="0" dirty="0" err="1">
+              <a:rPr kumimoji="0" lang="it-IT" sz="3200" b="0" i="1" u="none" strike="noStrike" cap="none" spc="0" normalizeH="0" baseline="0" dirty="0" err="1">
                 <a:ln>
                   <a:noFill/>
                 </a:ln>
@@ -7660,7 +7639,7 @@
               <a:t>pu_model</a:t>
             </a:r>
             <a:r>
-              <a:rPr kumimoji="0" lang="it-IT" sz="2000" b="0" i="0" u="none" strike="noStrike" cap="none" spc="0" normalizeH="0" baseline="0" dirty="0">
+              <a:rPr kumimoji="0" lang="it-IT" sz="3200" b="0" i="1" u="none" strike="noStrike" cap="none" spc="0" normalizeH="0" baseline="0" dirty="0">
                 <a:ln>
                   <a:noFill/>
                 </a:ln>
@@ -7676,10 +7655,67 @@
                 <a:cs typeface="+mn-cs"/>
                 <a:sym typeface="Helvetica Neue"/>
               </a:rPr>
-              <a:t> , asse y: SSD , asse z: </a:t>
-            </a:r>
-            <a:r>
-              <a:rPr kumimoji="0" lang="it-IT" sz="2000" b="0" i="0" u="none" strike="noStrike" cap="none" spc="0" normalizeH="0" baseline="0" dirty="0" err="1">
+              <a:t> </a:t>
+            </a:r>
+            <a:r>
+              <a:rPr kumimoji="0" lang="it-IT" sz="3200" b="0" i="0" u="none" strike="noStrike" cap="none" spc="0" normalizeH="0" baseline="0" dirty="0">
+                <a:ln>
+                  <a:noFill/>
+                </a:ln>
+                <a:solidFill>
+                  <a:schemeClr val="bg2">
+                    <a:lumMod val="10000"/>
+                  </a:schemeClr>
+                </a:solidFill>
+                <a:effectLst/>
+                <a:uFillTx/>
+                <a:latin typeface="+mn-lt"/>
+                <a:ea typeface="+mn-ea"/>
+                <a:cs typeface="+mn-cs"/>
+                <a:sym typeface="Helvetica Neue"/>
+              </a:rPr>
+              <a:t>, asse y: </a:t>
+            </a:r>
+            <a:r>
+              <a:rPr kumimoji="0" lang="it-IT" sz="3200" b="0" i="1" u="none" strike="noStrike" cap="none" spc="0" normalizeH="0" baseline="0" dirty="0">
+                <a:ln>
+                  <a:noFill/>
+                </a:ln>
+                <a:solidFill>
+                  <a:schemeClr val="bg2">
+                    <a:lumMod val="10000"/>
+                  </a:schemeClr>
+                </a:solidFill>
+                <a:effectLst/>
+                <a:uFillTx/>
+                <a:latin typeface="+mn-lt"/>
+                <a:ea typeface="+mn-ea"/>
+                <a:cs typeface="+mn-cs"/>
+                <a:sym typeface="Helvetica Neue"/>
+              </a:rPr>
+              <a:t>SSD</a:t>
+            </a:r>
+            <a:r>
+              <a:rPr kumimoji="0" lang="it-IT" sz="3200" b="0" i="0" u="none" strike="noStrike" cap="none" spc="0" normalizeH="0" baseline="0" dirty="0">
+                <a:ln>
+                  <a:noFill/>
+                </a:ln>
+                <a:solidFill>
+                  <a:schemeClr val="bg2">
+                    <a:lumMod val="10000"/>
+                  </a:schemeClr>
+                </a:solidFill>
+                <a:effectLst/>
+                <a:uFillTx/>
+                <a:latin typeface="+mn-lt"/>
+                <a:ea typeface="+mn-ea"/>
+                <a:cs typeface="+mn-cs"/>
+                <a:sym typeface="Helvetica Neue"/>
+              </a:rPr>
+              <a:t> , asse z: </a:t>
+            </a:r>
+            <a:r>
+              <a:rPr kumimoji="0" lang="it-IT" sz="3200" b="0" i="1" u="none" strike="noStrike" cap="none" spc="0" normalizeH="0" baseline="0" dirty="0" err="1">
                 <a:ln>
                   <a:noFill/>
                 </a:ln>
@@ -7698,7 +7734,7 @@
               <a:t>RamGB</a:t>
             </a:r>
             <a:r>
-              <a:rPr kumimoji="0" lang="it-IT" sz="2000" b="0" i="0" u="none" strike="noStrike" cap="none" spc="0" normalizeH="0" baseline="0" dirty="0">
+              <a:rPr kumimoji="0" lang="it-IT" sz="3200" b="0" i="0" u="none" strike="noStrike" cap="none" spc="0" normalizeH="0" baseline="0" dirty="0">
                 <a:ln>
                   <a:noFill/>
                 </a:ln>
@@ -7980,7 +8016,7 @@
         </p:nvSpPr>
         <p:spPr>
           <a:xfrm>
-            <a:off x="914399" y="1664298"/>
+            <a:off x="1206500" y="1646992"/>
             <a:ext cx="7336465" cy="595035"/>
           </a:xfrm>
           <a:prstGeom prst="rect">
@@ -8091,7 +8127,7 @@
         </p:nvSpPr>
         <p:spPr>
           <a:xfrm>
-            <a:off x="12464905" y="1664298"/>
+            <a:off x="13344136" y="1641030"/>
             <a:ext cx="7336465" cy="595035"/>
           </a:xfrm>
           <a:prstGeom prst="rect">
@@ -8809,7 +8845,7 @@
               <a:tabLst/>
             </a:pPr>
             <a:r>
-              <a:rPr kumimoji="0" lang="it-IT" sz="3200" b="0" i="0" u="none" strike="noStrike" cap="none" spc="0" normalizeH="0" baseline="0" dirty="0" err="1">
+              <a:rPr kumimoji="0" lang="it-IT" sz="3200" b="1" i="0" u="none" strike="noStrike" cap="none" spc="0" normalizeH="0" baseline="0" dirty="0" err="1">
                 <a:ln>
                   <a:noFill/>
                 </a:ln>
@@ -9470,7 +9506,7 @@
               <a:tabLst/>
             </a:pPr>
             <a:r>
-              <a:rPr kumimoji="0" lang="it-IT" sz="3200" b="0" i="0" u="none" strike="noStrike" cap="none" spc="0" normalizeH="0" baseline="0" dirty="0" err="1">
+              <a:rPr kumimoji="0" lang="it-IT" sz="3200" b="1" i="0" u="none" strike="noStrike" cap="none" spc="0" normalizeH="0" baseline="0" dirty="0" err="1">
                 <a:ln>
                   <a:noFill/>
                 </a:ln>
@@ -10303,13 +10339,13 @@
           <p:nvPr>
             <p:extLst>
               <p:ext uri="{D42A27DB-BD31-4B8C-83A1-F6EECF244321}">
-                <p14:modId xmlns:p14="http://schemas.microsoft.com/office/powerpoint/2010/main" val="3328757434"/>
+                <p14:modId xmlns:p14="http://schemas.microsoft.com/office/powerpoint/2010/main" val="1157224550"/>
               </p:ext>
             </p:extLst>
           </p:nvPr>
         </p:nvGraphicFramePr>
         <p:xfrm>
-          <a:off x="13331702" y="8183791"/>
+          <a:off x="13929579" y="8183791"/>
           <a:ext cx="9609468" cy="3467292"/>
         </p:xfrm>
         <a:graphic>
@@ -10860,7 +10896,7 @@
         </p:nvSpPr>
         <p:spPr>
           <a:xfrm>
-            <a:off x="13331702" y="12009174"/>
+            <a:off x="13929579" y="12009174"/>
             <a:ext cx="7844464" cy="595035"/>
           </a:xfrm>
           <a:prstGeom prst="rect">
@@ -10909,7 +10945,7 @@
               <a:tabLst/>
             </a:pPr>
             <a:r>
-              <a:rPr kumimoji="0" lang="it-IT" sz="3200" b="0" i="0" u="none" strike="noStrike" cap="none" spc="0" normalizeH="0" baseline="0" dirty="0" err="1">
+              <a:rPr kumimoji="0" lang="it-IT" sz="3200" b="1" i="0" u="none" strike="noStrike" cap="none" spc="0" normalizeH="0" baseline="0" dirty="0" err="1">
                 <a:ln>
                   <a:noFill/>
                 </a:ln>
@@ -11067,13 +11103,13 @@
           <p:nvPr>
             <p:extLst>
               <p:ext uri="{D42A27DB-BD31-4B8C-83A1-F6EECF244321}">
-                <p14:modId xmlns:p14="http://schemas.microsoft.com/office/powerpoint/2010/main" val="2846009953"/>
+                <p14:modId xmlns:p14="http://schemas.microsoft.com/office/powerpoint/2010/main" val="1233101248"/>
               </p:ext>
             </p:extLst>
           </p:nvPr>
         </p:nvGraphicFramePr>
         <p:xfrm>
-          <a:off x="1423237" y="8183791"/>
+          <a:off x="2021114" y="8183791"/>
           <a:ext cx="9609468" cy="3467292"/>
         </p:xfrm>
         <a:graphic>
@@ -11624,7 +11660,7 @@
         </p:nvSpPr>
         <p:spPr>
           <a:xfrm>
-            <a:off x="1423237" y="12009174"/>
+            <a:off x="2021114" y="12009174"/>
             <a:ext cx="7844464" cy="595035"/>
           </a:xfrm>
           <a:prstGeom prst="rect">
@@ -11673,7 +11709,7 @@
               <a:tabLst/>
             </a:pPr>
             <a:r>
-              <a:rPr kumimoji="0" lang="it-IT" sz="3200" b="0" i="0" u="none" strike="noStrike" cap="none" spc="0" normalizeH="0" baseline="0" dirty="0" err="1">
+              <a:rPr kumimoji="0" lang="it-IT" sz="3200" b="1" i="0" u="none" strike="noStrike" cap="none" spc="0" normalizeH="0" baseline="0" dirty="0" err="1">
                 <a:ln>
                   <a:noFill/>
                 </a:ln>
@@ -12014,7 +12050,7 @@
             </a:br>
             <a:r>
               <a:rPr lang="it-IT" sz="2700" b="0" dirty="0" err="1"/>
-              <a:t>ntree</a:t>
+              <a:t>Ntree</a:t>
             </a:r>
             <a:r>
               <a:rPr lang="it-IT" sz="2700" b="0" dirty="0"/>
@@ -12581,7 +12617,7 @@
           </p:cNvPicPr>
           <p:nvPr/>
         </p:nvPicPr>
-        <p:blipFill>
+        <p:blipFill rotWithShape="1">
           <a:blip r:embed="rId2">
             <a:extLst>
               <a:ext uri="{28A0092B-C50C-407E-A947-70E740481C1C}">
@@ -12589,14 +12625,13 @@
               </a:ext>
             </a:extLst>
           </a:blip>
-          <a:stretch>
-            <a:fillRect/>
-          </a:stretch>
+          <a:srcRect l="27517" r="31395"/>
+          <a:stretch/>
         </p:blipFill>
         <p:spPr>
           <a:xfrm>
-            <a:off x="-3027852" y="2646847"/>
-            <a:ext cx="11130599" cy="4625703"/>
+            <a:off x="1362430" y="2869422"/>
+            <a:ext cx="5411897" cy="5473887"/>
           </a:xfrm>
           <a:prstGeom prst="rect">
             <a:avLst/>
@@ -12617,7 +12652,7 @@
           </p:cNvPicPr>
           <p:nvPr/>
         </p:nvPicPr>
-        <p:blipFill>
+        <p:blipFill rotWithShape="1">
           <a:blip r:embed="rId3">
             <a:extLst>
               <a:ext uri="{28A0092B-C50C-407E-A947-70E740481C1C}">
@@ -12625,14 +12660,13 @@
               </a:ext>
             </a:extLst>
           </a:blip>
-          <a:stretch>
-            <a:fillRect/>
-          </a:stretch>
+          <a:srcRect l="28297" r="30615"/>
+          <a:stretch/>
         </p:blipFill>
         <p:spPr>
           <a:xfrm>
-            <a:off x="-3027853" y="7323587"/>
-            <a:ext cx="11130599" cy="4625703"/>
+            <a:off x="1356654" y="8251429"/>
+            <a:ext cx="5417673" cy="5479730"/>
           </a:xfrm>
           <a:prstGeom prst="rect">
             <a:avLst/>
@@ -12653,7 +12687,7 @@
           </p:cNvPicPr>
           <p:nvPr/>
         </p:nvPicPr>
-        <p:blipFill>
+        <p:blipFill rotWithShape="1">
           <a:blip r:embed="rId4">
             <a:extLst>
               <a:ext uri="{28A0092B-C50C-407E-A947-70E740481C1C}">
@@ -12661,14 +12695,13 @@
               </a:ext>
             </a:extLst>
           </a:blip>
-          <a:stretch>
-            <a:fillRect/>
-          </a:stretch>
+          <a:srcRect l="28584" r="30329"/>
+          <a:stretch/>
         </p:blipFill>
         <p:spPr>
           <a:xfrm>
-            <a:off x="4573318" y="2682752"/>
-            <a:ext cx="11130599" cy="4625703"/>
+            <a:off x="6647547" y="2869422"/>
+            <a:ext cx="5411898" cy="5473889"/>
           </a:xfrm>
           <a:prstGeom prst="rect">
             <a:avLst/>
@@ -12689,7 +12722,7 @@
           </p:cNvPicPr>
           <p:nvPr/>
         </p:nvPicPr>
-        <p:blipFill>
+        <p:blipFill rotWithShape="1">
           <a:blip r:embed="rId5">
             <a:extLst>
               <a:ext uri="{28A0092B-C50C-407E-A947-70E740481C1C}">
@@ -12697,14 +12730,13 @@
               </a:ext>
             </a:extLst>
           </a:blip>
-          <a:stretch>
-            <a:fillRect/>
-          </a:stretch>
+          <a:srcRect l="29215" r="29697"/>
+          <a:stretch/>
         </p:blipFill>
         <p:spPr>
           <a:xfrm>
-            <a:off x="4573318" y="7323587"/>
-            <a:ext cx="11130599" cy="4625703"/>
+            <a:off x="6774327" y="8251429"/>
+            <a:ext cx="5417673" cy="5479730"/>
           </a:xfrm>
           <a:prstGeom prst="rect">
             <a:avLst/>
@@ -12726,13 +12758,13 @@
           <p:nvPr>
             <p:extLst>
               <p:ext uri="{D42A27DB-BD31-4B8C-83A1-F6EECF244321}">
-                <p14:modId xmlns:p14="http://schemas.microsoft.com/office/powerpoint/2010/main" val="4017146460"/>
+                <p14:modId xmlns:p14="http://schemas.microsoft.com/office/powerpoint/2010/main" val="1295244935"/>
               </p:ext>
             </p:extLst>
           </p:nvPr>
         </p:nvGraphicFramePr>
         <p:xfrm>
-          <a:off x="13120577" y="4997302"/>
+          <a:off x="12859190" y="6228225"/>
           <a:ext cx="10318310" cy="3450548"/>
         </p:xfrm>
         <a:graphic>
@@ -12808,7 +12840,17 @@
                             </a:schemeClr>
                           </a:solidFill>
                         </a:rPr>
-                        <a:t>AUC media – F. bassa</a:t>
+                        <a:t>AUC media – </a:t>
+                      </a:r>
+                      <a:r>
+                        <a:rPr lang="it-IT" sz="2400" b="1" dirty="0">
+                          <a:solidFill>
+                            <a:schemeClr val="bg2">
+                              <a:lumMod val="10000"/>
+                            </a:schemeClr>
+                          </a:solidFill>
+                        </a:rPr>
+                        <a:t>F. bassa</a:t>
                       </a:r>
                     </a:p>
                   </a:txBody>
@@ -12844,7 +12886,17 @@
                             </a:schemeClr>
                           </a:solidFill>
                         </a:rPr>
-                        <a:t>AUC media – F. media</a:t>
+                        <a:t>AUC media – </a:t>
+                      </a:r>
+                      <a:r>
+                        <a:rPr lang="it-IT" sz="2400" b="1" dirty="0">
+                          <a:solidFill>
+                            <a:schemeClr val="bg2">
+                              <a:lumMod val="10000"/>
+                            </a:schemeClr>
+                          </a:solidFill>
+                        </a:rPr>
+                        <a:t>F. media</a:t>
                       </a:r>
                     </a:p>
                   </a:txBody>
@@ -12880,7 +12932,17 @@
                             </a:schemeClr>
                           </a:solidFill>
                         </a:rPr>
-                        <a:t>AUC media – F. alta</a:t>
+                        <a:t>AUC media – </a:t>
+                      </a:r>
+                      <a:r>
+                        <a:rPr lang="it-IT" sz="2400" b="1" dirty="0">
+                          <a:solidFill>
+                            <a:schemeClr val="bg2">
+                              <a:lumMod val="10000"/>
+                            </a:schemeClr>
+                          </a:solidFill>
+                        </a:rPr>
+                        <a:t>F. alta</a:t>
                       </a:r>
                     </a:p>
                   </a:txBody>
@@ -12916,7 +12978,17 @@
                             </a:schemeClr>
                           </a:solidFill>
                         </a:rPr>
-                        <a:t>AUC media – F. premium</a:t>
+                        <a:t>AUC media – </a:t>
+                      </a:r>
+                      <a:r>
+                        <a:rPr lang="it-IT" sz="2400" b="1" dirty="0">
+                          <a:solidFill>
+                            <a:schemeClr val="bg2">
+                              <a:lumMod val="10000"/>
+                            </a:schemeClr>
+                          </a:solidFill>
+                        </a:rPr>
+                        <a:t>F. premium</a:t>
                       </a:r>
                     </a:p>
                   </a:txBody>
@@ -12937,10 +13009,11 @@
                       <a:r>
                         <a:rPr lang="it-IT" sz="2400" dirty="0">
                           <a:solidFill>
-                            <a:schemeClr val="bg2">
-                              <a:lumMod val="10000"/>
-                            </a:schemeClr>
+                            <a:schemeClr val="bg1"/>
                           </a:solidFill>
+                          <a:highlight>
+                            <a:srgbClr val="0000FF"/>
+                          </a:highlight>
                         </a:rPr>
                         <a:t>DT</a:t>
                       </a:r>
@@ -13043,6 +13116,9 @@
                               <a:lumMod val="10000"/>
                             </a:schemeClr>
                           </a:solidFill>
+                          <a:highlight>
+                            <a:srgbClr val="00FF00"/>
+                          </a:highlight>
                         </a:rPr>
                         <a:t>SVM</a:t>
                       </a:r>
@@ -13141,10 +13217,11 @@
                       <a:r>
                         <a:rPr lang="it-IT" sz="2400" dirty="0">
                           <a:solidFill>
-                            <a:schemeClr val="bg2">
-                              <a:lumMod val="10000"/>
-                            </a:schemeClr>
+                            <a:schemeClr val="bg1"/>
                           </a:solidFill>
+                          <a:highlight>
+                            <a:srgbClr val="FF0000"/>
+                          </a:highlight>
                         </a:rPr>
                         <a:t>RF</a:t>
                       </a:r>
@@ -13252,7 +13329,7 @@
         </p:nvSpPr>
         <p:spPr>
           <a:xfrm>
-            <a:off x="508334" y="1457032"/>
+            <a:off x="1206500" y="1436259"/>
             <a:ext cx="11461897" cy="1210588"/>
           </a:xfrm>
           <a:prstGeom prst="rect">
@@ -13301,12 +13378,14 @@
               <a:tabLst/>
             </a:pPr>
             <a:r>
-              <a:rPr kumimoji="0" lang="it-IT" sz="2400" b="0" i="0" u="none" strike="noStrike" cap="none" spc="0" normalizeH="0" baseline="0" dirty="0">
+              <a:rPr kumimoji="0" lang="it-IT" sz="2400" b="1" i="0" u="none" strike="noStrike" cap="none" spc="0" normalizeH="0" baseline="0" dirty="0" err="1">
                 <a:ln>
                   <a:noFill/>
                 </a:ln>
                 <a:solidFill>
-                  <a:srgbClr val="5E5E5E"/>
+                  <a:schemeClr val="bg2">
+                    <a:lumMod val="10000"/>
+                  </a:schemeClr>
                 </a:solidFill>
                 <a:effectLst/>
                 <a:uFillTx/>
@@ -13315,7 +13394,84 @@
                 <a:cs typeface="+mn-cs"/>
                 <a:sym typeface="Helvetica Neue"/>
               </a:rPr>
-              <a:t>DT: blu</a:t>
+              <a:t>Decisional</a:t>
+            </a:r>
+            <a:r>
+              <a:rPr kumimoji="0" lang="it-IT" sz="2400" b="1" i="0" u="none" strike="noStrike" cap="none" spc="0" normalizeH="0" baseline="0" dirty="0">
+                <a:ln>
+                  <a:noFill/>
+                </a:ln>
+                <a:solidFill>
+                  <a:schemeClr val="bg2">
+                    <a:lumMod val="10000"/>
+                  </a:schemeClr>
+                </a:solidFill>
+                <a:effectLst/>
+                <a:uFillTx/>
+                <a:latin typeface="+mn-lt"/>
+                <a:ea typeface="+mn-ea"/>
+                <a:cs typeface="+mn-cs"/>
+                <a:sym typeface="Helvetica Neue"/>
+              </a:rPr>
+              <a:t> </a:t>
+            </a:r>
+            <a:r>
+              <a:rPr kumimoji="0" lang="it-IT" sz="2400" b="1" i="0" u="none" strike="noStrike" cap="none" spc="0" normalizeH="0" baseline="0" dirty="0" err="1">
+                <a:ln>
+                  <a:noFill/>
+                </a:ln>
+                <a:solidFill>
+                  <a:schemeClr val="bg2">
+                    <a:lumMod val="10000"/>
+                  </a:schemeClr>
+                </a:solidFill>
+                <a:effectLst/>
+                <a:uFillTx/>
+                <a:latin typeface="+mn-lt"/>
+                <a:ea typeface="+mn-ea"/>
+                <a:cs typeface="+mn-cs"/>
+                <a:sym typeface="Helvetica Neue"/>
+              </a:rPr>
+              <a:t>Tree</a:t>
+            </a:r>
+            <a:r>
+              <a:rPr kumimoji="0" lang="it-IT" sz="2400" b="1" i="0" u="none" strike="noStrike" cap="none" spc="0" normalizeH="0" baseline="0" dirty="0">
+                <a:ln>
+                  <a:noFill/>
+                </a:ln>
+                <a:solidFill>
+                  <a:schemeClr val="bg2">
+                    <a:lumMod val="10000"/>
+                  </a:schemeClr>
+                </a:solidFill>
+                <a:effectLst/>
+                <a:uFillTx/>
+                <a:latin typeface="+mn-lt"/>
+                <a:ea typeface="+mn-ea"/>
+                <a:cs typeface="+mn-cs"/>
+                <a:sym typeface="Helvetica Neue"/>
+              </a:rPr>
+              <a:t> (DT): </a:t>
+            </a:r>
+            <a:r>
+              <a:rPr kumimoji="0" lang="it-IT" sz="2400" b="0" i="0" u="none" strike="noStrike" cap="none" spc="0" normalizeH="0" baseline="0" dirty="0">
+                <a:ln>
+                  <a:noFill/>
+                </a:ln>
+                <a:solidFill>
+                  <a:schemeClr val="bg1"/>
+                </a:solidFill>
+                <a:effectLst/>
+                <a:highlight>
+                  <a:srgbClr val="0000FF"/>
+                </a:highlight>
+                <a:uFillTx/>
+                <a:latin typeface="+mn-lt"/>
+                <a:ea typeface="+mn-ea"/>
+                <a:cs typeface="+mn-cs"/>
+                <a:sym typeface="Helvetica Neue"/>
+              </a:rPr>
+              <a:t>blu</a:t>
             </a:r>
           </a:p>
           <a:p>
@@ -13336,8 +13492,27 @@
               <a:tabLst/>
             </a:pPr>
             <a:r>
-              <a:rPr lang="it-IT" dirty="0"/>
-              <a:t>SVM: verde</a:t>
+              <a:rPr lang="it-IT" b="1" dirty="0">
+                <a:solidFill>
+                  <a:schemeClr val="bg2">
+                    <a:lumMod val="10000"/>
+                  </a:schemeClr>
+                </a:solidFill>
+              </a:rPr>
+              <a:t>SVM: </a:t>
+            </a:r>
+            <a:r>
+              <a:rPr lang="it-IT" dirty="0">
+                <a:solidFill>
+                  <a:schemeClr val="bg2">
+                    <a:lumMod val="10000"/>
+                  </a:schemeClr>
+                </a:solidFill>
+                <a:highlight>
+                  <a:srgbClr val="00FF00"/>
+                </a:highlight>
+              </a:rPr>
+              <a:t>verde</a:t>
             </a:r>
           </a:p>
           <a:p>
@@ -13358,12 +13533,14 @@
               <a:tabLst/>
             </a:pPr>
             <a:r>
-              <a:rPr kumimoji="0" lang="it-IT" sz="2400" b="0" i="0" u="none" strike="noStrike" cap="none" spc="0" normalizeH="0" baseline="0" dirty="0">
+              <a:rPr kumimoji="0" lang="it-IT" sz="2400" b="1" i="0" u="none" strike="noStrike" cap="none" spc="0" normalizeH="0" baseline="0" dirty="0">
                 <a:ln>
                   <a:noFill/>
                 </a:ln>
                 <a:solidFill>
-                  <a:srgbClr val="5E5E5E"/>
+                  <a:schemeClr val="bg2">
+                    <a:lumMod val="10000"/>
+                  </a:schemeClr>
                 </a:solidFill>
                 <a:effectLst/>
                 <a:uFillTx/>
@@ -13372,7 +13549,65 @@
                 <a:cs typeface="+mn-cs"/>
                 <a:sym typeface="Helvetica Neue"/>
               </a:rPr>
-              <a:t>RF: rosso</a:t>
+              <a:t>Random </a:t>
+            </a:r>
+            <a:r>
+              <a:rPr kumimoji="0" lang="it-IT" sz="2400" b="1" i="0" u="none" strike="noStrike" cap="none" spc="0" normalizeH="0" baseline="0" dirty="0" err="1">
+                <a:ln>
+                  <a:noFill/>
+                </a:ln>
+                <a:solidFill>
+                  <a:schemeClr val="bg2">
+                    <a:lumMod val="10000"/>
+                  </a:schemeClr>
+                </a:solidFill>
+                <a:effectLst/>
+                <a:uFillTx/>
+                <a:latin typeface="+mn-lt"/>
+                <a:ea typeface="+mn-ea"/>
+                <a:cs typeface="+mn-cs"/>
+                <a:sym typeface="Helvetica Neue"/>
+              </a:rPr>
+              <a:t>Forest</a:t>
+            </a:r>
+            <a:r>
+              <a:rPr kumimoji="0" lang="it-IT" sz="2400" b="1" i="0" u="none" strike="noStrike" cap="none" spc="0" normalizeH="0" baseline="0" dirty="0">
+                <a:ln>
+                  <a:noFill/>
+                </a:ln>
+                <a:solidFill>
+                  <a:schemeClr val="bg2">
+                    <a:lumMod val="10000"/>
+                  </a:schemeClr>
+                </a:solidFill>
+                <a:effectLst/>
+                <a:uFillTx/>
+                <a:latin typeface="+mn-lt"/>
+                <a:ea typeface="+mn-ea"/>
+                <a:cs typeface="+mn-cs"/>
+                <a:sym typeface="Helvetica Neue"/>
+              </a:rPr>
+              <a:t> (RF): </a:t>
+            </a:r>
+            <a:r>
+              <a:rPr kumimoji="0" lang="it-IT" sz="2400" b="0" i="0" u="none" strike="noStrike" cap="none" spc="0" normalizeH="0" baseline="0" dirty="0">
+                <a:ln>
+                  <a:noFill/>
+                </a:ln>
+                <a:solidFill>
+                  <a:schemeClr val="bg1"/>
+                </a:solidFill>
+                <a:effectLst/>
+                <a:highlight>
+                  <a:srgbClr val="FF0000"/>
+                </a:highlight>
+                <a:uFillTx/>
+                <a:latin typeface="+mn-lt"/>
+                <a:ea typeface="+mn-ea"/>
+                <a:cs typeface="+mn-cs"/>
+                <a:sym typeface="Helvetica Neue"/>
+              </a:rPr>
+              <a:t>rosso</a:t>
             </a:r>
           </a:p>
         </p:txBody>
@@ -13449,7 +13684,7 @@
           </a:prstGeom>
           <a:extLst>
             <a:ext uri="{C572A759-6A51-4108-AA02-DFA0A04FC94B}">
-              <ma14:wrappingTextBoxFlag xmlns:ma14="http://schemas.microsoft.com/office/mac/drawingml/2011/main" xmlns:a14="http://schemas.microsoft.com/office/drawing/2010/main" xmlns:m="http://schemas.openxmlformats.org/officeDocument/2006/math" xmlns="" val="1"/>
+              <ma14:wrappingTextBoxFlag xmlns="" xmlns:m="http://schemas.openxmlformats.org/officeDocument/2006/math" xmlns:a14="http://schemas.microsoft.com/office/drawing/2010/main" xmlns:ma14="http://schemas.microsoft.com/office/mac/drawingml/2011/main" val="1"/>
             </a:ext>
           </a:extLst>
         </p:spPr>
@@ -13869,7 +14104,7 @@
           </a:ln>
           <a:extLst>
             <a:ext uri="{C572A759-6A51-4108-AA02-DFA0A04FC94B}">
-              <ma14:wrappingTextBoxFlag xmlns:ma14="http://schemas.microsoft.com/office/mac/drawingml/2011/main" xmlns:a14="http://schemas.microsoft.com/office/drawing/2010/main" xmlns:m="http://schemas.openxmlformats.org/officeDocument/2006/math" xmlns="" val="1"/>
+              <ma14:wrappingTextBoxFlag xmlns="" xmlns:m="http://schemas.openxmlformats.org/officeDocument/2006/math" xmlns:a14="http://schemas.microsoft.com/office/drawing/2010/main" xmlns:ma14="http://schemas.microsoft.com/office/mac/drawingml/2011/main" val="1"/>
             </a:ext>
           </a:extLst>
         </p:spPr>
@@ -13960,7 +14195,7 @@
           </a:prstGeom>
           <a:extLst>
             <a:ext uri="{C572A759-6A51-4108-AA02-DFA0A04FC94B}">
-              <ma14:wrappingTextBoxFlag xmlns:ma14="http://schemas.microsoft.com/office/mac/drawingml/2011/main" xmlns:a14="http://schemas.microsoft.com/office/drawing/2010/main" xmlns:m="http://schemas.openxmlformats.org/officeDocument/2006/math" xmlns="" val="1"/>
+              <ma14:wrappingTextBoxFlag xmlns="" xmlns:m="http://schemas.openxmlformats.org/officeDocument/2006/math" xmlns:a14="http://schemas.microsoft.com/office/drawing/2010/main" xmlns:ma14="http://schemas.microsoft.com/office/mac/drawingml/2011/main" val="1"/>
             </a:ext>
           </a:extLst>
         </p:spPr>
@@ -14153,7 +14388,7 @@
           </a:prstGeom>
           <a:extLst>
             <a:ext uri="{C572A759-6A51-4108-AA02-DFA0A04FC94B}">
-              <ma14:wrappingTextBoxFlag xmlns:ma14="http://schemas.microsoft.com/office/mac/drawingml/2011/main" xmlns:a14="http://schemas.microsoft.com/office/drawing/2010/main" xmlns:m="http://schemas.openxmlformats.org/officeDocument/2006/math" xmlns="" val="1"/>
+              <ma14:wrappingTextBoxFlag xmlns="" xmlns:m="http://schemas.openxmlformats.org/officeDocument/2006/math" xmlns:a14="http://schemas.microsoft.com/office/drawing/2010/main" xmlns:ma14="http://schemas.microsoft.com/office/mac/drawingml/2011/main" val="1"/>
             </a:ext>
           </a:extLst>
         </p:spPr>
